--- a/project/final_presentation.pptx
+++ b/project/final_presentation.pptx
@@ -13,22 +13,23 @@
     <p:sldMasterId id="2147483849" r:id="rId9"/>
   </p:sldMasterIdLst>
   <p:notesMasterIdLst>
-    <p:notesMasterId r:id="rId20"/>
+    <p:notesMasterId r:id="rId21"/>
   </p:notesMasterIdLst>
   <p:handoutMasterIdLst>
-    <p:handoutMasterId r:id="rId21"/>
+    <p:handoutMasterId r:id="rId22"/>
   </p:handoutMasterIdLst>
   <p:sldIdLst>
     <p:sldId id="268" r:id="rId10"/>
     <p:sldId id="272" r:id="rId11"/>
     <p:sldId id="285" r:id="rId12"/>
-    <p:sldId id="281" r:id="rId13"/>
-    <p:sldId id="282" r:id="rId14"/>
+    <p:sldId id="282" r:id="rId13"/>
+    <p:sldId id="281" r:id="rId14"/>
     <p:sldId id="284" r:id="rId15"/>
-    <p:sldId id="286" r:id="rId16"/>
-    <p:sldId id="287" r:id="rId17"/>
-    <p:sldId id="288" r:id="rId18"/>
-    <p:sldId id="289" r:id="rId19"/>
+    <p:sldId id="290" r:id="rId16"/>
+    <p:sldId id="286" r:id="rId17"/>
+    <p:sldId id="287" r:id="rId18"/>
+    <p:sldId id="288" r:id="rId19"/>
+    <p:sldId id="289" r:id="rId20"/>
   </p:sldIdLst>
   <p:sldSz cx="12187238" cy="6858000"/>
   <p:notesSz cx="7099300" cy="10234613"/>
@@ -290,7 +291,7 @@
               <a:rPr lang="de-DE" smtClean="0">
                 <a:latin typeface="Arial" panose="020B0604020202020204" pitchFamily="34" charset="0"/>
               </a:rPr>
-              <a:t>19.12.2016</a:t>
+              <a:t>20.12.2016</a:t>
             </a:fld>
             <a:endParaRPr lang="de-DE" dirty="0">
               <a:latin typeface="Arial" panose="020B0604020202020204" pitchFamily="34" charset="0"/>
@@ -469,7 +470,7 @@
             <a:fld id="{BCDB334D-D17F-49C4-91DD-37BB7E818209}" type="datetimeFigureOut">
               <a:rPr lang="de-CH" smtClean="0"/>
               <a:pPr/>
-              <a:t>19.12.2016</a:t>
+              <a:t>20.12.2016</a:t>
             </a:fld>
             <a:endParaRPr lang="de-CH" dirty="0"/>
           </a:p>
@@ -800,7 +801,22 @@
             </a:r>
             <a:r>
               <a:rPr lang="en-GB" baseline="0" dirty="0"/>
-              <a:t> to the presentation of our project.</a:t>
+              <a:t> to the presentation of our final project.</a:t>
+            </a:r>
+            <a:br>
+              <a:rPr lang="en-GB" baseline="0" dirty="0"/>
+            </a:br>
+            <a:r>
+              <a:rPr lang="en-GB" baseline="0" dirty="0"/>
+              <a:t>As we already have presented the mid-project milestone presentation, our goal was to create a simple </a:t>
+            </a:r>
+            <a:r>
+              <a:rPr lang="en-GB" baseline="0" dirty="0" err="1"/>
+              <a:t>rollercoast</a:t>
+            </a:r>
+            <a:r>
+              <a:rPr lang="en-GB" baseline="0" dirty="0"/>
+              <a:t> that ends in pool filled with small balls.</a:t>
             </a:r>
             <a:endParaRPr lang="en-GB" dirty="0"/>
           </a:p>
@@ -889,17 +905,34 @@
           <a:p>
             <a:r>
               <a:rPr lang="en-GB" dirty="0"/>
+              <a:t>Here</a:t>
+            </a:r>
+            <a:r>
+              <a:rPr lang="en-GB" baseline="0" dirty="0"/>
+              <a:t> is the overall result of our simulation.</a:t>
+            </a:r>
+            <a:br>
+              <a:rPr lang="en-GB" baseline="0" dirty="0"/>
+            </a:br>
+            <a:r>
+              <a:rPr lang="en-GB" baseline="0" dirty="0"/>
+              <a:t>The box is 10 times heavier than each sphere.</a:t>
+            </a:r>
+          </a:p>
+          <a:p>
+            <a:r>
+              <a:rPr lang="en-GB" baseline="0" dirty="0"/>
+              <a:t>(</a:t>
+            </a:r>
+            <a:r>
+              <a:rPr lang="en-GB" dirty="0"/>
               <a:t>Weight</a:t>
             </a:r>
             <a:r>
               <a:rPr lang="en-GB" baseline="0" dirty="0"/>
-              <a:t> of </a:t>
-            </a:r>
-            <a:r>
-              <a:rPr lang="en-GB" baseline="0"/>
-              <a:t>the spheres: 1</a:t>
-            </a:r>
-            <a:endParaRPr lang="en-GB"/>
+              <a:t> of the spheres: 10)</a:t>
+            </a:r>
+            <a:endParaRPr lang="en-GB" dirty="0"/>
           </a:p>
         </p:txBody>
       </p:sp>
@@ -922,6 +955,110 @@
               <a:rPr lang="de-CH" smtClean="0"/>
               <a:pPr/>
               <a:t>10</a:t>
+            </a:fld>
+            <a:endParaRPr lang="de-CH" dirty="0"/>
+          </a:p>
+        </p:txBody>
+      </p:sp>
+    </p:spTree>
+    <p:extLst>
+      <p:ext uri="{BB962C8B-B14F-4D97-AF65-F5344CB8AC3E}">
+        <p14:creationId xmlns:p14="http://schemas.microsoft.com/office/powerpoint/2010/main" val="4177258231"/>
+      </p:ext>
+    </p:extLst>
+  </p:cSld>
+  <p:clrMapOvr>
+    <a:masterClrMapping/>
+  </p:clrMapOvr>
+</p:notes>
+</file>
+
+<file path=ppt/notesSlides/notesSlide11.xml><?xml version="1.0" encoding="utf-8"?>
+<p:notes xmlns:a="http://schemas.openxmlformats.org/drawingml/2006/main" xmlns:r="http://schemas.openxmlformats.org/officeDocument/2006/relationships" xmlns:p="http://schemas.openxmlformats.org/presentationml/2006/main">
+  <p:cSld>
+    <p:spTree>
+      <p:nvGrpSpPr>
+        <p:cNvPr id="1" name=""/>
+        <p:cNvGrpSpPr/>
+        <p:nvPr/>
+      </p:nvGrpSpPr>
+      <p:grpSpPr>
+        <a:xfrm>
+          <a:off x="0" y="0"/>
+          <a:ext cx="0" cy="0"/>
+          <a:chOff x="0" y="0"/>
+          <a:chExt cx="0" cy="0"/>
+        </a:xfrm>
+      </p:grpSpPr>
+      <p:sp>
+        <p:nvSpPr>
+          <p:cNvPr id="2" name="Folienbildplatzhalter 1"/>
+          <p:cNvSpPr>
+            <a:spLocks noGrp="1" noRot="1" noChangeAspect="1"/>
+          </p:cNvSpPr>
+          <p:nvPr>
+            <p:ph type="sldImg"/>
+          </p:nvPr>
+        </p:nvSpPr>
+        <p:spPr/>
+      </p:sp>
+      <p:sp>
+        <p:nvSpPr>
+          <p:cNvPr id="3" name="Notizenplatzhalter 2"/>
+          <p:cNvSpPr>
+            <a:spLocks noGrp="1"/>
+          </p:cNvSpPr>
+          <p:nvPr>
+            <p:ph type="body" idx="1"/>
+          </p:nvPr>
+        </p:nvSpPr>
+        <p:spPr/>
+        <p:txBody>
+          <a:bodyPr/>
+          <a:lstStyle/>
+          <a:p>
+            <a:r>
+              <a:rPr lang="en-GB" dirty="0"/>
+              <a:t>If we decrease the weight of</a:t>
+            </a:r>
+            <a:r>
+              <a:rPr lang="en-GB" baseline="0" dirty="0"/>
+              <a:t> the spheres, so that the box is a 100 times heavier than a sphere, we get this result.</a:t>
+            </a:r>
+            <a:endParaRPr lang="en-GB" dirty="0"/>
+          </a:p>
+          <a:p>
+            <a:r>
+              <a:rPr lang="en-GB" dirty="0"/>
+              <a:t>(Weight</a:t>
+            </a:r>
+            <a:r>
+              <a:rPr lang="en-GB" baseline="0" dirty="0"/>
+              <a:t> of the spheres: 1)</a:t>
+            </a:r>
+            <a:endParaRPr lang="en-GB" dirty="0"/>
+          </a:p>
+        </p:txBody>
+      </p:sp>
+      <p:sp>
+        <p:nvSpPr>
+          <p:cNvPr id="4" name="Foliennummernplatzhalter 3"/>
+          <p:cNvSpPr>
+            <a:spLocks noGrp="1"/>
+          </p:cNvSpPr>
+          <p:nvPr>
+            <p:ph type="sldNum" sz="quarter" idx="10"/>
+          </p:nvPr>
+        </p:nvSpPr>
+        <p:spPr/>
+        <p:txBody>
+          <a:bodyPr/>
+          <a:lstStyle/>
+          <a:p>
+            <a:fld id="{A51C0C35-A9A2-4EFD-9BAF-1E52E29E03D1}" type="slidenum">
+              <a:rPr lang="de-CH" smtClean="0"/>
+              <a:pPr/>
+              <a:t>11</a:t>
             </a:fld>
             <a:endParaRPr lang="de-CH" dirty="0"/>
           </a:p>
@@ -984,6 +1121,34 @@
           <a:bodyPr/>
           <a:lstStyle/>
           <a:p>
+            <a:pPr marL="0" marR="0" lvl="0" indent="0" algn="l" defTabSz="914400" rtl="0" eaLnBrk="1" fontAlgn="auto" latinLnBrk="0" hangingPunct="1">
+              <a:lnSpc>
+                <a:spcPct val="100000"/>
+              </a:lnSpc>
+              <a:spcBef>
+                <a:spcPts val="0"/>
+              </a:spcBef>
+              <a:spcAft>
+                <a:spcPts val="0"/>
+              </a:spcAft>
+              <a:buClrTx/>
+              <a:buSzTx/>
+              <a:buFontTx/>
+              <a:buNone/>
+              <a:tabLst/>
+              <a:defRPr/>
+            </a:pPr>
+            <a:r>
+              <a:rPr lang="en-GB" dirty="0"/>
+              <a:t>We</a:t>
+            </a:r>
+            <a:r>
+              <a:rPr lang="en-GB" baseline="0" dirty="0"/>
+              <a:t> decided to simplify this scene in the following way: We modelled a very simple slide instead of a complex rollercoaster. Furthermore, we represented the cart of the rollercoaster as a simple box in order to simplify the collision detection of the cart and the balls.</a:t>
+            </a:r>
+            <a:endParaRPr lang="en-GB" dirty="0"/>
+          </a:p>
+          <a:p>
             <a:endParaRPr lang="en-GB" dirty="0"/>
           </a:p>
         </p:txBody>
@@ -1069,6 +1234,40 @@
           <a:bodyPr/>
           <a:lstStyle/>
           <a:p>
+            <a:pPr marL="0" marR="0" lvl="0" indent="0" algn="l" defTabSz="914400" rtl="0" eaLnBrk="1" fontAlgn="auto" latinLnBrk="0" hangingPunct="1">
+              <a:lnSpc>
+                <a:spcPct val="100000"/>
+              </a:lnSpc>
+              <a:spcBef>
+                <a:spcPts val="0"/>
+              </a:spcBef>
+              <a:spcAft>
+                <a:spcPts val="0"/>
+              </a:spcAft>
+              <a:buClrTx/>
+              <a:buSzTx/>
+              <a:buFontTx/>
+              <a:buNone/>
+              <a:tabLst/>
+              <a:defRPr/>
+            </a:pPr>
+            <a:r>
+              <a:rPr lang="en-GB" dirty="0"/>
+              <a:t>Apart from many small problems,</a:t>
+            </a:r>
+            <a:r>
+              <a:rPr lang="en-GB" baseline="0" dirty="0"/>
+              <a:t> we faced two main challenges. </a:t>
+            </a:r>
+            <a:br>
+              <a:rPr lang="en-GB" baseline="0" dirty="0"/>
+            </a:br>
+            <a:r>
+              <a:rPr lang="en-GB" baseline="0" dirty="0"/>
+              <a:t>The first one was the box around the balls and the second one was the stacking of the balls. </a:t>
+            </a:r>
+          </a:p>
+          <a:p>
             <a:endParaRPr lang="en-GB" dirty="0"/>
           </a:p>
         </p:txBody>
@@ -1154,6 +1353,37 @@
           <a:bodyPr/>
           <a:lstStyle/>
           <a:p>
+            <a:pPr marL="0" marR="0" lvl="0" indent="0" algn="l" defTabSz="914400" rtl="0" eaLnBrk="1" fontAlgn="auto" latinLnBrk="0" hangingPunct="1">
+              <a:lnSpc>
+                <a:spcPct val="100000"/>
+              </a:lnSpc>
+              <a:spcBef>
+                <a:spcPts val="0"/>
+              </a:spcBef>
+              <a:spcAft>
+                <a:spcPts val="0"/>
+              </a:spcAft>
+              <a:buClrTx/>
+              <a:buSzTx/>
+              <a:buFontTx/>
+              <a:buNone/>
+              <a:tabLst/>
+              <a:defRPr/>
+            </a:pPr>
+            <a:r>
+              <a:rPr lang="en-GB" dirty="0"/>
+              <a:t>Let’s look at the first problem, the box around the balls.</a:t>
+            </a:r>
+            <a:br>
+              <a:rPr lang="en-GB" dirty="0"/>
+            </a:br>
+            <a:r>
+              <a:rPr lang="en-GB" baseline="0" dirty="0"/>
+              <a:t>For distributing the balls in the box, we decided to create a mesh with the balls above the box and let them fall from a low height into the box. Unfortunately, the balls showed a very strange behaviour inside the box.</a:t>
+            </a:r>
+            <a:endParaRPr lang="en-GB" dirty="0"/>
+          </a:p>
+          <a:p>
             <a:endParaRPr lang="en-GB" dirty="0"/>
           </a:p>
         </p:txBody>
@@ -1185,7 +1415,7 @@
     </p:spTree>
     <p:extLst>
       <p:ext uri="{BB962C8B-B14F-4D97-AF65-F5344CB8AC3E}">
-        <p14:creationId xmlns:p14="http://schemas.microsoft.com/office/powerpoint/2010/main" val="414287202"/>
+        <p14:creationId xmlns:p14="http://schemas.microsoft.com/office/powerpoint/2010/main" val="3394033019"/>
       </p:ext>
     </p:extLst>
   </p:cSld>
@@ -1239,6 +1469,42 @@
           <a:bodyPr/>
           <a:lstStyle/>
           <a:p>
+            <a:pPr marL="0" marR="0" lvl="0" indent="0" algn="l" defTabSz="914400" rtl="0" eaLnBrk="1" fontAlgn="auto" latinLnBrk="0" hangingPunct="1">
+              <a:lnSpc>
+                <a:spcPct val="100000"/>
+              </a:lnSpc>
+              <a:spcBef>
+                <a:spcPts val="0"/>
+              </a:spcBef>
+              <a:spcAft>
+                <a:spcPts val="0"/>
+              </a:spcAft>
+              <a:buClrTx/>
+              <a:buSzTx/>
+              <a:buFontTx/>
+              <a:buNone/>
+              <a:tabLst/>
+              <a:defRPr/>
+            </a:pPr>
+            <a:r>
+              <a:rPr lang="en-GB" dirty="0"/>
+              <a:t>We guess that the problem might be the algorithm,</a:t>
+            </a:r>
+            <a:r>
+              <a:rPr lang="en-GB" baseline="0" dirty="0"/>
+              <a:t> which we used for the collision detection. We implemented the Gilbert-Johnson-</a:t>
+            </a:r>
+            <a:r>
+              <a:rPr lang="en-GB" baseline="0" dirty="0" err="1"/>
+              <a:t>Keerthi</a:t>
+            </a:r>
+            <a:r>
+              <a:rPr lang="en-GB" baseline="0" dirty="0"/>
+              <a:t> algorithm for the collision detection. However, this algorithm only considers convex objects and the inside of the box is clearly not convex.</a:t>
+            </a:r>
+            <a:endParaRPr lang="en-GB" dirty="0"/>
+          </a:p>
+          <a:p>
             <a:endParaRPr lang="en-GB" dirty="0"/>
           </a:p>
         </p:txBody>
@@ -1270,7 +1536,7 @@
     </p:spTree>
     <p:extLst>
       <p:ext uri="{BB962C8B-B14F-4D97-AF65-F5344CB8AC3E}">
-        <p14:creationId xmlns:p14="http://schemas.microsoft.com/office/powerpoint/2010/main" val="3394033019"/>
+        <p14:creationId xmlns:p14="http://schemas.microsoft.com/office/powerpoint/2010/main" val="414287202"/>
       </p:ext>
     </p:extLst>
   </p:cSld>
@@ -1323,6 +1589,42 @@
         <p:txBody>
           <a:bodyPr/>
           <a:lstStyle/>
+          <a:p>
+            <a:pPr marL="0" marR="0" lvl="0" indent="0" algn="l" defTabSz="914400" rtl="0" eaLnBrk="1" fontAlgn="auto" latinLnBrk="0" hangingPunct="1">
+              <a:lnSpc>
+                <a:spcPct val="100000"/>
+              </a:lnSpc>
+              <a:spcBef>
+                <a:spcPts val="0"/>
+              </a:spcBef>
+              <a:spcAft>
+                <a:spcPts val="0"/>
+              </a:spcAft>
+              <a:buClrTx/>
+              <a:buSzTx/>
+              <a:buFontTx/>
+              <a:buNone/>
+              <a:tabLst/>
+              <a:defRPr/>
+            </a:pPr>
+            <a:r>
+              <a:rPr lang="en-GB" dirty="0"/>
+              <a:t>In</a:t>
+            </a:r>
+            <a:r>
+              <a:rPr lang="en-GB" baseline="0" dirty="0"/>
+              <a:t> order to solve this issue, we decided to simply remove the box, because</a:t>
+            </a:r>
+            <a:r>
+              <a:rPr lang="en-GB" dirty="0"/>
+              <a:t> we</a:t>
+            </a:r>
+            <a:r>
+              <a:rPr lang="en-GB" baseline="0" dirty="0"/>
+              <a:t> did not have the time to implement a more sophisticated algorithm for the collision detection, which also considers concave objects,</a:t>
+            </a:r>
+            <a:endParaRPr lang="en-GB" dirty="0"/>
+          </a:p>
           <a:p>
             <a:endParaRPr lang="en-GB" dirty="0"/>
           </a:p>
@@ -1409,6 +1711,33 @@
           <a:bodyPr/>
           <a:lstStyle/>
           <a:p>
+            <a:pPr marL="0" marR="0" lvl="0" indent="0" algn="l" defTabSz="914400" rtl="0" eaLnBrk="1" fontAlgn="auto" latinLnBrk="0" hangingPunct="1">
+              <a:lnSpc>
+                <a:spcPct val="100000"/>
+              </a:lnSpc>
+              <a:spcBef>
+                <a:spcPts val="0"/>
+              </a:spcBef>
+              <a:spcAft>
+                <a:spcPts val="0"/>
+              </a:spcAft>
+              <a:buClrTx/>
+              <a:buSzTx/>
+              <a:buFontTx/>
+              <a:buNone/>
+              <a:tabLst/>
+              <a:defRPr/>
+            </a:pPr>
+            <a:r>
+              <a:rPr lang="en-GB" dirty="0"/>
+              <a:t>As already mentioned, another issue</a:t>
+            </a:r>
+            <a:r>
+              <a:rPr lang="en-GB" baseline="0" dirty="0"/>
+              <a:t> was the stacking of the balls.</a:t>
+            </a:r>
+          </a:p>
+          <a:p>
             <a:endParaRPr lang="en-GB" dirty="0"/>
           </a:p>
         </p:txBody>
@@ -1440,7 +1769,7 @@
     </p:spTree>
     <p:extLst>
       <p:ext uri="{BB962C8B-B14F-4D97-AF65-F5344CB8AC3E}">
-        <p14:creationId xmlns:p14="http://schemas.microsoft.com/office/powerpoint/2010/main" val="3571941434"/>
+        <p14:creationId xmlns:p14="http://schemas.microsoft.com/office/powerpoint/2010/main" val="3245016422"/>
       </p:ext>
     </p:extLst>
   </p:cSld>
@@ -1494,6 +1823,34 @@
           <a:bodyPr/>
           <a:lstStyle/>
           <a:p>
+            <a:pPr marL="0" marR="0" lvl="0" indent="0" algn="l" defTabSz="914400" rtl="0" eaLnBrk="1" fontAlgn="auto" latinLnBrk="0" hangingPunct="1">
+              <a:lnSpc>
+                <a:spcPct val="100000"/>
+              </a:lnSpc>
+              <a:spcBef>
+                <a:spcPts val="0"/>
+              </a:spcBef>
+              <a:spcAft>
+                <a:spcPts val="0"/>
+              </a:spcAft>
+              <a:buClrTx/>
+              <a:buSzTx/>
+              <a:buFontTx/>
+              <a:buNone/>
+              <a:tabLst/>
+              <a:defRPr/>
+            </a:pPr>
+            <a:r>
+              <a:rPr lang="en-GB" dirty="0"/>
+              <a:t>We constructed a mesh with the balls.</a:t>
+            </a:r>
+            <a:r>
+              <a:rPr lang="en-GB" baseline="0" dirty="0"/>
+              <a:t> However, some of the balls show sometimes a very strange behaviour, which we were not able to explain.</a:t>
+            </a:r>
+            <a:endParaRPr lang="en-GB" dirty="0"/>
+          </a:p>
+          <a:p>
             <a:endParaRPr lang="en-GB" dirty="0"/>
           </a:p>
         </p:txBody>
@@ -1525,7 +1882,7 @@
     </p:spTree>
     <p:extLst>
       <p:ext uri="{BB962C8B-B14F-4D97-AF65-F5344CB8AC3E}">
-        <p14:creationId xmlns:p14="http://schemas.microsoft.com/office/powerpoint/2010/main" val="1430098738"/>
+        <p14:creationId xmlns:p14="http://schemas.microsoft.com/office/powerpoint/2010/main" val="3571941434"/>
       </p:ext>
     </p:extLst>
   </p:cSld>
@@ -1579,19 +1936,50 @@
           <a:bodyPr/>
           <a:lstStyle/>
           <a:p>
+            <a:pPr marL="0" marR="0" lvl="0" indent="0" algn="l" defTabSz="914400" rtl="0" eaLnBrk="1" fontAlgn="auto" latinLnBrk="0" hangingPunct="1">
+              <a:lnSpc>
+                <a:spcPct val="100000"/>
+              </a:lnSpc>
+              <a:spcBef>
+                <a:spcPts val="0"/>
+              </a:spcBef>
+              <a:spcAft>
+                <a:spcPts val="0"/>
+              </a:spcAft>
+              <a:buClrTx/>
+              <a:buSzTx/>
+              <a:buFontTx/>
+              <a:buNone/>
+              <a:tabLst/>
+              <a:defRPr/>
+            </a:pPr>
             <a:r>
               <a:rPr lang="en-GB" dirty="0"/>
-              <a:t>Weight</a:t>
+              <a:t>Here is </a:t>
             </a:r>
             <a:r>
               <a:rPr lang="en-GB" baseline="0" dirty="0"/>
-              <a:t> of </a:t>
-            </a:r>
-            <a:r>
-              <a:rPr lang="en-GB" baseline="0"/>
-              <a:t>the spheres: 10</a:t>
-            </a:r>
-            <a:endParaRPr lang="en-GB"/>
+              <a:t>a different </a:t>
+            </a:r>
+            <a:r>
+              <a:rPr lang="en-GB" dirty="0"/>
+              <a:t>mesh, which suffers</a:t>
+            </a:r>
+            <a:r>
+              <a:rPr lang="en-GB" baseline="0" dirty="0"/>
+              <a:t> from the same problem, but the effect is not as so strong as before.</a:t>
+            </a:r>
+            <a:br>
+              <a:rPr lang="en-GB" baseline="0" dirty="0"/>
+            </a:br>
+            <a:r>
+              <a:rPr lang="en-GB" baseline="0" dirty="0"/>
+              <a:t>We were not able to solve this issue. Therefore, we selected a mesh, which is not highly influenced of this effect.</a:t>
+            </a:r>
+            <a:endParaRPr lang="en-GB" dirty="0"/>
+          </a:p>
+          <a:p>
+            <a:endParaRPr lang="en-GB" dirty="0"/>
           </a:p>
         </p:txBody>
       </p:sp>
@@ -1622,7 +2010,7 @@
     </p:spTree>
     <p:extLst>
       <p:ext uri="{BB962C8B-B14F-4D97-AF65-F5344CB8AC3E}">
-        <p14:creationId xmlns:p14="http://schemas.microsoft.com/office/powerpoint/2010/main" val="4177258231"/>
+        <p14:creationId xmlns:p14="http://schemas.microsoft.com/office/powerpoint/2010/main" val="1430098738"/>
       </p:ext>
     </p:extLst>
   </p:cSld>
@@ -1788,7 +2176,7 @@
           <a:p>
             <a:fld id="{D88D1D53-7870-4207-82E4-5548E7614F2B}" type="datetime1">
               <a:rPr lang="de-DE" smtClean="0"/>
-              <a:t>19.12.2016</a:t>
+              <a:t>20.12.2016</a:t>
             </a:fld>
             <a:endParaRPr lang="en-GB" dirty="0"/>
           </a:p>
@@ -2084,7 +2472,7 @@
           <a:p>
             <a:fld id="{37DA672E-61C0-4619-9714-41DC6F7833F2}" type="datetime1">
               <a:rPr lang="de-DE" smtClean="0"/>
-              <a:t>19.12.2016</a:t>
+              <a:t>20.12.2016</a:t>
             </a:fld>
             <a:endParaRPr lang="en-GB" dirty="0"/>
           </a:p>
@@ -2422,7 +2810,7 @@
           <a:p>
             <a:fld id="{16757D2B-6704-44F0-9E9C-EDE68E8A5CAC}" type="datetime1">
               <a:rPr lang="de-DE" smtClean="0"/>
-              <a:t>19.12.2016</a:t>
+              <a:t>20.12.2016</a:t>
             </a:fld>
             <a:endParaRPr lang="en-GB" dirty="0"/>
           </a:p>
@@ -2721,7 +3109,7 @@
           <a:p>
             <a:fld id="{DC398466-ADE3-4E59-8991-918941F1FAFA}" type="datetime1">
               <a:rPr lang="de-DE" smtClean="0"/>
-              <a:t>19.12.2016</a:t>
+              <a:t>20.12.2016</a:t>
             </a:fld>
             <a:endParaRPr lang="en-GB" dirty="0"/>
           </a:p>
@@ -3993,7 +4381,7 @@
           <a:p>
             <a:fld id="{9E6C6F55-C39A-4033-B463-49DB39218984}" type="datetime1">
               <a:rPr lang="de-DE" smtClean="0"/>
-              <a:t>19.12.2016</a:t>
+              <a:t>20.12.2016</a:t>
             </a:fld>
             <a:endParaRPr lang="en-GB" dirty="0"/>
           </a:p>
@@ -4403,7 +4791,7 @@
           <a:p>
             <a:fld id="{7EFC1E22-6DC4-49B2-BC5B-0F402F46A130}" type="datetime1">
               <a:rPr lang="de-DE" smtClean="0"/>
-              <a:t>19.12.2016</a:t>
+              <a:t>20.12.2016</a:t>
             </a:fld>
             <a:endParaRPr lang="en-GB" dirty="0"/>
           </a:p>
@@ -4539,7 +4927,7 @@
           <a:p>
             <a:fld id="{1AF956D9-20BA-41A0-B486-53EC723E4D6B}" type="datetime1">
               <a:rPr lang="de-DE" smtClean="0"/>
-              <a:t>19.12.2016</a:t>
+              <a:t>20.12.2016</a:t>
             </a:fld>
             <a:endParaRPr lang="en-GB" dirty="0"/>
           </a:p>
@@ -4672,7 +5060,7 @@
           <a:p>
             <a:fld id="{4F342D39-22CC-4249-A623-6B691B7A0FD1}" type="datetime1">
               <a:rPr lang="de-DE" smtClean="0"/>
-              <a:t>19.12.2016</a:t>
+              <a:t>20.12.2016</a:t>
             </a:fld>
             <a:endParaRPr lang="en-GB" dirty="0"/>
           </a:p>
@@ -4853,7 +5241,7 @@
           <a:p>
             <a:fld id="{C404258A-8178-4B00-9506-DE7B37EC2549}" type="datetime1">
               <a:rPr lang="de-DE" smtClean="0"/>
-              <a:t>19.12.2016</a:t>
+              <a:t>20.12.2016</a:t>
             </a:fld>
             <a:endParaRPr lang="en-GB" dirty="0"/>
           </a:p>
@@ -5107,7 +5495,7 @@
           <a:p>
             <a:fld id="{B5C47479-E4CA-41B6-9AFB-DB9C8D19AB11}" type="datetime1">
               <a:rPr lang="de-DE" smtClean="0"/>
-              <a:t>19.12.2016</a:t>
+              <a:t>20.12.2016</a:t>
             </a:fld>
             <a:endParaRPr lang="en-GB" dirty="0"/>
           </a:p>
@@ -5445,7 +5833,7 @@
           <a:p>
             <a:fld id="{4BA6ADF3-1BCE-4614-B094-442C283D8268}" type="datetime1">
               <a:rPr lang="de-DE" smtClean="0"/>
-              <a:t>19.12.2016</a:t>
+              <a:t>20.12.2016</a:t>
             </a:fld>
             <a:endParaRPr lang="en-GB" dirty="0"/>
           </a:p>
@@ -5748,7 +6136,7 @@
           <a:p>
             <a:fld id="{20E9AA4A-0B6B-47F4-97F7-F5AEC88F7349}" type="datetime1">
               <a:rPr lang="de-DE" smtClean="0"/>
-              <a:t>19.12.2016</a:t>
+              <a:t>20.12.2016</a:t>
             </a:fld>
             <a:endParaRPr lang="en-GB" dirty="0"/>
           </a:p>
@@ -6047,7 +6435,7 @@
           <a:p>
             <a:fld id="{B85FBE81-C2C5-450C-813F-E586D1AE6C31}" type="datetime1">
               <a:rPr lang="de-DE" smtClean="0"/>
-              <a:t>19.12.2016</a:t>
+              <a:t>20.12.2016</a:t>
             </a:fld>
             <a:endParaRPr lang="en-GB" dirty="0"/>
           </a:p>
@@ -7319,7 +7707,7 @@
           <a:p>
             <a:fld id="{DFB0CE3E-46A9-4CE7-9516-A40F38A7679B}" type="datetime1">
               <a:rPr lang="de-DE" smtClean="0"/>
-              <a:t>19.12.2016</a:t>
+              <a:t>20.12.2016</a:t>
             </a:fld>
             <a:endParaRPr lang="en-GB" dirty="0"/>
           </a:p>
@@ -7729,7 +8117,7 @@
           <a:p>
             <a:fld id="{7D099316-A443-4F22-9473-1863FD73BDB7}" type="datetime1">
               <a:rPr lang="de-DE" smtClean="0"/>
-              <a:t>19.12.2016</a:t>
+              <a:t>20.12.2016</a:t>
             </a:fld>
             <a:endParaRPr lang="en-GB" dirty="0"/>
           </a:p>
@@ -7865,7 +8253,7 @@
           <a:p>
             <a:fld id="{19975655-9077-4929-BA54-64BF686BDD80}" type="datetime1">
               <a:rPr lang="de-DE" smtClean="0"/>
-              <a:t>19.12.2016</a:t>
+              <a:t>20.12.2016</a:t>
             </a:fld>
             <a:endParaRPr lang="en-GB" dirty="0"/>
           </a:p>
@@ -7998,7 +8386,7 @@
           <a:p>
             <a:fld id="{EC3A1AA7-6C93-4457-802A-67EBB4CBAE06}" type="datetime1">
               <a:rPr lang="de-DE" smtClean="0"/>
-              <a:t>19.12.2016</a:t>
+              <a:t>20.12.2016</a:t>
             </a:fld>
             <a:endParaRPr lang="en-GB" dirty="0"/>
           </a:p>
@@ -8179,7 +8567,7 @@
           <a:p>
             <a:fld id="{ACD6D6AC-2C78-41B7-A94D-69CE6105DA9F}" type="datetime1">
               <a:rPr lang="de-DE" smtClean="0"/>
-              <a:t>19.12.2016</a:t>
+              <a:t>20.12.2016</a:t>
             </a:fld>
             <a:endParaRPr lang="en-GB" dirty="0"/>
           </a:p>
@@ -8433,7 +8821,7 @@
           <a:p>
             <a:fld id="{CD888701-8781-4249-9631-10FBB313C971}" type="datetime1">
               <a:rPr lang="de-DE" smtClean="0"/>
-              <a:t>19.12.2016</a:t>
+              <a:t>20.12.2016</a:t>
             </a:fld>
             <a:endParaRPr lang="en-GB" dirty="0"/>
           </a:p>
@@ -8771,7 +9159,7 @@
           <a:p>
             <a:fld id="{D9DE1BE9-E1A9-40A1-97D6-3F496B08F063}" type="datetime1">
               <a:rPr lang="de-DE" smtClean="0"/>
-              <a:t>19.12.2016</a:t>
+              <a:t>20.12.2016</a:t>
             </a:fld>
             <a:endParaRPr lang="en-GB" dirty="0"/>
           </a:p>
@@ -9070,7 +9458,7 @@
           <a:p>
             <a:fld id="{0031C8C0-C368-42FB-BD4D-51983EB7F29D}" type="datetime1">
               <a:rPr lang="de-DE" smtClean="0"/>
-              <a:t>19.12.2016</a:t>
+              <a:t>20.12.2016</a:t>
             </a:fld>
             <a:endParaRPr lang="en-GB" dirty="0"/>
           </a:p>
@@ -9374,7 +9762,7 @@
           <a:p>
             <a:fld id="{B08E990F-5689-4C3B-9DBA-88FBF612326C}" type="datetime1">
               <a:rPr lang="de-DE" smtClean="0"/>
-              <a:t>19.12.2016</a:t>
+              <a:t>20.12.2016</a:t>
             </a:fld>
             <a:endParaRPr lang="en-GB" dirty="0"/>
           </a:p>
@@ -10646,7 +11034,7 @@
           <a:p>
             <a:fld id="{37DEF65A-5DB2-42E3-A3FA-D71FFAC2DD3E}" type="datetime1">
               <a:rPr lang="de-DE" smtClean="0"/>
-              <a:t>19.12.2016</a:t>
+              <a:t>20.12.2016</a:t>
             </a:fld>
             <a:endParaRPr lang="en-GB" dirty="0"/>
           </a:p>
@@ -11056,7 +11444,7 @@
           <a:p>
             <a:fld id="{854CE24D-B8E7-4306-B2AC-8C000C4BED21}" type="datetime1">
               <a:rPr lang="de-DE" smtClean="0"/>
-              <a:t>19.12.2016</a:t>
+              <a:t>20.12.2016</a:t>
             </a:fld>
             <a:endParaRPr lang="en-GB" dirty="0"/>
           </a:p>
@@ -11192,7 +11580,7 @@
           <a:p>
             <a:fld id="{21BAEE40-85C7-4791-80CE-396988C820D1}" type="datetime1">
               <a:rPr lang="de-DE" smtClean="0"/>
-              <a:t>19.12.2016</a:t>
+              <a:t>20.12.2016</a:t>
             </a:fld>
             <a:endParaRPr lang="en-GB" dirty="0"/>
           </a:p>
@@ -11325,7 +11713,7 @@
           <a:p>
             <a:fld id="{CB709AFF-1A1F-41FB-A7CE-4D55C2A8BDBD}" type="datetime1">
               <a:rPr lang="de-DE" smtClean="0"/>
-              <a:t>19.12.2016</a:t>
+              <a:t>20.12.2016</a:t>
             </a:fld>
             <a:endParaRPr lang="en-GB" dirty="0"/>
           </a:p>
@@ -11506,7 +11894,7 @@
           <a:p>
             <a:fld id="{435D9003-B42D-4F63-9374-22B70FDE4540}" type="datetime1">
               <a:rPr lang="de-DE" smtClean="0"/>
-              <a:t>19.12.2016</a:t>
+              <a:t>20.12.2016</a:t>
             </a:fld>
             <a:endParaRPr lang="en-GB" dirty="0"/>
           </a:p>
@@ -11760,7 +12148,7 @@
           <a:p>
             <a:fld id="{3FF599E3-C3BB-4391-873B-F02DEF2CBE10}" type="datetime1">
               <a:rPr lang="de-DE" smtClean="0"/>
-              <a:t>19.12.2016</a:t>
+              <a:t>20.12.2016</a:t>
             </a:fld>
             <a:endParaRPr lang="en-GB" dirty="0"/>
           </a:p>
@@ -12098,7 +12486,7 @@
           <a:p>
             <a:fld id="{754D302F-4E62-49B6-9D89-1D5EAF3915F8}" type="datetime1">
               <a:rPr lang="de-DE" smtClean="0"/>
-              <a:t>19.12.2016</a:t>
+              <a:t>20.12.2016</a:t>
             </a:fld>
             <a:endParaRPr lang="en-GB" dirty="0"/>
           </a:p>
@@ -12397,7 +12785,7 @@
           <a:p>
             <a:fld id="{F36AE14C-67C7-4340-9BE4-75125B0ED34F}" type="datetime1">
               <a:rPr lang="de-DE" smtClean="0"/>
-              <a:t>19.12.2016</a:t>
+              <a:t>20.12.2016</a:t>
             </a:fld>
             <a:endParaRPr lang="en-GB" dirty="0"/>
           </a:p>
@@ -14696,7 +15084,7 @@
           <a:p>
             <a:fld id="{34E07245-DA23-433A-ABFF-7CBC8C016C4D}" type="datetime1">
               <a:rPr lang="de-DE" smtClean="0"/>
-              <a:t>19.12.2016</a:t>
+              <a:t>20.12.2016</a:t>
             </a:fld>
             <a:endParaRPr lang="en-GB" dirty="0"/>
           </a:p>
@@ -15106,7 +15494,7 @@
           <a:p>
             <a:fld id="{4E974BCC-FFFD-46DD-8B3B-AF0BD984AC11}" type="datetime1">
               <a:rPr lang="de-DE" smtClean="0"/>
-              <a:t>19.12.2016</a:t>
+              <a:t>20.12.2016</a:t>
             </a:fld>
             <a:endParaRPr lang="en-GB" dirty="0"/>
           </a:p>
@@ -15242,7 +15630,7 @@
           <a:p>
             <a:fld id="{7CCC5F8B-69E1-4E2F-B9DD-AF9024546933}" type="datetime1">
               <a:rPr lang="de-DE" smtClean="0"/>
-              <a:t>19.12.2016</a:t>
+              <a:t>20.12.2016</a:t>
             </a:fld>
             <a:endParaRPr lang="en-GB" dirty="0"/>
           </a:p>
@@ -15375,7 +15763,7 @@
           <a:p>
             <a:fld id="{BD7EF9EF-7221-4E19-8EE5-3B37057E61A3}" type="datetime1">
               <a:rPr lang="de-DE" smtClean="0"/>
-              <a:t>19.12.2016</a:t>
+              <a:t>20.12.2016</a:t>
             </a:fld>
             <a:endParaRPr lang="en-GB" dirty="0"/>
           </a:p>
@@ -15556,7 +15944,7 @@
           <a:p>
             <a:fld id="{11571518-F59A-4B1A-A106-3D08373B15B0}" type="datetime1">
               <a:rPr lang="de-DE" smtClean="0"/>
-              <a:t>19.12.2016</a:t>
+              <a:t>20.12.2016</a:t>
             </a:fld>
             <a:endParaRPr lang="en-GB" dirty="0"/>
           </a:p>
@@ -15810,7 +16198,7 @@
           <a:p>
             <a:fld id="{3F86E0CF-AB42-4291-A591-ECFBDA8D78B8}" type="datetime1">
               <a:rPr lang="de-DE" smtClean="0"/>
-              <a:t>19.12.2016</a:t>
+              <a:t>20.12.2016</a:t>
             </a:fld>
             <a:endParaRPr lang="en-GB" dirty="0"/>
           </a:p>
@@ -16148,7 +16536,7 @@
           <a:p>
             <a:fld id="{1389FF44-E657-422D-873D-139304140E20}" type="datetime1">
               <a:rPr lang="de-DE" smtClean="0"/>
-              <a:t>19.12.2016</a:t>
+              <a:t>20.12.2016</a:t>
             </a:fld>
             <a:endParaRPr lang="en-GB" dirty="0"/>
           </a:p>
@@ -16447,7 +16835,7 @@
           <a:p>
             <a:fld id="{FC15A311-128A-482D-B806-0437F45FA538}" type="datetime1">
               <a:rPr lang="de-DE" smtClean="0"/>
-              <a:t>19.12.2016</a:t>
+              <a:t>20.12.2016</a:t>
             </a:fld>
             <a:endParaRPr lang="en-GB" dirty="0"/>
           </a:p>
@@ -17719,7 +18107,7 @@
           <a:p>
             <a:fld id="{F5B2312B-A258-434F-95FC-A0997179BE88}" type="datetime1">
               <a:rPr lang="de-DE" smtClean="0"/>
-              <a:t>19.12.2016</a:t>
+              <a:t>20.12.2016</a:t>
             </a:fld>
             <a:endParaRPr lang="en-GB" dirty="0"/>
           </a:p>
@@ -17955,7 +18343,7 @@
           <a:p>
             <a:fld id="{44296D1E-FE9A-4D20-BB01-899D75CE2C54}" type="datetime1">
               <a:rPr lang="de-DE" smtClean="0"/>
-              <a:t>19.12.2016</a:t>
+              <a:t>20.12.2016</a:t>
             </a:fld>
             <a:endParaRPr lang="en-GB" dirty="0"/>
           </a:p>
@@ -18365,7 +18753,7 @@
           <a:p>
             <a:fld id="{17F072F2-841D-4651-8B3F-B9E999E0C1EE}" type="datetime1">
               <a:rPr lang="de-DE" smtClean="0"/>
-              <a:t>19.12.2016</a:t>
+              <a:t>20.12.2016</a:t>
             </a:fld>
             <a:endParaRPr lang="en-GB" dirty="0"/>
           </a:p>
@@ -18501,7 +18889,7 @@
           <a:p>
             <a:fld id="{DACFA4AB-AD77-4716-9780-66CDF01B21F4}" type="datetime1">
               <a:rPr lang="de-DE" smtClean="0"/>
-              <a:t>19.12.2016</a:t>
+              <a:t>20.12.2016</a:t>
             </a:fld>
             <a:endParaRPr lang="en-GB" dirty="0"/>
           </a:p>
@@ -18634,7 +19022,7 @@
           <a:p>
             <a:fld id="{47F6AAC9-D630-4319-9220-DCD447BD8173}" type="datetime1">
               <a:rPr lang="de-DE" smtClean="0"/>
-              <a:t>19.12.2016</a:t>
+              <a:t>20.12.2016</a:t>
             </a:fld>
             <a:endParaRPr lang="en-GB" dirty="0"/>
           </a:p>
@@ -18815,7 +19203,7 @@
           <a:p>
             <a:fld id="{173977F1-D021-4F1A-B148-8BDF5F25DBAF}" type="datetime1">
               <a:rPr lang="de-DE" smtClean="0"/>
-              <a:t>19.12.2016</a:t>
+              <a:t>20.12.2016</a:t>
             </a:fld>
             <a:endParaRPr lang="en-GB" dirty="0"/>
           </a:p>
@@ -19069,7 +19457,7 @@
           <a:p>
             <a:fld id="{02B036EF-399F-4B2B-A09E-B68B37ED216D}" type="datetime1">
               <a:rPr lang="de-DE" smtClean="0"/>
-              <a:t>19.12.2016</a:t>
+              <a:t>20.12.2016</a:t>
             </a:fld>
             <a:endParaRPr lang="en-GB" dirty="0"/>
           </a:p>
@@ -19407,7 +19795,7 @@
           <a:p>
             <a:fld id="{F9D9EB90-83A1-4B21-84E3-FD40503E84E2}" type="datetime1">
               <a:rPr lang="de-DE" smtClean="0"/>
-              <a:t>19.12.2016</a:t>
+              <a:t>20.12.2016</a:t>
             </a:fld>
             <a:endParaRPr lang="en-GB" dirty="0"/>
           </a:p>
@@ -19706,7 +20094,7 @@
           <a:p>
             <a:fld id="{7C7F624D-B407-43B2-9660-C2C1320B6A49}" type="datetime1">
               <a:rPr lang="de-DE" smtClean="0"/>
-              <a:t>19.12.2016</a:t>
+              <a:t>20.12.2016</a:t>
             </a:fld>
             <a:endParaRPr lang="en-GB" dirty="0"/>
           </a:p>
@@ -20978,7 +21366,7 @@
           <a:p>
             <a:fld id="{F3CD8BB8-8F20-483E-B92F-CA662F8C7CAE}" type="datetime1">
               <a:rPr lang="de-DE" smtClean="0"/>
-              <a:t>19.12.2016</a:t>
+              <a:t>20.12.2016</a:t>
             </a:fld>
             <a:endParaRPr lang="en-GB" dirty="0"/>
           </a:p>
@@ -21388,7 +21776,7 @@
           <a:p>
             <a:fld id="{E1F03D06-5F80-4BA7-8E79-9C063EE14D90}" type="datetime1">
               <a:rPr lang="de-DE" smtClean="0"/>
-              <a:t>19.12.2016</a:t>
+              <a:t>20.12.2016</a:t>
             </a:fld>
             <a:endParaRPr lang="en-GB" dirty="0"/>
           </a:p>
@@ -21793,7 +22181,7 @@
           <a:p>
             <a:fld id="{4F662C60-1EC8-4AD2-884F-2B94FC715831}" type="datetime1">
               <a:rPr lang="de-DE" smtClean="0"/>
-              <a:t>19.12.2016</a:t>
+              <a:t>20.12.2016</a:t>
             </a:fld>
             <a:endParaRPr lang="en-GB" dirty="0"/>
           </a:p>
@@ -21929,7 +22317,7 @@
           <a:p>
             <a:fld id="{8E15B345-2CEA-40C3-9B28-DDB49AE5220F}" type="datetime1">
               <a:rPr lang="de-DE" smtClean="0"/>
-              <a:t>19.12.2016</a:t>
+              <a:t>20.12.2016</a:t>
             </a:fld>
             <a:endParaRPr lang="en-GB" dirty="0"/>
           </a:p>
@@ -22062,7 +22450,7 @@
           <a:p>
             <a:fld id="{06E514B1-1A14-44A2-9B5F-8D39402D6BDA}" type="datetime1">
               <a:rPr lang="de-DE" smtClean="0"/>
-              <a:t>19.12.2016</a:t>
+              <a:t>20.12.2016</a:t>
             </a:fld>
             <a:endParaRPr lang="en-GB" dirty="0"/>
           </a:p>
@@ -22243,7 +22631,7 @@
           <a:p>
             <a:fld id="{9DC88BB3-3168-4454-B2CD-178305139677}" type="datetime1">
               <a:rPr lang="de-DE" smtClean="0"/>
-              <a:t>19.12.2016</a:t>
+              <a:t>20.12.2016</a:t>
             </a:fld>
             <a:endParaRPr lang="en-GB" dirty="0"/>
           </a:p>
@@ -22497,7 +22885,7 @@
           <a:p>
             <a:fld id="{39078018-4F33-4FF8-8C97-A16423EB6CF3}" type="datetime1">
               <a:rPr lang="de-DE" smtClean="0"/>
-              <a:t>19.12.2016</a:t>
+              <a:t>20.12.2016</a:t>
             </a:fld>
             <a:endParaRPr lang="en-GB" dirty="0"/>
           </a:p>
@@ -22835,7 +23223,7 @@
           <a:p>
             <a:fld id="{B18D5063-055A-4AA4-8062-51E6C9D6E1D3}" type="datetime1">
               <a:rPr lang="de-DE" smtClean="0"/>
-              <a:t>19.12.2016</a:t>
+              <a:t>20.12.2016</a:t>
             </a:fld>
             <a:endParaRPr lang="en-GB" dirty="0"/>
           </a:p>
@@ -23134,7 +23522,7 @@
           <a:p>
             <a:fld id="{3ECEE4D0-BE34-4AA8-AD5A-B6EEFADDFEE5}" type="datetime1">
               <a:rPr lang="de-DE" smtClean="0"/>
-              <a:t>19.12.2016</a:t>
+              <a:t>20.12.2016</a:t>
             </a:fld>
             <a:endParaRPr lang="en-GB" dirty="0"/>
           </a:p>
@@ -24406,7 +24794,7 @@
           <a:p>
             <a:fld id="{8C522B8D-759C-4E30-99D7-05DF10E525C8}" type="datetime1">
               <a:rPr lang="de-DE" smtClean="0"/>
-              <a:t>19.12.2016</a:t>
+              <a:t>20.12.2016</a:t>
             </a:fld>
             <a:endParaRPr lang="en-GB" dirty="0"/>
           </a:p>
@@ -24816,7 +25204,7 @@
           <a:p>
             <a:fld id="{1C453990-A410-4C95-9E13-9AD8EC7FB41B}" type="datetime1">
               <a:rPr lang="de-DE" smtClean="0"/>
-              <a:t>19.12.2016</a:t>
+              <a:t>20.12.2016</a:t>
             </a:fld>
             <a:endParaRPr lang="en-GB" dirty="0"/>
           </a:p>
@@ -24952,7 +25340,7 @@
           <a:p>
             <a:fld id="{B321A0F0-1066-4767-B3C9-12B56B4A6C96}" type="datetime1">
               <a:rPr lang="de-DE" smtClean="0"/>
-              <a:t>19.12.2016</a:t>
+              <a:t>20.12.2016</a:t>
             </a:fld>
             <a:endParaRPr lang="en-GB" dirty="0"/>
           </a:p>
@@ -25080,7 +25468,7 @@
           <a:p>
             <a:fld id="{33759130-499D-4C3F-85BC-7A837A566CBC}" type="datetime1">
               <a:rPr lang="de-DE" smtClean="0"/>
-              <a:t>19.12.2016</a:t>
+              <a:t>20.12.2016</a:t>
             </a:fld>
             <a:endParaRPr lang="en-GB" dirty="0"/>
           </a:p>
@@ -25213,7 +25601,7 @@
           <a:p>
             <a:fld id="{3A30ECF6-9582-4D32-8034-3FCE788992F2}" type="datetime1">
               <a:rPr lang="de-DE" smtClean="0"/>
-              <a:t>19.12.2016</a:t>
+              <a:t>20.12.2016</a:t>
             </a:fld>
             <a:endParaRPr lang="en-GB" dirty="0"/>
           </a:p>
@@ -25394,7 +25782,7 @@
           <a:p>
             <a:fld id="{24DA22FE-1C49-4EE6-8F9A-5CA0699389EB}" type="datetime1">
               <a:rPr lang="de-DE" smtClean="0"/>
-              <a:t>19.12.2016</a:t>
+              <a:t>20.12.2016</a:t>
             </a:fld>
             <a:endParaRPr lang="en-GB" dirty="0"/>
           </a:p>
@@ -25648,7 +26036,7 @@
           <a:p>
             <a:fld id="{3E26D574-CD47-4554-AE76-4725C2052FB0}" type="datetime1">
               <a:rPr lang="de-DE" smtClean="0"/>
-              <a:t>19.12.2016</a:t>
+              <a:t>20.12.2016</a:t>
             </a:fld>
             <a:endParaRPr lang="en-GB" dirty="0"/>
           </a:p>
@@ -25986,7 +26374,7 @@
           <a:p>
             <a:fld id="{C78D8B24-DDD6-4914-88BE-95B3E8083C3D}" type="datetime1">
               <a:rPr lang="de-DE" smtClean="0"/>
-              <a:t>19.12.2016</a:t>
+              <a:t>20.12.2016</a:t>
             </a:fld>
             <a:endParaRPr lang="en-GB" dirty="0"/>
           </a:p>
@@ -26285,7 +26673,7 @@
           <a:p>
             <a:fld id="{98D997FD-4E63-4E37-AB1D-89FA26A6CCAB}" type="datetime1">
               <a:rPr lang="de-DE" smtClean="0"/>
-              <a:t>19.12.2016</a:t>
+              <a:t>20.12.2016</a:t>
             </a:fld>
             <a:endParaRPr lang="en-GB" dirty="0"/>
           </a:p>
@@ -27557,7 +27945,7 @@
           <a:p>
             <a:fld id="{571C7401-B0FB-418E-8711-7232D811ED8A}" type="datetime1">
               <a:rPr lang="de-DE" smtClean="0"/>
-              <a:t>19.12.2016</a:t>
+              <a:t>20.12.2016</a:t>
             </a:fld>
             <a:endParaRPr lang="en-GB" dirty="0"/>
           </a:p>
@@ -27967,7 +28355,7 @@
           <a:p>
             <a:fld id="{7FFFD11E-BD4C-4D81-9B56-EA0A294E5042}" type="datetime1">
               <a:rPr lang="de-DE" smtClean="0"/>
-              <a:t>19.12.2016</a:t>
+              <a:t>20.12.2016</a:t>
             </a:fld>
             <a:endParaRPr lang="en-GB" dirty="0"/>
           </a:p>
@@ -28103,7 +28491,7 @@
           <a:p>
             <a:fld id="{84C29021-96D6-477D-8FF5-9DF846343097}" type="datetime1">
               <a:rPr lang="de-DE" smtClean="0"/>
-              <a:t>19.12.2016</a:t>
+              <a:t>20.12.2016</a:t>
             </a:fld>
             <a:endParaRPr lang="en-GB" dirty="0"/>
           </a:p>
@@ -28236,7 +28624,7 @@
           <a:p>
             <a:fld id="{D1915F97-ADBA-4F67-9C53-3118DEF6A056}" type="datetime1">
               <a:rPr lang="de-DE" smtClean="0"/>
-              <a:t>19.12.2016</a:t>
+              <a:t>20.12.2016</a:t>
             </a:fld>
             <a:endParaRPr lang="en-GB" dirty="0"/>
           </a:p>
@@ -28371,7 +28759,7 @@
           <a:p>
             <a:fld id="{D243DA8D-EBDF-4699-B479-78B49AD3B57D}" type="datetime1">
               <a:rPr lang="de-DE" smtClean="0"/>
-              <a:t>19.12.2016</a:t>
+              <a:t>20.12.2016</a:t>
             </a:fld>
             <a:endParaRPr lang="en-GB" dirty="0"/>
           </a:p>
@@ -28552,7 +28940,7 @@
           <a:p>
             <a:fld id="{5A3CB3BD-201D-4EFC-A2AA-4EB62F81C167}" type="datetime1">
               <a:rPr lang="de-DE" smtClean="0"/>
-              <a:t>19.12.2016</a:t>
+              <a:t>20.12.2016</a:t>
             </a:fld>
             <a:endParaRPr lang="en-GB" dirty="0"/>
           </a:p>
@@ -28730,7 +29118,7 @@
           <a:p>
             <a:fld id="{2E66D250-B8A7-41B8-AA47-F3AC65F9D389}" type="datetime1">
               <a:rPr lang="de-DE" smtClean="0"/>
-              <a:t>19.12.2016</a:t>
+              <a:t>20.12.2016</a:t>
             </a:fld>
             <a:endParaRPr lang="en-GB" dirty="0"/>
           </a:p>
@@ -29568,7 +29956,7 @@
           <a:p>
             <a:fld id="{34DDB7B4-6C7B-4E61-A7D7-D08F20AFAC6B}" type="datetime1">
               <a:rPr lang="de-DE" smtClean="0"/>
-              <a:t>19.12.2016</a:t>
+              <a:t>20.12.2016</a:t>
             </a:fld>
             <a:endParaRPr lang="en-GB" dirty="0"/>
           </a:p>
@@ -31040,7 +31428,7 @@
           <a:p>
             <a:fld id="{AA6896B9-9C05-4B8A-A70F-BB2C8F547C6B}" type="datetime1">
               <a:rPr lang="de-DE" smtClean="0"/>
-              <a:t>19.12.2016</a:t>
+              <a:t>20.12.2016</a:t>
             </a:fld>
             <a:endParaRPr lang="en-GB" dirty="0"/>
           </a:p>
@@ -32527,7 +32915,7 @@
           <a:p>
             <a:fld id="{7F567909-8DCC-4CCA-B78C-013A1AD3AB2E}" type="datetime1">
               <a:rPr lang="de-DE" smtClean="0"/>
-              <a:t>19.12.2016</a:t>
+              <a:t>20.12.2016</a:t>
             </a:fld>
             <a:endParaRPr lang="en-GB" dirty="0"/>
           </a:p>
@@ -34014,7 +34402,7 @@
           <a:p>
             <a:fld id="{692FDF58-B8FA-4E5B-97E2-312A648F94A4}" type="datetime1">
               <a:rPr lang="de-DE" smtClean="0"/>
-              <a:t>19.12.2016</a:t>
+              <a:t>20.12.2016</a:t>
             </a:fld>
             <a:endParaRPr lang="en-GB" dirty="0"/>
           </a:p>
@@ -35501,7 +35889,7 @@
           <a:p>
             <a:fld id="{0E2FD59A-889C-49E1-B11F-A06E2FCD88F8}" type="datetime1">
               <a:rPr lang="de-DE" smtClean="0"/>
-              <a:t>19.12.2016</a:t>
+              <a:t>20.12.2016</a:t>
             </a:fld>
             <a:endParaRPr lang="en-GB" dirty="0"/>
           </a:p>
@@ -36988,7 +37376,7 @@
           <a:p>
             <a:fld id="{6984EC52-26A9-4BFF-A9C5-BB3A3864DA77}" type="datetime1">
               <a:rPr lang="de-DE" smtClean="0"/>
-              <a:t>19.12.2016</a:t>
+              <a:t>20.12.2016</a:t>
             </a:fld>
             <a:endParaRPr lang="en-GB" dirty="0"/>
           </a:p>
@@ -38475,7 +38863,7 @@
           <a:p>
             <a:fld id="{CEF28E23-0477-4B57-A7D2-63B3A33ABEDB}" type="datetime1">
               <a:rPr lang="de-DE" smtClean="0"/>
-              <a:t>19.12.2016</a:t>
+              <a:t>20.12.2016</a:t>
             </a:fld>
             <a:endParaRPr lang="en-GB" dirty="0"/>
           </a:p>
@@ -39962,7 +40350,7 @@
           <a:p>
             <a:fld id="{88260C45-2122-475A-BCD2-6E405C52F6EF}" type="datetime1">
               <a:rPr lang="de-DE" smtClean="0"/>
-              <a:t>19.12.2016</a:t>
+              <a:t>20.12.2016</a:t>
             </a:fld>
             <a:endParaRPr lang="en-GB" dirty="0"/>
           </a:p>
@@ -41449,7 +41837,7 @@
           <a:p>
             <a:fld id="{2B419E12-2E6D-413C-89F8-CD7877324954}" type="datetime1">
               <a:rPr lang="de-DE" smtClean="0"/>
-              <a:t>19.12.2016</a:t>
+              <a:t>20.12.2016</a:t>
             </a:fld>
             <a:endParaRPr lang="en-GB" dirty="0"/>
           </a:p>
@@ -42252,7 +42640,7 @@
           <a:p>
             <a:fld id="{EB04C782-FABA-4839-8055-9BDDA2DD604F}" type="datetime1">
               <a:rPr lang="de-DE" smtClean="0"/>
-              <a:t>19.12.2016</a:t>
+              <a:t>20.12.2016</a:t>
             </a:fld>
             <a:endParaRPr lang="en-GB" dirty="0"/>
           </a:p>
@@ -42408,7 +42796,7 @@
           <a:p>
             <a:fld id="{F5B2312B-A258-434F-95FC-A0997179BE88}" type="datetime1">
               <a:rPr lang="de-DE" smtClean="0"/>
-              <a:t>19.12.2016</a:t>
+              <a:t>20.12.2016</a:t>
             </a:fld>
             <a:endParaRPr lang="en-GB" dirty="0"/>
           </a:p>
@@ -42498,10 +42886,155 @@
           <a:lstStyle/>
           <a:p>
             <a:r>
+              <a:rPr lang="en-GB" dirty="0"/>
+              <a:t>Finalform_weight10.mp4</a:t>
+            </a:r>
+          </a:p>
+        </p:txBody>
+      </p:sp>
+    </p:spTree>
+    <p:extLst>
+      <p:ext uri="{BB962C8B-B14F-4D97-AF65-F5344CB8AC3E}">
+        <p14:creationId xmlns:p14="http://schemas.microsoft.com/office/powerpoint/2010/main" val="1040186831"/>
+      </p:ext>
+    </p:extLst>
+  </p:cSld>
+  <p:clrMapOvr>
+    <a:masterClrMapping/>
+  </p:clrMapOvr>
+  <p:transition>
+    <p:fade/>
+  </p:transition>
+</p:sld>
+</file>
+
+<file path=ppt/slides/slide11.xml><?xml version="1.0" encoding="utf-8"?>
+<p:sld xmlns:a="http://schemas.openxmlformats.org/drawingml/2006/main" xmlns:r="http://schemas.openxmlformats.org/officeDocument/2006/relationships" xmlns:p="http://schemas.openxmlformats.org/presentationml/2006/main">
+  <p:cSld>
+    <p:spTree>
+      <p:nvGrpSpPr>
+        <p:cNvPr id="1" name=""/>
+        <p:cNvGrpSpPr/>
+        <p:nvPr/>
+      </p:nvGrpSpPr>
+      <p:grpSpPr>
+        <a:xfrm>
+          <a:off x="0" y="0"/>
+          <a:ext cx="0" cy="0"/>
+          <a:chOff x="0" y="0"/>
+          <a:chExt cx="0" cy="0"/>
+        </a:xfrm>
+      </p:grpSpPr>
+      <p:sp>
+        <p:nvSpPr>
+          <p:cNvPr id="3" name="Datumsplatzhalter 2"/>
+          <p:cNvSpPr>
+            <a:spLocks noGrp="1"/>
+          </p:cNvSpPr>
+          <p:nvPr>
+            <p:ph type="dt" sz="half" idx="10"/>
+          </p:nvPr>
+        </p:nvSpPr>
+        <p:spPr/>
+        <p:txBody>
+          <a:bodyPr/>
+          <a:lstStyle/>
+          <a:p>
+            <a:fld id="{F5B2312B-A258-434F-95FC-A0997179BE88}" type="datetime1">
+              <a:rPr lang="de-DE" smtClean="0"/>
+              <a:t>20.12.2016</a:t>
+            </a:fld>
+            <a:endParaRPr lang="en-GB" dirty="0"/>
+          </a:p>
+        </p:txBody>
+      </p:sp>
+      <p:sp>
+        <p:nvSpPr>
+          <p:cNvPr id="4" name="Fußzeilenplatzhalter 3"/>
+          <p:cNvSpPr>
+            <a:spLocks noGrp="1"/>
+          </p:cNvSpPr>
+          <p:nvPr>
+            <p:ph type="ftr" sz="quarter" idx="11"/>
+          </p:nvPr>
+        </p:nvSpPr>
+        <p:spPr/>
+        <p:txBody>
+          <a:bodyPr/>
+          <a:lstStyle/>
+          <a:p>
+            <a:r>
+              <a:rPr lang="en-GB"/>
+              <a:t>Yannick Huber, Julia Giger</a:t>
+            </a:r>
+            <a:endParaRPr lang="en-GB" dirty="0"/>
+          </a:p>
+        </p:txBody>
+      </p:sp>
+      <p:sp>
+        <p:nvSpPr>
+          <p:cNvPr id="5" name="Foliennummernplatzhalter 4"/>
+          <p:cNvSpPr>
+            <a:spLocks noGrp="1"/>
+          </p:cNvSpPr>
+          <p:nvPr>
+            <p:ph type="sldNum" sz="quarter" idx="12"/>
+          </p:nvPr>
+        </p:nvSpPr>
+        <p:spPr/>
+        <p:txBody>
+          <a:bodyPr/>
+          <a:lstStyle/>
+          <a:p>
+            <a:fld id="{6C6AE60A-B69C-4790-82F7-3882EDF23186}" type="slidenum">
+              <a:rPr lang="en-GB" smtClean="0"/>
+              <a:t>11</a:t>
+            </a:fld>
+            <a:endParaRPr lang="en-GB" dirty="0"/>
+          </a:p>
+        </p:txBody>
+      </p:sp>
+      <p:sp>
+        <p:nvSpPr>
+          <p:cNvPr id="6" name="Titel 5"/>
+          <p:cNvSpPr>
+            <a:spLocks noGrp="1"/>
+          </p:cNvSpPr>
+          <p:nvPr>
+            <p:ph type="title"/>
+          </p:nvPr>
+        </p:nvSpPr>
+        <p:spPr/>
+        <p:txBody>
+          <a:bodyPr/>
+          <a:lstStyle/>
+          <a:p>
+            <a:r>
+              <a:rPr lang="en-GB" dirty="0"/>
+              <a:t>Result</a:t>
+            </a:r>
+          </a:p>
+        </p:txBody>
+      </p:sp>
+      <p:sp>
+        <p:nvSpPr>
+          <p:cNvPr id="2" name="Inhaltsplatzhalter 1"/>
+          <p:cNvSpPr>
+            <a:spLocks noGrp="1"/>
+          </p:cNvSpPr>
+          <p:nvPr>
+            <p:ph idx="1"/>
+          </p:nvPr>
+        </p:nvSpPr>
+        <p:spPr/>
+        <p:txBody>
+          <a:bodyPr/>
+          <a:lstStyle/>
+          <a:p>
+            <a:r>
               <a:rPr lang="en-GB"/>
               <a:t>Finalform_weight1.mp4</a:t>
             </a:r>
-            <a:endParaRPr lang="en-GB"/>
           </a:p>
         </p:txBody>
       </p:sp>
@@ -42555,7 +43088,7 @@
           <a:p>
             <a:fld id="{8EA7A386-D2DA-4381-9278-D48217652768}" type="datetime1">
               <a:rPr lang="de-DE" smtClean="0"/>
-              <a:t>19.12.2016</a:t>
+              <a:t>20.12.2016</a:t>
             </a:fld>
             <a:endParaRPr lang="en-GB" dirty="0"/>
           </a:p>
@@ -42709,7 +43242,7 @@
           <a:p>
             <a:fld id="{8EA7A386-D2DA-4381-9278-D48217652768}" type="datetime1">
               <a:rPr lang="de-DE" smtClean="0"/>
-              <a:t>19.12.2016</a:t>
+              <a:t>20.12.2016</a:t>
             </a:fld>
             <a:endParaRPr lang="en-GB" dirty="0"/>
           </a:p>
@@ -42801,7 +43334,7 @@
           <a:p>
             <a:r>
               <a:rPr lang="en-GB" dirty="0"/>
-              <a:t>Concave objects</a:t>
+              <a:t>Box</a:t>
             </a:r>
           </a:p>
           <a:p>
@@ -42862,7 +43395,7 @@
           <a:p>
             <a:fld id="{8EA7A386-D2DA-4381-9278-D48217652768}" type="datetime1">
               <a:rPr lang="de-DE" smtClean="0"/>
-              <a:t>19.12.2016</a:t>
+              <a:t>20.12.2016</a:t>
             </a:fld>
             <a:endParaRPr lang="en-GB" dirty="0"/>
           </a:p>
@@ -42932,7 +43465,7 @@
           <a:p>
             <a:r>
               <a:rPr lang="en-GB" dirty="0"/>
-              <a:t>Concave objects</a:t>
+              <a:t>Box</a:t>
             </a:r>
           </a:p>
         </p:txBody>
@@ -42954,27 +43487,7 @@
           <a:p>
             <a:r>
               <a:rPr lang="en-GB" dirty="0"/>
-              <a:t>Used Gilbert-Johnson-</a:t>
-            </a:r>
-            <a:r>
-              <a:rPr lang="en-GB" dirty="0" err="1"/>
-              <a:t>Keerthi</a:t>
-            </a:r>
-            <a:r>
-              <a:rPr lang="en-GB" dirty="0"/>
-              <a:t> algorithm for the collision detection</a:t>
-            </a:r>
-          </a:p>
-          <a:p>
-            <a:r>
-              <a:rPr lang="en-GB" dirty="0"/>
-              <a:t>Only for convex objects</a:t>
-            </a:r>
-          </a:p>
-          <a:p>
-            <a:r>
-              <a:rPr lang="en-GB" dirty="0"/>
-              <a:t>But inside of the box is not convex</a:t>
+              <a:t>Box_problem.mp4</a:t>
             </a:r>
           </a:p>
         </p:txBody>
@@ -42982,7 +43495,7 @@
     </p:spTree>
     <p:extLst>
       <p:ext uri="{BB962C8B-B14F-4D97-AF65-F5344CB8AC3E}">
-        <p14:creationId xmlns:p14="http://schemas.microsoft.com/office/powerpoint/2010/main" val="2296392827"/>
+        <p14:creationId xmlns:p14="http://schemas.microsoft.com/office/powerpoint/2010/main" val="3307930596"/>
       </p:ext>
     </p:extLst>
   </p:cSld>
@@ -43029,7 +43542,7 @@
           <a:p>
             <a:fld id="{8EA7A386-D2DA-4381-9278-D48217652768}" type="datetime1">
               <a:rPr lang="de-DE" smtClean="0"/>
-              <a:t>19.12.2016</a:t>
+              <a:t>20.12.2016</a:t>
             </a:fld>
             <a:endParaRPr lang="en-GB" dirty="0"/>
           </a:p>
@@ -43099,7 +43612,7 @@
           <a:p>
             <a:r>
               <a:rPr lang="en-GB" dirty="0"/>
-              <a:t>Concave objects</a:t>
+              <a:t>Box: Concave objects</a:t>
             </a:r>
           </a:p>
         </p:txBody>
@@ -43121,7 +43634,35 @@
           <a:p>
             <a:r>
               <a:rPr lang="en-GB" dirty="0"/>
-              <a:t>Box_problem.mp4</a:t>
+              <a:t>Gilbert-Johnson-</a:t>
+            </a:r>
+            <a:r>
+              <a:rPr lang="en-GB" dirty="0" err="1"/>
+              <a:t>Keerthi</a:t>
+            </a:r>
+            <a:r>
+              <a:rPr lang="en-GB" dirty="0"/>
+              <a:t> algorithm </a:t>
+            </a:r>
+            <a:r>
+              <a:rPr lang="en-GB" dirty="0" err="1"/>
+              <a:t>forcollision</a:t>
+            </a:r>
+            <a:r>
+              <a:rPr lang="en-GB" dirty="0"/>
+              <a:t> detection</a:t>
+            </a:r>
+          </a:p>
+          <a:p>
+            <a:r>
+              <a:rPr lang="en-GB" dirty="0"/>
+              <a:t>Only for convex objects</a:t>
+            </a:r>
+          </a:p>
+          <a:p>
+            <a:r>
+              <a:rPr lang="en-GB" dirty="0"/>
+              <a:t>Inside of the box: concave</a:t>
             </a:r>
           </a:p>
         </p:txBody>
@@ -43129,7 +43670,7 @@
     </p:spTree>
     <p:extLst>
       <p:ext uri="{BB962C8B-B14F-4D97-AF65-F5344CB8AC3E}">
-        <p14:creationId xmlns:p14="http://schemas.microsoft.com/office/powerpoint/2010/main" val="3307930596"/>
+        <p14:creationId xmlns:p14="http://schemas.microsoft.com/office/powerpoint/2010/main" val="2296392827"/>
       </p:ext>
     </p:extLst>
   </p:cSld>
@@ -43176,7 +43717,7 @@
           <a:p>
             <a:fld id="{8EA7A386-D2DA-4381-9278-D48217652768}" type="datetime1">
               <a:rPr lang="de-DE" smtClean="0"/>
-              <a:t>19.12.2016</a:t>
+              <a:t>20.12.2016</a:t>
             </a:fld>
             <a:endParaRPr lang="en-GB" dirty="0"/>
           </a:p>
@@ -43323,7 +43864,7 @@
           <a:p>
             <a:fld id="{8EA7A386-D2DA-4381-9278-D48217652768}" type="datetime1">
               <a:rPr lang="de-DE" smtClean="0"/>
-              <a:t>19.12.2016</a:t>
+              <a:t>20.12.2016</a:t>
             </a:fld>
             <a:endParaRPr lang="en-GB" dirty="0"/>
           </a:p>
@@ -43393,7 +43934,7 @@
           <a:p>
             <a:r>
               <a:rPr lang="en-GB" dirty="0"/>
-              <a:t>Stacking</a:t>
+              <a:t>Problems</a:t>
             </a:r>
           </a:p>
         </p:txBody>
@@ -43415,7 +43956,13 @@
           <a:p>
             <a:r>
               <a:rPr lang="en-GB" dirty="0"/>
-              <a:t>Stacking.mp4</a:t>
+              <a:t>Box</a:t>
+            </a:r>
+          </a:p>
+          <a:p>
+            <a:r>
+              <a:rPr lang="en-GB" dirty="0"/>
+              <a:t>Stacking</a:t>
             </a:r>
           </a:p>
         </p:txBody>
@@ -43423,7 +43970,7 @@
     </p:spTree>
     <p:extLst>
       <p:ext uri="{BB962C8B-B14F-4D97-AF65-F5344CB8AC3E}">
-        <p14:creationId xmlns:p14="http://schemas.microsoft.com/office/powerpoint/2010/main" val="1450472921"/>
+        <p14:creationId xmlns:p14="http://schemas.microsoft.com/office/powerpoint/2010/main" val="221369824"/>
       </p:ext>
     </p:extLst>
   </p:cSld>
@@ -43470,7 +44017,7 @@
           <a:p>
             <a:fld id="{8EA7A386-D2DA-4381-9278-D48217652768}" type="datetime1">
               <a:rPr lang="de-DE" smtClean="0"/>
-              <a:t>19.12.2016</a:t>
+              <a:t>20.12.2016</a:t>
             </a:fld>
             <a:endParaRPr lang="en-GB" dirty="0"/>
           </a:p>
@@ -43562,7 +44109,7 @@
           <a:p>
             <a:r>
               <a:rPr lang="en-GB" dirty="0"/>
-              <a:t>Stacking2.mp4</a:t>
+              <a:t>Stacking.mp4</a:t>
             </a:r>
           </a:p>
         </p:txBody>
@@ -43570,7 +44117,7 @@
     </p:spTree>
     <p:extLst>
       <p:ext uri="{BB962C8B-B14F-4D97-AF65-F5344CB8AC3E}">
-        <p14:creationId xmlns:p14="http://schemas.microsoft.com/office/powerpoint/2010/main" val="1104005316"/>
+        <p14:creationId xmlns:p14="http://schemas.microsoft.com/office/powerpoint/2010/main" val="1450472921"/>
       </p:ext>
     </p:extLst>
   </p:cSld>
@@ -43615,9 +44162,9 @@
           <a:bodyPr/>
           <a:lstStyle/>
           <a:p>
-            <a:fld id="{F5B2312B-A258-434F-95FC-A0997179BE88}" type="datetime1">
+            <a:fld id="{8EA7A386-D2DA-4381-9278-D48217652768}" type="datetime1">
               <a:rPr lang="de-DE" smtClean="0"/>
-              <a:t>19.12.2016</a:t>
+              <a:t>20.12.2016</a:t>
             </a:fld>
             <a:endParaRPr lang="en-GB" dirty="0"/>
           </a:p>
@@ -43663,6 +44210,7 @@
           <a:p>
             <a:fld id="{6C6AE60A-B69C-4790-82F7-3882EDF23186}" type="slidenum">
               <a:rPr lang="en-GB" smtClean="0"/>
+              <a:pPr/>
               <a:t>9</a:t>
             </a:fld>
             <a:endParaRPr lang="en-GB" dirty="0"/>
@@ -43671,7 +44219,7 @@
       </p:sp>
       <p:sp>
         <p:nvSpPr>
-          <p:cNvPr id="6" name="Titel 5"/>
+          <p:cNvPr id="10" name="Titel 9"/>
           <p:cNvSpPr>
             <a:spLocks noGrp="1"/>
           </p:cNvSpPr>
@@ -43686,7 +44234,7 @@
           <a:p>
             <a:r>
               <a:rPr lang="en-GB" dirty="0"/>
-              <a:t>Result</a:t>
+              <a:t>Stacking</a:t>
             </a:r>
           </a:p>
         </p:txBody>
@@ -43708,7 +44256,7 @@
           <a:p>
             <a:r>
               <a:rPr lang="en-GB" dirty="0"/>
-              <a:t>Finalform_weight10.mp4</a:t>
+              <a:t>Stacking2.mp4</a:t>
             </a:r>
           </a:p>
         </p:txBody>
@@ -43716,7 +44264,7 @@
     </p:spTree>
     <p:extLst>
       <p:ext uri="{BB962C8B-B14F-4D97-AF65-F5344CB8AC3E}">
-        <p14:creationId xmlns:p14="http://schemas.microsoft.com/office/powerpoint/2010/main" val="1040186831"/>
+        <p14:creationId xmlns:p14="http://schemas.microsoft.com/office/powerpoint/2010/main" val="1104005316"/>
       </p:ext>
     </p:extLst>
   </p:cSld>

--- a/project/final_presentation.pptx
+++ b/project/final_presentation.pptx
@@ -13,23 +13,25 @@
     <p:sldMasterId id="2147483849" r:id="rId9"/>
   </p:sldMasterIdLst>
   <p:notesMasterIdLst>
-    <p:notesMasterId r:id="rId21"/>
+    <p:notesMasterId r:id="rId23"/>
   </p:notesMasterIdLst>
   <p:handoutMasterIdLst>
-    <p:handoutMasterId r:id="rId22"/>
+    <p:handoutMasterId r:id="rId24"/>
   </p:handoutMasterIdLst>
   <p:sldIdLst>
     <p:sldId id="268" r:id="rId10"/>
     <p:sldId id="272" r:id="rId11"/>
-    <p:sldId id="285" r:id="rId12"/>
-    <p:sldId id="282" r:id="rId13"/>
-    <p:sldId id="281" r:id="rId14"/>
-    <p:sldId id="284" r:id="rId15"/>
-    <p:sldId id="290" r:id="rId16"/>
-    <p:sldId id="286" r:id="rId17"/>
-    <p:sldId id="287" r:id="rId18"/>
-    <p:sldId id="288" r:id="rId19"/>
-    <p:sldId id="289" r:id="rId20"/>
+    <p:sldId id="291" r:id="rId12"/>
+    <p:sldId id="285" r:id="rId13"/>
+    <p:sldId id="282" r:id="rId14"/>
+    <p:sldId id="281" r:id="rId15"/>
+    <p:sldId id="284" r:id="rId16"/>
+    <p:sldId id="290" r:id="rId17"/>
+    <p:sldId id="286" r:id="rId18"/>
+    <p:sldId id="287" r:id="rId19"/>
+    <p:sldId id="288" r:id="rId20"/>
+    <p:sldId id="289" r:id="rId21"/>
+    <p:sldId id="292" r:id="rId22"/>
   </p:sldIdLst>
   <p:sldSz cx="12187238" cy="6858000"/>
   <p:notesSz cx="7099300" cy="10234613"/>
@@ -903,35 +905,49 @@
           <a:bodyPr/>
           <a:lstStyle/>
           <a:p>
+            <a:pPr marL="0" marR="0" lvl="0" indent="0" algn="l" defTabSz="914400" rtl="0" eaLnBrk="1" fontAlgn="auto" latinLnBrk="0" hangingPunct="1">
+              <a:lnSpc>
+                <a:spcPct val="100000"/>
+              </a:lnSpc>
+              <a:spcBef>
+                <a:spcPts val="0"/>
+              </a:spcBef>
+              <a:spcAft>
+                <a:spcPts val="0"/>
+              </a:spcAft>
+              <a:buClrTx/>
+              <a:buSzTx/>
+              <a:buFontTx/>
+              <a:buNone/>
+              <a:tabLst/>
+              <a:defRPr/>
+            </a:pPr>
             <a:r>
               <a:rPr lang="en-GB" dirty="0"/>
-              <a:t>Here</a:t>
+              <a:t>Here is </a:t>
             </a:r>
             <a:r>
               <a:rPr lang="en-GB" baseline="0" dirty="0"/>
-              <a:t> is the overall result of our simulation.</a:t>
+              <a:t>a different </a:t>
+            </a:r>
+            <a:r>
+              <a:rPr lang="en-GB" dirty="0"/>
+              <a:t>mesh, which suffers</a:t>
+            </a:r>
+            <a:r>
+              <a:rPr lang="en-GB" baseline="0" dirty="0"/>
+              <a:t> from the same problem, but the effect is not as so strong as before.</a:t>
             </a:r>
             <a:br>
               <a:rPr lang="en-GB" baseline="0" dirty="0"/>
             </a:br>
             <a:r>
               <a:rPr lang="en-GB" baseline="0" dirty="0"/>
-              <a:t>The box is 10 times heavier than each sphere.</a:t>
-            </a:r>
-          </a:p>
-          <a:p>
-            <a:r>
-              <a:rPr lang="en-GB" baseline="0" dirty="0"/>
-              <a:t>(</a:t>
-            </a:r>
-            <a:r>
-              <a:rPr lang="en-GB" dirty="0"/>
-              <a:t>Weight</a:t>
-            </a:r>
-            <a:r>
-              <a:rPr lang="en-GB" baseline="0" dirty="0"/>
-              <a:t> of the spheres: 10)</a:t>
-            </a:r>
+              <a:t>We were not able to solve this issue. Therefore, we selected a mesh, which is not highly influenced of this effect.</a:t>
+            </a:r>
+            <a:endParaRPr lang="en-GB" dirty="0"/>
+          </a:p>
+          <a:p>
             <a:endParaRPr lang="en-GB" dirty="0"/>
           </a:p>
         </p:txBody>
@@ -963,7 +979,7 @@
     </p:spTree>
     <p:extLst>
       <p:ext uri="{BB962C8B-B14F-4D97-AF65-F5344CB8AC3E}">
-        <p14:creationId xmlns:p14="http://schemas.microsoft.com/office/powerpoint/2010/main" val="4177258231"/>
+        <p14:creationId xmlns:p14="http://schemas.microsoft.com/office/powerpoint/2010/main" val="1430098738"/>
       </p:ext>
     </p:extLst>
   </p:cSld>
@@ -1019,22 +1035,32 @@
           <a:p>
             <a:r>
               <a:rPr lang="en-GB" dirty="0"/>
-              <a:t>If we decrease the weight of</a:t>
+              <a:t>Here</a:t>
             </a:r>
             <a:r>
               <a:rPr lang="en-GB" baseline="0" dirty="0"/>
-              <a:t> the spheres, so that the box is a 100 times heavier than a sphere, we get this result.</a:t>
-            </a:r>
-            <a:endParaRPr lang="en-GB" dirty="0"/>
-          </a:p>
-          <a:p>
+              <a:t> is the overall result of our simulation.</a:t>
+            </a:r>
+            <a:br>
+              <a:rPr lang="en-GB" baseline="0" dirty="0"/>
+            </a:br>
+            <a:r>
+              <a:rPr lang="en-GB" baseline="0" dirty="0"/>
+              <a:t>The box is 10 times heavier than each sphere.</a:t>
+            </a:r>
+          </a:p>
+          <a:p>
+            <a:r>
+              <a:rPr lang="en-GB" baseline="0" dirty="0"/>
+              <a:t>(</a:t>
+            </a:r>
             <a:r>
               <a:rPr lang="en-GB" dirty="0"/>
-              <a:t>(Weight</a:t>
+              <a:t>Weight</a:t>
             </a:r>
             <a:r>
               <a:rPr lang="en-GB" baseline="0" dirty="0"/>
-              <a:t> of the spheres: 1)</a:t>
+              <a:t> of the spheres: 10)</a:t>
             </a:r>
             <a:endParaRPr lang="en-GB" dirty="0"/>
           </a:p>
@@ -1067,7 +1093,215 @@
     </p:spTree>
     <p:extLst>
       <p:ext uri="{BB962C8B-B14F-4D97-AF65-F5344CB8AC3E}">
+        <p14:creationId xmlns:p14="http://schemas.microsoft.com/office/powerpoint/2010/main" val="4177258231"/>
+      </p:ext>
+    </p:extLst>
+  </p:cSld>
+  <p:clrMapOvr>
+    <a:masterClrMapping/>
+  </p:clrMapOvr>
+</p:notes>
+</file>
+
+<file path=ppt/notesSlides/notesSlide12.xml><?xml version="1.0" encoding="utf-8"?>
+<p:notes xmlns:a="http://schemas.openxmlformats.org/drawingml/2006/main" xmlns:r="http://schemas.openxmlformats.org/officeDocument/2006/relationships" xmlns:p="http://schemas.openxmlformats.org/presentationml/2006/main">
+  <p:cSld>
+    <p:spTree>
+      <p:nvGrpSpPr>
+        <p:cNvPr id="1" name=""/>
+        <p:cNvGrpSpPr/>
+        <p:nvPr/>
+      </p:nvGrpSpPr>
+      <p:grpSpPr>
+        <a:xfrm>
+          <a:off x="0" y="0"/>
+          <a:ext cx="0" cy="0"/>
+          <a:chOff x="0" y="0"/>
+          <a:chExt cx="0" cy="0"/>
+        </a:xfrm>
+      </p:grpSpPr>
+      <p:sp>
+        <p:nvSpPr>
+          <p:cNvPr id="2" name="Folienbildplatzhalter 1"/>
+          <p:cNvSpPr>
+            <a:spLocks noGrp="1" noRot="1" noChangeAspect="1"/>
+          </p:cNvSpPr>
+          <p:nvPr>
+            <p:ph type="sldImg"/>
+          </p:nvPr>
+        </p:nvSpPr>
+        <p:spPr/>
+      </p:sp>
+      <p:sp>
+        <p:nvSpPr>
+          <p:cNvPr id="3" name="Notizenplatzhalter 2"/>
+          <p:cNvSpPr>
+            <a:spLocks noGrp="1"/>
+          </p:cNvSpPr>
+          <p:nvPr>
+            <p:ph type="body" idx="1"/>
+          </p:nvPr>
+        </p:nvSpPr>
+        <p:spPr/>
+        <p:txBody>
+          <a:bodyPr/>
+          <a:lstStyle/>
+          <a:p>
+            <a:r>
+              <a:rPr lang="en-GB" dirty="0"/>
+              <a:t>If we decrease the weight of</a:t>
+            </a:r>
+            <a:r>
+              <a:rPr lang="en-GB" baseline="0" dirty="0"/>
+              <a:t> the spheres, so that the box is a 100 times heavier than a sphere, we get this result.</a:t>
+            </a:r>
+            <a:endParaRPr lang="en-GB" dirty="0"/>
+          </a:p>
+          <a:p>
+            <a:r>
+              <a:rPr lang="en-GB" dirty="0"/>
+              <a:t>(Weight</a:t>
+            </a:r>
+            <a:r>
+              <a:rPr lang="en-GB" baseline="0" dirty="0"/>
+              <a:t> of the spheres: 1)</a:t>
+            </a:r>
+            <a:endParaRPr lang="en-GB" dirty="0"/>
+          </a:p>
+        </p:txBody>
+      </p:sp>
+      <p:sp>
+        <p:nvSpPr>
+          <p:cNvPr id="4" name="Foliennummernplatzhalter 3"/>
+          <p:cNvSpPr>
+            <a:spLocks noGrp="1"/>
+          </p:cNvSpPr>
+          <p:nvPr>
+            <p:ph type="sldNum" sz="quarter" idx="10"/>
+          </p:nvPr>
+        </p:nvSpPr>
+        <p:spPr/>
+        <p:txBody>
+          <a:bodyPr/>
+          <a:lstStyle/>
+          <a:p>
+            <a:fld id="{A51C0C35-A9A2-4EFD-9BAF-1E52E29E03D1}" type="slidenum">
+              <a:rPr lang="de-CH" smtClean="0"/>
+              <a:pPr/>
+              <a:t>12</a:t>
+            </a:fld>
+            <a:endParaRPr lang="de-CH" dirty="0"/>
+          </a:p>
+        </p:txBody>
+      </p:sp>
+    </p:spTree>
+    <p:extLst>
+      <p:ext uri="{BB962C8B-B14F-4D97-AF65-F5344CB8AC3E}">
         <p14:creationId xmlns:p14="http://schemas.microsoft.com/office/powerpoint/2010/main" val="2842997039"/>
+      </p:ext>
+    </p:extLst>
+  </p:cSld>
+  <p:clrMapOvr>
+    <a:masterClrMapping/>
+  </p:clrMapOvr>
+</p:notes>
+</file>
+
+<file path=ppt/notesSlides/notesSlide13.xml><?xml version="1.0" encoding="utf-8"?>
+<p:notes xmlns:a="http://schemas.openxmlformats.org/drawingml/2006/main" xmlns:r="http://schemas.openxmlformats.org/officeDocument/2006/relationships" xmlns:p="http://schemas.openxmlformats.org/presentationml/2006/main">
+  <p:cSld>
+    <p:spTree>
+      <p:nvGrpSpPr>
+        <p:cNvPr id="1" name=""/>
+        <p:cNvGrpSpPr/>
+        <p:nvPr/>
+      </p:nvGrpSpPr>
+      <p:grpSpPr>
+        <a:xfrm>
+          <a:off x="0" y="0"/>
+          <a:ext cx="0" cy="0"/>
+          <a:chOff x="0" y="0"/>
+          <a:chExt cx="0" cy="0"/>
+        </a:xfrm>
+      </p:grpSpPr>
+      <p:sp>
+        <p:nvSpPr>
+          <p:cNvPr id="2" name="Folienbildplatzhalter 1"/>
+          <p:cNvSpPr>
+            <a:spLocks noGrp="1" noRot="1" noChangeAspect="1"/>
+          </p:cNvSpPr>
+          <p:nvPr>
+            <p:ph type="sldImg"/>
+          </p:nvPr>
+        </p:nvSpPr>
+        <p:spPr/>
+      </p:sp>
+      <p:sp>
+        <p:nvSpPr>
+          <p:cNvPr id="3" name="Notizenplatzhalter 2"/>
+          <p:cNvSpPr>
+            <a:spLocks noGrp="1"/>
+          </p:cNvSpPr>
+          <p:nvPr>
+            <p:ph type="body" idx="1"/>
+          </p:nvPr>
+        </p:nvSpPr>
+        <p:spPr/>
+        <p:txBody>
+          <a:bodyPr/>
+          <a:lstStyle/>
+          <a:p>
+            <a:r>
+              <a:rPr lang="en-GB" dirty="0"/>
+              <a:t>If we decrease the weight of</a:t>
+            </a:r>
+            <a:r>
+              <a:rPr lang="en-GB" baseline="0" dirty="0"/>
+              <a:t> the spheres, so that the box is a 100 times heavier than a sphere, we get this result.</a:t>
+            </a:r>
+            <a:endParaRPr lang="en-GB" dirty="0"/>
+          </a:p>
+          <a:p>
+            <a:r>
+              <a:rPr lang="en-GB" dirty="0"/>
+              <a:t>(Weight</a:t>
+            </a:r>
+            <a:r>
+              <a:rPr lang="en-GB" baseline="0" dirty="0"/>
+              <a:t> of the spheres: 1)</a:t>
+            </a:r>
+            <a:endParaRPr lang="en-GB" dirty="0"/>
+          </a:p>
+        </p:txBody>
+      </p:sp>
+      <p:sp>
+        <p:nvSpPr>
+          <p:cNvPr id="4" name="Foliennummernplatzhalter 3"/>
+          <p:cNvSpPr>
+            <a:spLocks noGrp="1"/>
+          </p:cNvSpPr>
+          <p:nvPr>
+            <p:ph type="sldNum" sz="quarter" idx="10"/>
+          </p:nvPr>
+        </p:nvSpPr>
+        <p:spPr/>
+        <p:txBody>
+          <a:bodyPr/>
+          <a:lstStyle/>
+          <a:p>
+            <a:fld id="{A51C0C35-A9A2-4EFD-9BAF-1E52E29E03D1}" type="slidenum">
+              <a:rPr lang="de-CH" smtClean="0"/>
+              <a:pPr/>
+              <a:t>13</a:t>
+            </a:fld>
+            <a:endParaRPr lang="de-CH" dirty="0"/>
+          </a:p>
+        </p:txBody>
+      </p:sp>
+    </p:spTree>
+    <p:extLst>
+      <p:ext uri="{BB962C8B-B14F-4D97-AF65-F5344CB8AC3E}">
+        <p14:creationId xmlns:p14="http://schemas.microsoft.com/office/powerpoint/2010/main" val="623648922"/>
       </p:ext>
     </p:extLst>
   </p:cSld>
@@ -1234,23 +1468,6 @@
           <a:bodyPr/>
           <a:lstStyle/>
           <a:p>
-            <a:pPr marL="0" marR="0" lvl="0" indent="0" algn="l" defTabSz="914400" rtl="0" eaLnBrk="1" fontAlgn="auto" latinLnBrk="0" hangingPunct="1">
-              <a:lnSpc>
-                <a:spcPct val="100000"/>
-              </a:lnSpc>
-              <a:spcBef>
-                <a:spcPts val="0"/>
-              </a:spcBef>
-              <a:spcAft>
-                <a:spcPts val="0"/>
-              </a:spcAft>
-              <a:buClrTx/>
-              <a:buSzTx/>
-              <a:buFontTx/>
-              <a:buNone/>
-              <a:tabLst/>
-              <a:defRPr/>
-            </a:pPr>
             <a:r>
               <a:rPr lang="en-GB" dirty="0"/>
               <a:t>Apart from many small problems,</a:t>
@@ -1266,9 +1483,6 @@
               <a:rPr lang="en-GB" baseline="0" dirty="0"/>
               <a:t>The first one was the box around the balls and the second one was the stacking of the balls. </a:t>
             </a:r>
-          </a:p>
-          <a:p>
-            <a:endParaRPr lang="en-GB" dirty="0"/>
           </a:p>
         </p:txBody>
       </p:sp>
@@ -1299,7 +1513,7 @@
     </p:spTree>
     <p:extLst>
       <p:ext uri="{BB962C8B-B14F-4D97-AF65-F5344CB8AC3E}">
-        <p14:creationId xmlns:p14="http://schemas.microsoft.com/office/powerpoint/2010/main" val="4192232172"/>
+        <p14:creationId xmlns:p14="http://schemas.microsoft.com/office/powerpoint/2010/main" val="1284210158"/>
       </p:ext>
     </p:extLst>
   </p:cSld>
@@ -1372,16 +1586,19 @@
             </a:pPr>
             <a:r>
               <a:rPr lang="en-GB" dirty="0"/>
-              <a:t>Let’s look at the first problem, the box around the balls.</a:t>
+              <a:t>Apart from many small problems,</a:t>
+            </a:r>
+            <a:r>
+              <a:rPr lang="en-GB" baseline="0" dirty="0"/>
+              <a:t> we faced two main challenges. </a:t>
             </a:r>
             <a:br>
-              <a:rPr lang="en-GB" dirty="0"/>
+              <a:rPr lang="en-GB" baseline="0" dirty="0"/>
             </a:br>
             <a:r>
               <a:rPr lang="en-GB" baseline="0" dirty="0"/>
-              <a:t>For distributing the balls in the box, we decided to create a mesh with the balls above the box and let them fall from a low height into the box. Unfortunately, the balls showed a very strange behaviour inside the box.</a:t>
-            </a:r>
-            <a:endParaRPr lang="en-GB" dirty="0"/>
+              <a:t>The first one was the box around the balls and the second one was the stacking of the balls. </a:t>
+            </a:r>
           </a:p>
           <a:p>
             <a:endParaRPr lang="en-GB" dirty="0"/>
@@ -1415,7 +1632,7 @@
     </p:spTree>
     <p:extLst>
       <p:ext uri="{BB962C8B-B14F-4D97-AF65-F5344CB8AC3E}">
-        <p14:creationId xmlns:p14="http://schemas.microsoft.com/office/powerpoint/2010/main" val="3394033019"/>
+        <p14:creationId xmlns:p14="http://schemas.microsoft.com/office/powerpoint/2010/main" val="4192232172"/>
       </p:ext>
     </p:extLst>
   </p:cSld>
@@ -1488,19 +1705,14 @@
             </a:pPr>
             <a:r>
               <a:rPr lang="en-GB" dirty="0"/>
-              <a:t>We guess that the problem might be the algorithm,</a:t>
-            </a:r>
+              <a:t>Let’s look at the first problem, the box around the balls.</a:t>
+            </a:r>
+            <a:br>
+              <a:rPr lang="en-GB" dirty="0"/>
+            </a:br>
             <a:r>
               <a:rPr lang="en-GB" baseline="0" dirty="0"/>
-              <a:t> which we used for the collision detection. We implemented the Gilbert-Johnson-</a:t>
-            </a:r>
-            <a:r>
-              <a:rPr lang="en-GB" baseline="0" dirty="0" err="1"/>
-              <a:t>Keerthi</a:t>
-            </a:r>
-            <a:r>
-              <a:rPr lang="en-GB" baseline="0" dirty="0"/>
-              <a:t> algorithm for the collision detection. However, this algorithm only considers convex objects and the inside of the box is clearly not convex.</a:t>
+              <a:t>For distributing the balls in the box, we decided to create a mesh with the balls above the box and let them fall from a low height into the box. Unfortunately, the balls showed a very strange behaviour inside the box.</a:t>
             </a:r>
             <a:endParaRPr lang="en-GB" dirty="0"/>
           </a:p>
@@ -1536,7 +1748,7 @@
     </p:spTree>
     <p:extLst>
       <p:ext uri="{BB962C8B-B14F-4D97-AF65-F5344CB8AC3E}">
-        <p14:creationId xmlns:p14="http://schemas.microsoft.com/office/powerpoint/2010/main" val="414287202"/>
+        <p14:creationId xmlns:p14="http://schemas.microsoft.com/office/powerpoint/2010/main" val="3394033019"/>
       </p:ext>
     </p:extLst>
   </p:cSld>
@@ -1609,19 +1821,19 @@
             </a:pPr>
             <a:r>
               <a:rPr lang="en-GB" dirty="0"/>
-              <a:t>In</a:t>
+              <a:t>We guess that the problem might be the algorithm,</a:t>
             </a:r>
             <a:r>
               <a:rPr lang="en-GB" baseline="0" dirty="0"/>
-              <a:t> order to solve this issue, we decided to simply remove the box, because</a:t>
-            </a:r>
-            <a:r>
-              <a:rPr lang="en-GB" dirty="0"/>
-              <a:t> we</a:t>
+              <a:t> which we used for the collision detection. We implemented the Gilbert-Johnson-</a:t>
+            </a:r>
+            <a:r>
+              <a:rPr lang="en-GB" baseline="0" dirty="0" err="1"/>
+              <a:t>Keerthi</a:t>
             </a:r>
             <a:r>
               <a:rPr lang="en-GB" baseline="0" dirty="0"/>
-              <a:t> did not have the time to implement a more sophisticated algorithm for the collision detection, which also considers concave objects,</a:t>
+              <a:t> algorithm for the collision detection. However, this algorithm only considers convex objects and the inside of the box is clearly not convex.</a:t>
             </a:r>
             <a:endParaRPr lang="en-GB" dirty="0"/>
           </a:p>
@@ -1657,7 +1869,7 @@
     </p:spTree>
     <p:extLst>
       <p:ext uri="{BB962C8B-B14F-4D97-AF65-F5344CB8AC3E}">
-        <p14:creationId xmlns:p14="http://schemas.microsoft.com/office/powerpoint/2010/main" val="3156157125"/>
+        <p14:creationId xmlns:p14="http://schemas.microsoft.com/office/powerpoint/2010/main" val="414287202"/>
       </p:ext>
     </p:extLst>
   </p:cSld>
@@ -1730,12 +1942,21 @@
             </a:pPr>
             <a:r>
               <a:rPr lang="en-GB" dirty="0"/>
-              <a:t>As already mentioned, another issue</a:t>
+              <a:t>In</a:t>
             </a:r>
             <a:r>
               <a:rPr lang="en-GB" baseline="0" dirty="0"/>
-              <a:t> was the stacking of the balls.</a:t>
-            </a:r>
+              <a:t> order to solve this issue, we decided to simply remove the box, because</a:t>
+            </a:r>
+            <a:r>
+              <a:rPr lang="en-GB" dirty="0"/>
+              <a:t> we</a:t>
+            </a:r>
+            <a:r>
+              <a:rPr lang="en-GB" baseline="0" dirty="0"/>
+              <a:t> did not have the time to implement a more sophisticated algorithm for the collision detection, which also considers concave objects,</a:t>
+            </a:r>
+            <a:endParaRPr lang="en-GB" dirty="0"/>
           </a:p>
           <a:p>
             <a:endParaRPr lang="en-GB" dirty="0"/>
@@ -1769,7 +1990,7 @@
     </p:spTree>
     <p:extLst>
       <p:ext uri="{BB962C8B-B14F-4D97-AF65-F5344CB8AC3E}">
-        <p14:creationId xmlns:p14="http://schemas.microsoft.com/office/powerpoint/2010/main" val="3245016422"/>
+        <p14:creationId xmlns:p14="http://schemas.microsoft.com/office/powerpoint/2010/main" val="3156157125"/>
       </p:ext>
     </p:extLst>
   </p:cSld>
@@ -1842,13 +2063,12 @@
             </a:pPr>
             <a:r>
               <a:rPr lang="en-GB" dirty="0"/>
-              <a:t>We constructed a mesh with the balls.</a:t>
+              <a:t>As already mentioned, another issue</a:t>
             </a:r>
             <a:r>
               <a:rPr lang="en-GB" baseline="0" dirty="0"/>
-              <a:t> However, some of the balls show sometimes a very strange behaviour, which we were not able to explain.</a:t>
-            </a:r>
-            <a:endParaRPr lang="en-GB" dirty="0"/>
+              <a:t> was the stacking of the balls.</a:t>
+            </a:r>
           </a:p>
           <a:p>
             <a:endParaRPr lang="en-GB" dirty="0"/>
@@ -1882,7 +2102,7 @@
     </p:spTree>
     <p:extLst>
       <p:ext uri="{BB962C8B-B14F-4D97-AF65-F5344CB8AC3E}">
-        <p14:creationId xmlns:p14="http://schemas.microsoft.com/office/powerpoint/2010/main" val="3571941434"/>
+        <p14:creationId xmlns:p14="http://schemas.microsoft.com/office/powerpoint/2010/main" val="3245016422"/>
       </p:ext>
     </p:extLst>
   </p:cSld>
@@ -1955,26 +2175,11 @@
             </a:pPr>
             <a:r>
               <a:rPr lang="en-GB" dirty="0"/>
-              <a:t>Here is </a:t>
+              <a:t>We constructed a mesh with the balls.</a:t>
             </a:r>
             <a:r>
               <a:rPr lang="en-GB" baseline="0" dirty="0"/>
-              <a:t>a different </a:t>
-            </a:r>
-            <a:r>
-              <a:rPr lang="en-GB" dirty="0"/>
-              <a:t>mesh, which suffers</a:t>
-            </a:r>
-            <a:r>
-              <a:rPr lang="en-GB" baseline="0" dirty="0"/>
-              <a:t> from the same problem, but the effect is not as so strong as before.</a:t>
-            </a:r>
-            <a:br>
-              <a:rPr lang="en-GB" baseline="0" dirty="0"/>
-            </a:br>
-            <a:r>
-              <a:rPr lang="en-GB" baseline="0" dirty="0"/>
-              <a:t>We were not able to solve this issue. Therefore, we selected a mesh, which is not highly influenced of this effect.</a:t>
+              <a:t> However, some of the balls show sometimes a very strange behaviour, which we were not able to explain.</a:t>
             </a:r>
             <a:endParaRPr lang="en-GB" dirty="0"/>
           </a:p>
@@ -2010,7 +2215,7 @@
     </p:spTree>
     <p:extLst>
       <p:ext uri="{BB962C8B-B14F-4D97-AF65-F5344CB8AC3E}">
-        <p14:creationId xmlns:p14="http://schemas.microsoft.com/office/powerpoint/2010/main" val="1430098738"/>
+        <p14:creationId xmlns:p14="http://schemas.microsoft.com/office/powerpoint/2010/main" val="3571941434"/>
       </p:ext>
     </p:extLst>
   </p:cSld>
@@ -42794,7 +42999,7 @@
           <a:bodyPr/>
           <a:lstStyle/>
           <a:p>
-            <a:fld id="{F5B2312B-A258-434F-95FC-A0997179BE88}" type="datetime1">
+            <a:fld id="{8EA7A386-D2DA-4381-9278-D48217652768}" type="datetime1">
               <a:rPr lang="de-DE" smtClean="0"/>
               <a:t>20.12.2016</a:t>
             </a:fld>
@@ -42842,6 +43047,7 @@
           <a:p>
             <a:fld id="{6C6AE60A-B69C-4790-82F7-3882EDF23186}" type="slidenum">
               <a:rPr lang="en-GB" smtClean="0"/>
+              <a:pPr/>
               <a:t>10</a:t>
             </a:fld>
             <a:endParaRPr lang="en-GB" dirty="0"/>
@@ -42850,7 +43056,7 @@
       </p:sp>
       <p:sp>
         <p:nvSpPr>
-          <p:cNvPr id="6" name="Titel 5"/>
+          <p:cNvPr id="10" name="Titel 9"/>
           <p:cNvSpPr>
             <a:spLocks noGrp="1"/>
           </p:cNvSpPr>
@@ -42865,7 +43071,7 @@
           <a:p>
             <a:r>
               <a:rPr lang="en-GB" dirty="0"/>
-              <a:t>Result</a:t>
+              <a:t>Stacking</a:t>
             </a:r>
           </a:p>
         </p:txBody>
@@ -42887,7 +43093,7 @@
           <a:p>
             <a:r>
               <a:rPr lang="en-GB" dirty="0"/>
-              <a:t>Finalform_weight10.mp4</a:t>
+              <a:t>Stacking2.mp4</a:t>
             </a:r>
           </a:p>
         </p:txBody>
@@ -42895,7 +43101,7 @@
     </p:spTree>
     <p:extLst>
       <p:ext uri="{BB962C8B-B14F-4D97-AF65-F5344CB8AC3E}">
-        <p14:creationId xmlns:p14="http://schemas.microsoft.com/office/powerpoint/2010/main" val="1040186831"/>
+        <p14:creationId xmlns:p14="http://schemas.microsoft.com/office/powerpoint/2010/main" val="1104005316"/>
       </p:ext>
     </p:extLst>
   </p:cSld>
@@ -43032,6 +43238,152 @@
           <a:lstStyle/>
           <a:p>
             <a:r>
+              <a:rPr lang="en-GB" dirty="0"/>
+              <a:t>Finalform_weight10.mp4</a:t>
+            </a:r>
+          </a:p>
+        </p:txBody>
+      </p:sp>
+    </p:spTree>
+    <p:extLst>
+      <p:ext uri="{BB962C8B-B14F-4D97-AF65-F5344CB8AC3E}">
+        <p14:creationId xmlns:p14="http://schemas.microsoft.com/office/powerpoint/2010/main" val="1040186831"/>
+      </p:ext>
+    </p:extLst>
+  </p:cSld>
+  <p:clrMapOvr>
+    <a:masterClrMapping/>
+  </p:clrMapOvr>
+  <p:transition>
+    <p:fade/>
+  </p:transition>
+</p:sld>
+</file>
+
+<file path=ppt/slides/slide12.xml><?xml version="1.0" encoding="utf-8"?>
+<p:sld xmlns:a="http://schemas.openxmlformats.org/drawingml/2006/main" xmlns:r="http://schemas.openxmlformats.org/officeDocument/2006/relationships" xmlns:p="http://schemas.openxmlformats.org/presentationml/2006/main">
+  <p:cSld>
+    <p:spTree>
+      <p:nvGrpSpPr>
+        <p:cNvPr id="1" name=""/>
+        <p:cNvGrpSpPr/>
+        <p:nvPr/>
+      </p:nvGrpSpPr>
+      <p:grpSpPr>
+        <a:xfrm>
+          <a:off x="0" y="0"/>
+          <a:ext cx="0" cy="0"/>
+          <a:chOff x="0" y="0"/>
+          <a:chExt cx="0" cy="0"/>
+        </a:xfrm>
+      </p:grpSpPr>
+      <p:sp>
+        <p:nvSpPr>
+          <p:cNvPr id="3" name="Datumsplatzhalter 2"/>
+          <p:cNvSpPr>
+            <a:spLocks noGrp="1"/>
+          </p:cNvSpPr>
+          <p:nvPr>
+            <p:ph type="dt" sz="half" idx="10"/>
+          </p:nvPr>
+        </p:nvSpPr>
+        <p:spPr/>
+        <p:txBody>
+          <a:bodyPr/>
+          <a:lstStyle/>
+          <a:p>
+            <a:fld id="{F5B2312B-A258-434F-95FC-A0997179BE88}" type="datetime1">
+              <a:rPr lang="de-DE" smtClean="0"/>
+              <a:t>20.12.2016</a:t>
+            </a:fld>
+            <a:endParaRPr lang="en-GB" dirty="0"/>
+          </a:p>
+        </p:txBody>
+      </p:sp>
+      <p:sp>
+        <p:nvSpPr>
+          <p:cNvPr id="4" name="Fußzeilenplatzhalter 3"/>
+          <p:cNvSpPr>
+            <a:spLocks noGrp="1"/>
+          </p:cNvSpPr>
+          <p:nvPr>
+            <p:ph type="ftr" sz="quarter" idx="11"/>
+          </p:nvPr>
+        </p:nvSpPr>
+        <p:spPr/>
+        <p:txBody>
+          <a:bodyPr/>
+          <a:lstStyle/>
+          <a:p>
+            <a:r>
+              <a:rPr lang="en-GB"/>
+              <a:t>Yannick Huber, Julia Giger</a:t>
+            </a:r>
+            <a:endParaRPr lang="en-GB" dirty="0"/>
+          </a:p>
+        </p:txBody>
+      </p:sp>
+      <p:sp>
+        <p:nvSpPr>
+          <p:cNvPr id="5" name="Foliennummernplatzhalter 4"/>
+          <p:cNvSpPr>
+            <a:spLocks noGrp="1"/>
+          </p:cNvSpPr>
+          <p:nvPr>
+            <p:ph type="sldNum" sz="quarter" idx="12"/>
+          </p:nvPr>
+        </p:nvSpPr>
+        <p:spPr/>
+        <p:txBody>
+          <a:bodyPr/>
+          <a:lstStyle/>
+          <a:p>
+            <a:fld id="{6C6AE60A-B69C-4790-82F7-3882EDF23186}" type="slidenum">
+              <a:rPr lang="en-GB" smtClean="0"/>
+              <a:t>12</a:t>
+            </a:fld>
+            <a:endParaRPr lang="en-GB" dirty="0"/>
+          </a:p>
+        </p:txBody>
+      </p:sp>
+      <p:sp>
+        <p:nvSpPr>
+          <p:cNvPr id="6" name="Titel 5"/>
+          <p:cNvSpPr>
+            <a:spLocks noGrp="1"/>
+          </p:cNvSpPr>
+          <p:nvPr>
+            <p:ph type="title"/>
+          </p:nvPr>
+        </p:nvSpPr>
+        <p:spPr/>
+        <p:txBody>
+          <a:bodyPr/>
+          <a:lstStyle/>
+          <a:p>
+            <a:r>
+              <a:rPr lang="en-GB" dirty="0"/>
+              <a:t>Result</a:t>
+            </a:r>
+          </a:p>
+        </p:txBody>
+      </p:sp>
+      <p:sp>
+        <p:nvSpPr>
+          <p:cNvPr id="2" name="Inhaltsplatzhalter 1"/>
+          <p:cNvSpPr>
+            <a:spLocks noGrp="1"/>
+          </p:cNvSpPr>
+          <p:nvPr>
+            <p:ph idx="1"/>
+          </p:nvPr>
+        </p:nvSpPr>
+        <p:spPr/>
+        <p:txBody>
+          <a:bodyPr/>
+          <a:lstStyle/>
+          <a:p>
+            <a:r>
               <a:rPr lang="en-GB"/>
               <a:t>Finalform_weight1.mp4</a:t>
             </a:r>
@@ -43042,6 +43394,149 @@
     <p:extLst>
       <p:ext uri="{BB962C8B-B14F-4D97-AF65-F5344CB8AC3E}">
         <p14:creationId xmlns:p14="http://schemas.microsoft.com/office/powerpoint/2010/main" val="863373104"/>
+      </p:ext>
+    </p:extLst>
+  </p:cSld>
+  <p:clrMapOvr>
+    <a:masterClrMapping/>
+  </p:clrMapOvr>
+  <p:transition>
+    <p:fade/>
+  </p:transition>
+</p:sld>
+</file>
+
+<file path=ppt/slides/slide13.xml><?xml version="1.0" encoding="utf-8"?>
+<p:sld xmlns:a="http://schemas.openxmlformats.org/drawingml/2006/main" xmlns:r="http://schemas.openxmlformats.org/officeDocument/2006/relationships" xmlns:p="http://schemas.openxmlformats.org/presentationml/2006/main">
+  <p:cSld>
+    <p:spTree>
+      <p:nvGrpSpPr>
+        <p:cNvPr id="1" name=""/>
+        <p:cNvGrpSpPr/>
+        <p:nvPr/>
+      </p:nvGrpSpPr>
+      <p:grpSpPr>
+        <a:xfrm>
+          <a:off x="0" y="0"/>
+          <a:ext cx="0" cy="0"/>
+          <a:chOff x="0" y="0"/>
+          <a:chExt cx="0" cy="0"/>
+        </a:xfrm>
+      </p:grpSpPr>
+      <p:sp>
+        <p:nvSpPr>
+          <p:cNvPr id="3" name="Datumsplatzhalter 2"/>
+          <p:cNvSpPr>
+            <a:spLocks noGrp="1"/>
+          </p:cNvSpPr>
+          <p:nvPr>
+            <p:ph type="dt" sz="half" idx="10"/>
+          </p:nvPr>
+        </p:nvSpPr>
+        <p:spPr/>
+        <p:txBody>
+          <a:bodyPr/>
+          <a:lstStyle/>
+          <a:p>
+            <a:fld id="{F5B2312B-A258-434F-95FC-A0997179BE88}" type="datetime1">
+              <a:rPr lang="de-DE" smtClean="0"/>
+              <a:t>20.12.2016</a:t>
+            </a:fld>
+            <a:endParaRPr lang="en-GB" dirty="0"/>
+          </a:p>
+        </p:txBody>
+      </p:sp>
+      <p:sp>
+        <p:nvSpPr>
+          <p:cNvPr id="4" name="Fußzeilenplatzhalter 3"/>
+          <p:cNvSpPr>
+            <a:spLocks noGrp="1"/>
+          </p:cNvSpPr>
+          <p:nvPr>
+            <p:ph type="ftr" sz="quarter" idx="11"/>
+          </p:nvPr>
+        </p:nvSpPr>
+        <p:spPr/>
+        <p:txBody>
+          <a:bodyPr/>
+          <a:lstStyle/>
+          <a:p>
+            <a:r>
+              <a:rPr lang="en-GB"/>
+              <a:t>Yannick Huber, Julia Giger</a:t>
+            </a:r>
+            <a:endParaRPr lang="en-GB" dirty="0"/>
+          </a:p>
+        </p:txBody>
+      </p:sp>
+      <p:sp>
+        <p:nvSpPr>
+          <p:cNvPr id="5" name="Foliennummernplatzhalter 4"/>
+          <p:cNvSpPr>
+            <a:spLocks noGrp="1"/>
+          </p:cNvSpPr>
+          <p:nvPr>
+            <p:ph type="sldNum" sz="quarter" idx="12"/>
+          </p:nvPr>
+        </p:nvSpPr>
+        <p:spPr/>
+        <p:txBody>
+          <a:bodyPr/>
+          <a:lstStyle/>
+          <a:p>
+            <a:fld id="{6C6AE60A-B69C-4790-82F7-3882EDF23186}" type="slidenum">
+              <a:rPr lang="en-GB" smtClean="0"/>
+              <a:t>13</a:t>
+            </a:fld>
+            <a:endParaRPr lang="en-GB" dirty="0"/>
+          </a:p>
+        </p:txBody>
+      </p:sp>
+      <p:sp>
+        <p:nvSpPr>
+          <p:cNvPr id="6" name="Titel 5"/>
+          <p:cNvSpPr>
+            <a:spLocks noGrp="1"/>
+          </p:cNvSpPr>
+          <p:nvPr>
+            <p:ph type="title"/>
+          </p:nvPr>
+        </p:nvSpPr>
+        <p:spPr/>
+        <p:txBody>
+          <a:bodyPr/>
+          <a:lstStyle/>
+          <a:p>
+            <a:r>
+              <a:rPr lang="en-GB" dirty="0"/>
+              <a:t>Questions?</a:t>
+            </a:r>
+          </a:p>
+        </p:txBody>
+      </p:sp>
+      <p:sp>
+        <p:nvSpPr>
+          <p:cNvPr id="2" name="Inhaltsplatzhalter 1"/>
+          <p:cNvSpPr>
+            <a:spLocks noGrp="1"/>
+          </p:cNvSpPr>
+          <p:nvPr>
+            <p:ph idx="1"/>
+          </p:nvPr>
+        </p:nvSpPr>
+        <p:spPr/>
+        <p:txBody>
+          <a:bodyPr/>
+          <a:lstStyle/>
+          <a:p>
+            <a:endParaRPr lang="en-GB" dirty="0"/>
+          </a:p>
+        </p:txBody>
+      </p:sp>
+    </p:spTree>
+    <p:extLst>
+      <p:ext uri="{BB962C8B-B14F-4D97-AF65-F5344CB8AC3E}">
+        <p14:creationId xmlns:p14="http://schemas.microsoft.com/office/powerpoint/2010/main" val="2345234706"/>
       </p:ext>
     </p:extLst>
   </p:cSld>
@@ -43312,7 +43807,7 @@
           <a:p>
             <a:r>
               <a:rPr lang="en-GB" dirty="0"/>
-              <a:t>Problems</a:t>
+              <a:t>Yannick’s fancy part</a:t>
             </a:r>
           </a:p>
         </p:txBody>
@@ -43332,23 +43827,14 @@
           <a:bodyPr/>
           <a:lstStyle/>
           <a:p>
-            <a:r>
-              <a:rPr lang="en-GB" dirty="0"/>
-              <a:t>Box</a:t>
-            </a:r>
-          </a:p>
-          <a:p>
-            <a:r>
-              <a:rPr lang="en-GB" dirty="0"/>
-              <a:t>Stacking</a:t>
-            </a:r>
+            <a:endParaRPr lang="en-GB" dirty="0"/>
           </a:p>
         </p:txBody>
       </p:sp>
     </p:spTree>
     <p:extLst>
       <p:ext uri="{BB962C8B-B14F-4D97-AF65-F5344CB8AC3E}">
-        <p14:creationId xmlns:p14="http://schemas.microsoft.com/office/powerpoint/2010/main" val="2419372346"/>
+        <p14:creationId xmlns:p14="http://schemas.microsoft.com/office/powerpoint/2010/main" val="185464319"/>
       </p:ext>
     </p:extLst>
   </p:cSld>
@@ -43465,7 +43951,7 @@
           <a:p>
             <a:r>
               <a:rPr lang="en-GB" dirty="0"/>
-              <a:t>Box</a:t>
+              <a:t>Problems</a:t>
             </a:r>
           </a:p>
         </p:txBody>
@@ -43487,7 +43973,13 @@
           <a:p>
             <a:r>
               <a:rPr lang="en-GB" dirty="0"/>
-              <a:t>Box_problem.mp4</a:t>
+              <a:t>Box</a:t>
+            </a:r>
+          </a:p>
+          <a:p>
+            <a:r>
+              <a:rPr lang="en-GB" dirty="0"/>
+              <a:t>Stacking</a:t>
             </a:r>
           </a:p>
         </p:txBody>
@@ -43495,7 +43987,7 @@
     </p:spTree>
     <p:extLst>
       <p:ext uri="{BB962C8B-B14F-4D97-AF65-F5344CB8AC3E}">
-        <p14:creationId xmlns:p14="http://schemas.microsoft.com/office/powerpoint/2010/main" val="3307930596"/>
+        <p14:creationId xmlns:p14="http://schemas.microsoft.com/office/powerpoint/2010/main" val="2419372346"/>
       </p:ext>
     </p:extLst>
   </p:cSld>
@@ -43505,6 +43997,134 @@
   <p:transition>
     <p:fade/>
   </p:transition>
+  <p:timing>
+    <p:tnLst>
+      <p:par>
+        <p:cTn id="1" dur="indefinite" restart="never" nodeType="tmRoot">
+          <p:childTnLst>
+            <p:seq concurrent="1" nextAc="seek">
+              <p:cTn id="2" dur="indefinite" nodeType="mainSeq">
+                <p:childTnLst>
+                  <p:par>
+                    <p:cTn id="3" fill="hold">
+                      <p:stCondLst>
+                        <p:cond delay="indefinite"/>
+                      </p:stCondLst>
+                      <p:childTnLst>
+                        <p:par>
+                          <p:cTn id="4" fill="hold">
+                            <p:stCondLst>
+                              <p:cond delay="0"/>
+                            </p:stCondLst>
+                            <p:childTnLst>
+                              <p:par>
+                                <p:cTn id="5" presetID="1" presetClass="entr" presetSubtype="0" fill="hold" nodeType="clickEffect">
+                                  <p:stCondLst>
+                                    <p:cond delay="0"/>
+                                  </p:stCondLst>
+                                  <p:childTnLst>
+                                    <p:set>
+                                      <p:cBhvr>
+                                        <p:cTn id="6" dur="1" fill="hold">
+                                          <p:stCondLst>
+                                            <p:cond delay="0"/>
+                                          </p:stCondLst>
+                                        </p:cTn>
+                                        <p:tgtEl>
+                                          <p:spTgt spid="2">
+                                            <p:txEl>
+                                              <p:pRg st="0" end="0"/>
+                                            </p:txEl>
+                                          </p:spTgt>
+                                        </p:tgtEl>
+                                        <p:attrNameLst>
+                                          <p:attrName>style.visibility</p:attrName>
+                                        </p:attrNameLst>
+                                      </p:cBhvr>
+                                      <p:to>
+                                        <p:strVal val="visible"/>
+                                      </p:to>
+                                    </p:set>
+                                  </p:childTnLst>
+                                </p:cTn>
+                              </p:par>
+                            </p:childTnLst>
+                          </p:cTn>
+                        </p:par>
+                      </p:childTnLst>
+                    </p:cTn>
+                  </p:par>
+                  <p:par>
+                    <p:cTn id="7" fill="hold">
+                      <p:stCondLst>
+                        <p:cond delay="indefinite"/>
+                      </p:stCondLst>
+                      <p:childTnLst>
+                        <p:par>
+                          <p:cTn id="8" fill="hold">
+                            <p:stCondLst>
+                              <p:cond delay="0"/>
+                            </p:stCondLst>
+                            <p:childTnLst>
+                              <p:par>
+                                <p:cTn id="9" presetID="1" presetClass="entr" presetSubtype="0" fill="hold" nodeType="clickEffect">
+                                  <p:stCondLst>
+                                    <p:cond delay="0"/>
+                                  </p:stCondLst>
+                                  <p:childTnLst>
+                                    <p:set>
+                                      <p:cBhvr>
+                                        <p:cTn id="10" dur="1" fill="hold">
+                                          <p:stCondLst>
+                                            <p:cond delay="0"/>
+                                          </p:stCondLst>
+                                        </p:cTn>
+                                        <p:tgtEl>
+                                          <p:spTgt spid="2">
+                                            <p:txEl>
+                                              <p:pRg st="1" end="1"/>
+                                            </p:txEl>
+                                          </p:spTgt>
+                                        </p:tgtEl>
+                                        <p:attrNameLst>
+                                          <p:attrName>style.visibility</p:attrName>
+                                        </p:attrNameLst>
+                                      </p:cBhvr>
+                                      <p:to>
+                                        <p:strVal val="visible"/>
+                                      </p:to>
+                                    </p:set>
+                                  </p:childTnLst>
+                                </p:cTn>
+                              </p:par>
+                            </p:childTnLst>
+                          </p:cTn>
+                        </p:par>
+                      </p:childTnLst>
+                    </p:cTn>
+                  </p:par>
+                </p:childTnLst>
+              </p:cTn>
+              <p:prevCondLst>
+                <p:cond evt="onPrev" delay="0">
+                  <p:tgtEl>
+                    <p:sldTgt/>
+                  </p:tgtEl>
+                </p:cond>
+              </p:prevCondLst>
+              <p:nextCondLst>
+                <p:cond evt="onNext" delay="0">
+                  <p:tgtEl>
+                    <p:sldTgt/>
+                  </p:tgtEl>
+                </p:cond>
+              </p:nextCondLst>
+            </p:seq>
+          </p:childTnLst>
+        </p:cTn>
+      </p:par>
+    </p:tnLst>
+  </p:timing>
 </p:sld>
 </file>
 
@@ -43612,7 +44232,7 @@
           <a:p>
             <a:r>
               <a:rPr lang="en-GB" dirty="0"/>
-              <a:t>Box: Concave objects</a:t>
+              <a:t>Box</a:t>
             </a:r>
           </a:p>
         </p:txBody>
@@ -43634,35 +44254,7 @@
           <a:p>
             <a:r>
               <a:rPr lang="en-GB" dirty="0"/>
-              <a:t>Gilbert-Johnson-</a:t>
-            </a:r>
-            <a:r>
-              <a:rPr lang="en-GB" dirty="0" err="1"/>
-              <a:t>Keerthi</a:t>
-            </a:r>
-            <a:r>
-              <a:rPr lang="en-GB" dirty="0"/>
-              <a:t> algorithm </a:t>
-            </a:r>
-            <a:r>
-              <a:rPr lang="en-GB" dirty="0" err="1"/>
-              <a:t>forcollision</a:t>
-            </a:r>
-            <a:r>
-              <a:rPr lang="en-GB" dirty="0"/>
-              <a:t> detection</a:t>
-            </a:r>
-          </a:p>
-          <a:p>
-            <a:r>
-              <a:rPr lang="en-GB" dirty="0"/>
-              <a:t>Only for convex objects</a:t>
-            </a:r>
-          </a:p>
-          <a:p>
-            <a:r>
-              <a:rPr lang="en-GB" dirty="0"/>
-              <a:t>Inside of the box: concave</a:t>
+              <a:t>Box_problem.mp4</a:t>
             </a:r>
           </a:p>
         </p:txBody>
@@ -43670,7 +44262,7 @@
     </p:spTree>
     <p:extLst>
       <p:ext uri="{BB962C8B-B14F-4D97-AF65-F5344CB8AC3E}">
-        <p14:creationId xmlns:p14="http://schemas.microsoft.com/office/powerpoint/2010/main" val="2296392827"/>
+        <p14:creationId xmlns:p14="http://schemas.microsoft.com/office/powerpoint/2010/main" val="3307930596"/>
       </p:ext>
     </p:extLst>
   </p:cSld>
@@ -43787,7 +44379,7 @@
           <a:p>
             <a:r>
               <a:rPr lang="en-GB" dirty="0"/>
-              <a:t>Concave objects: Solution</a:t>
+              <a:t>Box: Concave objects</a:t>
             </a:r>
           </a:p>
         </p:txBody>
@@ -43809,7 +44401,35 @@
           <a:p>
             <a:r>
               <a:rPr lang="en-GB" dirty="0"/>
-              <a:t>Without_box.mp4</a:t>
+              <a:t>Gilbert-Johnson-</a:t>
+            </a:r>
+            <a:r>
+              <a:rPr lang="en-GB" dirty="0" err="1"/>
+              <a:t>Keerthi</a:t>
+            </a:r>
+            <a:r>
+              <a:rPr lang="en-GB" dirty="0"/>
+              <a:t> algorithm </a:t>
+            </a:r>
+            <a:r>
+              <a:rPr lang="en-GB" dirty="0" err="1"/>
+              <a:t>forcollision</a:t>
+            </a:r>
+            <a:r>
+              <a:rPr lang="en-GB" dirty="0"/>
+              <a:t> detection</a:t>
+            </a:r>
+          </a:p>
+          <a:p>
+            <a:r>
+              <a:rPr lang="en-GB" dirty="0"/>
+              <a:t>Only for convex objects</a:t>
+            </a:r>
+          </a:p>
+          <a:p>
+            <a:r>
+              <a:rPr lang="en-GB" dirty="0"/>
+              <a:t>Inside of the box: concave</a:t>
             </a:r>
           </a:p>
         </p:txBody>
@@ -43817,7 +44437,7 @@
     </p:spTree>
     <p:extLst>
       <p:ext uri="{BB962C8B-B14F-4D97-AF65-F5344CB8AC3E}">
-        <p14:creationId xmlns:p14="http://schemas.microsoft.com/office/powerpoint/2010/main" val="4216090291"/>
+        <p14:creationId xmlns:p14="http://schemas.microsoft.com/office/powerpoint/2010/main" val="2296392827"/>
       </p:ext>
     </p:extLst>
   </p:cSld>
@@ -43827,6 +44447,183 @@
   <p:transition>
     <p:fade/>
   </p:transition>
+  <p:timing>
+    <p:tnLst>
+      <p:par>
+        <p:cTn id="1" dur="indefinite" restart="never" nodeType="tmRoot">
+          <p:childTnLst>
+            <p:seq concurrent="1" nextAc="seek">
+              <p:cTn id="2" dur="indefinite" nodeType="mainSeq">
+                <p:childTnLst>
+                  <p:par>
+                    <p:cTn id="3" fill="hold">
+                      <p:stCondLst>
+                        <p:cond delay="indefinite"/>
+                      </p:stCondLst>
+                      <p:childTnLst>
+                        <p:par>
+                          <p:cTn id="4" fill="hold">
+                            <p:stCondLst>
+                              <p:cond delay="0"/>
+                            </p:stCondLst>
+                            <p:childTnLst>
+                              <p:par>
+                                <p:cTn id="5" presetID="1" presetClass="entr" presetSubtype="0" fill="hold" nodeType="clickEffect">
+                                  <p:stCondLst>
+                                    <p:cond delay="0"/>
+                                  </p:stCondLst>
+                                  <p:childTnLst>
+                                    <p:set>
+                                      <p:cBhvr>
+                                        <p:cTn id="6" dur="1" fill="hold">
+                                          <p:stCondLst>
+                                            <p:cond delay="0"/>
+                                          </p:stCondLst>
+                                        </p:cTn>
+                                        <p:tgtEl>
+                                          <p:spTgt spid="2">
+                                            <p:txEl>
+                                              <p:pRg st="0" end="0"/>
+                                            </p:txEl>
+                                          </p:spTgt>
+                                        </p:tgtEl>
+                                        <p:attrNameLst>
+                                          <p:attrName>style.visibility</p:attrName>
+                                        </p:attrNameLst>
+                                      </p:cBhvr>
+                                      <p:to>
+                                        <p:strVal val="visible"/>
+                                      </p:to>
+                                    </p:set>
+                                  </p:childTnLst>
+                                </p:cTn>
+                              </p:par>
+                            </p:childTnLst>
+                          </p:cTn>
+                        </p:par>
+                      </p:childTnLst>
+                    </p:cTn>
+                  </p:par>
+                  <p:par>
+                    <p:cTn id="7" fill="hold">
+                      <p:stCondLst>
+                        <p:cond delay="indefinite"/>
+                      </p:stCondLst>
+                      <p:childTnLst>
+                        <p:par>
+                          <p:cTn id="8" fill="hold">
+                            <p:stCondLst>
+                              <p:cond delay="0"/>
+                            </p:stCondLst>
+                            <p:childTnLst>
+                              <p:par>
+                                <p:cTn id="9" presetID="1" presetClass="entr" presetSubtype="0" fill="hold" nodeType="clickEffect">
+                                  <p:stCondLst>
+                                    <p:cond delay="0"/>
+                                  </p:stCondLst>
+                                  <p:childTnLst>
+                                    <p:set>
+                                      <p:cBhvr>
+                                        <p:cTn id="10" dur="1" fill="hold">
+                                          <p:stCondLst>
+                                            <p:cond delay="0"/>
+                                          </p:stCondLst>
+                                        </p:cTn>
+                                        <p:tgtEl>
+                                          <p:spTgt spid="2">
+                                            <p:txEl>
+                                              <p:pRg st="1" end="1"/>
+                                            </p:txEl>
+                                          </p:spTgt>
+                                        </p:tgtEl>
+                                        <p:attrNameLst>
+                                          <p:attrName>style.visibility</p:attrName>
+                                        </p:attrNameLst>
+                                      </p:cBhvr>
+                                      <p:to>
+                                        <p:strVal val="visible"/>
+                                      </p:to>
+                                    </p:set>
+                                  </p:childTnLst>
+                                </p:cTn>
+                              </p:par>
+                            </p:childTnLst>
+                          </p:cTn>
+                        </p:par>
+                      </p:childTnLst>
+                    </p:cTn>
+                  </p:par>
+                  <p:par>
+                    <p:cTn id="11" fill="hold">
+                      <p:stCondLst>
+                        <p:cond delay="indefinite"/>
+                      </p:stCondLst>
+                      <p:childTnLst>
+                        <p:par>
+                          <p:cTn id="12" fill="hold">
+                            <p:stCondLst>
+                              <p:cond delay="0"/>
+                            </p:stCondLst>
+                            <p:childTnLst>
+                              <p:par>
+                                <p:cTn id="13" presetID="1" presetClass="entr" presetSubtype="0" fill="hold" nodeType="clickEffect">
+                                  <p:stCondLst>
+                                    <p:cond delay="0"/>
+                                  </p:stCondLst>
+                                  <p:childTnLst>
+                                    <p:set>
+                                      <p:cBhvr>
+                                        <p:cTn id="14" dur="1" fill="hold">
+                                          <p:stCondLst>
+                                            <p:cond delay="0"/>
+                                          </p:stCondLst>
+                                        </p:cTn>
+                                        <p:tgtEl>
+                                          <p:spTgt spid="2">
+                                            <p:txEl>
+                                              <p:pRg st="2" end="2"/>
+                                            </p:txEl>
+                                          </p:spTgt>
+                                        </p:tgtEl>
+                                        <p:attrNameLst>
+                                          <p:attrName>style.visibility</p:attrName>
+                                        </p:attrNameLst>
+                                      </p:cBhvr>
+                                      <p:to>
+                                        <p:strVal val="visible"/>
+                                      </p:to>
+                                    </p:set>
+                                  </p:childTnLst>
+                                </p:cTn>
+                              </p:par>
+                            </p:childTnLst>
+                          </p:cTn>
+                        </p:par>
+                      </p:childTnLst>
+                    </p:cTn>
+                  </p:par>
+                </p:childTnLst>
+              </p:cTn>
+              <p:prevCondLst>
+                <p:cond evt="onPrev" delay="0">
+                  <p:tgtEl>
+                    <p:sldTgt/>
+                  </p:tgtEl>
+                </p:cond>
+              </p:prevCondLst>
+              <p:nextCondLst>
+                <p:cond evt="onNext" delay="0">
+                  <p:tgtEl>
+                    <p:sldTgt/>
+                  </p:tgtEl>
+                </p:cond>
+              </p:nextCondLst>
+            </p:seq>
+          </p:childTnLst>
+        </p:cTn>
+      </p:par>
+    </p:tnLst>
+  </p:timing>
 </p:sld>
 </file>
 
@@ -43934,7 +44731,7 @@
           <a:p>
             <a:r>
               <a:rPr lang="en-GB" dirty="0"/>
-              <a:t>Problems</a:t>
+              <a:t>Concave objects: Solution</a:t>
             </a:r>
           </a:p>
         </p:txBody>
@@ -43956,13 +44753,7 @@
           <a:p>
             <a:r>
               <a:rPr lang="en-GB" dirty="0"/>
-              <a:t>Box</a:t>
-            </a:r>
-          </a:p>
-          <a:p>
-            <a:r>
-              <a:rPr lang="en-GB" dirty="0"/>
-              <a:t>Stacking</a:t>
+              <a:t>Without_box.mp4</a:t>
             </a:r>
           </a:p>
         </p:txBody>
@@ -43970,7 +44761,7 @@
     </p:spTree>
     <p:extLst>
       <p:ext uri="{BB962C8B-B14F-4D97-AF65-F5344CB8AC3E}">
-        <p14:creationId xmlns:p14="http://schemas.microsoft.com/office/powerpoint/2010/main" val="221369824"/>
+        <p14:creationId xmlns:p14="http://schemas.microsoft.com/office/powerpoint/2010/main" val="4216090291"/>
       </p:ext>
     </p:extLst>
   </p:cSld>
@@ -44087,7 +44878,7 @@
           <a:p>
             <a:r>
               <a:rPr lang="en-GB" dirty="0"/>
-              <a:t>Stacking</a:t>
+              <a:t>Problems</a:t>
             </a:r>
           </a:p>
         </p:txBody>
@@ -44109,7 +44900,13 @@
           <a:p>
             <a:r>
               <a:rPr lang="en-GB" dirty="0"/>
-              <a:t>Stacking.mp4</a:t>
+              <a:t>Box</a:t>
+            </a:r>
+          </a:p>
+          <a:p>
+            <a:r>
+              <a:rPr lang="en-GB" dirty="0"/>
+              <a:t>Stacking</a:t>
             </a:r>
           </a:p>
         </p:txBody>
@@ -44117,7 +44914,7 @@
     </p:spTree>
     <p:extLst>
       <p:ext uri="{BB962C8B-B14F-4D97-AF65-F5344CB8AC3E}">
-        <p14:creationId xmlns:p14="http://schemas.microsoft.com/office/powerpoint/2010/main" val="1450472921"/>
+        <p14:creationId xmlns:p14="http://schemas.microsoft.com/office/powerpoint/2010/main" val="221369824"/>
       </p:ext>
     </p:extLst>
   </p:cSld>
@@ -44256,7 +45053,7 @@
           <a:p>
             <a:r>
               <a:rPr lang="en-GB" dirty="0"/>
-              <a:t>Stacking2.mp4</a:t>
+              <a:t>Stacking.mp4</a:t>
             </a:r>
           </a:p>
         </p:txBody>
@@ -44264,7 +45061,7 @@
     </p:spTree>
     <p:extLst>
       <p:ext uri="{BB962C8B-B14F-4D97-AF65-F5344CB8AC3E}">
-        <p14:creationId xmlns:p14="http://schemas.microsoft.com/office/powerpoint/2010/main" val="1104005316"/>
+        <p14:creationId xmlns:p14="http://schemas.microsoft.com/office/powerpoint/2010/main" val="1450472921"/>
       </p:ext>
     </p:extLst>
   </p:cSld>

--- a/project/final_presentation.pptx
+++ b/project/final_presentation.pptx
@@ -43812,25 +43812,704 @@
           </a:p>
         </p:txBody>
       </p:sp>
-      <p:sp>
-        <p:nvSpPr>
-          <p:cNvPr id="2" name="Inhaltsplatzhalter 1"/>
-          <p:cNvSpPr>
-            <a:spLocks noGrp="1"/>
-          </p:cNvSpPr>
-          <p:nvPr>
-            <p:ph idx="1"/>
-          </p:nvPr>
-        </p:nvSpPr>
-        <p:spPr/>
-        <p:txBody>
-          <a:bodyPr/>
-          <a:lstStyle/>
-          <a:p>
-            <a:endParaRPr lang="en-GB" dirty="0"/>
-          </a:p>
-        </p:txBody>
-      </p:sp>
+      <mc:AlternateContent xmlns:mc="http://schemas.openxmlformats.org/markup-compatibility/2006">
+        <mc:Choice xmlns:a14="http://schemas.microsoft.com/office/drawing/2010/main" Requires="a14">
+          <p:sp>
+            <p:nvSpPr>
+              <p:cNvPr id="2" name="Inhaltsplatzhalter 1"/>
+              <p:cNvSpPr>
+                <a:spLocks noGrp="1"/>
+              </p:cNvSpPr>
+              <p:nvPr>
+                <p:ph idx="1"/>
+              </p:nvPr>
+            </p:nvSpPr>
+            <p:spPr/>
+            <p:txBody>
+              <a:bodyPr/>
+              <a:lstStyle/>
+              <a:p>
+                <a14:m>
+                  <m:oMath xmlns:m="http://schemas.openxmlformats.org/officeDocument/2006/math">
+                    <m:sSup>
+                      <m:sSupPr>
+                        <m:ctrlPr>
+                          <a:rPr lang="pt-BR" i="1" smtClean="0">
+                            <a:latin typeface="Cambria Math" panose="02040503050406030204" pitchFamily="18" charset="0"/>
+                          </a:rPr>
+                        </m:ctrlPr>
+                      </m:sSupPr>
+                      <m:e>
+                        <m:d>
+                          <m:dPr>
+                            <m:ctrlPr>
+                              <a:rPr lang="pt-BR" i="1" smtClean="0">
+                                <a:latin typeface="Cambria Math" panose="02040503050406030204" pitchFamily="18" charset="0"/>
+                              </a:rPr>
+                            </m:ctrlPr>
+                          </m:dPr>
+                          <m:e>
+                            <m:r>
+                              <a:rPr lang="pt-BR" i="1" smtClean="0">
+                                <a:latin typeface="Cambria Math" panose="02040503050406030204" pitchFamily="18" charset="0"/>
+                              </a:rPr>
+                              <m:t>𝑥</m:t>
+                            </m:r>
+                            <m:r>
+                              <a:rPr lang="pt-BR" i="1" smtClean="0">
+                                <a:latin typeface="Cambria Math" panose="02040503050406030204" pitchFamily="18" charset="0"/>
+                              </a:rPr>
+                              <m:t>+</m:t>
+                            </m:r>
+                            <m:r>
+                              <a:rPr lang="pt-BR" i="1" smtClean="0">
+                                <a:latin typeface="Cambria Math" panose="02040503050406030204" pitchFamily="18" charset="0"/>
+                              </a:rPr>
+                              <m:t>𝑎</m:t>
+                            </m:r>
+                          </m:e>
+                        </m:d>
+                      </m:e>
+                      <m:sup>
+                        <m:r>
+                          <a:rPr lang="pt-BR" i="1" smtClean="0">
+                            <a:latin typeface="Cambria Math" panose="02040503050406030204" pitchFamily="18" charset="0"/>
+                          </a:rPr>
+                          <m:t>𝑛</m:t>
+                        </m:r>
+                      </m:sup>
+                    </m:sSup>
+                    <m:r>
+                      <a:rPr lang="pt-BR" i="1" smtClean="0">
+                        <a:latin typeface="Cambria Math" panose="02040503050406030204" pitchFamily="18" charset="0"/>
+                      </a:rPr>
+                      <m:t>=</m:t>
+                    </m:r>
+                    <m:nary>
+                      <m:naryPr>
+                        <m:chr m:val="∑"/>
+                        <m:ctrlPr>
+                          <a:rPr lang="pt-BR" i="1" smtClean="0">
+                            <a:latin typeface="Cambria Math" panose="02040503050406030204" pitchFamily="18" charset="0"/>
+                          </a:rPr>
+                        </m:ctrlPr>
+                      </m:naryPr>
+                      <m:sub>
+                        <m:r>
+                          <a:rPr lang="pt-BR" i="1" smtClean="0">
+                            <a:latin typeface="Cambria Math" panose="02040503050406030204" pitchFamily="18" charset="0"/>
+                          </a:rPr>
+                          <m:t>𝑘</m:t>
+                        </m:r>
+                        <m:r>
+                          <a:rPr lang="pt-BR" i="1" smtClean="0">
+                            <a:latin typeface="Cambria Math" panose="02040503050406030204" pitchFamily="18" charset="0"/>
+                          </a:rPr>
+                          <m:t>=0</m:t>
+                        </m:r>
+                      </m:sub>
+                      <m:sup>
+                        <m:r>
+                          <a:rPr lang="pt-BR" i="1" smtClean="0">
+                            <a:latin typeface="Cambria Math" panose="02040503050406030204" pitchFamily="18" charset="0"/>
+                          </a:rPr>
+                          <m:t>𝑛</m:t>
+                        </m:r>
+                      </m:sup>
+                      <m:e>
+                        <m:d>
+                          <m:dPr>
+                            <m:ctrlPr>
+                              <a:rPr lang="pt-BR" i="1" smtClean="0">
+                                <a:latin typeface="Cambria Math" panose="02040503050406030204" pitchFamily="18" charset="0"/>
+                              </a:rPr>
+                            </m:ctrlPr>
+                          </m:dPr>
+                          <m:e>
+                            <m:f>
+                              <m:fPr>
+                                <m:type m:val="noBar"/>
+                                <m:ctrlPr>
+                                  <a:rPr lang="pt-BR" i="1" smtClean="0">
+                                    <a:latin typeface="Cambria Math" panose="02040503050406030204" pitchFamily="18" charset="0"/>
+                                  </a:rPr>
+                                </m:ctrlPr>
+                              </m:fPr>
+                              <m:num>
+                                <m:r>
+                                  <a:rPr lang="pt-BR" i="1" smtClean="0">
+                                    <a:latin typeface="Cambria Math" panose="02040503050406030204" pitchFamily="18" charset="0"/>
+                                  </a:rPr>
+                                  <m:t>𝑛</m:t>
+                                </m:r>
+                              </m:num>
+                              <m:den>
+                                <m:r>
+                                  <a:rPr lang="pt-BR" i="1" smtClean="0">
+                                    <a:latin typeface="Cambria Math" panose="02040503050406030204" pitchFamily="18" charset="0"/>
+                                  </a:rPr>
+                                  <m:t>𝑘</m:t>
+                                </m:r>
+                              </m:den>
+                            </m:f>
+                          </m:e>
+                        </m:d>
+                        <m:sSup>
+                          <m:sSupPr>
+                            <m:ctrlPr>
+                              <a:rPr lang="pt-BR" i="1" smtClean="0">
+                                <a:latin typeface="Cambria Math" panose="02040503050406030204" pitchFamily="18" charset="0"/>
+                              </a:rPr>
+                            </m:ctrlPr>
+                          </m:sSupPr>
+                          <m:e>
+                            <m:r>
+                              <a:rPr lang="pt-BR" i="1" smtClean="0">
+                                <a:latin typeface="Cambria Math" panose="02040503050406030204" pitchFamily="18" charset="0"/>
+                              </a:rPr>
+                              <m:t>𝑥</m:t>
+                            </m:r>
+                          </m:e>
+                          <m:sup>
+                            <m:r>
+                              <a:rPr lang="pt-BR" i="1" smtClean="0">
+                                <a:latin typeface="Cambria Math" panose="02040503050406030204" pitchFamily="18" charset="0"/>
+                              </a:rPr>
+                              <m:t>𝑘</m:t>
+                            </m:r>
+                          </m:sup>
+                        </m:sSup>
+                        <m:sSup>
+                          <m:sSupPr>
+                            <m:ctrlPr>
+                              <a:rPr lang="pt-BR" i="1" smtClean="0">
+                                <a:latin typeface="Cambria Math" panose="02040503050406030204" pitchFamily="18" charset="0"/>
+                              </a:rPr>
+                            </m:ctrlPr>
+                          </m:sSupPr>
+                          <m:e>
+                            <m:r>
+                              <a:rPr lang="pt-BR" i="1" smtClean="0">
+                                <a:latin typeface="Cambria Math" panose="02040503050406030204" pitchFamily="18" charset="0"/>
+                              </a:rPr>
+                              <m:t>𝑎</m:t>
+                            </m:r>
+                          </m:e>
+                          <m:sup>
+                            <m:r>
+                              <a:rPr lang="pt-BR" i="1" smtClean="0">
+                                <a:latin typeface="Cambria Math" panose="02040503050406030204" pitchFamily="18" charset="0"/>
+                              </a:rPr>
+                              <m:t>𝑛</m:t>
+                            </m:r>
+                            <m:r>
+                              <a:rPr lang="pt-BR" i="1" smtClean="0">
+                                <a:latin typeface="Cambria Math" panose="02040503050406030204" pitchFamily="18" charset="0"/>
+                              </a:rPr>
+                              <m:t>−</m:t>
+                            </m:r>
+                            <m:r>
+                              <a:rPr lang="pt-BR" i="1" smtClean="0">
+                                <a:latin typeface="Cambria Math" panose="02040503050406030204" pitchFamily="18" charset="0"/>
+                              </a:rPr>
+                              <m:t>𝑘</m:t>
+                            </m:r>
+                          </m:sup>
+                        </m:sSup>
+                      </m:e>
+                    </m:nary>
+                  </m:oMath>
+                </a14:m>
+                <a:endParaRPr lang="en-GB" dirty="0"/>
+              </a:p>
+              <a:p>
+                <a14:m>
+                  <m:oMath xmlns:m="http://schemas.openxmlformats.org/officeDocument/2006/math">
+                    <m:sSup>
+                      <m:sSupPr>
+                        <m:ctrlPr>
+                          <a:rPr lang="en-GB" i="1" smtClean="0">
+                            <a:latin typeface="Cambria Math" panose="02040503050406030204" pitchFamily="18" charset="0"/>
+                          </a:rPr>
+                        </m:ctrlPr>
+                      </m:sSupPr>
+                      <m:e>
+                        <m:d>
+                          <m:dPr>
+                            <m:ctrlPr>
+                              <a:rPr lang="en-GB" i="1" smtClean="0">
+                                <a:latin typeface="Cambria Math" panose="02040503050406030204" pitchFamily="18" charset="0"/>
+                              </a:rPr>
+                            </m:ctrlPr>
+                          </m:dPr>
+                          <m:e>
+                            <m:r>
+                              <a:rPr lang="en-GB" i="1" smtClean="0">
+                                <a:latin typeface="Cambria Math" panose="02040503050406030204" pitchFamily="18" charset="0"/>
+                              </a:rPr>
+                              <m:t>1+</m:t>
+                            </m:r>
+                            <m:r>
+                              <a:rPr lang="en-GB" i="1" smtClean="0">
+                                <a:latin typeface="Cambria Math" panose="02040503050406030204" pitchFamily="18" charset="0"/>
+                              </a:rPr>
+                              <m:t>𝑥</m:t>
+                            </m:r>
+                          </m:e>
+                        </m:d>
+                      </m:e>
+                      <m:sup>
+                        <m:r>
+                          <a:rPr lang="en-GB" i="1" smtClean="0">
+                            <a:latin typeface="Cambria Math" panose="02040503050406030204" pitchFamily="18" charset="0"/>
+                          </a:rPr>
+                          <m:t>𝑛</m:t>
+                        </m:r>
+                      </m:sup>
+                    </m:sSup>
+                    <m:r>
+                      <a:rPr lang="en-GB" i="1" smtClean="0">
+                        <a:latin typeface="Cambria Math" panose="02040503050406030204" pitchFamily="18" charset="0"/>
+                      </a:rPr>
+                      <m:t>=1+</m:t>
+                    </m:r>
+                    <m:f>
+                      <m:fPr>
+                        <m:ctrlPr>
+                          <a:rPr lang="en-GB" i="1" smtClean="0">
+                            <a:latin typeface="Cambria Math" panose="02040503050406030204" pitchFamily="18" charset="0"/>
+                          </a:rPr>
+                        </m:ctrlPr>
+                      </m:fPr>
+                      <m:num>
+                        <m:r>
+                          <a:rPr lang="en-GB" i="1" smtClean="0">
+                            <a:latin typeface="Cambria Math" panose="02040503050406030204" pitchFamily="18" charset="0"/>
+                          </a:rPr>
+                          <m:t>𝑛𝑥</m:t>
+                        </m:r>
+                      </m:num>
+                      <m:den>
+                        <m:r>
+                          <a:rPr lang="en-GB" i="1" smtClean="0">
+                            <a:latin typeface="Cambria Math" panose="02040503050406030204" pitchFamily="18" charset="0"/>
+                          </a:rPr>
+                          <m:t>1!</m:t>
+                        </m:r>
+                      </m:den>
+                    </m:f>
+                    <m:r>
+                      <a:rPr lang="en-GB" i="1" smtClean="0">
+                        <a:latin typeface="Cambria Math" panose="02040503050406030204" pitchFamily="18" charset="0"/>
+                      </a:rPr>
+                      <m:t>+</m:t>
+                    </m:r>
+                    <m:f>
+                      <m:fPr>
+                        <m:ctrlPr>
+                          <a:rPr lang="en-GB" i="1" smtClean="0">
+                            <a:latin typeface="Cambria Math" panose="02040503050406030204" pitchFamily="18" charset="0"/>
+                          </a:rPr>
+                        </m:ctrlPr>
+                      </m:fPr>
+                      <m:num>
+                        <m:r>
+                          <a:rPr lang="en-GB" i="1" smtClean="0">
+                            <a:latin typeface="Cambria Math" panose="02040503050406030204" pitchFamily="18" charset="0"/>
+                          </a:rPr>
+                          <m:t>𝑛</m:t>
+                        </m:r>
+                        <m:d>
+                          <m:dPr>
+                            <m:ctrlPr>
+                              <a:rPr lang="en-GB" i="1" smtClean="0">
+                                <a:latin typeface="Cambria Math" panose="02040503050406030204" pitchFamily="18" charset="0"/>
+                              </a:rPr>
+                            </m:ctrlPr>
+                          </m:dPr>
+                          <m:e>
+                            <m:r>
+                              <a:rPr lang="en-GB" i="1" smtClean="0">
+                                <a:latin typeface="Cambria Math" panose="02040503050406030204" pitchFamily="18" charset="0"/>
+                              </a:rPr>
+                              <m:t>𝑛</m:t>
+                            </m:r>
+                            <m:r>
+                              <a:rPr lang="en-GB" i="1" smtClean="0">
+                                <a:latin typeface="Cambria Math" panose="02040503050406030204" pitchFamily="18" charset="0"/>
+                              </a:rPr>
+                              <m:t>−1</m:t>
+                            </m:r>
+                          </m:e>
+                        </m:d>
+                        <m:sSup>
+                          <m:sSupPr>
+                            <m:ctrlPr>
+                              <a:rPr lang="en-GB" i="1" smtClean="0">
+                                <a:latin typeface="Cambria Math" panose="02040503050406030204" pitchFamily="18" charset="0"/>
+                              </a:rPr>
+                            </m:ctrlPr>
+                          </m:sSupPr>
+                          <m:e>
+                            <m:r>
+                              <a:rPr lang="en-GB" i="1" smtClean="0">
+                                <a:latin typeface="Cambria Math" panose="02040503050406030204" pitchFamily="18" charset="0"/>
+                              </a:rPr>
+                              <m:t>𝑥</m:t>
+                            </m:r>
+                          </m:e>
+                          <m:sup>
+                            <m:r>
+                              <a:rPr lang="en-GB" i="1" smtClean="0">
+                                <a:latin typeface="Cambria Math" panose="02040503050406030204" pitchFamily="18" charset="0"/>
+                              </a:rPr>
+                              <m:t>2</m:t>
+                            </m:r>
+                          </m:sup>
+                        </m:sSup>
+                      </m:num>
+                      <m:den>
+                        <m:r>
+                          <a:rPr lang="en-GB" i="1" smtClean="0">
+                            <a:latin typeface="Cambria Math" panose="02040503050406030204" pitchFamily="18" charset="0"/>
+                          </a:rPr>
+                          <m:t>2!</m:t>
+                        </m:r>
+                      </m:den>
+                    </m:f>
+                    <m:r>
+                      <a:rPr lang="en-GB" i="1" smtClean="0">
+                        <a:latin typeface="Cambria Math" panose="02040503050406030204" pitchFamily="18" charset="0"/>
+                      </a:rPr>
+                      <m:t>+…</m:t>
+                    </m:r>
+                  </m:oMath>
+                </a14:m>
+                <a:endParaRPr lang="en-GB" dirty="0"/>
+              </a:p>
+              <a:p>
+                <a14:m>
+                  <m:oMath xmlns:m="http://schemas.openxmlformats.org/officeDocument/2006/math">
+                    <m:r>
+                      <a:rPr lang="pt-BR" i="1" smtClean="0">
+                        <a:latin typeface="Cambria Math" panose="02040503050406030204" pitchFamily="18" charset="0"/>
+                      </a:rPr>
+                      <m:t>𝑓</m:t>
+                    </m:r>
+                    <m:d>
+                      <m:dPr>
+                        <m:ctrlPr>
+                          <a:rPr lang="pt-BR" i="1" smtClean="0">
+                            <a:latin typeface="Cambria Math" panose="02040503050406030204" pitchFamily="18" charset="0"/>
+                          </a:rPr>
+                        </m:ctrlPr>
+                      </m:dPr>
+                      <m:e>
+                        <m:r>
+                          <a:rPr lang="pt-BR" i="1" smtClean="0">
+                            <a:latin typeface="Cambria Math" panose="02040503050406030204" pitchFamily="18" charset="0"/>
+                          </a:rPr>
+                          <m:t>𝑥</m:t>
+                        </m:r>
+                      </m:e>
+                    </m:d>
+                    <m:r>
+                      <a:rPr lang="pt-BR" i="1" smtClean="0">
+                        <a:latin typeface="Cambria Math" panose="02040503050406030204" pitchFamily="18" charset="0"/>
+                      </a:rPr>
+                      <m:t>=</m:t>
+                    </m:r>
+                    <m:sSub>
+                      <m:sSubPr>
+                        <m:ctrlPr>
+                          <a:rPr lang="pt-BR" i="1" smtClean="0">
+                            <a:latin typeface="Cambria Math" panose="02040503050406030204" pitchFamily="18" charset="0"/>
+                          </a:rPr>
+                        </m:ctrlPr>
+                      </m:sSubPr>
+                      <m:e>
+                        <m:r>
+                          <a:rPr lang="pt-BR" i="1" smtClean="0">
+                            <a:latin typeface="Cambria Math" panose="02040503050406030204" pitchFamily="18" charset="0"/>
+                          </a:rPr>
+                          <m:t>𝑎</m:t>
+                        </m:r>
+                      </m:e>
+                      <m:sub>
+                        <m:r>
+                          <a:rPr lang="pt-BR" i="1" smtClean="0">
+                            <a:latin typeface="Cambria Math" panose="02040503050406030204" pitchFamily="18" charset="0"/>
+                          </a:rPr>
+                          <m:t>0</m:t>
+                        </m:r>
+                      </m:sub>
+                    </m:sSub>
+                    <m:r>
+                      <a:rPr lang="pt-BR" i="1" smtClean="0">
+                        <a:latin typeface="Cambria Math" panose="02040503050406030204" pitchFamily="18" charset="0"/>
+                      </a:rPr>
+                      <m:t>+</m:t>
+                    </m:r>
+                    <m:nary>
+                      <m:naryPr>
+                        <m:chr m:val="∑"/>
+                        <m:ctrlPr>
+                          <a:rPr lang="pt-BR" i="1" smtClean="0">
+                            <a:latin typeface="Cambria Math" panose="02040503050406030204" pitchFamily="18" charset="0"/>
+                          </a:rPr>
+                        </m:ctrlPr>
+                      </m:naryPr>
+                      <m:sub>
+                        <m:r>
+                          <a:rPr lang="pt-BR" i="1" smtClean="0">
+                            <a:latin typeface="Cambria Math" panose="02040503050406030204" pitchFamily="18" charset="0"/>
+                          </a:rPr>
+                          <m:t>𝑛</m:t>
+                        </m:r>
+                        <m:r>
+                          <a:rPr lang="pt-BR" i="1" smtClean="0">
+                            <a:latin typeface="Cambria Math" panose="02040503050406030204" pitchFamily="18" charset="0"/>
+                          </a:rPr>
+                          <m:t>=1</m:t>
+                        </m:r>
+                      </m:sub>
+                      <m:sup>
+                        <m:r>
+                          <a:rPr lang="pt-BR" i="1" smtClean="0">
+                            <a:latin typeface="Cambria Math" panose="02040503050406030204" pitchFamily="18" charset="0"/>
+                          </a:rPr>
+                          <m:t>∞</m:t>
+                        </m:r>
+                      </m:sup>
+                      <m:e>
+                        <m:d>
+                          <m:dPr>
+                            <m:ctrlPr>
+                              <a:rPr lang="pt-BR" i="1" smtClean="0">
+                                <a:latin typeface="Cambria Math" panose="02040503050406030204" pitchFamily="18" charset="0"/>
+                              </a:rPr>
+                            </m:ctrlPr>
+                          </m:dPr>
+                          <m:e>
+                            <m:sSub>
+                              <m:sSubPr>
+                                <m:ctrlPr>
+                                  <a:rPr lang="pt-BR" i="1" smtClean="0">
+                                    <a:latin typeface="Cambria Math" panose="02040503050406030204" pitchFamily="18" charset="0"/>
+                                  </a:rPr>
+                                </m:ctrlPr>
+                              </m:sSubPr>
+                              <m:e>
+                                <m:r>
+                                  <a:rPr lang="pt-BR" i="1" smtClean="0">
+                                    <a:latin typeface="Cambria Math" panose="02040503050406030204" pitchFamily="18" charset="0"/>
+                                  </a:rPr>
+                                  <m:t>𝑎</m:t>
+                                </m:r>
+                              </m:e>
+                              <m:sub>
+                                <m:r>
+                                  <a:rPr lang="pt-BR" i="1" smtClean="0">
+                                    <a:latin typeface="Cambria Math" panose="02040503050406030204" pitchFamily="18" charset="0"/>
+                                  </a:rPr>
+                                  <m:t>𝑛</m:t>
+                                </m:r>
+                              </m:sub>
+                            </m:sSub>
+                            <m:func>
+                              <m:funcPr>
+                                <m:ctrlPr>
+                                  <a:rPr lang="pt-BR" i="1" smtClean="0">
+                                    <a:latin typeface="Cambria Math" panose="02040503050406030204" pitchFamily="18" charset="0"/>
+                                  </a:rPr>
+                                </m:ctrlPr>
+                              </m:funcPr>
+                              <m:fName>
+                                <m:r>
+                                  <m:rPr>
+                                    <m:sty m:val="p"/>
+                                  </m:rPr>
+                                  <a:rPr lang="pt-BR" i="0" smtClean="0">
+                                    <a:latin typeface="Cambria Math" panose="02040503050406030204" pitchFamily="18" charset="0"/>
+                                  </a:rPr>
+                                  <m:t>cos</m:t>
+                                </m:r>
+                              </m:fName>
+                              <m:e>
+                                <m:f>
+                                  <m:fPr>
+                                    <m:ctrlPr>
+                                      <a:rPr lang="pt-BR" i="1" smtClean="0">
+                                        <a:latin typeface="Cambria Math" panose="02040503050406030204" pitchFamily="18" charset="0"/>
+                                      </a:rPr>
+                                    </m:ctrlPr>
+                                  </m:fPr>
+                                  <m:num>
+                                    <m:r>
+                                      <a:rPr lang="pt-BR" i="1" smtClean="0">
+                                        <a:latin typeface="Cambria Math" panose="02040503050406030204" pitchFamily="18" charset="0"/>
+                                      </a:rPr>
+                                      <m:t>𝑛</m:t>
+                                    </m:r>
+                                    <m:r>
+                                      <a:rPr lang="pt-BR" i="1" smtClean="0">
+                                        <a:latin typeface="Cambria Math" panose="02040503050406030204" pitchFamily="18" charset="0"/>
+                                      </a:rPr>
+                                      <m:t>𝜋</m:t>
+                                    </m:r>
+                                    <m:r>
+                                      <a:rPr lang="pt-BR" i="1" smtClean="0">
+                                        <a:latin typeface="Cambria Math" panose="02040503050406030204" pitchFamily="18" charset="0"/>
+                                      </a:rPr>
+                                      <m:t>𝑥</m:t>
+                                    </m:r>
+                                  </m:num>
+                                  <m:den>
+                                    <m:r>
+                                      <a:rPr lang="pt-BR" i="1" smtClean="0">
+                                        <a:latin typeface="Cambria Math" panose="02040503050406030204" pitchFamily="18" charset="0"/>
+                                      </a:rPr>
+                                      <m:t>𝐿</m:t>
+                                    </m:r>
+                                  </m:den>
+                                </m:f>
+                              </m:e>
+                            </m:func>
+                            <m:r>
+                              <a:rPr lang="pt-BR" i="1" smtClean="0">
+                                <a:latin typeface="Cambria Math" panose="02040503050406030204" pitchFamily="18" charset="0"/>
+                              </a:rPr>
+                              <m:t>+</m:t>
+                            </m:r>
+                            <m:sSub>
+                              <m:sSubPr>
+                                <m:ctrlPr>
+                                  <a:rPr lang="pt-BR" i="1" smtClean="0">
+                                    <a:latin typeface="Cambria Math" panose="02040503050406030204" pitchFamily="18" charset="0"/>
+                                  </a:rPr>
+                                </m:ctrlPr>
+                              </m:sSubPr>
+                              <m:e>
+                                <m:r>
+                                  <a:rPr lang="pt-BR" i="1" smtClean="0">
+                                    <a:latin typeface="Cambria Math" panose="02040503050406030204" pitchFamily="18" charset="0"/>
+                                  </a:rPr>
+                                  <m:t>𝑏</m:t>
+                                </m:r>
+                              </m:e>
+                              <m:sub>
+                                <m:r>
+                                  <a:rPr lang="pt-BR" i="1" smtClean="0">
+                                    <a:latin typeface="Cambria Math" panose="02040503050406030204" pitchFamily="18" charset="0"/>
+                                  </a:rPr>
+                                  <m:t>𝑛</m:t>
+                                </m:r>
+                              </m:sub>
+                            </m:sSub>
+                            <m:func>
+                              <m:funcPr>
+                                <m:ctrlPr>
+                                  <a:rPr lang="pt-BR" i="1" smtClean="0">
+                                    <a:latin typeface="Cambria Math" panose="02040503050406030204" pitchFamily="18" charset="0"/>
+                                  </a:rPr>
+                                </m:ctrlPr>
+                              </m:funcPr>
+                              <m:fName>
+                                <m:r>
+                                  <m:rPr>
+                                    <m:sty m:val="p"/>
+                                  </m:rPr>
+                                  <a:rPr lang="pt-BR" i="0" smtClean="0">
+                                    <a:latin typeface="Cambria Math" panose="02040503050406030204" pitchFamily="18" charset="0"/>
+                                  </a:rPr>
+                                  <m:t>sin</m:t>
+                                </m:r>
+                              </m:fName>
+                              <m:e>
+                                <m:f>
+                                  <m:fPr>
+                                    <m:ctrlPr>
+                                      <a:rPr lang="pt-BR" i="1" smtClean="0">
+                                        <a:latin typeface="Cambria Math" panose="02040503050406030204" pitchFamily="18" charset="0"/>
+                                      </a:rPr>
+                                    </m:ctrlPr>
+                                  </m:fPr>
+                                  <m:num>
+                                    <m:r>
+                                      <a:rPr lang="pt-BR" i="1" smtClean="0">
+                                        <a:latin typeface="Cambria Math" panose="02040503050406030204" pitchFamily="18" charset="0"/>
+                                      </a:rPr>
+                                      <m:t>𝑛</m:t>
+                                    </m:r>
+                                    <m:r>
+                                      <a:rPr lang="pt-BR" i="1" smtClean="0">
+                                        <a:latin typeface="Cambria Math" panose="02040503050406030204" pitchFamily="18" charset="0"/>
+                                      </a:rPr>
+                                      <m:t>𝜋</m:t>
+                                    </m:r>
+                                    <m:r>
+                                      <a:rPr lang="pt-BR" i="1" smtClean="0">
+                                        <a:latin typeface="Cambria Math" panose="02040503050406030204" pitchFamily="18" charset="0"/>
+                                      </a:rPr>
+                                      <m:t>𝑥</m:t>
+                                    </m:r>
+                                  </m:num>
+                                  <m:den>
+                                    <m:r>
+                                      <a:rPr lang="pt-BR" i="1" smtClean="0">
+                                        <a:latin typeface="Cambria Math" panose="02040503050406030204" pitchFamily="18" charset="0"/>
+                                      </a:rPr>
+                                      <m:t>𝐿</m:t>
+                                    </m:r>
+                                  </m:den>
+                                </m:f>
+                              </m:e>
+                            </m:func>
+                          </m:e>
+                        </m:d>
+                      </m:e>
+                    </m:nary>
+                  </m:oMath>
+                </a14:m>
+                <a:endParaRPr lang="en-GB" dirty="0"/>
+              </a:p>
+            </p:txBody>
+          </p:sp>
+        </mc:Choice>
+        <mc:Fallback>
+          <p:sp>
+            <p:nvSpPr>
+              <p:cNvPr id="2" name="Inhaltsplatzhalter 1"/>
+              <p:cNvSpPr>
+                <a:spLocks noGrp="1" noRot="1" noChangeAspect="1" noMove="1" noResize="1" noEditPoints="1" noAdjustHandles="1" noChangeArrowheads="1" noChangeShapeType="1" noTextEdit="1"/>
+              </p:cNvSpPr>
+              <p:nvPr>
+                <p:ph idx="1"/>
+              </p:nvPr>
+            </p:nvSpPr>
+            <p:spPr>
+              <a:blipFill>
+                <a:blip r:embed="rId3"/>
+                <a:stretch>
+                  <a:fillRect/>
+                </a:stretch>
+              </a:blipFill>
+            </p:spPr>
+            <p:txBody>
+              <a:bodyPr/>
+              <a:lstStyle/>
+              <a:p>
+                <a:r>
+                  <a:rPr lang="en-GB">
+                    <a:noFill/>
+                  </a:rPr>
+                  <a:t> </a:t>
+                </a:r>
+              </a:p>
+            </p:txBody>
+          </p:sp>
+        </mc:Fallback>
+      </mc:AlternateContent>
     </p:spTree>
     <p:extLst>
       <p:ext uri="{BB962C8B-B14F-4D97-AF65-F5344CB8AC3E}">
@@ -44409,15 +45088,7 @@
             </a:r>
             <a:r>
               <a:rPr lang="en-GB" dirty="0"/>
-              <a:t> algorithm </a:t>
-            </a:r>
-            <a:r>
-              <a:rPr lang="en-GB" dirty="0" err="1"/>
-              <a:t>forcollision</a:t>
-            </a:r>
-            <a:r>
-              <a:rPr lang="en-GB" dirty="0"/>
-              <a:t> detection</a:t>
+              <a:t> algorithm for collision detection</a:t>
             </a:r>
           </a:p>
           <a:p>

--- a/project/final_presentation.pptx
+++ b/project/final_presentation.pptx
@@ -810,15 +810,7 @@
             </a:br>
             <a:r>
               <a:rPr lang="en-GB" baseline="0" dirty="0"/>
-              <a:t>As we already have presented the mid-project milestone presentation, our goal was to create a simple </a:t>
-            </a:r>
-            <a:r>
-              <a:rPr lang="en-GB" baseline="0" dirty="0" err="1"/>
-              <a:t>rollercoast</a:t>
-            </a:r>
-            <a:r>
-              <a:rPr lang="en-GB" baseline="0" dirty="0"/>
-              <a:t> that ends in pool filled with small balls.</a:t>
+              <a:t>As we already have presented the mid-project milestone presentation, our goal was to create a simple rollercoaster that ends in a pool filled with small balls.</a:t>
             </a:r>
             <a:endParaRPr lang="en-GB" dirty="0"/>
           </a:p>
@@ -1253,24 +1245,8 @@
           <a:p>
             <a:r>
               <a:rPr lang="en-GB" dirty="0"/>
-              <a:t>If we decrease the weight of</a:t>
-            </a:r>
-            <a:r>
-              <a:rPr lang="en-GB" baseline="0" dirty="0"/>
-              <a:t> the spheres, so that the box is a 100 times heavier than a sphere, we get this result.</a:t>
-            </a:r>
-            <a:endParaRPr lang="en-GB" dirty="0"/>
-          </a:p>
-          <a:p>
-            <a:r>
-              <a:rPr lang="en-GB" dirty="0"/>
-              <a:t>(Weight</a:t>
-            </a:r>
-            <a:r>
-              <a:rPr lang="en-GB" baseline="0" dirty="0"/>
-              <a:t> of the spheres: 1)</a:t>
-            </a:r>
-            <a:endParaRPr lang="en-GB" dirty="0"/>
+              <a:t>Are there any questions?</a:t>
+            </a:r>
           </a:p>
         </p:txBody>
       </p:sp>
@@ -1469,19 +1445,8 @@
           <a:lstStyle/>
           <a:p>
             <a:r>
-              <a:rPr lang="en-GB" dirty="0"/>
-              <a:t>Apart from many small problems,</a:t>
-            </a:r>
-            <a:r>
               <a:rPr lang="en-GB" baseline="0" dirty="0"/>
-              <a:t> we faced two main challenges. </a:t>
-            </a:r>
-            <a:br>
-              <a:rPr lang="en-GB" baseline="0" dirty="0"/>
-            </a:br>
-            <a:r>
-              <a:rPr lang="en-GB" baseline="0" dirty="0"/>
-              <a:t>The first one was the box around the balls and the second one was the stacking of the balls. </a:t>
+              <a:t>It’s all very trivial</a:t>
             </a:r>
           </a:p>
         </p:txBody>
@@ -43812,8 +43777,8 @@
           </a:p>
         </p:txBody>
       </p:sp>
-      <mc:AlternateContent xmlns:mc="http://schemas.openxmlformats.org/markup-compatibility/2006">
-        <mc:Choice xmlns:a14="http://schemas.microsoft.com/office/drawing/2010/main" Requires="a14">
+      <mc:AlternateContent xmlns:mc="http://schemas.openxmlformats.org/markup-compatibility/2006" xmlns:a14="http://schemas.microsoft.com/office/drawing/2010/main">
+        <mc:Choice Requires="a14">
           <p:sp>
             <p:nvSpPr>
               <p:cNvPr id="2" name="Inhaltsplatzhalter 1"/>
@@ -44476,7 +44441,7 @@
             </p:txBody>
           </p:sp>
         </mc:Choice>
-        <mc:Fallback>
+        <mc:Fallback xmlns="">
           <p:sp>
             <p:nvSpPr>
               <p:cNvPr id="2" name="Inhaltsplatzhalter 1"/>

--- a/project/final_presentation.pptx
+++ b/project/final_presentation.pptx
@@ -810,7 +810,7 @@
             </a:br>
             <a:r>
               <a:rPr lang="en-GB" baseline="0" dirty="0"/>
-              <a:t>As we already have presented the mid-project milestone presentation, our goal was to create a simple rollercoaster that ends in a pool filled with small balls.</a:t>
+              <a:t>As we have mentioned at the mid-project milestone presentation, our goal was to create a simple rollercoaster that ends in a pool filled with small balls.</a:t>
             </a:r>
             <a:endParaRPr lang="en-GB" dirty="0"/>
           </a:p>
@@ -935,7 +935,7 @@
             </a:br>
             <a:r>
               <a:rPr lang="en-GB" baseline="0" dirty="0"/>
-              <a:t>We were not able to solve this issue. Therefore, we selected a mesh, which is not highly influenced of this effect.</a:t>
+              <a:t>We were not able to solve this issue. Therefore, we selected a mesh, which is not highly influenced by this effect.</a:t>
             </a:r>
             <a:endParaRPr lang="en-GB" dirty="0"/>
           </a:p>
@@ -1031,7 +1031,7 @@
             </a:r>
             <a:r>
               <a:rPr lang="en-GB" baseline="0" dirty="0"/>
-              <a:t> is the overall result of our simulation.</a:t>
+              <a:t> is the final result of our simulation.</a:t>
             </a:r>
             <a:br>
               <a:rPr lang="en-GB" baseline="0" dirty="0"/>
@@ -1354,11 +1354,16 @@
             </a:r>
             <a:r>
               <a:rPr lang="en-GB" baseline="0" dirty="0"/>
-              <a:t> decided to simplify this scene in the following way: We modelled a very simple slide instead of a complex rollercoaster. Furthermore, we represented the cart of the rollercoaster as a simple box in order to simplify the collision detection of the cart and the balls.</a:t>
-            </a:r>
-            <a:endParaRPr lang="en-GB" dirty="0"/>
-          </a:p>
-          <a:p>
+              <a:t> decided to simplify this scene in the following way: We modelled a very simple slide instead of a complex rollercoaster. Furthermore, we represented the cart of the rollercoaster as a simple box in order to simplify the collision detection of the cart. In addition, we designed the surface of the balls with some texture instead of an uniform </a:t>
+            </a:r>
+            <a:r>
+              <a:rPr lang="en-GB" baseline="0" dirty="0" err="1"/>
+              <a:t>color</a:t>
+            </a:r>
+            <a:r>
+              <a:rPr lang="en-GB" baseline="0" dirty="0"/>
+              <a:t>, so that the rotation of the spheres is visible.</a:t>
+            </a:r>
             <a:endParaRPr lang="en-GB" dirty="0"/>
           </a:p>
         </p:txBody>
@@ -1651,23 +1656,6 @@
           <a:bodyPr/>
           <a:lstStyle/>
           <a:p>
-            <a:pPr marL="0" marR="0" lvl="0" indent="0" algn="l" defTabSz="914400" rtl="0" eaLnBrk="1" fontAlgn="auto" latinLnBrk="0" hangingPunct="1">
-              <a:lnSpc>
-                <a:spcPct val="100000"/>
-              </a:lnSpc>
-              <a:spcBef>
-                <a:spcPts val="0"/>
-              </a:spcBef>
-              <a:spcAft>
-                <a:spcPts val="0"/>
-              </a:spcAft>
-              <a:buClrTx/>
-              <a:buSzTx/>
-              <a:buFontTx/>
-              <a:buNone/>
-              <a:tabLst/>
-              <a:defRPr/>
-            </a:pPr>
             <a:r>
               <a:rPr lang="en-GB" dirty="0"/>
               <a:t>Let’s look at the first problem, the box around the balls.</a:t>
@@ -1677,7 +1665,7 @@
             </a:br>
             <a:r>
               <a:rPr lang="en-GB" baseline="0" dirty="0"/>
-              <a:t>For distributing the balls in the box, we decided to create a mesh with the balls above the box and let them fall from a low height into the box. Unfortunately, the balls showed a very strange behaviour inside the box.</a:t>
+              <a:t>For distributing the balls in the box, we decided to create a mesh with the balls above the box at the initialization. When the simulation starts, they fall down because of the gravity and should distributed in a nice and natural way. Unfortunately, the balls showed a very strange behaviour, when they move inside the box.</a:t>
             </a:r>
             <a:endParaRPr lang="en-GB" dirty="0"/>
           </a:p>
@@ -1798,7 +1786,7 @@
             </a:r>
             <a:r>
               <a:rPr lang="en-GB" baseline="0" dirty="0"/>
-              <a:t> algorithm for the collision detection. However, this algorithm only considers convex objects and the inside of the box is clearly not convex.</a:t>
+              <a:t> algorithm for this purpose. However, this algorithm only considers convex objects and the inside of the box is clearly not convex in the corners.</a:t>
             </a:r>
             <a:endParaRPr lang="en-GB" dirty="0"/>
           </a:p>
@@ -1919,11 +1907,8 @@
             </a:r>
             <a:r>
               <a:rPr lang="en-GB" baseline="0" dirty="0"/>
-              <a:t> did not have the time to implement a more sophisticated algorithm for the collision detection, which also considers concave objects,</a:t>
-            </a:r>
-            <a:endParaRPr lang="en-GB" dirty="0"/>
-          </a:p>
-          <a:p>
+              <a:t> did not have the time to implement a more sophisticated algorithm for the collision detection, which would also consider concave objects.</a:t>
+            </a:r>
             <a:endParaRPr lang="en-GB" dirty="0"/>
           </a:p>
         </p:txBody>
@@ -2140,11 +2125,11 @@
             </a:pPr>
             <a:r>
               <a:rPr lang="en-GB" dirty="0"/>
-              <a:t>We constructed a mesh with the balls.</a:t>
+              <a:t>We constructed a mesh with the balls,</a:t>
             </a:r>
             <a:r>
               <a:rPr lang="en-GB" baseline="0" dirty="0"/>
-              <a:t> However, some of the balls show sometimes a very strange behaviour, which we were not able to explain.</a:t>
+              <a:t> where there is a very small distance at the beginning between them. However, some of the balls show sometimes an unexpected behaviour, which we were not able to explain.</a:t>
             </a:r>
             <a:endParaRPr lang="en-GB" dirty="0"/>
           </a:p>
@@ -43182,7 +43167,7 @@
           <a:p>
             <a:r>
               <a:rPr lang="en-GB" dirty="0"/>
-              <a:t>Result</a:t>
+              <a:t>Final result</a:t>
             </a:r>
           </a:p>
         </p:txBody>
@@ -43327,9 +43312,10 @@
           <a:lstStyle/>
           <a:p>
             <a:r>
-              <a:rPr lang="en-GB" dirty="0"/>
-              <a:t>Result</a:t>
-            </a:r>
+              <a:rPr lang="en-GB"/>
+              <a:t>Final result</a:t>
+            </a:r>
+            <a:endParaRPr lang="en-GB" dirty="0"/>
           </a:p>
         </p:txBody>
       </p:sp>

--- a/project/final_presentation.pptx
+++ b/project/final_presentation.pptx
@@ -44733,6 +44733,58 @@
                       </p:childTnLst>
                     </p:cTn>
                   </p:par>
+                  <p:par>
+                    <p:cTn id="11" fill="hold">
+                      <p:stCondLst>
+                        <p:cond delay="indefinite"/>
+                      </p:stCondLst>
+                      <p:childTnLst>
+                        <p:par>
+                          <p:cTn id="12" fill="hold">
+                            <p:stCondLst>
+                              <p:cond delay="0"/>
+                            </p:stCondLst>
+                            <p:childTnLst>
+                              <p:par>
+                                <p:cTn id="13" presetID="26" presetClass="emph" presetSubtype="0" fill="hold" nodeType="clickEffect">
+                                  <p:stCondLst>
+                                    <p:cond delay="0"/>
+                                  </p:stCondLst>
+                                  <p:childTnLst>
+                                    <p:animEffect transition="out" filter="fade">
+                                      <p:cBhvr>
+                                        <p:cTn id="14" dur="500" tmFilter="0, 0; .2, .5; .8, .5; 1, 0"/>
+                                        <p:tgtEl>
+                                          <p:spTgt spid="2">
+                                            <p:txEl>
+                                              <p:pRg st="0" end="0"/>
+                                            </p:txEl>
+                                          </p:spTgt>
+                                        </p:tgtEl>
+                                      </p:cBhvr>
+                                    </p:animEffect>
+                                    <p:animScale>
+                                      <p:cBhvr>
+                                        <p:cTn id="15" dur="250" autoRev="1" fill="hold"/>
+                                        <p:tgtEl>
+                                          <p:spTgt spid="2">
+                                            <p:txEl>
+                                              <p:pRg st="0" end="0"/>
+                                            </p:txEl>
+                                          </p:spTgt>
+                                        </p:tgtEl>
+                                      </p:cBhvr>
+                                      <p:by x="105000" y="105000"/>
+                                    </p:animScale>
+                                  </p:childTnLst>
+                                </p:cTn>
+                              </p:par>
+                            </p:childTnLst>
+                          </p:cTn>
+                        </p:par>
+                      </p:childTnLst>
+                    </p:cTn>
+                  </p:par>
                 </p:childTnLst>
               </p:cTn>
               <p:prevCondLst>
@@ -45546,6 +45598,189 @@
   <p:transition>
     <p:fade/>
   </p:transition>
+  <p:timing>
+    <p:tnLst>
+      <p:par>
+        <p:cTn id="1" dur="indefinite" restart="never" nodeType="tmRoot">
+          <p:childTnLst>
+            <p:seq concurrent="1" nextAc="seek">
+              <p:cTn id="2" dur="indefinite" nodeType="mainSeq">
+                <p:childTnLst>
+                  <p:par>
+                    <p:cTn id="3" fill="hold">
+                      <p:stCondLst>
+                        <p:cond delay="indefinite"/>
+                      </p:stCondLst>
+                      <p:childTnLst>
+                        <p:par>
+                          <p:cTn id="4" fill="hold">
+                            <p:stCondLst>
+                              <p:cond delay="0"/>
+                            </p:stCondLst>
+                            <p:childTnLst>
+                              <p:par>
+                                <p:cTn id="5" presetID="1" presetClass="entr" presetSubtype="0" fill="hold" grpId="0" nodeType="clickEffect">
+                                  <p:stCondLst>
+                                    <p:cond delay="0"/>
+                                  </p:stCondLst>
+                                  <p:childTnLst>
+                                    <p:set>
+                                      <p:cBhvr>
+                                        <p:cTn id="6" dur="1" fill="hold">
+                                          <p:stCondLst>
+                                            <p:cond delay="0"/>
+                                          </p:stCondLst>
+                                        </p:cTn>
+                                        <p:tgtEl>
+                                          <p:spTgt spid="2">
+                                            <p:txEl>
+                                              <p:pRg st="0" end="0"/>
+                                            </p:txEl>
+                                          </p:spTgt>
+                                        </p:tgtEl>
+                                        <p:attrNameLst>
+                                          <p:attrName>style.visibility</p:attrName>
+                                        </p:attrNameLst>
+                                      </p:cBhvr>
+                                      <p:to>
+                                        <p:strVal val="visible"/>
+                                      </p:to>
+                                    </p:set>
+                                  </p:childTnLst>
+                                </p:cTn>
+                              </p:par>
+                            </p:childTnLst>
+                          </p:cTn>
+                        </p:par>
+                      </p:childTnLst>
+                    </p:cTn>
+                  </p:par>
+                  <p:par>
+                    <p:cTn id="7" fill="hold">
+                      <p:stCondLst>
+                        <p:cond delay="indefinite"/>
+                      </p:stCondLst>
+                      <p:childTnLst>
+                        <p:par>
+                          <p:cTn id="8" fill="hold">
+                            <p:stCondLst>
+                              <p:cond delay="0"/>
+                            </p:stCondLst>
+                            <p:childTnLst>
+                              <p:par>
+                                <p:cTn id="9" presetID="1" presetClass="entr" presetSubtype="0" fill="hold" grpId="0" nodeType="clickEffect">
+                                  <p:stCondLst>
+                                    <p:cond delay="0"/>
+                                  </p:stCondLst>
+                                  <p:childTnLst>
+                                    <p:set>
+                                      <p:cBhvr>
+                                        <p:cTn id="10" dur="1" fill="hold">
+                                          <p:stCondLst>
+                                            <p:cond delay="0"/>
+                                          </p:stCondLst>
+                                        </p:cTn>
+                                        <p:tgtEl>
+                                          <p:spTgt spid="2">
+                                            <p:txEl>
+                                              <p:pRg st="1" end="1"/>
+                                            </p:txEl>
+                                          </p:spTgt>
+                                        </p:tgtEl>
+                                        <p:attrNameLst>
+                                          <p:attrName>style.visibility</p:attrName>
+                                        </p:attrNameLst>
+                                      </p:cBhvr>
+                                      <p:to>
+                                        <p:strVal val="visible"/>
+                                      </p:to>
+                                    </p:set>
+                                  </p:childTnLst>
+                                </p:cTn>
+                              </p:par>
+                            </p:childTnLst>
+                          </p:cTn>
+                        </p:par>
+                      </p:childTnLst>
+                    </p:cTn>
+                  </p:par>
+                  <p:par>
+                    <p:cTn id="11" fill="hold">
+                      <p:stCondLst>
+                        <p:cond delay="indefinite"/>
+                      </p:stCondLst>
+                      <p:childTnLst>
+                        <p:par>
+                          <p:cTn id="12" fill="hold">
+                            <p:stCondLst>
+                              <p:cond delay="0"/>
+                            </p:stCondLst>
+                            <p:childTnLst>
+                              <p:par>
+                                <p:cTn id="13" presetID="26" presetClass="emph" presetSubtype="0" fill="hold" nodeType="clickEffect">
+                                  <p:stCondLst>
+                                    <p:cond delay="0"/>
+                                  </p:stCondLst>
+                                  <p:childTnLst>
+                                    <p:animEffect transition="out" filter="fade">
+                                      <p:cBhvr>
+                                        <p:cTn id="14" dur="500" tmFilter="0, 0; .2, .5; .8, .5; 1, 0"/>
+                                        <p:tgtEl>
+                                          <p:spTgt spid="2">
+                                            <p:txEl>
+                                              <p:pRg st="1" end="1"/>
+                                            </p:txEl>
+                                          </p:spTgt>
+                                        </p:tgtEl>
+                                      </p:cBhvr>
+                                    </p:animEffect>
+                                    <p:animScale>
+                                      <p:cBhvr>
+                                        <p:cTn id="15" dur="250" autoRev="1" fill="hold"/>
+                                        <p:tgtEl>
+                                          <p:spTgt spid="2">
+                                            <p:txEl>
+                                              <p:pRg st="1" end="1"/>
+                                            </p:txEl>
+                                          </p:spTgt>
+                                        </p:tgtEl>
+                                      </p:cBhvr>
+                                      <p:by x="105000" y="105000"/>
+                                    </p:animScale>
+                                  </p:childTnLst>
+                                </p:cTn>
+                              </p:par>
+                            </p:childTnLst>
+                          </p:cTn>
+                        </p:par>
+                      </p:childTnLst>
+                    </p:cTn>
+                  </p:par>
+                </p:childTnLst>
+              </p:cTn>
+              <p:prevCondLst>
+                <p:cond evt="onPrev" delay="0">
+                  <p:tgtEl>
+                    <p:sldTgt/>
+                  </p:tgtEl>
+                </p:cond>
+              </p:prevCondLst>
+              <p:nextCondLst>
+                <p:cond evt="onNext" delay="0">
+                  <p:tgtEl>
+                    <p:sldTgt/>
+                  </p:tgtEl>
+                </p:cond>
+              </p:nextCondLst>
+            </p:seq>
+          </p:childTnLst>
+        </p:cTn>
+      </p:par>
+    </p:tnLst>
+    <p:bldLst>
+      <p:bldP spid="2" grpId="0" uiExpand="1" build="p"/>
+    </p:bldLst>
+  </p:timing>
 </p:sld>
 </file>
 

--- a/project/final_presentation.pptx
+++ b/project/final_presentation.pptx
@@ -13,25 +13,27 @@
     <p:sldMasterId id="2147483849" r:id="rId9"/>
   </p:sldMasterIdLst>
   <p:notesMasterIdLst>
-    <p:notesMasterId r:id="rId23"/>
+    <p:notesMasterId r:id="rId25"/>
   </p:notesMasterIdLst>
   <p:handoutMasterIdLst>
-    <p:handoutMasterId r:id="rId24"/>
+    <p:handoutMasterId r:id="rId26"/>
   </p:handoutMasterIdLst>
   <p:sldIdLst>
     <p:sldId id="268" r:id="rId10"/>
     <p:sldId id="272" r:id="rId11"/>
-    <p:sldId id="291" r:id="rId12"/>
-    <p:sldId id="285" r:id="rId13"/>
-    <p:sldId id="282" r:id="rId14"/>
-    <p:sldId id="281" r:id="rId15"/>
-    <p:sldId id="284" r:id="rId16"/>
-    <p:sldId id="290" r:id="rId17"/>
-    <p:sldId id="286" r:id="rId18"/>
-    <p:sldId id="287" r:id="rId19"/>
-    <p:sldId id="288" r:id="rId20"/>
-    <p:sldId id="289" r:id="rId21"/>
-    <p:sldId id="292" r:id="rId22"/>
+    <p:sldId id="293" r:id="rId12"/>
+    <p:sldId id="296" r:id="rId13"/>
+    <p:sldId id="294" r:id="rId14"/>
+    <p:sldId id="285" r:id="rId15"/>
+    <p:sldId id="282" r:id="rId16"/>
+    <p:sldId id="281" r:id="rId17"/>
+    <p:sldId id="284" r:id="rId18"/>
+    <p:sldId id="290" r:id="rId19"/>
+    <p:sldId id="286" r:id="rId20"/>
+    <p:sldId id="287" r:id="rId21"/>
+    <p:sldId id="288" r:id="rId22"/>
+    <p:sldId id="289" r:id="rId23"/>
+    <p:sldId id="292" r:id="rId24"/>
   </p:sldIdLst>
   <p:sldSz cx="12187238" cy="6858000"/>
   <p:notesSz cx="7099300" cy="10234613"/>
@@ -132,7 +134,7 @@
   </p:defaultTextStyle>
   <p:extLst>
     <p:ext uri="{EFAFB233-063F-42B5-8137-9DF3F51BA10A}">
-      <p15:sldGuideLst xmlns:p15="http://schemas.microsoft.com/office/powerpoint/2012/main">
+      <p15:sldGuideLst xmlns:p15="http://schemas.microsoft.com/office/powerpoint/2012/main" xmlns="">
         <p15:guide id="1" orient="horz" pos="391">
           <p15:clr>
             <a:srgbClr val="A4A3A4"/>
@@ -201,7 +203,7 @@
       </p15:sldGuideLst>
     </p:ext>
     <p:ext uri="{2D200454-40CA-4A62-9FC3-DE9A4176ACB9}">
-      <p15:notesGuideLst xmlns:p15="http://schemas.microsoft.com/office/powerpoint/2012/main"/>
+      <p15:notesGuideLst xmlns:p15="http://schemas.microsoft.com/office/powerpoint/2012/main" xmlns=""/>
     </p:ext>
   </p:extLst>
 </p:presentation>
@@ -293,6 +295,7 @@
               <a:rPr lang="de-DE" smtClean="0">
                 <a:latin typeface="Arial" panose="020B0604020202020204" pitchFamily="34" charset="0"/>
               </a:rPr>
+              <a:pPr/>
               <a:t>20.12.2016</a:t>
             </a:fld>
             <a:endParaRPr lang="de-DE" dirty="0">
@@ -365,6 +368,7 @@
               <a:rPr lang="de-DE" smtClean="0">
                 <a:latin typeface="Arial" panose="020B0604020202020204" pitchFamily="34" charset="0"/>
               </a:rPr>
+              <a:pPr/>
               <a:t>‹Nr.›</a:t>
             </a:fld>
             <a:endParaRPr lang="de-DE" dirty="0">
@@ -376,7 +380,7 @@
     </p:spTree>
     <p:extLst>
       <p:ext uri="{BB962C8B-B14F-4D97-AF65-F5344CB8AC3E}">
-        <p14:creationId xmlns:p14="http://schemas.microsoft.com/office/powerpoint/2010/main" val="2195302427"/>
+        <p14:creationId xmlns:p14="http://schemas.microsoft.com/office/powerpoint/2010/main" xmlns="" val="2195302427"/>
       </p:ext>
     </p:extLst>
   </p:cSld>
@@ -645,7 +649,7 @@
     </p:spTree>
     <p:extLst>
       <p:ext uri="{BB962C8B-B14F-4D97-AF65-F5344CB8AC3E}">
-        <p14:creationId xmlns:p14="http://schemas.microsoft.com/office/powerpoint/2010/main" val="277359971"/>
+        <p14:creationId xmlns:p14="http://schemas.microsoft.com/office/powerpoint/2010/main" xmlns="" val="277359971"/>
       </p:ext>
     </p:extLst>
   </p:cSld>
@@ -843,7 +847,7 @@
     </p:spTree>
     <p:extLst>
       <p:ext uri="{BB962C8B-B14F-4D97-AF65-F5344CB8AC3E}">
-        <p14:creationId xmlns:p14="http://schemas.microsoft.com/office/powerpoint/2010/main" val="3775090328"/>
+        <p14:creationId xmlns:p14="http://schemas.microsoft.com/office/powerpoint/2010/main" xmlns="" val="3775090328"/>
       </p:ext>
     </p:extLst>
   </p:cSld>
@@ -897,49 +901,35 @@
           <a:bodyPr/>
           <a:lstStyle/>
           <a:p>
-            <a:pPr marL="0" marR="0" lvl="0" indent="0" algn="l" defTabSz="914400" rtl="0" eaLnBrk="1" fontAlgn="auto" latinLnBrk="0" hangingPunct="1">
-              <a:lnSpc>
-                <a:spcPct val="100000"/>
-              </a:lnSpc>
-              <a:spcBef>
-                <a:spcPts val="0"/>
-              </a:spcBef>
-              <a:spcAft>
-                <a:spcPts val="0"/>
-              </a:spcAft>
-              <a:buClrTx/>
-              <a:buSzTx/>
-              <a:buFontTx/>
-              <a:buNone/>
-              <a:tabLst/>
-              <a:defRPr/>
-            </a:pPr>
             <a:r>
               <a:rPr lang="en-GB" dirty="0"/>
-              <a:t>Here is </a:t>
+              <a:t>Here</a:t>
             </a:r>
             <a:r>
               <a:rPr lang="en-GB" baseline="0" dirty="0"/>
-              <a:t>a different </a:t>
-            </a:r>
-            <a:r>
-              <a:rPr lang="en-GB" dirty="0"/>
-              <a:t>mesh, which suffers</a:t>
-            </a:r>
-            <a:r>
-              <a:rPr lang="en-GB" baseline="0" dirty="0"/>
-              <a:t> from the same problem, but the effect is not as so strong as before.</a:t>
+              <a:t> is the final result of our simulation.</a:t>
             </a:r>
             <a:br>
               <a:rPr lang="en-GB" baseline="0" dirty="0"/>
             </a:br>
             <a:r>
               <a:rPr lang="en-GB" baseline="0" dirty="0"/>
-              <a:t>We were not able to solve this issue. Therefore, we selected a mesh, which is not highly influenced by this effect.</a:t>
-            </a:r>
-            <a:endParaRPr lang="en-GB" dirty="0"/>
-          </a:p>
-          <a:p>
+              <a:t>The box is 10 times heavier than each sphere.</a:t>
+            </a:r>
+          </a:p>
+          <a:p>
+            <a:r>
+              <a:rPr lang="en-GB" baseline="0" dirty="0"/>
+              <a:t>(</a:t>
+            </a:r>
+            <a:r>
+              <a:rPr lang="en-GB" dirty="0"/>
+              <a:t>Weight</a:t>
+            </a:r>
+            <a:r>
+              <a:rPr lang="en-GB" baseline="0" dirty="0"/>
+              <a:t> of the spheres: 10)</a:t>
+            </a:r>
             <a:endParaRPr lang="en-GB" dirty="0"/>
           </a:p>
         </p:txBody>
@@ -962,7 +952,7 @@
             <a:fld id="{A51C0C35-A9A2-4EFD-9BAF-1E52E29E03D1}" type="slidenum">
               <a:rPr lang="de-CH" smtClean="0"/>
               <a:pPr/>
-              <a:t>10</a:t>
+              <a:t>13</a:t>
             </a:fld>
             <a:endParaRPr lang="de-CH" dirty="0"/>
           </a:p>
@@ -971,7 +961,7 @@
     </p:spTree>
     <p:extLst>
       <p:ext uri="{BB962C8B-B14F-4D97-AF65-F5344CB8AC3E}">
-        <p14:creationId xmlns:p14="http://schemas.microsoft.com/office/powerpoint/2010/main" val="1430098738"/>
+        <p14:creationId xmlns:p14="http://schemas.microsoft.com/office/powerpoint/2010/main" xmlns="" val="4177258231"/>
       </p:ext>
     </p:extLst>
   </p:cSld>
@@ -1027,32 +1017,22 @@
           <a:p>
             <a:r>
               <a:rPr lang="en-GB" dirty="0"/>
-              <a:t>Here</a:t>
+              <a:t>If we decrease the weight of</a:t>
             </a:r>
             <a:r>
               <a:rPr lang="en-GB" baseline="0" dirty="0"/>
-              <a:t> is the final result of our simulation.</a:t>
-            </a:r>
-            <a:br>
+              <a:t> the spheres, so that the box is a 100 times heavier than a sphere, we get this result.</a:t>
+            </a:r>
+            <a:endParaRPr lang="en-GB" dirty="0"/>
+          </a:p>
+          <a:p>
+            <a:r>
+              <a:rPr lang="en-GB" dirty="0"/>
+              <a:t>(Weight</a:t>
+            </a:r>
+            <a:r>
               <a:rPr lang="en-GB" baseline="0" dirty="0"/>
-            </a:br>
-            <a:r>
-              <a:rPr lang="en-GB" baseline="0" dirty="0"/>
-              <a:t>The box is 10 times heavier than each sphere.</a:t>
-            </a:r>
-          </a:p>
-          <a:p>
-            <a:r>
-              <a:rPr lang="en-GB" baseline="0" dirty="0"/>
-              <a:t>(</a:t>
-            </a:r>
-            <a:r>
-              <a:rPr lang="en-GB" dirty="0"/>
-              <a:t>Weight</a:t>
-            </a:r>
-            <a:r>
-              <a:rPr lang="en-GB" baseline="0" dirty="0"/>
-              <a:t> of the spheres: 10)</a:t>
+              <a:t> of the spheres: 1)</a:t>
             </a:r>
             <a:endParaRPr lang="en-GB" dirty="0"/>
           </a:p>
@@ -1076,7 +1056,7 @@
             <a:fld id="{A51C0C35-A9A2-4EFD-9BAF-1E52E29E03D1}" type="slidenum">
               <a:rPr lang="de-CH" smtClean="0"/>
               <a:pPr/>
-              <a:t>11</a:t>
+              <a:t>14</a:t>
             </a:fld>
             <a:endParaRPr lang="de-CH" dirty="0"/>
           </a:p>
@@ -1085,7 +1065,7 @@
     </p:spTree>
     <p:extLst>
       <p:ext uri="{BB962C8B-B14F-4D97-AF65-F5344CB8AC3E}">
-        <p14:creationId xmlns:p14="http://schemas.microsoft.com/office/powerpoint/2010/main" val="4177258231"/>
+        <p14:creationId xmlns:p14="http://schemas.microsoft.com/office/powerpoint/2010/main" xmlns="" val="2842997039"/>
       </p:ext>
     </p:extLst>
   </p:cSld>
@@ -1141,24 +1121,8 @@
           <a:p>
             <a:r>
               <a:rPr lang="en-GB" dirty="0"/>
-              <a:t>If we decrease the weight of</a:t>
-            </a:r>
-            <a:r>
-              <a:rPr lang="en-GB" baseline="0" dirty="0"/>
-              <a:t> the spheres, so that the box is a 100 times heavier than a sphere, we get this result.</a:t>
-            </a:r>
-            <a:endParaRPr lang="en-GB" dirty="0"/>
-          </a:p>
-          <a:p>
-            <a:r>
-              <a:rPr lang="en-GB" dirty="0"/>
-              <a:t>(Weight</a:t>
-            </a:r>
-            <a:r>
-              <a:rPr lang="en-GB" baseline="0" dirty="0"/>
-              <a:t> of the spheres: 1)</a:t>
-            </a:r>
-            <a:endParaRPr lang="en-GB" dirty="0"/>
+              <a:t>Are there any questions?</a:t>
+            </a:r>
           </a:p>
         </p:txBody>
       </p:sp>
@@ -1180,7 +1144,7 @@
             <a:fld id="{A51C0C35-A9A2-4EFD-9BAF-1E52E29E03D1}" type="slidenum">
               <a:rPr lang="de-CH" smtClean="0"/>
               <a:pPr/>
-              <a:t>12</a:t>
+              <a:t>15</a:t>
             </a:fld>
             <a:endParaRPr lang="de-CH" dirty="0"/>
           </a:p>
@@ -1189,95 +1153,7 @@
     </p:spTree>
     <p:extLst>
       <p:ext uri="{BB962C8B-B14F-4D97-AF65-F5344CB8AC3E}">
-        <p14:creationId xmlns:p14="http://schemas.microsoft.com/office/powerpoint/2010/main" val="2842997039"/>
-      </p:ext>
-    </p:extLst>
-  </p:cSld>
-  <p:clrMapOvr>
-    <a:masterClrMapping/>
-  </p:clrMapOvr>
-</p:notes>
-</file>
-
-<file path=ppt/notesSlides/notesSlide13.xml><?xml version="1.0" encoding="utf-8"?>
-<p:notes xmlns:a="http://schemas.openxmlformats.org/drawingml/2006/main" xmlns:r="http://schemas.openxmlformats.org/officeDocument/2006/relationships" xmlns:p="http://schemas.openxmlformats.org/presentationml/2006/main">
-  <p:cSld>
-    <p:spTree>
-      <p:nvGrpSpPr>
-        <p:cNvPr id="1" name=""/>
-        <p:cNvGrpSpPr/>
-        <p:nvPr/>
-      </p:nvGrpSpPr>
-      <p:grpSpPr>
-        <a:xfrm>
-          <a:off x="0" y="0"/>
-          <a:ext cx="0" cy="0"/>
-          <a:chOff x="0" y="0"/>
-          <a:chExt cx="0" cy="0"/>
-        </a:xfrm>
-      </p:grpSpPr>
-      <p:sp>
-        <p:nvSpPr>
-          <p:cNvPr id="2" name="Folienbildplatzhalter 1"/>
-          <p:cNvSpPr>
-            <a:spLocks noGrp="1" noRot="1" noChangeAspect="1"/>
-          </p:cNvSpPr>
-          <p:nvPr>
-            <p:ph type="sldImg"/>
-          </p:nvPr>
-        </p:nvSpPr>
-        <p:spPr/>
-      </p:sp>
-      <p:sp>
-        <p:nvSpPr>
-          <p:cNvPr id="3" name="Notizenplatzhalter 2"/>
-          <p:cNvSpPr>
-            <a:spLocks noGrp="1"/>
-          </p:cNvSpPr>
-          <p:nvPr>
-            <p:ph type="body" idx="1"/>
-          </p:nvPr>
-        </p:nvSpPr>
-        <p:spPr/>
-        <p:txBody>
-          <a:bodyPr/>
-          <a:lstStyle/>
-          <a:p>
-            <a:r>
-              <a:rPr lang="en-GB" dirty="0"/>
-              <a:t>Are there any questions?</a:t>
-            </a:r>
-          </a:p>
-        </p:txBody>
-      </p:sp>
-      <p:sp>
-        <p:nvSpPr>
-          <p:cNvPr id="4" name="Foliennummernplatzhalter 3"/>
-          <p:cNvSpPr>
-            <a:spLocks noGrp="1"/>
-          </p:cNvSpPr>
-          <p:nvPr>
-            <p:ph type="sldNum" sz="quarter" idx="10"/>
-          </p:nvPr>
-        </p:nvSpPr>
-        <p:spPr/>
-        <p:txBody>
-          <a:bodyPr/>
-          <a:lstStyle/>
-          <a:p>
-            <a:fld id="{A51C0C35-A9A2-4EFD-9BAF-1E52E29E03D1}" type="slidenum">
-              <a:rPr lang="de-CH" smtClean="0"/>
-              <a:pPr/>
-              <a:t>13</a:t>
-            </a:fld>
-            <a:endParaRPr lang="de-CH" dirty="0"/>
-          </a:p>
-        </p:txBody>
-      </p:sp>
-    </p:spTree>
-    <p:extLst>
-      <p:ext uri="{BB962C8B-B14F-4D97-AF65-F5344CB8AC3E}">
-        <p14:creationId xmlns:p14="http://schemas.microsoft.com/office/powerpoint/2010/main" val="623648922"/>
+        <p14:creationId xmlns:p14="http://schemas.microsoft.com/office/powerpoint/2010/main" xmlns="" val="623648922"/>
       </p:ext>
     </p:extLst>
   </p:cSld>
@@ -1395,7 +1271,7 @@
     </p:spTree>
     <p:extLst>
       <p:ext uri="{BB962C8B-B14F-4D97-AF65-F5344CB8AC3E}">
-        <p14:creationId xmlns:p14="http://schemas.microsoft.com/office/powerpoint/2010/main" val="818385731"/>
+        <p14:creationId xmlns:p14="http://schemas.microsoft.com/office/powerpoint/2010/main" xmlns="" val="818385731"/>
       </p:ext>
     </p:extLst>
   </p:cSld>
@@ -1449,10 +1325,41 @@
           <a:bodyPr/>
           <a:lstStyle/>
           <a:p>
+            <a:pPr marL="0" marR="0" lvl="0" indent="0" algn="l" defTabSz="914400" rtl="0" eaLnBrk="1" fontAlgn="auto" latinLnBrk="0" hangingPunct="1">
+              <a:lnSpc>
+                <a:spcPct val="100000"/>
+              </a:lnSpc>
+              <a:spcBef>
+                <a:spcPts val="0"/>
+              </a:spcBef>
+              <a:spcAft>
+                <a:spcPts val="0"/>
+              </a:spcAft>
+              <a:buClrTx/>
+              <a:buSzTx/>
+              <a:buFontTx/>
+              <a:buNone/>
+              <a:tabLst/>
+              <a:defRPr/>
+            </a:pPr>
+            <a:r>
+              <a:rPr lang="en-GB" dirty="0"/>
+              <a:t>Apart from many small problems,</a:t>
+            </a:r>
             <a:r>
               <a:rPr lang="en-GB" baseline="0" dirty="0"/>
-              <a:t>It’s all very trivial</a:t>
-            </a:r>
+              <a:t> we faced two main challenges. </a:t>
+            </a:r>
+            <a:br>
+              <a:rPr lang="en-GB" baseline="0" dirty="0"/>
+            </a:br>
+            <a:r>
+              <a:rPr lang="en-GB" baseline="0" dirty="0"/>
+              <a:t>The first one was the box around the balls and the second one was the stacking of the balls. </a:t>
+            </a:r>
+          </a:p>
+          <a:p>
+            <a:endParaRPr lang="en-GB" dirty="0"/>
           </a:p>
         </p:txBody>
       </p:sp>
@@ -1474,7 +1381,7 @@
             <a:fld id="{A51C0C35-A9A2-4EFD-9BAF-1E52E29E03D1}" type="slidenum">
               <a:rPr lang="de-CH" smtClean="0"/>
               <a:pPr/>
-              <a:t>3</a:t>
+              <a:t>6</a:t>
             </a:fld>
             <a:endParaRPr lang="de-CH" dirty="0"/>
           </a:p>
@@ -1483,7 +1390,7 @@
     </p:spTree>
     <p:extLst>
       <p:ext uri="{BB962C8B-B14F-4D97-AF65-F5344CB8AC3E}">
-        <p14:creationId xmlns:p14="http://schemas.microsoft.com/office/powerpoint/2010/main" val="1284210158"/>
+        <p14:creationId xmlns:p14="http://schemas.microsoft.com/office/powerpoint/2010/main" xmlns="" val="4192232172"/>
       </p:ext>
     </p:extLst>
   </p:cSld>
@@ -1537,38 +1444,18 @@
           <a:bodyPr/>
           <a:lstStyle/>
           <a:p>
-            <a:pPr marL="0" marR="0" lvl="0" indent="0" algn="l" defTabSz="914400" rtl="0" eaLnBrk="1" fontAlgn="auto" latinLnBrk="0" hangingPunct="1">
-              <a:lnSpc>
-                <a:spcPct val="100000"/>
-              </a:lnSpc>
-              <a:spcBef>
-                <a:spcPts val="0"/>
-              </a:spcBef>
-              <a:spcAft>
-                <a:spcPts val="0"/>
-              </a:spcAft>
-              <a:buClrTx/>
-              <a:buSzTx/>
-              <a:buFontTx/>
-              <a:buNone/>
-              <a:tabLst/>
-              <a:defRPr/>
-            </a:pPr>
             <a:r>
               <a:rPr lang="en-GB" dirty="0"/>
-              <a:t>Apart from many small problems,</a:t>
-            </a:r>
+              <a:t>Let’s look at the first problem, the box around the balls.</a:t>
+            </a:r>
+            <a:br>
+              <a:rPr lang="en-GB" dirty="0"/>
+            </a:br>
             <a:r>
               <a:rPr lang="en-GB" baseline="0" dirty="0"/>
-              <a:t> we faced two main challenges. </a:t>
-            </a:r>
-            <a:br>
-              <a:rPr lang="en-GB" baseline="0" dirty="0"/>
-            </a:br>
-            <a:r>
-              <a:rPr lang="en-GB" baseline="0" dirty="0"/>
-              <a:t>The first one was the box around the balls and the second one was the stacking of the balls. </a:t>
-            </a:r>
+              <a:t>For distributing the balls in the box, we decided to create a mesh with the balls above the box at the initialization. When the simulation starts, they fall down because of the gravity and should distributed in a nice and natural way. Unfortunately, the balls showed a very strange behaviour, when they move inside the box.</a:t>
+            </a:r>
+            <a:endParaRPr lang="en-GB" dirty="0"/>
           </a:p>
           <a:p>
             <a:endParaRPr lang="en-GB" dirty="0"/>
@@ -1593,7 +1480,7 @@
             <a:fld id="{A51C0C35-A9A2-4EFD-9BAF-1E52E29E03D1}" type="slidenum">
               <a:rPr lang="de-CH" smtClean="0"/>
               <a:pPr/>
-              <a:t>4</a:t>
+              <a:t>7</a:t>
             </a:fld>
             <a:endParaRPr lang="de-CH" dirty="0"/>
           </a:p>
@@ -1602,7 +1489,7 @@
     </p:spTree>
     <p:extLst>
       <p:ext uri="{BB962C8B-B14F-4D97-AF65-F5344CB8AC3E}">
-        <p14:creationId xmlns:p14="http://schemas.microsoft.com/office/powerpoint/2010/main" val="4192232172"/>
+        <p14:creationId xmlns:p14="http://schemas.microsoft.com/office/powerpoint/2010/main" xmlns="" val="3394033019"/>
       </p:ext>
     </p:extLst>
   </p:cSld>
@@ -1656,16 +1543,38 @@
           <a:bodyPr/>
           <a:lstStyle/>
           <a:p>
+            <a:pPr marL="0" marR="0" lvl="0" indent="0" algn="l" defTabSz="914400" rtl="0" eaLnBrk="1" fontAlgn="auto" latinLnBrk="0" hangingPunct="1">
+              <a:lnSpc>
+                <a:spcPct val="100000"/>
+              </a:lnSpc>
+              <a:spcBef>
+                <a:spcPts val="0"/>
+              </a:spcBef>
+              <a:spcAft>
+                <a:spcPts val="0"/>
+              </a:spcAft>
+              <a:buClrTx/>
+              <a:buSzTx/>
+              <a:buFontTx/>
+              <a:buNone/>
+              <a:tabLst/>
+              <a:defRPr/>
+            </a:pPr>
             <a:r>
               <a:rPr lang="en-GB" dirty="0"/>
-              <a:t>Let’s look at the first problem, the box around the balls.</a:t>
-            </a:r>
-            <a:br>
-              <a:rPr lang="en-GB" dirty="0"/>
-            </a:br>
+              <a:t>We guess that the problem might be the algorithm,</a:t>
+            </a:r>
             <a:r>
               <a:rPr lang="en-GB" baseline="0" dirty="0"/>
-              <a:t>For distributing the balls in the box, we decided to create a mesh with the balls above the box at the initialization. When the simulation starts, they fall down because of the gravity and should distributed in a nice and natural way. Unfortunately, the balls showed a very strange behaviour, when they move inside the box.</a:t>
+              <a:t> which we used for the collision detection. We implemented the Gilbert-Johnson-</a:t>
+            </a:r>
+            <a:r>
+              <a:rPr lang="en-GB" baseline="0" dirty="0" err="1"/>
+              <a:t>Keerthi</a:t>
+            </a:r>
+            <a:r>
+              <a:rPr lang="en-GB" baseline="0" dirty="0"/>
+              <a:t> algorithm for this purpose. However, this algorithm only considers convex objects and the inside of the box is clearly not convex in the corners.</a:t>
             </a:r>
             <a:endParaRPr lang="en-GB" dirty="0"/>
           </a:p>
@@ -1692,7 +1601,7 @@
             <a:fld id="{A51C0C35-A9A2-4EFD-9BAF-1E52E29E03D1}" type="slidenum">
               <a:rPr lang="de-CH" smtClean="0"/>
               <a:pPr/>
-              <a:t>5</a:t>
+              <a:t>8</a:t>
             </a:fld>
             <a:endParaRPr lang="de-CH" dirty="0"/>
           </a:p>
@@ -1701,7 +1610,7 @@
     </p:spTree>
     <p:extLst>
       <p:ext uri="{BB962C8B-B14F-4D97-AF65-F5344CB8AC3E}">
-        <p14:creationId xmlns:p14="http://schemas.microsoft.com/office/powerpoint/2010/main" val="3394033019"/>
+        <p14:creationId xmlns:p14="http://schemas.microsoft.com/office/powerpoint/2010/main" xmlns="" val="414287202"/>
       </p:ext>
     </p:extLst>
   </p:cSld>
@@ -1774,23 +1683,20 @@
             </a:pPr>
             <a:r>
               <a:rPr lang="en-GB" dirty="0"/>
-              <a:t>We guess that the problem might be the algorithm,</a:t>
+              <a:t>In</a:t>
             </a:r>
             <a:r>
               <a:rPr lang="en-GB" baseline="0" dirty="0"/>
-              <a:t> which we used for the collision detection. We implemented the Gilbert-Johnson-</a:t>
-            </a:r>
-            <a:r>
-              <a:rPr lang="en-GB" baseline="0" dirty="0" err="1"/>
-              <a:t>Keerthi</a:t>
+              <a:t> order to solve this issue, we decided to simply remove the box, because</a:t>
+            </a:r>
+            <a:r>
+              <a:rPr lang="en-GB" dirty="0"/>
+              <a:t> we</a:t>
             </a:r>
             <a:r>
               <a:rPr lang="en-GB" baseline="0" dirty="0"/>
-              <a:t> algorithm for this purpose. However, this algorithm only considers convex objects and the inside of the box is clearly not convex in the corners.</a:t>
-            </a:r>
-            <a:endParaRPr lang="en-GB" dirty="0"/>
-          </a:p>
-          <a:p>
+              <a:t> did not have the time to implement a more sophisticated algorithm for the collision detection, which would also consider concave objects.</a:t>
+            </a:r>
             <a:endParaRPr lang="en-GB" dirty="0"/>
           </a:p>
         </p:txBody>
@@ -1813,7 +1719,7 @@
             <a:fld id="{A51C0C35-A9A2-4EFD-9BAF-1E52E29E03D1}" type="slidenum">
               <a:rPr lang="de-CH" smtClean="0"/>
               <a:pPr/>
-              <a:t>6</a:t>
+              <a:t>9</a:t>
             </a:fld>
             <a:endParaRPr lang="de-CH" dirty="0"/>
           </a:p>
@@ -1822,7 +1728,7 @@
     </p:spTree>
     <p:extLst>
       <p:ext uri="{BB962C8B-B14F-4D97-AF65-F5344CB8AC3E}">
-        <p14:creationId xmlns:p14="http://schemas.microsoft.com/office/powerpoint/2010/main" val="414287202"/>
+        <p14:creationId xmlns:p14="http://schemas.microsoft.com/office/powerpoint/2010/main" xmlns="" val="3156157125"/>
       </p:ext>
     </p:extLst>
   </p:cSld>
@@ -1895,20 +1801,14 @@
             </a:pPr>
             <a:r>
               <a:rPr lang="en-GB" dirty="0"/>
-              <a:t>In</a:t>
+              <a:t>As already mentioned, another issue</a:t>
             </a:r>
             <a:r>
               <a:rPr lang="en-GB" baseline="0" dirty="0"/>
-              <a:t> order to solve this issue, we decided to simply remove the box, because</a:t>
-            </a:r>
-            <a:r>
-              <a:rPr lang="en-GB" dirty="0"/>
-              <a:t> we</a:t>
-            </a:r>
-            <a:r>
-              <a:rPr lang="en-GB" baseline="0" dirty="0"/>
-              <a:t> did not have the time to implement a more sophisticated algorithm for the collision detection, which would also consider concave objects.</a:t>
-            </a:r>
+              <a:t> was the stacking of the balls.</a:t>
+            </a:r>
+          </a:p>
+          <a:p>
             <a:endParaRPr lang="en-GB" dirty="0"/>
           </a:p>
         </p:txBody>
@@ -1931,7 +1831,7 @@
             <a:fld id="{A51C0C35-A9A2-4EFD-9BAF-1E52E29E03D1}" type="slidenum">
               <a:rPr lang="de-CH" smtClean="0"/>
               <a:pPr/>
-              <a:t>7</a:t>
+              <a:t>10</a:t>
             </a:fld>
             <a:endParaRPr lang="de-CH" dirty="0"/>
           </a:p>
@@ -1940,7 +1840,7 @@
     </p:spTree>
     <p:extLst>
       <p:ext uri="{BB962C8B-B14F-4D97-AF65-F5344CB8AC3E}">
-        <p14:creationId xmlns:p14="http://schemas.microsoft.com/office/powerpoint/2010/main" val="3156157125"/>
+        <p14:creationId xmlns:p14="http://schemas.microsoft.com/office/powerpoint/2010/main" xmlns="" val="3245016422"/>
       </p:ext>
     </p:extLst>
   </p:cSld>
@@ -2013,12 +1913,13 @@
             </a:pPr>
             <a:r>
               <a:rPr lang="en-GB" dirty="0"/>
-              <a:t>As already mentioned, another issue</a:t>
+              <a:t>We constructed a mesh with the balls,</a:t>
             </a:r>
             <a:r>
               <a:rPr lang="en-GB" baseline="0" dirty="0"/>
-              <a:t> was the stacking of the balls.</a:t>
-            </a:r>
+              <a:t> where there is a very small distance at the beginning between them. However, some of the balls show sometimes an unexpected behaviour, which we were not able to explain.</a:t>
+            </a:r>
+            <a:endParaRPr lang="en-GB" dirty="0"/>
           </a:p>
           <a:p>
             <a:endParaRPr lang="en-GB" dirty="0"/>
@@ -2043,7 +1944,7 @@
             <a:fld id="{A51C0C35-A9A2-4EFD-9BAF-1E52E29E03D1}" type="slidenum">
               <a:rPr lang="de-CH" smtClean="0"/>
               <a:pPr/>
-              <a:t>8</a:t>
+              <a:t>11</a:t>
             </a:fld>
             <a:endParaRPr lang="de-CH" dirty="0"/>
           </a:p>
@@ -2052,7 +1953,7 @@
     </p:spTree>
     <p:extLst>
       <p:ext uri="{BB962C8B-B14F-4D97-AF65-F5344CB8AC3E}">
-        <p14:creationId xmlns:p14="http://schemas.microsoft.com/office/powerpoint/2010/main" val="3245016422"/>
+        <p14:creationId xmlns:p14="http://schemas.microsoft.com/office/powerpoint/2010/main" xmlns="" val="3571941434"/>
       </p:ext>
     </p:extLst>
   </p:cSld>
@@ -2125,11 +2026,26 @@
             </a:pPr>
             <a:r>
               <a:rPr lang="en-GB" dirty="0"/>
-              <a:t>We constructed a mesh with the balls,</a:t>
+              <a:t>Here is </a:t>
             </a:r>
             <a:r>
               <a:rPr lang="en-GB" baseline="0" dirty="0"/>
-              <a:t> where there is a very small distance at the beginning between them. However, some of the balls show sometimes an unexpected behaviour, which we were not able to explain.</a:t>
+              <a:t>a different </a:t>
+            </a:r>
+            <a:r>
+              <a:rPr lang="en-GB" dirty="0"/>
+              <a:t>mesh, which suffers</a:t>
+            </a:r>
+            <a:r>
+              <a:rPr lang="en-GB" baseline="0" dirty="0"/>
+              <a:t> from the same problem, but the effect is not as so strong as before.</a:t>
+            </a:r>
+            <a:br>
+              <a:rPr lang="en-GB" baseline="0" dirty="0"/>
+            </a:br>
+            <a:r>
+              <a:rPr lang="en-GB" baseline="0" dirty="0"/>
+              <a:t>We were not able to solve this issue. Therefore, we selected a mesh, which is not highly influenced by this effect.</a:t>
             </a:r>
             <a:endParaRPr lang="en-GB" dirty="0"/>
           </a:p>
@@ -2156,7 +2072,7 @@
             <a:fld id="{A51C0C35-A9A2-4EFD-9BAF-1E52E29E03D1}" type="slidenum">
               <a:rPr lang="de-CH" smtClean="0"/>
               <a:pPr/>
-              <a:t>9</a:t>
+              <a:t>12</a:t>
             </a:fld>
             <a:endParaRPr lang="de-CH" dirty="0"/>
           </a:p>
@@ -2165,7 +2081,7 @@
     </p:spTree>
     <p:extLst>
       <p:ext uri="{BB962C8B-B14F-4D97-AF65-F5344CB8AC3E}">
-        <p14:creationId xmlns:p14="http://schemas.microsoft.com/office/powerpoint/2010/main" val="3571941434"/>
+        <p14:creationId xmlns:p14="http://schemas.microsoft.com/office/powerpoint/2010/main" xmlns="" val="1430098738"/>
       </p:ext>
     </p:extLst>
   </p:cSld>
@@ -2331,6 +2247,7 @@
           <a:p>
             <a:fld id="{D88D1D53-7870-4207-82E4-5548E7614F2B}" type="datetime1">
               <a:rPr lang="de-DE" smtClean="0"/>
+              <a:pPr/>
               <a:t>20.12.2016</a:t>
             </a:fld>
             <a:endParaRPr lang="en-GB" dirty="0"/>
@@ -2354,6 +2271,7 @@
           <a:p>
             <a:fld id="{6C6AE60A-B69C-4790-82F7-3882EDF23186}" type="slidenum">
               <a:rPr lang="en-GB" smtClean="0"/>
+              <a:pPr/>
               <a:t>‹Nr.›</a:t>
             </a:fld>
             <a:endParaRPr lang="en-GB" dirty="0"/>
@@ -2458,7 +2376,7 @@
     </p:spTree>
     <p:extLst>
       <p:ext uri="{BB962C8B-B14F-4D97-AF65-F5344CB8AC3E}">
-        <p14:creationId xmlns:p14="http://schemas.microsoft.com/office/powerpoint/2010/main" val="826009964"/>
+        <p14:creationId xmlns:p14="http://schemas.microsoft.com/office/powerpoint/2010/main" xmlns="" val="826009964"/>
       </p:ext>
     </p:extLst>
   </p:cSld>
@@ -2627,6 +2545,7 @@
           <a:p>
             <a:fld id="{37DA672E-61C0-4619-9714-41DC6F7833F2}" type="datetime1">
               <a:rPr lang="de-DE" smtClean="0"/>
+              <a:pPr/>
               <a:t>20.12.2016</a:t>
             </a:fld>
             <a:endParaRPr lang="en-GB" dirty="0"/>
@@ -2650,6 +2569,7 @@
           <a:p>
             <a:fld id="{6C6AE60A-B69C-4790-82F7-3882EDF23186}" type="slidenum">
               <a:rPr lang="en-GB" smtClean="0"/>
+              <a:pPr/>
               <a:t>‹Nr.›</a:t>
             </a:fld>
             <a:endParaRPr lang="en-GB" dirty="0"/>
@@ -2750,7 +2670,7 @@
     </p:spTree>
     <p:extLst>
       <p:ext uri="{BB962C8B-B14F-4D97-AF65-F5344CB8AC3E}">
-        <p14:creationId xmlns:p14="http://schemas.microsoft.com/office/powerpoint/2010/main" val="2365666139"/>
+        <p14:creationId xmlns:p14="http://schemas.microsoft.com/office/powerpoint/2010/main" xmlns="" val="2365666139"/>
       </p:ext>
     </p:extLst>
   </p:cSld>
@@ -2965,6 +2885,7 @@
           <a:p>
             <a:fld id="{16757D2B-6704-44F0-9E9C-EDE68E8A5CAC}" type="datetime1">
               <a:rPr lang="de-DE" smtClean="0"/>
+              <a:pPr/>
               <a:t>20.12.2016</a:t>
             </a:fld>
             <a:endParaRPr lang="en-GB" dirty="0"/>
@@ -3011,6 +2932,7 @@
           <a:p>
             <a:fld id="{6C6AE60A-B69C-4790-82F7-3882EDF23186}" type="slidenum">
               <a:rPr lang="en-GB" smtClean="0"/>
+              <a:pPr/>
               <a:t>‹Nr.›</a:t>
             </a:fld>
             <a:endParaRPr lang="en-GB" dirty="0"/>
@@ -3053,7 +2975,7 @@
     </p:spTree>
     <p:extLst>
       <p:ext uri="{BB962C8B-B14F-4D97-AF65-F5344CB8AC3E}">
-        <p14:creationId xmlns:p14="http://schemas.microsoft.com/office/powerpoint/2010/main" val="3118099817"/>
+        <p14:creationId xmlns:p14="http://schemas.microsoft.com/office/powerpoint/2010/main" xmlns="" val="3118099817"/>
       </p:ext>
     </p:extLst>
   </p:cSld>
@@ -3264,6 +3186,7 @@
           <a:p>
             <a:fld id="{DC398466-ADE3-4E59-8991-918941F1FAFA}" type="datetime1">
               <a:rPr lang="de-DE" smtClean="0"/>
+              <a:pPr/>
               <a:t>20.12.2016</a:t>
             </a:fld>
             <a:endParaRPr lang="en-GB" dirty="0"/>
@@ -3310,6 +3233,7 @@
           <a:p>
             <a:fld id="{6C6AE60A-B69C-4790-82F7-3882EDF23186}" type="slidenum">
               <a:rPr lang="en-GB" smtClean="0"/>
+              <a:pPr/>
               <a:t>‹Nr.›</a:t>
             </a:fld>
             <a:endParaRPr lang="en-GB" dirty="0"/>
@@ -3352,7 +3276,7 @@
     </p:spTree>
     <p:extLst>
       <p:ext uri="{BB962C8B-B14F-4D97-AF65-F5344CB8AC3E}">
-        <p14:creationId xmlns:p14="http://schemas.microsoft.com/office/powerpoint/2010/main" val="322507007"/>
+        <p14:creationId xmlns:p14="http://schemas.microsoft.com/office/powerpoint/2010/main" xmlns="" val="322507007"/>
       </p:ext>
     </p:extLst>
   </p:cSld>
@@ -3364,7 +3288,7 @@
   </p:transition>
   <p:extLst mod="1">
     <p:ext uri="{DCECCB84-F9BA-43D5-87BE-67443E8EF086}">
-      <p15:sldGuideLst xmlns:p15="http://schemas.microsoft.com/office/powerpoint/2012/main"/>
+      <p15:sldGuideLst xmlns:p15="http://schemas.microsoft.com/office/powerpoint/2012/main" xmlns=""/>
     </p:ext>
   </p:extLst>
 </p:sldLayout>
@@ -3792,10 +3716,10 @@
           <p:nvPr userDrawn="1"/>
         </p:nvPicPr>
         <p:blipFill>
-          <a:blip r:embed="rId2">
+          <a:blip r:embed="rId2" cstate="print">
             <a:extLst>
               <a:ext uri="{28A0092B-C50C-407E-A947-70E740481C1C}">
-                <a14:useLocalDpi xmlns:a14="http://schemas.microsoft.com/office/drawing/2010/main" val="0"/>
+                <a14:useLocalDpi xmlns:a14="http://schemas.microsoft.com/office/drawing/2010/main" xmlns="" val="0"/>
               </a:ext>
             </a:extLst>
           </a:blip>
@@ -4384,7 +4308,7 @@
     </p:spTree>
     <p:extLst>
       <p:ext uri="{BB962C8B-B14F-4D97-AF65-F5344CB8AC3E}">
-        <p14:creationId xmlns:p14="http://schemas.microsoft.com/office/powerpoint/2010/main" val="161268869"/>
+        <p14:creationId xmlns:p14="http://schemas.microsoft.com/office/powerpoint/2010/main" xmlns="" val="161268869"/>
       </p:ext>
     </p:extLst>
   </p:cSld>
@@ -4536,6 +4460,7 @@
           <a:p>
             <a:fld id="{9E6C6F55-C39A-4033-B463-49DB39218984}" type="datetime1">
               <a:rPr lang="de-DE" smtClean="0"/>
+              <a:pPr/>
               <a:t>20.12.2016</a:t>
             </a:fld>
             <a:endParaRPr lang="en-GB" dirty="0"/>
@@ -4582,6 +4507,7 @@
           <a:p>
             <a:fld id="{6C6AE60A-B69C-4790-82F7-3882EDF23186}" type="slidenum">
               <a:rPr lang="en-GB" smtClean="0"/>
+              <a:pPr/>
               <a:t>‹Nr.›</a:t>
             </a:fld>
             <a:endParaRPr lang="en-GB" dirty="0"/>
@@ -4625,7 +4551,7 @@
     </p:spTree>
     <p:extLst>
       <p:ext uri="{BB962C8B-B14F-4D97-AF65-F5344CB8AC3E}">
-        <p14:creationId xmlns:p14="http://schemas.microsoft.com/office/powerpoint/2010/main" val="2902882693"/>
+        <p14:creationId xmlns:p14="http://schemas.microsoft.com/office/powerpoint/2010/main" xmlns="" val="2902882693"/>
       </p:ext>
     </p:extLst>
   </p:cSld>
@@ -4946,6 +4872,7 @@
           <a:p>
             <a:fld id="{7EFC1E22-6DC4-49B2-BC5B-0F402F46A130}" type="datetime1">
               <a:rPr lang="de-DE" smtClean="0"/>
+              <a:pPr/>
               <a:t>20.12.2016</a:t>
             </a:fld>
             <a:endParaRPr lang="en-GB" dirty="0"/>
@@ -4992,6 +4919,7 @@
           <a:p>
             <a:fld id="{6C6AE60A-B69C-4790-82F7-3882EDF23186}" type="slidenum">
               <a:rPr lang="en-GB" smtClean="0"/>
+              <a:pPr/>
               <a:t>‹Nr.›</a:t>
             </a:fld>
             <a:endParaRPr lang="en-GB" dirty="0"/>
@@ -5035,7 +4963,7 @@
     </p:spTree>
     <p:extLst>
       <p:ext uri="{BB962C8B-B14F-4D97-AF65-F5344CB8AC3E}">
-        <p14:creationId xmlns:p14="http://schemas.microsoft.com/office/powerpoint/2010/main" val="3597727416"/>
+        <p14:creationId xmlns:p14="http://schemas.microsoft.com/office/powerpoint/2010/main" xmlns="" val="3597727416"/>
       </p:ext>
     </p:extLst>
   </p:cSld>
@@ -5082,6 +5010,7 @@
           <a:p>
             <a:fld id="{1AF956D9-20BA-41A0-B486-53EC723E4D6B}" type="datetime1">
               <a:rPr lang="de-DE" smtClean="0"/>
+              <a:pPr/>
               <a:t>20.12.2016</a:t>
             </a:fld>
             <a:endParaRPr lang="en-GB" dirty="0"/>
@@ -5128,6 +5057,7 @@
           <a:p>
             <a:fld id="{6C6AE60A-B69C-4790-82F7-3882EDF23186}" type="slidenum">
               <a:rPr lang="en-GB" smtClean="0"/>
+              <a:pPr/>
               <a:t>‹Nr.›</a:t>
             </a:fld>
             <a:endParaRPr lang="en-GB" dirty="0"/>
@@ -5168,7 +5098,7 @@
     </p:spTree>
     <p:extLst>
       <p:ext uri="{BB962C8B-B14F-4D97-AF65-F5344CB8AC3E}">
-        <p14:creationId xmlns:p14="http://schemas.microsoft.com/office/powerpoint/2010/main" val="683457095"/>
+        <p14:creationId xmlns:p14="http://schemas.microsoft.com/office/powerpoint/2010/main" xmlns="" val="683457095"/>
       </p:ext>
     </p:extLst>
   </p:cSld>
@@ -5215,6 +5145,7 @@
           <a:p>
             <a:fld id="{4F342D39-22CC-4249-A623-6B691B7A0FD1}" type="datetime1">
               <a:rPr lang="de-DE" smtClean="0"/>
+              <a:pPr/>
               <a:t>20.12.2016</a:t>
             </a:fld>
             <a:endParaRPr lang="en-GB" dirty="0"/>
@@ -5261,6 +5192,7 @@
           <a:p>
             <a:fld id="{6C6AE60A-B69C-4790-82F7-3882EDF23186}" type="slidenum">
               <a:rPr lang="en-GB" smtClean="0"/>
+              <a:pPr/>
               <a:t>‹Nr.›</a:t>
             </a:fld>
             <a:endParaRPr lang="en-GB" dirty="0"/>
@@ -5303,7 +5235,7 @@
     </p:spTree>
     <p:extLst>
       <p:ext uri="{BB962C8B-B14F-4D97-AF65-F5344CB8AC3E}">
-        <p14:creationId xmlns:p14="http://schemas.microsoft.com/office/powerpoint/2010/main" val="4071505181"/>
+        <p14:creationId xmlns:p14="http://schemas.microsoft.com/office/powerpoint/2010/main" xmlns="" val="4071505181"/>
       </p:ext>
     </p:extLst>
   </p:cSld>
@@ -5396,6 +5328,7 @@
           <a:p>
             <a:fld id="{C404258A-8178-4B00-9506-DE7B37EC2549}" type="datetime1">
               <a:rPr lang="de-DE" smtClean="0"/>
+              <a:pPr/>
               <a:t>20.12.2016</a:t>
             </a:fld>
             <a:endParaRPr lang="en-GB" dirty="0"/>
@@ -5442,6 +5375,7 @@
           <a:p>
             <a:fld id="{6C6AE60A-B69C-4790-82F7-3882EDF23186}" type="slidenum">
               <a:rPr lang="en-GB" smtClean="0"/>
+              <a:pPr/>
               <a:t>‹Nr.›</a:t>
             </a:fld>
             <a:endParaRPr lang="en-GB" dirty="0"/>
@@ -5457,10 +5391,10 @@
           <p:nvPr userDrawn="1"/>
         </p:nvPicPr>
         <p:blipFill>
-          <a:blip r:embed="rId2">
+          <a:blip r:embed="rId2" cstate="print">
             <a:extLst>
               <a:ext uri="{28A0092B-C50C-407E-A947-70E740481C1C}">
-                <a14:useLocalDpi xmlns:a14="http://schemas.microsoft.com/office/drawing/2010/main" val="0"/>
+                <a14:useLocalDpi xmlns:a14="http://schemas.microsoft.com/office/drawing/2010/main" xmlns="" val="0"/>
               </a:ext>
             </a:extLst>
           </a:blip>
@@ -5481,7 +5415,7 @@
     </p:spTree>
     <p:extLst>
       <p:ext uri="{BB962C8B-B14F-4D97-AF65-F5344CB8AC3E}">
-        <p14:creationId xmlns:p14="http://schemas.microsoft.com/office/powerpoint/2010/main" val="2419472829"/>
+        <p14:creationId xmlns:p14="http://schemas.microsoft.com/office/powerpoint/2010/main" xmlns="" val="2419472829"/>
       </p:ext>
     </p:extLst>
   </p:cSld>
@@ -5650,6 +5584,7 @@
           <a:p>
             <a:fld id="{B5C47479-E4CA-41B6-9AFB-DB9C8D19AB11}" type="datetime1">
               <a:rPr lang="de-DE" smtClean="0"/>
+              <a:pPr/>
               <a:t>20.12.2016</a:t>
             </a:fld>
             <a:endParaRPr lang="en-GB" dirty="0"/>
@@ -5673,6 +5608,7 @@
           <a:p>
             <a:fld id="{6C6AE60A-B69C-4790-82F7-3882EDF23186}" type="slidenum">
               <a:rPr lang="en-GB" smtClean="0"/>
+              <a:pPr/>
               <a:t>‹Nr.›</a:t>
             </a:fld>
             <a:endParaRPr lang="en-GB" dirty="0"/>
@@ -5773,7 +5709,7 @@
     </p:spTree>
     <p:extLst>
       <p:ext uri="{BB962C8B-B14F-4D97-AF65-F5344CB8AC3E}">
-        <p14:creationId xmlns:p14="http://schemas.microsoft.com/office/powerpoint/2010/main" val="229749355"/>
+        <p14:creationId xmlns:p14="http://schemas.microsoft.com/office/powerpoint/2010/main" xmlns="" val="229749355"/>
       </p:ext>
     </p:extLst>
   </p:cSld>
@@ -5988,6 +5924,7 @@
           <a:p>
             <a:fld id="{4BA6ADF3-1BCE-4614-B094-442C283D8268}" type="datetime1">
               <a:rPr lang="de-DE" smtClean="0"/>
+              <a:pPr/>
               <a:t>20.12.2016</a:t>
             </a:fld>
             <a:endParaRPr lang="en-GB" dirty="0"/>
@@ -6034,6 +5971,7 @@
           <a:p>
             <a:fld id="{6C6AE60A-B69C-4790-82F7-3882EDF23186}" type="slidenum">
               <a:rPr lang="en-GB" smtClean="0"/>
+              <a:pPr/>
               <a:t>‹Nr.›</a:t>
             </a:fld>
             <a:endParaRPr lang="en-GB" dirty="0"/>
@@ -6076,7 +6014,7 @@
     </p:spTree>
     <p:extLst>
       <p:ext uri="{BB962C8B-B14F-4D97-AF65-F5344CB8AC3E}">
-        <p14:creationId xmlns:p14="http://schemas.microsoft.com/office/powerpoint/2010/main" val="826009964"/>
+        <p14:creationId xmlns:p14="http://schemas.microsoft.com/office/powerpoint/2010/main" xmlns="" val="826009964"/>
       </p:ext>
     </p:extLst>
   </p:cSld>
@@ -6291,6 +6229,7 @@
           <a:p>
             <a:fld id="{20E9AA4A-0B6B-47F4-97F7-F5AEC88F7349}" type="datetime1">
               <a:rPr lang="de-DE" smtClean="0"/>
+              <a:pPr/>
               <a:t>20.12.2016</a:t>
             </a:fld>
             <a:endParaRPr lang="en-GB" dirty="0"/>
@@ -6337,6 +6276,7 @@
           <a:p>
             <a:fld id="{6C6AE60A-B69C-4790-82F7-3882EDF23186}" type="slidenum">
               <a:rPr lang="en-GB" smtClean="0"/>
+              <a:pPr/>
               <a:t>‹Nr.›</a:t>
             </a:fld>
             <a:endParaRPr lang="en-GB" dirty="0"/>
@@ -6379,7 +6319,7 @@
     </p:spTree>
     <p:extLst>
       <p:ext uri="{BB962C8B-B14F-4D97-AF65-F5344CB8AC3E}">
-        <p14:creationId xmlns:p14="http://schemas.microsoft.com/office/powerpoint/2010/main" val="225086537"/>
+        <p14:creationId xmlns:p14="http://schemas.microsoft.com/office/powerpoint/2010/main" xmlns="" val="225086537"/>
       </p:ext>
     </p:extLst>
   </p:cSld>
@@ -6590,6 +6530,7 @@
           <a:p>
             <a:fld id="{B85FBE81-C2C5-450C-813F-E586D1AE6C31}" type="datetime1">
               <a:rPr lang="de-DE" smtClean="0"/>
+              <a:pPr/>
               <a:t>20.12.2016</a:t>
             </a:fld>
             <a:endParaRPr lang="en-GB" dirty="0"/>
@@ -6636,6 +6577,7 @@
           <a:p>
             <a:fld id="{6C6AE60A-B69C-4790-82F7-3882EDF23186}" type="slidenum">
               <a:rPr lang="en-GB" smtClean="0"/>
+              <a:pPr/>
               <a:t>‹Nr.›</a:t>
             </a:fld>
             <a:endParaRPr lang="en-GB" dirty="0"/>
@@ -6678,7 +6620,7 @@
     </p:spTree>
     <p:extLst>
       <p:ext uri="{BB962C8B-B14F-4D97-AF65-F5344CB8AC3E}">
-        <p14:creationId xmlns:p14="http://schemas.microsoft.com/office/powerpoint/2010/main" val="4228792304"/>
+        <p14:creationId xmlns:p14="http://schemas.microsoft.com/office/powerpoint/2010/main" xmlns="" val="4228792304"/>
       </p:ext>
     </p:extLst>
   </p:cSld>
@@ -6690,7 +6632,7 @@
   </p:transition>
   <p:extLst mod="1">
     <p:ext uri="{DCECCB84-F9BA-43D5-87BE-67443E8EF086}">
-      <p15:sldGuideLst xmlns:p15="http://schemas.microsoft.com/office/powerpoint/2012/main"/>
+      <p15:sldGuideLst xmlns:p15="http://schemas.microsoft.com/office/powerpoint/2012/main" xmlns=""/>
     </p:ext>
   </p:extLst>
 </p:sldLayout>
@@ -7118,10 +7060,10 @@
           <p:nvPr userDrawn="1"/>
         </p:nvPicPr>
         <p:blipFill>
-          <a:blip r:embed="rId2">
+          <a:blip r:embed="rId2" cstate="print">
             <a:extLst>
               <a:ext uri="{28A0092B-C50C-407E-A947-70E740481C1C}">
-                <a14:useLocalDpi xmlns:a14="http://schemas.microsoft.com/office/drawing/2010/main" val="0"/>
+                <a14:useLocalDpi xmlns:a14="http://schemas.microsoft.com/office/drawing/2010/main" xmlns="" val="0"/>
               </a:ext>
             </a:extLst>
           </a:blip>
@@ -7710,7 +7652,7 @@
     </p:spTree>
     <p:extLst>
       <p:ext uri="{BB962C8B-B14F-4D97-AF65-F5344CB8AC3E}">
-        <p14:creationId xmlns:p14="http://schemas.microsoft.com/office/powerpoint/2010/main" val="2746870799"/>
+        <p14:creationId xmlns:p14="http://schemas.microsoft.com/office/powerpoint/2010/main" xmlns="" val="2746870799"/>
       </p:ext>
     </p:extLst>
   </p:cSld>
@@ -7862,6 +7804,7 @@
           <a:p>
             <a:fld id="{DFB0CE3E-46A9-4CE7-9516-A40F38A7679B}" type="datetime1">
               <a:rPr lang="de-DE" smtClean="0"/>
+              <a:pPr/>
               <a:t>20.12.2016</a:t>
             </a:fld>
             <a:endParaRPr lang="en-GB" dirty="0"/>
@@ -7908,6 +7851,7 @@
           <a:p>
             <a:fld id="{6C6AE60A-B69C-4790-82F7-3882EDF23186}" type="slidenum">
               <a:rPr lang="en-GB" smtClean="0"/>
+              <a:pPr/>
               <a:t>‹Nr.›</a:t>
             </a:fld>
             <a:endParaRPr lang="en-GB" dirty="0"/>
@@ -7951,7 +7895,7 @@
     </p:spTree>
     <p:extLst>
       <p:ext uri="{BB962C8B-B14F-4D97-AF65-F5344CB8AC3E}">
-        <p14:creationId xmlns:p14="http://schemas.microsoft.com/office/powerpoint/2010/main" val="2684596061"/>
+        <p14:creationId xmlns:p14="http://schemas.microsoft.com/office/powerpoint/2010/main" xmlns="" val="2684596061"/>
       </p:ext>
     </p:extLst>
   </p:cSld>
@@ -8272,6 +8216,7 @@
           <a:p>
             <a:fld id="{7D099316-A443-4F22-9473-1863FD73BDB7}" type="datetime1">
               <a:rPr lang="de-DE" smtClean="0"/>
+              <a:pPr/>
               <a:t>20.12.2016</a:t>
             </a:fld>
             <a:endParaRPr lang="en-GB" dirty="0"/>
@@ -8318,6 +8263,7 @@
           <a:p>
             <a:fld id="{6C6AE60A-B69C-4790-82F7-3882EDF23186}" type="slidenum">
               <a:rPr lang="en-GB" smtClean="0"/>
+              <a:pPr/>
               <a:t>‹Nr.›</a:t>
             </a:fld>
             <a:endParaRPr lang="en-GB" dirty="0"/>
@@ -8361,7 +8307,7 @@
     </p:spTree>
     <p:extLst>
       <p:ext uri="{BB962C8B-B14F-4D97-AF65-F5344CB8AC3E}">
-        <p14:creationId xmlns:p14="http://schemas.microsoft.com/office/powerpoint/2010/main" val="1897415336"/>
+        <p14:creationId xmlns:p14="http://schemas.microsoft.com/office/powerpoint/2010/main" xmlns="" val="1897415336"/>
       </p:ext>
     </p:extLst>
   </p:cSld>
@@ -8408,6 +8354,7 @@
           <a:p>
             <a:fld id="{19975655-9077-4929-BA54-64BF686BDD80}" type="datetime1">
               <a:rPr lang="de-DE" smtClean="0"/>
+              <a:pPr/>
               <a:t>20.12.2016</a:t>
             </a:fld>
             <a:endParaRPr lang="en-GB" dirty="0"/>
@@ -8454,6 +8401,7 @@
           <a:p>
             <a:fld id="{6C6AE60A-B69C-4790-82F7-3882EDF23186}" type="slidenum">
               <a:rPr lang="en-GB" smtClean="0"/>
+              <a:pPr/>
               <a:t>‹Nr.›</a:t>
             </a:fld>
             <a:endParaRPr lang="en-GB" dirty="0"/>
@@ -8494,7 +8442,7 @@
     </p:spTree>
     <p:extLst>
       <p:ext uri="{BB962C8B-B14F-4D97-AF65-F5344CB8AC3E}">
-        <p14:creationId xmlns:p14="http://schemas.microsoft.com/office/powerpoint/2010/main" val="4189707849"/>
+        <p14:creationId xmlns:p14="http://schemas.microsoft.com/office/powerpoint/2010/main" xmlns="" val="4189707849"/>
       </p:ext>
     </p:extLst>
   </p:cSld>
@@ -8541,6 +8489,7 @@
           <a:p>
             <a:fld id="{EC3A1AA7-6C93-4457-802A-67EBB4CBAE06}" type="datetime1">
               <a:rPr lang="de-DE" smtClean="0"/>
+              <a:pPr/>
               <a:t>20.12.2016</a:t>
             </a:fld>
             <a:endParaRPr lang="en-GB" dirty="0"/>
@@ -8587,6 +8536,7 @@
           <a:p>
             <a:fld id="{6C6AE60A-B69C-4790-82F7-3882EDF23186}" type="slidenum">
               <a:rPr lang="en-GB" smtClean="0"/>
+              <a:pPr/>
               <a:t>‹Nr.›</a:t>
             </a:fld>
             <a:endParaRPr lang="en-GB" dirty="0"/>
@@ -8629,7 +8579,7 @@
     </p:spTree>
     <p:extLst>
       <p:ext uri="{BB962C8B-B14F-4D97-AF65-F5344CB8AC3E}">
-        <p14:creationId xmlns:p14="http://schemas.microsoft.com/office/powerpoint/2010/main" val="4156887399"/>
+        <p14:creationId xmlns:p14="http://schemas.microsoft.com/office/powerpoint/2010/main" xmlns="" val="4156887399"/>
       </p:ext>
     </p:extLst>
   </p:cSld>
@@ -8722,6 +8672,7 @@
           <a:p>
             <a:fld id="{ACD6D6AC-2C78-41B7-A94D-69CE6105DA9F}" type="datetime1">
               <a:rPr lang="de-DE" smtClean="0"/>
+              <a:pPr/>
               <a:t>20.12.2016</a:t>
             </a:fld>
             <a:endParaRPr lang="en-GB" dirty="0"/>
@@ -8768,6 +8719,7 @@
           <a:p>
             <a:fld id="{6C6AE60A-B69C-4790-82F7-3882EDF23186}" type="slidenum">
               <a:rPr lang="en-GB" smtClean="0"/>
+              <a:pPr/>
               <a:t>‹Nr.›</a:t>
             </a:fld>
             <a:endParaRPr lang="en-GB" dirty="0"/>
@@ -8783,10 +8735,10 @@
           <p:nvPr userDrawn="1"/>
         </p:nvPicPr>
         <p:blipFill>
-          <a:blip r:embed="rId2">
+          <a:blip r:embed="rId2" cstate="print">
             <a:extLst>
               <a:ext uri="{28A0092B-C50C-407E-A947-70E740481C1C}">
-                <a14:useLocalDpi xmlns:a14="http://schemas.microsoft.com/office/drawing/2010/main" val="0"/>
+                <a14:useLocalDpi xmlns:a14="http://schemas.microsoft.com/office/drawing/2010/main" xmlns="" val="0"/>
               </a:ext>
             </a:extLst>
           </a:blip>
@@ -8807,7 +8759,7 @@
     </p:spTree>
     <p:extLst>
       <p:ext uri="{BB962C8B-B14F-4D97-AF65-F5344CB8AC3E}">
-        <p14:creationId xmlns:p14="http://schemas.microsoft.com/office/powerpoint/2010/main" val="2875612584"/>
+        <p14:creationId xmlns:p14="http://schemas.microsoft.com/office/powerpoint/2010/main" xmlns="" val="2875612584"/>
       </p:ext>
     </p:extLst>
   </p:cSld>
@@ -8976,6 +8928,7 @@
           <a:p>
             <a:fld id="{CD888701-8781-4249-9631-10FBB313C971}" type="datetime1">
               <a:rPr lang="de-DE" smtClean="0"/>
+              <a:pPr/>
               <a:t>20.12.2016</a:t>
             </a:fld>
             <a:endParaRPr lang="en-GB" dirty="0"/>
@@ -8999,6 +8952,7 @@
           <a:p>
             <a:fld id="{6C6AE60A-B69C-4790-82F7-3882EDF23186}" type="slidenum">
               <a:rPr lang="en-GB" smtClean="0"/>
+              <a:pPr/>
               <a:t>‹Nr.›</a:t>
             </a:fld>
             <a:endParaRPr lang="en-GB" dirty="0"/>
@@ -9099,7 +9053,7 @@
     </p:spTree>
     <p:extLst>
       <p:ext uri="{BB962C8B-B14F-4D97-AF65-F5344CB8AC3E}">
-        <p14:creationId xmlns:p14="http://schemas.microsoft.com/office/powerpoint/2010/main" val="2606108126"/>
+        <p14:creationId xmlns:p14="http://schemas.microsoft.com/office/powerpoint/2010/main" xmlns="" val="2606108126"/>
       </p:ext>
     </p:extLst>
   </p:cSld>
@@ -9314,6 +9268,7 @@
           <a:p>
             <a:fld id="{D9DE1BE9-E1A9-40A1-97D6-3F496B08F063}" type="datetime1">
               <a:rPr lang="de-DE" smtClean="0"/>
+              <a:pPr/>
               <a:t>20.12.2016</a:t>
             </a:fld>
             <a:endParaRPr lang="en-GB" dirty="0"/>
@@ -9360,6 +9315,7 @@
           <a:p>
             <a:fld id="{6C6AE60A-B69C-4790-82F7-3882EDF23186}" type="slidenum">
               <a:rPr lang="en-GB" smtClean="0"/>
+              <a:pPr/>
               <a:t>‹Nr.›</a:t>
             </a:fld>
             <a:endParaRPr lang="en-GB" dirty="0"/>
@@ -9402,7 +9358,7 @@
     </p:spTree>
     <p:extLst>
       <p:ext uri="{BB962C8B-B14F-4D97-AF65-F5344CB8AC3E}">
-        <p14:creationId xmlns:p14="http://schemas.microsoft.com/office/powerpoint/2010/main" val="2571596633"/>
+        <p14:creationId xmlns:p14="http://schemas.microsoft.com/office/powerpoint/2010/main" xmlns="" val="2571596633"/>
       </p:ext>
     </p:extLst>
   </p:cSld>
@@ -9613,6 +9569,7 @@
           <a:p>
             <a:fld id="{0031C8C0-C368-42FB-BD4D-51983EB7F29D}" type="datetime1">
               <a:rPr lang="de-DE" smtClean="0"/>
+              <a:pPr/>
               <a:t>20.12.2016</a:t>
             </a:fld>
             <a:endParaRPr lang="en-GB" dirty="0"/>
@@ -9659,6 +9616,7 @@
           <a:p>
             <a:fld id="{6C6AE60A-B69C-4790-82F7-3882EDF23186}" type="slidenum">
               <a:rPr lang="en-GB" smtClean="0"/>
+              <a:pPr/>
               <a:t>‹Nr.›</a:t>
             </a:fld>
             <a:endParaRPr lang="en-GB" dirty="0"/>
@@ -9701,7 +9659,7 @@
     </p:spTree>
     <p:extLst>
       <p:ext uri="{BB962C8B-B14F-4D97-AF65-F5344CB8AC3E}">
-        <p14:creationId xmlns:p14="http://schemas.microsoft.com/office/powerpoint/2010/main" val="1490291718"/>
+        <p14:creationId xmlns:p14="http://schemas.microsoft.com/office/powerpoint/2010/main" xmlns="" val="1490291718"/>
       </p:ext>
     </p:extLst>
   </p:cSld>
@@ -9713,7 +9671,7 @@
   </p:transition>
   <p:extLst mod="1">
     <p:ext uri="{DCECCB84-F9BA-43D5-87BE-67443E8EF086}">
-      <p15:sldGuideLst xmlns:p15="http://schemas.microsoft.com/office/powerpoint/2012/main"/>
+      <p15:sldGuideLst xmlns:p15="http://schemas.microsoft.com/office/powerpoint/2012/main" xmlns=""/>
     </p:ext>
   </p:extLst>
 </p:sldLayout>
@@ -9917,6 +9875,7 @@
           <a:p>
             <a:fld id="{B08E990F-5689-4C3B-9DBA-88FBF612326C}" type="datetime1">
               <a:rPr lang="de-DE" smtClean="0"/>
+              <a:pPr/>
               <a:t>20.12.2016</a:t>
             </a:fld>
             <a:endParaRPr lang="en-GB" dirty="0"/>
@@ -9963,6 +9922,7 @@
           <a:p>
             <a:fld id="{6C6AE60A-B69C-4790-82F7-3882EDF23186}" type="slidenum">
               <a:rPr lang="en-GB" smtClean="0"/>
+              <a:pPr/>
               <a:t>‹Nr.›</a:t>
             </a:fld>
             <a:endParaRPr lang="en-GB" dirty="0"/>
@@ -10005,7 +9965,7 @@
     </p:spTree>
     <p:extLst>
       <p:ext uri="{BB962C8B-B14F-4D97-AF65-F5344CB8AC3E}">
-        <p14:creationId xmlns:p14="http://schemas.microsoft.com/office/powerpoint/2010/main" val="792855932"/>
+        <p14:creationId xmlns:p14="http://schemas.microsoft.com/office/powerpoint/2010/main" xmlns="" val="792855932"/>
       </p:ext>
     </p:extLst>
   </p:cSld>
@@ -10017,7 +9977,7 @@
   </p:transition>
   <p:extLst mod="1">
     <p:ext uri="{DCECCB84-F9BA-43D5-87BE-67443E8EF086}">
-      <p15:sldGuideLst xmlns:p15="http://schemas.microsoft.com/office/powerpoint/2012/main"/>
+      <p15:sldGuideLst xmlns:p15="http://schemas.microsoft.com/office/powerpoint/2012/main" xmlns=""/>
     </p:ext>
   </p:extLst>
 </p:sldLayout>
@@ -10445,10 +10405,10 @@
           <p:nvPr userDrawn="1"/>
         </p:nvPicPr>
         <p:blipFill>
-          <a:blip r:embed="rId2">
+          <a:blip r:embed="rId2" cstate="print">
             <a:extLst>
               <a:ext uri="{28A0092B-C50C-407E-A947-70E740481C1C}">
-                <a14:useLocalDpi xmlns:a14="http://schemas.microsoft.com/office/drawing/2010/main" val="0"/>
+                <a14:useLocalDpi xmlns:a14="http://schemas.microsoft.com/office/drawing/2010/main" xmlns="" val="0"/>
               </a:ext>
             </a:extLst>
           </a:blip>
@@ -11037,7 +10997,7 @@
     </p:spTree>
     <p:extLst>
       <p:ext uri="{BB962C8B-B14F-4D97-AF65-F5344CB8AC3E}">
-        <p14:creationId xmlns:p14="http://schemas.microsoft.com/office/powerpoint/2010/main" val="2293843815"/>
+        <p14:creationId xmlns:p14="http://schemas.microsoft.com/office/powerpoint/2010/main" xmlns="" val="2293843815"/>
       </p:ext>
     </p:extLst>
   </p:cSld>
@@ -11189,6 +11149,7 @@
           <a:p>
             <a:fld id="{37DEF65A-5DB2-42E3-A3FA-D71FFAC2DD3E}" type="datetime1">
               <a:rPr lang="de-DE" smtClean="0"/>
+              <a:pPr/>
               <a:t>20.12.2016</a:t>
             </a:fld>
             <a:endParaRPr lang="en-GB" dirty="0"/>
@@ -11235,6 +11196,7 @@
           <a:p>
             <a:fld id="{6C6AE60A-B69C-4790-82F7-3882EDF23186}" type="slidenum">
               <a:rPr lang="en-GB" smtClean="0"/>
+              <a:pPr/>
               <a:t>‹Nr.›</a:t>
             </a:fld>
             <a:endParaRPr lang="en-GB" dirty="0"/>
@@ -11278,7 +11240,7 @@
     </p:spTree>
     <p:extLst>
       <p:ext uri="{BB962C8B-B14F-4D97-AF65-F5344CB8AC3E}">
-        <p14:creationId xmlns:p14="http://schemas.microsoft.com/office/powerpoint/2010/main" val="2807845491"/>
+        <p14:creationId xmlns:p14="http://schemas.microsoft.com/office/powerpoint/2010/main" xmlns="" val="2807845491"/>
       </p:ext>
     </p:extLst>
   </p:cSld>
@@ -11599,6 +11561,7 @@
           <a:p>
             <a:fld id="{854CE24D-B8E7-4306-B2AC-8C000C4BED21}" type="datetime1">
               <a:rPr lang="de-DE" smtClean="0"/>
+              <a:pPr/>
               <a:t>20.12.2016</a:t>
             </a:fld>
             <a:endParaRPr lang="en-GB" dirty="0"/>
@@ -11645,6 +11608,7 @@
           <a:p>
             <a:fld id="{6C6AE60A-B69C-4790-82F7-3882EDF23186}" type="slidenum">
               <a:rPr lang="en-GB" smtClean="0"/>
+              <a:pPr/>
               <a:t>‹Nr.›</a:t>
             </a:fld>
             <a:endParaRPr lang="en-GB" dirty="0"/>
@@ -11688,7 +11652,7 @@
     </p:spTree>
     <p:extLst>
       <p:ext uri="{BB962C8B-B14F-4D97-AF65-F5344CB8AC3E}">
-        <p14:creationId xmlns:p14="http://schemas.microsoft.com/office/powerpoint/2010/main" val="3147870395"/>
+        <p14:creationId xmlns:p14="http://schemas.microsoft.com/office/powerpoint/2010/main" xmlns="" val="3147870395"/>
       </p:ext>
     </p:extLst>
   </p:cSld>
@@ -11735,6 +11699,7 @@
           <a:p>
             <a:fld id="{21BAEE40-85C7-4791-80CE-396988C820D1}" type="datetime1">
               <a:rPr lang="de-DE" smtClean="0"/>
+              <a:pPr/>
               <a:t>20.12.2016</a:t>
             </a:fld>
             <a:endParaRPr lang="en-GB" dirty="0"/>
@@ -11781,6 +11746,7 @@
           <a:p>
             <a:fld id="{6C6AE60A-B69C-4790-82F7-3882EDF23186}" type="slidenum">
               <a:rPr lang="en-GB" smtClean="0"/>
+              <a:pPr/>
               <a:t>‹Nr.›</a:t>
             </a:fld>
             <a:endParaRPr lang="en-GB" dirty="0"/>
@@ -11821,7 +11787,7 @@
     </p:spTree>
     <p:extLst>
       <p:ext uri="{BB962C8B-B14F-4D97-AF65-F5344CB8AC3E}">
-        <p14:creationId xmlns:p14="http://schemas.microsoft.com/office/powerpoint/2010/main" val="1355197154"/>
+        <p14:creationId xmlns:p14="http://schemas.microsoft.com/office/powerpoint/2010/main" xmlns="" val="1355197154"/>
       </p:ext>
     </p:extLst>
   </p:cSld>
@@ -11868,6 +11834,7 @@
           <a:p>
             <a:fld id="{CB709AFF-1A1F-41FB-A7CE-4D55C2A8BDBD}" type="datetime1">
               <a:rPr lang="de-DE" smtClean="0"/>
+              <a:pPr/>
               <a:t>20.12.2016</a:t>
             </a:fld>
             <a:endParaRPr lang="en-GB" dirty="0"/>
@@ -11914,6 +11881,7 @@
           <a:p>
             <a:fld id="{6C6AE60A-B69C-4790-82F7-3882EDF23186}" type="slidenum">
               <a:rPr lang="en-GB" smtClean="0"/>
+              <a:pPr/>
               <a:t>‹Nr.›</a:t>
             </a:fld>
             <a:endParaRPr lang="en-GB" dirty="0"/>
@@ -11956,7 +11924,7 @@
     </p:spTree>
     <p:extLst>
       <p:ext uri="{BB962C8B-B14F-4D97-AF65-F5344CB8AC3E}">
-        <p14:creationId xmlns:p14="http://schemas.microsoft.com/office/powerpoint/2010/main" val="726463521"/>
+        <p14:creationId xmlns:p14="http://schemas.microsoft.com/office/powerpoint/2010/main" xmlns="" val="726463521"/>
       </p:ext>
     </p:extLst>
   </p:cSld>
@@ -12049,6 +12017,7 @@
           <a:p>
             <a:fld id="{435D9003-B42D-4F63-9374-22B70FDE4540}" type="datetime1">
               <a:rPr lang="de-DE" smtClean="0"/>
+              <a:pPr/>
               <a:t>20.12.2016</a:t>
             </a:fld>
             <a:endParaRPr lang="en-GB" dirty="0"/>
@@ -12095,6 +12064,7 @@
           <a:p>
             <a:fld id="{6C6AE60A-B69C-4790-82F7-3882EDF23186}" type="slidenum">
               <a:rPr lang="en-GB" smtClean="0"/>
+              <a:pPr/>
               <a:t>‹Nr.›</a:t>
             </a:fld>
             <a:endParaRPr lang="en-GB" dirty="0"/>
@@ -12110,10 +12080,10 @@
           <p:nvPr userDrawn="1"/>
         </p:nvPicPr>
         <p:blipFill>
-          <a:blip r:embed="rId2">
+          <a:blip r:embed="rId2" cstate="print">
             <a:extLst>
               <a:ext uri="{28A0092B-C50C-407E-A947-70E740481C1C}">
-                <a14:useLocalDpi xmlns:a14="http://schemas.microsoft.com/office/drawing/2010/main" val="0"/>
+                <a14:useLocalDpi xmlns:a14="http://schemas.microsoft.com/office/drawing/2010/main" xmlns="" val="0"/>
               </a:ext>
             </a:extLst>
           </a:blip>
@@ -12134,7 +12104,7 @@
     </p:spTree>
     <p:extLst>
       <p:ext uri="{BB962C8B-B14F-4D97-AF65-F5344CB8AC3E}">
-        <p14:creationId xmlns:p14="http://schemas.microsoft.com/office/powerpoint/2010/main" val="3368569284"/>
+        <p14:creationId xmlns:p14="http://schemas.microsoft.com/office/powerpoint/2010/main" xmlns="" val="3368569284"/>
       </p:ext>
     </p:extLst>
   </p:cSld>
@@ -12303,6 +12273,7 @@
           <a:p>
             <a:fld id="{3FF599E3-C3BB-4391-873B-F02DEF2CBE10}" type="datetime1">
               <a:rPr lang="de-DE" smtClean="0"/>
+              <a:pPr/>
               <a:t>20.12.2016</a:t>
             </a:fld>
             <a:endParaRPr lang="en-GB" dirty="0"/>
@@ -12326,6 +12297,7 @@
           <a:p>
             <a:fld id="{6C6AE60A-B69C-4790-82F7-3882EDF23186}" type="slidenum">
               <a:rPr lang="en-GB" smtClean="0"/>
+              <a:pPr/>
               <a:t>‹Nr.›</a:t>
             </a:fld>
             <a:endParaRPr lang="en-GB" dirty="0"/>
@@ -12426,7 +12398,7 @@
     </p:spTree>
     <p:extLst>
       <p:ext uri="{BB962C8B-B14F-4D97-AF65-F5344CB8AC3E}">
-        <p14:creationId xmlns:p14="http://schemas.microsoft.com/office/powerpoint/2010/main" val="28234159"/>
+        <p14:creationId xmlns:p14="http://schemas.microsoft.com/office/powerpoint/2010/main" xmlns="" val="28234159"/>
       </p:ext>
     </p:extLst>
   </p:cSld>
@@ -12641,6 +12613,7 @@
           <a:p>
             <a:fld id="{754D302F-4E62-49B6-9D89-1D5EAF3915F8}" type="datetime1">
               <a:rPr lang="de-DE" smtClean="0"/>
+              <a:pPr/>
               <a:t>20.12.2016</a:t>
             </a:fld>
             <a:endParaRPr lang="en-GB" dirty="0"/>
@@ -12687,6 +12660,7 @@
           <a:p>
             <a:fld id="{6C6AE60A-B69C-4790-82F7-3882EDF23186}" type="slidenum">
               <a:rPr lang="en-GB" smtClean="0"/>
+              <a:pPr/>
               <a:t>‹Nr.›</a:t>
             </a:fld>
             <a:endParaRPr lang="en-GB" dirty="0"/>
@@ -12729,7 +12703,7 @@
     </p:spTree>
     <p:extLst>
       <p:ext uri="{BB962C8B-B14F-4D97-AF65-F5344CB8AC3E}">
-        <p14:creationId xmlns:p14="http://schemas.microsoft.com/office/powerpoint/2010/main" val="2638008544"/>
+        <p14:creationId xmlns:p14="http://schemas.microsoft.com/office/powerpoint/2010/main" xmlns="" val="2638008544"/>
       </p:ext>
     </p:extLst>
   </p:cSld>
@@ -12940,6 +12914,7 @@
           <a:p>
             <a:fld id="{F36AE14C-67C7-4340-9BE4-75125B0ED34F}" type="datetime1">
               <a:rPr lang="de-DE" smtClean="0"/>
+              <a:pPr/>
               <a:t>20.12.2016</a:t>
             </a:fld>
             <a:endParaRPr lang="en-GB" dirty="0"/>
@@ -12986,6 +12961,7 @@
           <a:p>
             <a:fld id="{6C6AE60A-B69C-4790-82F7-3882EDF23186}" type="slidenum">
               <a:rPr lang="en-GB" smtClean="0"/>
+              <a:pPr/>
               <a:t>‹Nr.›</a:t>
             </a:fld>
             <a:endParaRPr lang="en-GB" dirty="0"/>
@@ -13028,7 +13004,7 @@
     </p:spTree>
     <p:extLst>
       <p:ext uri="{BB962C8B-B14F-4D97-AF65-F5344CB8AC3E}">
-        <p14:creationId xmlns:p14="http://schemas.microsoft.com/office/powerpoint/2010/main" val="4196920033"/>
+        <p14:creationId xmlns:p14="http://schemas.microsoft.com/office/powerpoint/2010/main" xmlns="" val="4196920033"/>
       </p:ext>
     </p:extLst>
   </p:cSld>
@@ -13040,7 +13016,7 @@
   </p:transition>
   <p:extLst mod="1">
     <p:ext uri="{DCECCB84-F9BA-43D5-87BE-67443E8EF086}">
-      <p15:sldGuideLst xmlns:p15="http://schemas.microsoft.com/office/powerpoint/2012/main"/>
+      <p15:sldGuideLst xmlns:p15="http://schemas.microsoft.com/office/powerpoint/2012/main" xmlns=""/>
     </p:ext>
   </p:extLst>
 </p:sldLayout>
@@ -13468,10 +13444,10 @@
           <p:nvPr userDrawn="1"/>
         </p:nvPicPr>
         <p:blipFill>
-          <a:blip r:embed="rId2">
+          <a:blip r:embed="rId2" cstate="print">
             <a:extLst>
               <a:ext uri="{28A0092B-C50C-407E-A947-70E740481C1C}">
-                <a14:useLocalDpi xmlns:a14="http://schemas.microsoft.com/office/drawing/2010/main" val="0"/>
+                <a14:useLocalDpi xmlns:a14="http://schemas.microsoft.com/office/drawing/2010/main" xmlns="" val="0"/>
               </a:ext>
             </a:extLst>
           </a:blip>
@@ -14060,7 +14036,7 @@
     </p:spTree>
     <p:extLst>
       <p:ext uri="{BB962C8B-B14F-4D97-AF65-F5344CB8AC3E}">
-        <p14:creationId xmlns:p14="http://schemas.microsoft.com/office/powerpoint/2010/main" val="1980723131"/>
+        <p14:creationId xmlns:p14="http://schemas.microsoft.com/office/powerpoint/2010/main" xmlns="" val="1980723131"/>
       </p:ext>
     </p:extLst>
   </p:cSld>
@@ -14495,10 +14471,10 @@
           <p:nvPr userDrawn="1"/>
         </p:nvPicPr>
         <p:blipFill>
-          <a:blip r:embed="rId2">
+          <a:blip r:embed="rId2" cstate="print">
             <a:extLst>
               <a:ext uri="{28A0092B-C50C-407E-A947-70E740481C1C}">
-                <a14:useLocalDpi xmlns:a14="http://schemas.microsoft.com/office/drawing/2010/main" val="0"/>
+                <a14:useLocalDpi xmlns:a14="http://schemas.microsoft.com/office/drawing/2010/main" xmlns="" val="0"/>
               </a:ext>
             </a:extLst>
           </a:blip>
@@ -15087,7 +15063,7 @@
     </p:spTree>
     <p:extLst>
       <p:ext uri="{BB962C8B-B14F-4D97-AF65-F5344CB8AC3E}">
-        <p14:creationId xmlns:p14="http://schemas.microsoft.com/office/powerpoint/2010/main" val="126142069"/>
+        <p14:creationId xmlns:p14="http://schemas.microsoft.com/office/powerpoint/2010/main" xmlns="" val="126142069"/>
       </p:ext>
     </p:extLst>
   </p:cSld>
@@ -15239,6 +15215,7 @@
           <a:p>
             <a:fld id="{34E07245-DA23-433A-ABFF-7CBC8C016C4D}" type="datetime1">
               <a:rPr lang="de-DE" smtClean="0"/>
+              <a:pPr/>
               <a:t>20.12.2016</a:t>
             </a:fld>
             <a:endParaRPr lang="en-GB" dirty="0"/>
@@ -15285,6 +15262,7 @@
           <a:p>
             <a:fld id="{6C6AE60A-B69C-4790-82F7-3882EDF23186}" type="slidenum">
               <a:rPr lang="en-GB" smtClean="0"/>
+              <a:pPr/>
               <a:t>‹Nr.›</a:t>
             </a:fld>
             <a:endParaRPr lang="en-GB" dirty="0"/>
@@ -15328,7 +15306,7 @@
     </p:spTree>
     <p:extLst>
       <p:ext uri="{BB962C8B-B14F-4D97-AF65-F5344CB8AC3E}">
-        <p14:creationId xmlns:p14="http://schemas.microsoft.com/office/powerpoint/2010/main" val="3818019336"/>
+        <p14:creationId xmlns:p14="http://schemas.microsoft.com/office/powerpoint/2010/main" xmlns="" val="3818019336"/>
       </p:ext>
     </p:extLst>
   </p:cSld>
@@ -15649,6 +15627,7 @@
           <a:p>
             <a:fld id="{4E974BCC-FFFD-46DD-8B3B-AF0BD984AC11}" type="datetime1">
               <a:rPr lang="de-DE" smtClean="0"/>
+              <a:pPr/>
               <a:t>20.12.2016</a:t>
             </a:fld>
             <a:endParaRPr lang="en-GB" dirty="0"/>
@@ -15695,6 +15674,7 @@
           <a:p>
             <a:fld id="{6C6AE60A-B69C-4790-82F7-3882EDF23186}" type="slidenum">
               <a:rPr lang="en-GB" smtClean="0"/>
+              <a:pPr/>
               <a:t>‹Nr.›</a:t>
             </a:fld>
             <a:endParaRPr lang="en-GB" dirty="0"/>
@@ -15738,7 +15718,7 @@
     </p:spTree>
     <p:extLst>
       <p:ext uri="{BB962C8B-B14F-4D97-AF65-F5344CB8AC3E}">
-        <p14:creationId xmlns:p14="http://schemas.microsoft.com/office/powerpoint/2010/main" val="2983430453"/>
+        <p14:creationId xmlns:p14="http://schemas.microsoft.com/office/powerpoint/2010/main" xmlns="" val="2983430453"/>
       </p:ext>
     </p:extLst>
   </p:cSld>
@@ -15785,6 +15765,7 @@
           <a:p>
             <a:fld id="{7CCC5F8B-69E1-4E2F-B9DD-AF9024546933}" type="datetime1">
               <a:rPr lang="de-DE" smtClean="0"/>
+              <a:pPr/>
               <a:t>20.12.2016</a:t>
             </a:fld>
             <a:endParaRPr lang="en-GB" dirty="0"/>
@@ -15831,6 +15812,7 @@
           <a:p>
             <a:fld id="{6C6AE60A-B69C-4790-82F7-3882EDF23186}" type="slidenum">
               <a:rPr lang="en-GB" smtClean="0"/>
+              <a:pPr/>
               <a:t>‹Nr.›</a:t>
             </a:fld>
             <a:endParaRPr lang="en-GB" dirty="0"/>
@@ -15871,7 +15853,7 @@
     </p:spTree>
     <p:extLst>
       <p:ext uri="{BB962C8B-B14F-4D97-AF65-F5344CB8AC3E}">
-        <p14:creationId xmlns:p14="http://schemas.microsoft.com/office/powerpoint/2010/main" val="462178339"/>
+        <p14:creationId xmlns:p14="http://schemas.microsoft.com/office/powerpoint/2010/main" xmlns="" val="462178339"/>
       </p:ext>
     </p:extLst>
   </p:cSld>
@@ -15918,6 +15900,7 @@
           <a:p>
             <a:fld id="{BD7EF9EF-7221-4E19-8EE5-3B37057E61A3}" type="datetime1">
               <a:rPr lang="de-DE" smtClean="0"/>
+              <a:pPr/>
               <a:t>20.12.2016</a:t>
             </a:fld>
             <a:endParaRPr lang="en-GB" dirty="0"/>
@@ -15964,6 +15947,7 @@
           <a:p>
             <a:fld id="{6C6AE60A-B69C-4790-82F7-3882EDF23186}" type="slidenum">
               <a:rPr lang="en-GB" smtClean="0"/>
+              <a:pPr/>
               <a:t>‹Nr.›</a:t>
             </a:fld>
             <a:endParaRPr lang="en-GB" dirty="0"/>
@@ -16006,7 +15990,7 @@
     </p:spTree>
     <p:extLst>
       <p:ext uri="{BB962C8B-B14F-4D97-AF65-F5344CB8AC3E}">
-        <p14:creationId xmlns:p14="http://schemas.microsoft.com/office/powerpoint/2010/main" val="394277555"/>
+        <p14:creationId xmlns:p14="http://schemas.microsoft.com/office/powerpoint/2010/main" xmlns="" val="394277555"/>
       </p:ext>
     </p:extLst>
   </p:cSld>
@@ -16099,6 +16083,7 @@
           <a:p>
             <a:fld id="{11571518-F59A-4B1A-A106-3D08373B15B0}" type="datetime1">
               <a:rPr lang="de-DE" smtClean="0"/>
+              <a:pPr/>
               <a:t>20.12.2016</a:t>
             </a:fld>
             <a:endParaRPr lang="en-GB" dirty="0"/>
@@ -16145,6 +16130,7 @@
           <a:p>
             <a:fld id="{6C6AE60A-B69C-4790-82F7-3882EDF23186}" type="slidenum">
               <a:rPr lang="en-GB" smtClean="0"/>
+              <a:pPr/>
               <a:t>‹Nr.›</a:t>
             </a:fld>
             <a:endParaRPr lang="en-GB" dirty="0"/>
@@ -16160,10 +16146,10 @@
           <p:nvPr userDrawn="1"/>
         </p:nvPicPr>
         <p:blipFill>
-          <a:blip r:embed="rId2">
+          <a:blip r:embed="rId2" cstate="print">
             <a:extLst>
               <a:ext uri="{28A0092B-C50C-407E-A947-70E740481C1C}">
-                <a14:useLocalDpi xmlns:a14="http://schemas.microsoft.com/office/drawing/2010/main" val="0"/>
+                <a14:useLocalDpi xmlns:a14="http://schemas.microsoft.com/office/drawing/2010/main" xmlns="" val="0"/>
               </a:ext>
             </a:extLst>
           </a:blip>
@@ -16184,7 +16170,7 @@
     </p:spTree>
     <p:extLst>
       <p:ext uri="{BB962C8B-B14F-4D97-AF65-F5344CB8AC3E}">
-        <p14:creationId xmlns:p14="http://schemas.microsoft.com/office/powerpoint/2010/main" val="2928457402"/>
+        <p14:creationId xmlns:p14="http://schemas.microsoft.com/office/powerpoint/2010/main" xmlns="" val="2928457402"/>
       </p:ext>
     </p:extLst>
   </p:cSld>
@@ -16353,6 +16339,7 @@
           <a:p>
             <a:fld id="{3F86E0CF-AB42-4291-A591-ECFBDA8D78B8}" type="datetime1">
               <a:rPr lang="de-DE" smtClean="0"/>
+              <a:pPr/>
               <a:t>20.12.2016</a:t>
             </a:fld>
             <a:endParaRPr lang="en-GB" dirty="0"/>
@@ -16376,6 +16363,7 @@
           <a:p>
             <a:fld id="{6C6AE60A-B69C-4790-82F7-3882EDF23186}" type="slidenum">
               <a:rPr lang="en-GB" smtClean="0"/>
+              <a:pPr/>
               <a:t>‹Nr.›</a:t>
             </a:fld>
             <a:endParaRPr lang="en-GB" dirty="0"/>
@@ -16476,7 +16464,7 @@
     </p:spTree>
     <p:extLst>
       <p:ext uri="{BB962C8B-B14F-4D97-AF65-F5344CB8AC3E}">
-        <p14:creationId xmlns:p14="http://schemas.microsoft.com/office/powerpoint/2010/main" val="1939241779"/>
+        <p14:creationId xmlns:p14="http://schemas.microsoft.com/office/powerpoint/2010/main" xmlns="" val="1939241779"/>
       </p:ext>
     </p:extLst>
   </p:cSld>
@@ -16691,6 +16679,7 @@
           <a:p>
             <a:fld id="{1389FF44-E657-422D-873D-139304140E20}" type="datetime1">
               <a:rPr lang="de-DE" smtClean="0"/>
+              <a:pPr/>
               <a:t>20.12.2016</a:t>
             </a:fld>
             <a:endParaRPr lang="en-GB" dirty="0"/>
@@ -16737,6 +16726,7 @@
           <a:p>
             <a:fld id="{6C6AE60A-B69C-4790-82F7-3882EDF23186}" type="slidenum">
               <a:rPr lang="en-GB" smtClean="0"/>
+              <a:pPr/>
               <a:t>‹Nr.›</a:t>
             </a:fld>
             <a:endParaRPr lang="en-GB" dirty="0"/>
@@ -16779,7 +16769,7 @@
     </p:spTree>
     <p:extLst>
       <p:ext uri="{BB962C8B-B14F-4D97-AF65-F5344CB8AC3E}">
-        <p14:creationId xmlns:p14="http://schemas.microsoft.com/office/powerpoint/2010/main" val="2915455288"/>
+        <p14:creationId xmlns:p14="http://schemas.microsoft.com/office/powerpoint/2010/main" xmlns="" val="2915455288"/>
       </p:ext>
     </p:extLst>
   </p:cSld>
@@ -16990,6 +16980,7 @@
           <a:p>
             <a:fld id="{FC15A311-128A-482D-B806-0437F45FA538}" type="datetime1">
               <a:rPr lang="de-DE" smtClean="0"/>
+              <a:pPr/>
               <a:t>20.12.2016</a:t>
             </a:fld>
             <a:endParaRPr lang="en-GB" dirty="0"/>
@@ -17036,6 +17027,7 @@
           <a:p>
             <a:fld id="{6C6AE60A-B69C-4790-82F7-3882EDF23186}" type="slidenum">
               <a:rPr lang="en-GB" smtClean="0"/>
+              <a:pPr/>
               <a:t>‹Nr.›</a:t>
             </a:fld>
             <a:endParaRPr lang="en-GB" dirty="0"/>
@@ -17078,7 +17070,7 @@
     </p:spTree>
     <p:extLst>
       <p:ext uri="{BB962C8B-B14F-4D97-AF65-F5344CB8AC3E}">
-        <p14:creationId xmlns:p14="http://schemas.microsoft.com/office/powerpoint/2010/main" val="3272998158"/>
+        <p14:creationId xmlns:p14="http://schemas.microsoft.com/office/powerpoint/2010/main" xmlns="" val="3272998158"/>
       </p:ext>
     </p:extLst>
   </p:cSld>
@@ -17090,7 +17082,7 @@
   </p:transition>
   <p:extLst mod="1">
     <p:ext uri="{DCECCB84-F9BA-43D5-87BE-67443E8EF086}">
-      <p15:sldGuideLst xmlns:p15="http://schemas.microsoft.com/office/powerpoint/2012/main"/>
+      <p15:sldGuideLst xmlns:p15="http://schemas.microsoft.com/office/powerpoint/2012/main" xmlns=""/>
     </p:ext>
   </p:extLst>
 </p:sldLayout>
@@ -17518,10 +17510,10 @@
           <p:nvPr userDrawn="1"/>
         </p:nvPicPr>
         <p:blipFill>
-          <a:blip r:embed="rId2">
+          <a:blip r:embed="rId2" cstate="print">
             <a:extLst>
               <a:ext uri="{28A0092B-C50C-407E-A947-70E740481C1C}">
-                <a14:useLocalDpi xmlns:a14="http://schemas.microsoft.com/office/drawing/2010/main" val="0"/>
+                <a14:useLocalDpi xmlns:a14="http://schemas.microsoft.com/office/drawing/2010/main" xmlns="" val="0"/>
               </a:ext>
             </a:extLst>
           </a:blip>
@@ -18110,7 +18102,7 @@
     </p:spTree>
     <p:extLst>
       <p:ext uri="{BB962C8B-B14F-4D97-AF65-F5344CB8AC3E}">
-        <p14:creationId xmlns:p14="http://schemas.microsoft.com/office/powerpoint/2010/main" val="1213079104"/>
+        <p14:creationId xmlns:p14="http://schemas.microsoft.com/office/powerpoint/2010/main" xmlns="" val="1213079104"/>
       </p:ext>
     </p:extLst>
   </p:cSld>
@@ -18262,6 +18254,7 @@
           <a:p>
             <a:fld id="{F5B2312B-A258-434F-95FC-A0997179BE88}" type="datetime1">
               <a:rPr lang="de-DE" smtClean="0"/>
+              <a:pPr/>
               <a:t>20.12.2016</a:t>
             </a:fld>
             <a:endParaRPr lang="en-GB" dirty="0"/>
@@ -18308,6 +18301,7 @@
           <a:p>
             <a:fld id="{6C6AE60A-B69C-4790-82F7-3882EDF23186}" type="slidenum">
               <a:rPr lang="en-GB" smtClean="0"/>
+              <a:pPr/>
               <a:t>‹Nr.›</a:t>
             </a:fld>
             <a:endParaRPr lang="en-GB" dirty="0"/>
@@ -18498,6 +18492,7 @@
           <a:p>
             <a:fld id="{44296D1E-FE9A-4D20-BB01-899D75CE2C54}" type="datetime1">
               <a:rPr lang="de-DE" smtClean="0"/>
+              <a:pPr/>
               <a:t>20.12.2016</a:t>
             </a:fld>
             <a:endParaRPr lang="en-GB" dirty="0"/>
@@ -18544,6 +18539,7 @@
           <a:p>
             <a:fld id="{6C6AE60A-B69C-4790-82F7-3882EDF23186}" type="slidenum">
               <a:rPr lang="en-GB" smtClean="0"/>
+              <a:pPr/>
               <a:t>‹Nr.›</a:t>
             </a:fld>
             <a:endParaRPr lang="en-GB" dirty="0"/>
@@ -18587,7 +18583,7 @@
     </p:spTree>
     <p:extLst>
       <p:ext uri="{BB962C8B-B14F-4D97-AF65-F5344CB8AC3E}">
-        <p14:creationId xmlns:p14="http://schemas.microsoft.com/office/powerpoint/2010/main" val="2928511375"/>
+        <p14:creationId xmlns:p14="http://schemas.microsoft.com/office/powerpoint/2010/main" xmlns="" val="2928511375"/>
       </p:ext>
     </p:extLst>
   </p:cSld>
@@ -18908,6 +18904,7 @@
           <a:p>
             <a:fld id="{17F072F2-841D-4651-8B3F-B9E999E0C1EE}" type="datetime1">
               <a:rPr lang="de-DE" smtClean="0"/>
+              <a:pPr/>
               <a:t>20.12.2016</a:t>
             </a:fld>
             <a:endParaRPr lang="en-GB" dirty="0"/>
@@ -18954,6 +18951,7 @@
           <a:p>
             <a:fld id="{6C6AE60A-B69C-4790-82F7-3882EDF23186}" type="slidenum">
               <a:rPr lang="en-GB" smtClean="0"/>
+              <a:pPr/>
               <a:t>‹Nr.›</a:t>
             </a:fld>
             <a:endParaRPr lang="en-GB" dirty="0"/>
@@ -18997,7 +18995,7 @@
     </p:spTree>
     <p:extLst>
       <p:ext uri="{BB962C8B-B14F-4D97-AF65-F5344CB8AC3E}">
-        <p14:creationId xmlns:p14="http://schemas.microsoft.com/office/powerpoint/2010/main" val="2378694842"/>
+        <p14:creationId xmlns:p14="http://schemas.microsoft.com/office/powerpoint/2010/main" xmlns="" val="2378694842"/>
       </p:ext>
     </p:extLst>
   </p:cSld>
@@ -19044,6 +19042,7 @@
           <a:p>
             <a:fld id="{DACFA4AB-AD77-4716-9780-66CDF01B21F4}" type="datetime1">
               <a:rPr lang="de-DE" smtClean="0"/>
+              <a:pPr/>
               <a:t>20.12.2016</a:t>
             </a:fld>
             <a:endParaRPr lang="en-GB" dirty="0"/>
@@ -19090,6 +19089,7 @@
           <a:p>
             <a:fld id="{6C6AE60A-B69C-4790-82F7-3882EDF23186}" type="slidenum">
               <a:rPr lang="en-GB" smtClean="0"/>
+              <a:pPr/>
               <a:t>‹Nr.›</a:t>
             </a:fld>
             <a:endParaRPr lang="en-GB" dirty="0"/>
@@ -19130,7 +19130,7 @@
     </p:spTree>
     <p:extLst>
       <p:ext uri="{BB962C8B-B14F-4D97-AF65-F5344CB8AC3E}">
-        <p14:creationId xmlns:p14="http://schemas.microsoft.com/office/powerpoint/2010/main" val="1024135163"/>
+        <p14:creationId xmlns:p14="http://schemas.microsoft.com/office/powerpoint/2010/main" xmlns="" val="1024135163"/>
       </p:ext>
     </p:extLst>
   </p:cSld>
@@ -19177,6 +19177,7 @@
           <a:p>
             <a:fld id="{47F6AAC9-D630-4319-9220-DCD447BD8173}" type="datetime1">
               <a:rPr lang="de-DE" smtClean="0"/>
+              <a:pPr/>
               <a:t>20.12.2016</a:t>
             </a:fld>
             <a:endParaRPr lang="en-GB" dirty="0"/>
@@ -19223,6 +19224,7 @@
           <a:p>
             <a:fld id="{6C6AE60A-B69C-4790-82F7-3882EDF23186}" type="slidenum">
               <a:rPr lang="en-GB" smtClean="0"/>
+              <a:pPr/>
               <a:t>‹Nr.›</a:t>
             </a:fld>
             <a:endParaRPr lang="en-GB" dirty="0"/>
@@ -19265,7 +19267,7 @@
     </p:spTree>
     <p:extLst>
       <p:ext uri="{BB962C8B-B14F-4D97-AF65-F5344CB8AC3E}">
-        <p14:creationId xmlns:p14="http://schemas.microsoft.com/office/powerpoint/2010/main" val="3303822867"/>
+        <p14:creationId xmlns:p14="http://schemas.microsoft.com/office/powerpoint/2010/main" xmlns="" val="3303822867"/>
       </p:ext>
     </p:extLst>
   </p:cSld>
@@ -19358,6 +19360,7 @@
           <a:p>
             <a:fld id="{173977F1-D021-4F1A-B148-8BDF5F25DBAF}" type="datetime1">
               <a:rPr lang="de-DE" smtClean="0"/>
+              <a:pPr/>
               <a:t>20.12.2016</a:t>
             </a:fld>
             <a:endParaRPr lang="en-GB" dirty="0"/>
@@ -19404,6 +19407,7 @@
           <a:p>
             <a:fld id="{6C6AE60A-B69C-4790-82F7-3882EDF23186}" type="slidenum">
               <a:rPr lang="en-GB" smtClean="0"/>
+              <a:pPr/>
               <a:t>‹Nr.›</a:t>
             </a:fld>
             <a:endParaRPr lang="en-GB" dirty="0"/>
@@ -19419,10 +19423,10 @@
           <p:nvPr userDrawn="1"/>
         </p:nvPicPr>
         <p:blipFill>
-          <a:blip r:embed="rId2">
+          <a:blip r:embed="rId2" cstate="print">
             <a:extLst>
               <a:ext uri="{28A0092B-C50C-407E-A947-70E740481C1C}">
-                <a14:useLocalDpi xmlns:a14="http://schemas.microsoft.com/office/drawing/2010/main" val="0"/>
+                <a14:useLocalDpi xmlns:a14="http://schemas.microsoft.com/office/drawing/2010/main" xmlns="" val="0"/>
               </a:ext>
             </a:extLst>
           </a:blip>
@@ -19443,7 +19447,7 @@
     </p:spTree>
     <p:extLst>
       <p:ext uri="{BB962C8B-B14F-4D97-AF65-F5344CB8AC3E}">
-        <p14:creationId xmlns:p14="http://schemas.microsoft.com/office/powerpoint/2010/main" val="3633579213"/>
+        <p14:creationId xmlns:p14="http://schemas.microsoft.com/office/powerpoint/2010/main" xmlns="" val="3633579213"/>
       </p:ext>
     </p:extLst>
   </p:cSld>
@@ -19612,6 +19616,7 @@
           <a:p>
             <a:fld id="{02B036EF-399F-4B2B-A09E-B68B37ED216D}" type="datetime1">
               <a:rPr lang="de-DE" smtClean="0"/>
+              <a:pPr/>
               <a:t>20.12.2016</a:t>
             </a:fld>
             <a:endParaRPr lang="en-GB" dirty="0"/>
@@ -19635,6 +19640,7 @@
           <a:p>
             <a:fld id="{6C6AE60A-B69C-4790-82F7-3882EDF23186}" type="slidenum">
               <a:rPr lang="en-GB" smtClean="0"/>
+              <a:pPr/>
               <a:t>‹Nr.›</a:t>
             </a:fld>
             <a:endParaRPr lang="en-GB" dirty="0"/>
@@ -19735,7 +19741,7 @@
     </p:spTree>
     <p:extLst>
       <p:ext uri="{BB962C8B-B14F-4D97-AF65-F5344CB8AC3E}">
-        <p14:creationId xmlns:p14="http://schemas.microsoft.com/office/powerpoint/2010/main" val="2279271206"/>
+        <p14:creationId xmlns:p14="http://schemas.microsoft.com/office/powerpoint/2010/main" xmlns="" val="2279271206"/>
       </p:ext>
     </p:extLst>
   </p:cSld>
@@ -19950,6 +19956,7 @@
           <a:p>
             <a:fld id="{F9D9EB90-83A1-4B21-84E3-FD40503E84E2}" type="datetime1">
               <a:rPr lang="de-DE" smtClean="0"/>
+              <a:pPr/>
               <a:t>20.12.2016</a:t>
             </a:fld>
             <a:endParaRPr lang="en-GB" dirty="0"/>
@@ -19996,6 +20003,7 @@
           <a:p>
             <a:fld id="{6C6AE60A-B69C-4790-82F7-3882EDF23186}" type="slidenum">
               <a:rPr lang="en-GB" smtClean="0"/>
+              <a:pPr/>
               <a:t>‹Nr.›</a:t>
             </a:fld>
             <a:endParaRPr lang="en-GB" dirty="0"/>
@@ -20038,7 +20046,7 @@
     </p:spTree>
     <p:extLst>
       <p:ext uri="{BB962C8B-B14F-4D97-AF65-F5344CB8AC3E}">
-        <p14:creationId xmlns:p14="http://schemas.microsoft.com/office/powerpoint/2010/main" val="3612019383"/>
+        <p14:creationId xmlns:p14="http://schemas.microsoft.com/office/powerpoint/2010/main" xmlns="" val="3612019383"/>
       </p:ext>
     </p:extLst>
   </p:cSld>
@@ -20249,6 +20257,7 @@
           <a:p>
             <a:fld id="{7C7F624D-B407-43B2-9660-C2C1320B6A49}" type="datetime1">
               <a:rPr lang="de-DE" smtClean="0"/>
+              <a:pPr/>
               <a:t>20.12.2016</a:t>
             </a:fld>
             <a:endParaRPr lang="en-GB" dirty="0"/>
@@ -20295,6 +20304,7 @@
           <a:p>
             <a:fld id="{6C6AE60A-B69C-4790-82F7-3882EDF23186}" type="slidenum">
               <a:rPr lang="en-GB" smtClean="0"/>
+              <a:pPr/>
               <a:t>‹Nr.›</a:t>
             </a:fld>
             <a:endParaRPr lang="en-GB" dirty="0"/>
@@ -20337,7 +20347,7 @@
     </p:spTree>
     <p:extLst>
       <p:ext uri="{BB962C8B-B14F-4D97-AF65-F5344CB8AC3E}">
-        <p14:creationId xmlns:p14="http://schemas.microsoft.com/office/powerpoint/2010/main" val="2987535939"/>
+        <p14:creationId xmlns:p14="http://schemas.microsoft.com/office/powerpoint/2010/main" xmlns="" val="2987535939"/>
       </p:ext>
     </p:extLst>
   </p:cSld>
@@ -20349,7 +20359,7 @@
   </p:transition>
   <p:extLst mod="1">
     <p:ext uri="{DCECCB84-F9BA-43D5-87BE-67443E8EF086}">
-      <p15:sldGuideLst xmlns:p15="http://schemas.microsoft.com/office/powerpoint/2012/main"/>
+      <p15:sldGuideLst xmlns:p15="http://schemas.microsoft.com/office/powerpoint/2012/main" xmlns=""/>
     </p:ext>
   </p:extLst>
 </p:sldLayout>
@@ -20777,10 +20787,10 @@
           <p:nvPr userDrawn="1"/>
         </p:nvPicPr>
         <p:blipFill>
-          <a:blip r:embed="rId2">
+          <a:blip r:embed="rId2" cstate="print">
             <a:extLst>
               <a:ext uri="{28A0092B-C50C-407E-A947-70E740481C1C}">
-                <a14:useLocalDpi xmlns:a14="http://schemas.microsoft.com/office/drawing/2010/main" val="0"/>
+                <a14:useLocalDpi xmlns:a14="http://schemas.microsoft.com/office/drawing/2010/main" xmlns="" val="0"/>
               </a:ext>
             </a:extLst>
           </a:blip>
@@ -21369,7 +21379,7 @@
     </p:spTree>
     <p:extLst>
       <p:ext uri="{BB962C8B-B14F-4D97-AF65-F5344CB8AC3E}">
-        <p14:creationId xmlns:p14="http://schemas.microsoft.com/office/powerpoint/2010/main" val="846023824"/>
+        <p14:creationId xmlns:p14="http://schemas.microsoft.com/office/powerpoint/2010/main" xmlns="" val="846023824"/>
       </p:ext>
     </p:extLst>
   </p:cSld>
@@ -21521,6 +21531,7 @@
           <a:p>
             <a:fld id="{F3CD8BB8-8F20-483E-B92F-CA662F8C7CAE}" type="datetime1">
               <a:rPr lang="de-DE" smtClean="0"/>
+              <a:pPr/>
               <a:t>20.12.2016</a:t>
             </a:fld>
             <a:endParaRPr lang="en-GB" dirty="0"/>
@@ -21567,6 +21578,7 @@
           <a:p>
             <a:fld id="{6C6AE60A-B69C-4790-82F7-3882EDF23186}" type="slidenum">
               <a:rPr lang="en-GB" smtClean="0"/>
+              <a:pPr/>
               <a:t>‹Nr.›</a:t>
             </a:fld>
             <a:endParaRPr lang="en-GB" dirty="0"/>
@@ -21610,7 +21622,7 @@
     </p:spTree>
     <p:extLst>
       <p:ext uri="{BB962C8B-B14F-4D97-AF65-F5344CB8AC3E}">
-        <p14:creationId xmlns:p14="http://schemas.microsoft.com/office/powerpoint/2010/main" val="706051647"/>
+        <p14:creationId xmlns:p14="http://schemas.microsoft.com/office/powerpoint/2010/main" xmlns="" val="706051647"/>
       </p:ext>
     </p:extLst>
   </p:cSld>
@@ -21931,6 +21943,7 @@
           <a:p>
             <a:fld id="{E1F03D06-5F80-4BA7-8E79-9C063EE14D90}" type="datetime1">
               <a:rPr lang="de-DE" smtClean="0"/>
+              <a:pPr/>
               <a:t>20.12.2016</a:t>
             </a:fld>
             <a:endParaRPr lang="en-GB" dirty="0"/>
@@ -21977,6 +21990,7 @@
           <a:p>
             <a:fld id="{6C6AE60A-B69C-4790-82F7-3882EDF23186}" type="slidenum">
               <a:rPr lang="en-GB" smtClean="0"/>
+              <a:pPr/>
               <a:t>‹Nr.›</a:t>
             </a:fld>
             <a:endParaRPr lang="en-GB" dirty="0"/>
@@ -22336,6 +22350,7 @@
           <a:p>
             <a:fld id="{4F662C60-1EC8-4AD2-884F-2B94FC715831}" type="datetime1">
               <a:rPr lang="de-DE" smtClean="0"/>
+              <a:pPr/>
               <a:t>20.12.2016</a:t>
             </a:fld>
             <a:endParaRPr lang="en-GB" dirty="0"/>
@@ -22382,6 +22397,7 @@
           <a:p>
             <a:fld id="{6C6AE60A-B69C-4790-82F7-3882EDF23186}" type="slidenum">
               <a:rPr lang="en-GB" smtClean="0"/>
+              <a:pPr/>
               <a:t>‹Nr.›</a:t>
             </a:fld>
             <a:endParaRPr lang="en-GB" dirty="0"/>
@@ -22425,7 +22441,7 @@
     </p:spTree>
     <p:extLst>
       <p:ext uri="{BB962C8B-B14F-4D97-AF65-F5344CB8AC3E}">
-        <p14:creationId xmlns:p14="http://schemas.microsoft.com/office/powerpoint/2010/main" val="1150281680"/>
+        <p14:creationId xmlns:p14="http://schemas.microsoft.com/office/powerpoint/2010/main" xmlns="" val="1150281680"/>
       </p:ext>
     </p:extLst>
   </p:cSld>
@@ -22472,6 +22488,7 @@
           <a:p>
             <a:fld id="{8E15B345-2CEA-40C3-9B28-DDB49AE5220F}" type="datetime1">
               <a:rPr lang="de-DE" smtClean="0"/>
+              <a:pPr/>
               <a:t>20.12.2016</a:t>
             </a:fld>
             <a:endParaRPr lang="en-GB" dirty="0"/>
@@ -22518,6 +22535,7 @@
           <a:p>
             <a:fld id="{6C6AE60A-B69C-4790-82F7-3882EDF23186}" type="slidenum">
               <a:rPr lang="en-GB" smtClean="0"/>
+              <a:pPr/>
               <a:t>‹Nr.›</a:t>
             </a:fld>
             <a:endParaRPr lang="en-GB" dirty="0"/>
@@ -22558,7 +22576,7 @@
     </p:spTree>
     <p:extLst>
       <p:ext uri="{BB962C8B-B14F-4D97-AF65-F5344CB8AC3E}">
-        <p14:creationId xmlns:p14="http://schemas.microsoft.com/office/powerpoint/2010/main" val="1954141648"/>
+        <p14:creationId xmlns:p14="http://schemas.microsoft.com/office/powerpoint/2010/main" xmlns="" val="1954141648"/>
       </p:ext>
     </p:extLst>
   </p:cSld>
@@ -22605,6 +22623,7 @@
           <a:p>
             <a:fld id="{06E514B1-1A14-44A2-9B5F-8D39402D6BDA}" type="datetime1">
               <a:rPr lang="de-DE" smtClean="0"/>
+              <a:pPr/>
               <a:t>20.12.2016</a:t>
             </a:fld>
             <a:endParaRPr lang="en-GB" dirty="0"/>
@@ -22651,6 +22670,7 @@
           <a:p>
             <a:fld id="{6C6AE60A-B69C-4790-82F7-3882EDF23186}" type="slidenum">
               <a:rPr lang="en-GB" smtClean="0"/>
+              <a:pPr/>
               <a:t>‹Nr.›</a:t>
             </a:fld>
             <a:endParaRPr lang="en-GB" dirty="0"/>
@@ -22693,7 +22713,7 @@
     </p:spTree>
     <p:extLst>
       <p:ext uri="{BB962C8B-B14F-4D97-AF65-F5344CB8AC3E}">
-        <p14:creationId xmlns:p14="http://schemas.microsoft.com/office/powerpoint/2010/main" val="532291461"/>
+        <p14:creationId xmlns:p14="http://schemas.microsoft.com/office/powerpoint/2010/main" xmlns="" val="532291461"/>
       </p:ext>
     </p:extLst>
   </p:cSld>
@@ -22786,6 +22806,7 @@
           <a:p>
             <a:fld id="{9DC88BB3-3168-4454-B2CD-178305139677}" type="datetime1">
               <a:rPr lang="de-DE" smtClean="0"/>
+              <a:pPr/>
               <a:t>20.12.2016</a:t>
             </a:fld>
             <a:endParaRPr lang="en-GB" dirty="0"/>
@@ -22832,6 +22853,7 @@
           <a:p>
             <a:fld id="{6C6AE60A-B69C-4790-82F7-3882EDF23186}" type="slidenum">
               <a:rPr lang="en-GB" smtClean="0"/>
+              <a:pPr/>
               <a:t>‹Nr.›</a:t>
             </a:fld>
             <a:endParaRPr lang="en-GB" dirty="0"/>
@@ -22847,10 +22869,10 @@
           <p:nvPr userDrawn="1"/>
         </p:nvPicPr>
         <p:blipFill>
-          <a:blip r:embed="rId2">
+          <a:blip r:embed="rId2" cstate="print">
             <a:extLst>
               <a:ext uri="{28A0092B-C50C-407E-A947-70E740481C1C}">
-                <a14:useLocalDpi xmlns:a14="http://schemas.microsoft.com/office/drawing/2010/main" val="0"/>
+                <a14:useLocalDpi xmlns:a14="http://schemas.microsoft.com/office/drawing/2010/main" xmlns="" val="0"/>
               </a:ext>
             </a:extLst>
           </a:blip>
@@ -22871,7 +22893,7 @@
     </p:spTree>
     <p:extLst>
       <p:ext uri="{BB962C8B-B14F-4D97-AF65-F5344CB8AC3E}">
-        <p14:creationId xmlns:p14="http://schemas.microsoft.com/office/powerpoint/2010/main" val="3075146628"/>
+        <p14:creationId xmlns:p14="http://schemas.microsoft.com/office/powerpoint/2010/main" xmlns="" val="3075146628"/>
       </p:ext>
     </p:extLst>
   </p:cSld>
@@ -23040,6 +23062,7 @@
           <a:p>
             <a:fld id="{39078018-4F33-4FF8-8C97-A16423EB6CF3}" type="datetime1">
               <a:rPr lang="de-DE" smtClean="0"/>
+              <a:pPr/>
               <a:t>20.12.2016</a:t>
             </a:fld>
             <a:endParaRPr lang="en-GB" dirty="0"/>
@@ -23063,6 +23086,7 @@
           <a:p>
             <a:fld id="{6C6AE60A-B69C-4790-82F7-3882EDF23186}" type="slidenum">
               <a:rPr lang="en-GB" smtClean="0"/>
+              <a:pPr/>
               <a:t>‹Nr.›</a:t>
             </a:fld>
             <a:endParaRPr lang="en-GB" dirty="0"/>
@@ -23163,7 +23187,7 @@
     </p:spTree>
     <p:extLst>
       <p:ext uri="{BB962C8B-B14F-4D97-AF65-F5344CB8AC3E}">
-        <p14:creationId xmlns:p14="http://schemas.microsoft.com/office/powerpoint/2010/main" val="3736090049"/>
+        <p14:creationId xmlns:p14="http://schemas.microsoft.com/office/powerpoint/2010/main" xmlns="" val="3736090049"/>
       </p:ext>
     </p:extLst>
   </p:cSld>
@@ -23378,6 +23402,7 @@
           <a:p>
             <a:fld id="{B18D5063-055A-4AA4-8062-51E6C9D6E1D3}" type="datetime1">
               <a:rPr lang="de-DE" smtClean="0"/>
+              <a:pPr/>
               <a:t>20.12.2016</a:t>
             </a:fld>
             <a:endParaRPr lang="en-GB" dirty="0"/>
@@ -23424,6 +23449,7 @@
           <a:p>
             <a:fld id="{6C6AE60A-B69C-4790-82F7-3882EDF23186}" type="slidenum">
               <a:rPr lang="en-GB" smtClean="0"/>
+              <a:pPr/>
               <a:t>‹Nr.›</a:t>
             </a:fld>
             <a:endParaRPr lang="en-GB" dirty="0"/>
@@ -23466,7 +23492,7 @@
     </p:spTree>
     <p:extLst>
       <p:ext uri="{BB962C8B-B14F-4D97-AF65-F5344CB8AC3E}">
-        <p14:creationId xmlns:p14="http://schemas.microsoft.com/office/powerpoint/2010/main" val="3296178265"/>
+        <p14:creationId xmlns:p14="http://schemas.microsoft.com/office/powerpoint/2010/main" xmlns="" val="3296178265"/>
       </p:ext>
     </p:extLst>
   </p:cSld>
@@ -23677,6 +23703,7 @@
           <a:p>
             <a:fld id="{3ECEE4D0-BE34-4AA8-AD5A-B6EEFADDFEE5}" type="datetime1">
               <a:rPr lang="de-DE" smtClean="0"/>
+              <a:pPr/>
               <a:t>20.12.2016</a:t>
             </a:fld>
             <a:endParaRPr lang="en-GB" dirty="0"/>
@@ -23723,6 +23750,7 @@
           <a:p>
             <a:fld id="{6C6AE60A-B69C-4790-82F7-3882EDF23186}" type="slidenum">
               <a:rPr lang="en-GB" smtClean="0"/>
+              <a:pPr/>
               <a:t>‹Nr.›</a:t>
             </a:fld>
             <a:endParaRPr lang="en-GB" dirty="0"/>
@@ -23765,7 +23793,7 @@
     </p:spTree>
     <p:extLst>
       <p:ext uri="{BB962C8B-B14F-4D97-AF65-F5344CB8AC3E}">
-        <p14:creationId xmlns:p14="http://schemas.microsoft.com/office/powerpoint/2010/main" val="4214668999"/>
+        <p14:creationId xmlns:p14="http://schemas.microsoft.com/office/powerpoint/2010/main" xmlns="" val="4214668999"/>
       </p:ext>
     </p:extLst>
   </p:cSld>
@@ -23777,7 +23805,7 @@
   </p:transition>
   <p:extLst mod="1">
     <p:ext uri="{DCECCB84-F9BA-43D5-87BE-67443E8EF086}">
-      <p15:sldGuideLst xmlns:p15="http://schemas.microsoft.com/office/powerpoint/2012/main"/>
+      <p15:sldGuideLst xmlns:p15="http://schemas.microsoft.com/office/powerpoint/2012/main" xmlns=""/>
     </p:ext>
   </p:extLst>
 </p:sldLayout>
@@ -24205,10 +24233,10 @@
           <p:nvPr userDrawn="1"/>
         </p:nvPicPr>
         <p:blipFill>
-          <a:blip r:embed="rId2">
+          <a:blip r:embed="rId2" cstate="print">
             <a:extLst>
               <a:ext uri="{28A0092B-C50C-407E-A947-70E740481C1C}">
-                <a14:useLocalDpi xmlns:a14="http://schemas.microsoft.com/office/drawing/2010/main" val="0"/>
+                <a14:useLocalDpi xmlns:a14="http://schemas.microsoft.com/office/drawing/2010/main" xmlns="" val="0"/>
               </a:ext>
             </a:extLst>
           </a:blip>
@@ -24797,7 +24825,7 @@
     </p:spTree>
     <p:extLst>
       <p:ext uri="{BB962C8B-B14F-4D97-AF65-F5344CB8AC3E}">
-        <p14:creationId xmlns:p14="http://schemas.microsoft.com/office/powerpoint/2010/main" val="2244925429"/>
+        <p14:creationId xmlns:p14="http://schemas.microsoft.com/office/powerpoint/2010/main" xmlns="" val="2244925429"/>
       </p:ext>
     </p:extLst>
   </p:cSld>
@@ -24949,6 +24977,7 @@
           <a:p>
             <a:fld id="{8C522B8D-759C-4E30-99D7-05DF10E525C8}" type="datetime1">
               <a:rPr lang="de-DE" smtClean="0"/>
+              <a:pPr/>
               <a:t>20.12.2016</a:t>
             </a:fld>
             <a:endParaRPr lang="en-GB" dirty="0"/>
@@ -24995,6 +25024,7 @@
           <a:p>
             <a:fld id="{6C6AE60A-B69C-4790-82F7-3882EDF23186}" type="slidenum">
               <a:rPr lang="en-GB" smtClean="0"/>
+              <a:pPr/>
               <a:t>‹Nr.›</a:t>
             </a:fld>
             <a:endParaRPr lang="en-GB" dirty="0"/>
@@ -25038,7 +25068,7 @@
     </p:spTree>
     <p:extLst>
       <p:ext uri="{BB962C8B-B14F-4D97-AF65-F5344CB8AC3E}">
-        <p14:creationId xmlns:p14="http://schemas.microsoft.com/office/powerpoint/2010/main" val="2354806819"/>
+        <p14:creationId xmlns:p14="http://schemas.microsoft.com/office/powerpoint/2010/main" xmlns="" val="2354806819"/>
       </p:ext>
     </p:extLst>
   </p:cSld>
@@ -25359,6 +25389,7 @@
           <a:p>
             <a:fld id="{1C453990-A410-4C95-9E13-9AD8EC7FB41B}" type="datetime1">
               <a:rPr lang="de-DE" smtClean="0"/>
+              <a:pPr/>
               <a:t>20.12.2016</a:t>
             </a:fld>
             <a:endParaRPr lang="en-GB" dirty="0"/>
@@ -25405,6 +25436,7 @@
           <a:p>
             <a:fld id="{6C6AE60A-B69C-4790-82F7-3882EDF23186}" type="slidenum">
               <a:rPr lang="en-GB" smtClean="0"/>
+              <a:pPr/>
               <a:t>‹Nr.›</a:t>
             </a:fld>
             <a:endParaRPr lang="en-GB" dirty="0"/>
@@ -25448,7 +25480,7 @@
     </p:spTree>
     <p:extLst>
       <p:ext uri="{BB962C8B-B14F-4D97-AF65-F5344CB8AC3E}">
-        <p14:creationId xmlns:p14="http://schemas.microsoft.com/office/powerpoint/2010/main" val="652210638"/>
+        <p14:creationId xmlns:p14="http://schemas.microsoft.com/office/powerpoint/2010/main" xmlns="" val="652210638"/>
       </p:ext>
     </p:extLst>
   </p:cSld>
@@ -25495,6 +25527,7 @@
           <a:p>
             <a:fld id="{B321A0F0-1066-4767-B3C9-12B56B4A6C96}" type="datetime1">
               <a:rPr lang="de-DE" smtClean="0"/>
+              <a:pPr/>
               <a:t>20.12.2016</a:t>
             </a:fld>
             <a:endParaRPr lang="en-GB" dirty="0"/>
@@ -25541,6 +25574,7 @@
           <a:p>
             <a:fld id="{6C6AE60A-B69C-4790-82F7-3882EDF23186}" type="slidenum">
               <a:rPr lang="en-GB" smtClean="0"/>
+              <a:pPr/>
               <a:t>‹Nr.›</a:t>
             </a:fld>
             <a:endParaRPr lang="en-GB" dirty="0"/>
@@ -25623,6 +25657,7 @@
           <a:p>
             <a:fld id="{33759130-499D-4C3F-85BC-7A837A566CBC}" type="datetime1">
               <a:rPr lang="de-DE" smtClean="0"/>
+              <a:pPr/>
               <a:t>20.12.2016</a:t>
             </a:fld>
             <a:endParaRPr lang="en-GB" dirty="0"/>
@@ -25669,6 +25704,7 @@
           <a:p>
             <a:fld id="{6C6AE60A-B69C-4790-82F7-3882EDF23186}" type="slidenum">
               <a:rPr lang="en-GB" smtClean="0"/>
+              <a:pPr/>
               <a:t>‹Nr.›</a:t>
             </a:fld>
             <a:endParaRPr lang="en-GB" dirty="0"/>
@@ -25709,7 +25745,7 @@
     </p:spTree>
     <p:extLst>
       <p:ext uri="{BB962C8B-B14F-4D97-AF65-F5344CB8AC3E}">
-        <p14:creationId xmlns:p14="http://schemas.microsoft.com/office/powerpoint/2010/main" val="4213001361"/>
+        <p14:creationId xmlns:p14="http://schemas.microsoft.com/office/powerpoint/2010/main" xmlns="" val="4213001361"/>
       </p:ext>
     </p:extLst>
   </p:cSld>
@@ -25756,6 +25792,7 @@
           <a:p>
             <a:fld id="{3A30ECF6-9582-4D32-8034-3FCE788992F2}" type="datetime1">
               <a:rPr lang="de-DE" smtClean="0"/>
+              <a:pPr/>
               <a:t>20.12.2016</a:t>
             </a:fld>
             <a:endParaRPr lang="en-GB" dirty="0"/>
@@ -25802,6 +25839,7 @@
           <a:p>
             <a:fld id="{6C6AE60A-B69C-4790-82F7-3882EDF23186}" type="slidenum">
               <a:rPr lang="en-GB" smtClean="0"/>
+              <a:pPr/>
               <a:t>‹Nr.›</a:t>
             </a:fld>
             <a:endParaRPr lang="en-GB" dirty="0"/>
@@ -25844,7 +25882,7 @@
     </p:spTree>
     <p:extLst>
       <p:ext uri="{BB962C8B-B14F-4D97-AF65-F5344CB8AC3E}">
-        <p14:creationId xmlns:p14="http://schemas.microsoft.com/office/powerpoint/2010/main" val="3587475383"/>
+        <p14:creationId xmlns:p14="http://schemas.microsoft.com/office/powerpoint/2010/main" xmlns="" val="3587475383"/>
       </p:ext>
     </p:extLst>
   </p:cSld>
@@ -25937,6 +25975,7 @@
           <a:p>
             <a:fld id="{24DA22FE-1C49-4EE6-8F9A-5CA0699389EB}" type="datetime1">
               <a:rPr lang="de-DE" smtClean="0"/>
+              <a:pPr/>
               <a:t>20.12.2016</a:t>
             </a:fld>
             <a:endParaRPr lang="en-GB" dirty="0"/>
@@ -25983,6 +26022,7 @@
           <a:p>
             <a:fld id="{6C6AE60A-B69C-4790-82F7-3882EDF23186}" type="slidenum">
               <a:rPr lang="en-GB" smtClean="0"/>
+              <a:pPr/>
               <a:t>‹Nr.›</a:t>
             </a:fld>
             <a:endParaRPr lang="en-GB" dirty="0"/>
@@ -25998,10 +26038,10 @@
           <p:nvPr userDrawn="1"/>
         </p:nvPicPr>
         <p:blipFill>
-          <a:blip r:embed="rId2">
+          <a:blip r:embed="rId2" cstate="print">
             <a:extLst>
               <a:ext uri="{28A0092B-C50C-407E-A947-70E740481C1C}">
-                <a14:useLocalDpi xmlns:a14="http://schemas.microsoft.com/office/drawing/2010/main" val="0"/>
+                <a14:useLocalDpi xmlns:a14="http://schemas.microsoft.com/office/drawing/2010/main" xmlns="" val="0"/>
               </a:ext>
             </a:extLst>
           </a:blip>
@@ -26022,7 +26062,7 @@
     </p:spTree>
     <p:extLst>
       <p:ext uri="{BB962C8B-B14F-4D97-AF65-F5344CB8AC3E}">
-        <p14:creationId xmlns:p14="http://schemas.microsoft.com/office/powerpoint/2010/main" val="2430002785"/>
+        <p14:creationId xmlns:p14="http://schemas.microsoft.com/office/powerpoint/2010/main" xmlns="" val="2430002785"/>
       </p:ext>
     </p:extLst>
   </p:cSld>
@@ -26191,6 +26231,7 @@
           <a:p>
             <a:fld id="{3E26D574-CD47-4554-AE76-4725C2052FB0}" type="datetime1">
               <a:rPr lang="de-DE" smtClean="0"/>
+              <a:pPr/>
               <a:t>20.12.2016</a:t>
             </a:fld>
             <a:endParaRPr lang="en-GB" dirty="0"/>
@@ -26214,6 +26255,7 @@
           <a:p>
             <a:fld id="{6C6AE60A-B69C-4790-82F7-3882EDF23186}" type="slidenum">
               <a:rPr lang="en-GB" smtClean="0"/>
+              <a:pPr/>
               <a:t>‹Nr.›</a:t>
             </a:fld>
             <a:endParaRPr lang="en-GB" dirty="0"/>
@@ -26314,7 +26356,7 @@
     </p:spTree>
     <p:extLst>
       <p:ext uri="{BB962C8B-B14F-4D97-AF65-F5344CB8AC3E}">
-        <p14:creationId xmlns:p14="http://schemas.microsoft.com/office/powerpoint/2010/main" val="2142983617"/>
+        <p14:creationId xmlns:p14="http://schemas.microsoft.com/office/powerpoint/2010/main" xmlns="" val="2142983617"/>
       </p:ext>
     </p:extLst>
   </p:cSld>
@@ -26529,6 +26571,7 @@
           <a:p>
             <a:fld id="{C78D8B24-DDD6-4914-88BE-95B3E8083C3D}" type="datetime1">
               <a:rPr lang="de-DE" smtClean="0"/>
+              <a:pPr/>
               <a:t>20.12.2016</a:t>
             </a:fld>
             <a:endParaRPr lang="en-GB" dirty="0"/>
@@ -26575,6 +26618,7 @@
           <a:p>
             <a:fld id="{6C6AE60A-B69C-4790-82F7-3882EDF23186}" type="slidenum">
               <a:rPr lang="en-GB" smtClean="0"/>
+              <a:pPr/>
               <a:t>‹Nr.›</a:t>
             </a:fld>
             <a:endParaRPr lang="en-GB" dirty="0"/>
@@ -26617,7 +26661,7 @@
     </p:spTree>
     <p:extLst>
       <p:ext uri="{BB962C8B-B14F-4D97-AF65-F5344CB8AC3E}">
-        <p14:creationId xmlns:p14="http://schemas.microsoft.com/office/powerpoint/2010/main" val="2491589136"/>
+        <p14:creationId xmlns:p14="http://schemas.microsoft.com/office/powerpoint/2010/main" xmlns="" val="2491589136"/>
       </p:ext>
     </p:extLst>
   </p:cSld>
@@ -26828,6 +26872,7 @@
           <a:p>
             <a:fld id="{98D997FD-4E63-4E37-AB1D-89FA26A6CCAB}" type="datetime1">
               <a:rPr lang="de-DE" smtClean="0"/>
+              <a:pPr/>
               <a:t>20.12.2016</a:t>
             </a:fld>
             <a:endParaRPr lang="en-GB" dirty="0"/>
@@ -26874,6 +26919,7 @@
           <a:p>
             <a:fld id="{6C6AE60A-B69C-4790-82F7-3882EDF23186}" type="slidenum">
               <a:rPr lang="en-GB" smtClean="0"/>
+              <a:pPr/>
               <a:t>‹Nr.›</a:t>
             </a:fld>
             <a:endParaRPr lang="en-GB" dirty="0"/>
@@ -26916,7 +26962,7 @@
     </p:spTree>
     <p:extLst>
       <p:ext uri="{BB962C8B-B14F-4D97-AF65-F5344CB8AC3E}">
-        <p14:creationId xmlns:p14="http://schemas.microsoft.com/office/powerpoint/2010/main" val="3680605271"/>
+        <p14:creationId xmlns:p14="http://schemas.microsoft.com/office/powerpoint/2010/main" xmlns="" val="3680605271"/>
       </p:ext>
     </p:extLst>
   </p:cSld>
@@ -26928,7 +26974,7 @@
   </p:transition>
   <p:extLst mod="1">
     <p:ext uri="{DCECCB84-F9BA-43D5-87BE-67443E8EF086}">
-      <p15:sldGuideLst xmlns:p15="http://schemas.microsoft.com/office/powerpoint/2012/main"/>
+      <p15:sldGuideLst xmlns:p15="http://schemas.microsoft.com/office/powerpoint/2012/main" xmlns=""/>
     </p:ext>
   </p:extLst>
 </p:sldLayout>
@@ -27356,10 +27402,10 @@
           <p:nvPr userDrawn="1"/>
         </p:nvPicPr>
         <p:blipFill>
-          <a:blip r:embed="rId2">
+          <a:blip r:embed="rId2" cstate="print">
             <a:extLst>
               <a:ext uri="{28A0092B-C50C-407E-A947-70E740481C1C}">
-                <a14:useLocalDpi xmlns:a14="http://schemas.microsoft.com/office/drawing/2010/main" val="0"/>
+                <a14:useLocalDpi xmlns:a14="http://schemas.microsoft.com/office/drawing/2010/main" xmlns="" val="0"/>
               </a:ext>
             </a:extLst>
           </a:blip>
@@ -27948,7 +27994,7 @@
     </p:spTree>
     <p:extLst>
       <p:ext uri="{BB962C8B-B14F-4D97-AF65-F5344CB8AC3E}">
-        <p14:creationId xmlns:p14="http://schemas.microsoft.com/office/powerpoint/2010/main" val="3207918196"/>
+        <p14:creationId xmlns:p14="http://schemas.microsoft.com/office/powerpoint/2010/main" xmlns="" val="3207918196"/>
       </p:ext>
     </p:extLst>
   </p:cSld>
@@ -28100,6 +28146,7 @@
           <a:p>
             <a:fld id="{571C7401-B0FB-418E-8711-7232D811ED8A}" type="datetime1">
               <a:rPr lang="de-DE" smtClean="0"/>
+              <a:pPr/>
               <a:t>20.12.2016</a:t>
             </a:fld>
             <a:endParaRPr lang="en-GB" dirty="0"/>
@@ -28146,6 +28193,7 @@
           <a:p>
             <a:fld id="{6C6AE60A-B69C-4790-82F7-3882EDF23186}" type="slidenum">
               <a:rPr lang="en-GB" smtClean="0"/>
+              <a:pPr/>
               <a:t>‹Nr.›</a:t>
             </a:fld>
             <a:endParaRPr lang="en-GB" dirty="0"/>
@@ -28189,7 +28237,7 @@
     </p:spTree>
     <p:extLst>
       <p:ext uri="{BB962C8B-B14F-4D97-AF65-F5344CB8AC3E}">
-        <p14:creationId xmlns:p14="http://schemas.microsoft.com/office/powerpoint/2010/main" val="1029380379"/>
+        <p14:creationId xmlns:p14="http://schemas.microsoft.com/office/powerpoint/2010/main" xmlns="" val="1029380379"/>
       </p:ext>
     </p:extLst>
   </p:cSld>
@@ -28510,6 +28558,7 @@
           <a:p>
             <a:fld id="{7FFFD11E-BD4C-4D81-9B56-EA0A294E5042}" type="datetime1">
               <a:rPr lang="de-DE" smtClean="0"/>
+              <a:pPr/>
               <a:t>20.12.2016</a:t>
             </a:fld>
             <a:endParaRPr lang="en-GB" dirty="0"/>
@@ -28556,6 +28605,7 @@
           <a:p>
             <a:fld id="{6C6AE60A-B69C-4790-82F7-3882EDF23186}" type="slidenum">
               <a:rPr lang="en-GB" smtClean="0"/>
+              <a:pPr/>
               <a:t>‹Nr.›</a:t>
             </a:fld>
             <a:endParaRPr lang="en-GB" dirty="0"/>
@@ -28599,7 +28649,7 @@
     </p:spTree>
     <p:extLst>
       <p:ext uri="{BB962C8B-B14F-4D97-AF65-F5344CB8AC3E}">
-        <p14:creationId xmlns:p14="http://schemas.microsoft.com/office/powerpoint/2010/main" val="4057446467"/>
+        <p14:creationId xmlns:p14="http://schemas.microsoft.com/office/powerpoint/2010/main" xmlns="" val="4057446467"/>
       </p:ext>
     </p:extLst>
   </p:cSld>
@@ -28646,6 +28696,7 @@
           <a:p>
             <a:fld id="{84C29021-96D6-477D-8FF5-9DF846343097}" type="datetime1">
               <a:rPr lang="de-DE" smtClean="0"/>
+              <a:pPr/>
               <a:t>20.12.2016</a:t>
             </a:fld>
             <a:endParaRPr lang="en-GB" dirty="0"/>
@@ -28692,6 +28743,7 @@
           <a:p>
             <a:fld id="{6C6AE60A-B69C-4790-82F7-3882EDF23186}" type="slidenum">
               <a:rPr lang="en-GB" smtClean="0"/>
+              <a:pPr/>
               <a:t>‹Nr.›</a:t>
             </a:fld>
             <a:endParaRPr lang="en-GB" dirty="0"/>
@@ -28732,7 +28784,7 @@
     </p:spTree>
     <p:extLst>
       <p:ext uri="{BB962C8B-B14F-4D97-AF65-F5344CB8AC3E}">
-        <p14:creationId xmlns:p14="http://schemas.microsoft.com/office/powerpoint/2010/main" val="144268069"/>
+        <p14:creationId xmlns:p14="http://schemas.microsoft.com/office/powerpoint/2010/main" xmlns="" val="144268069"/>
       </p:ext>
     </p:extLst>
   </p:cSld>
@@ -28779,6 +28831,7 @@
           <a:p>
             <a:fld id="{D1915F97-ADBA-4F67-9C53-3118DEF6A056}" type="datetime1">
               <a:rPr lang="de-DE" smtClean="0"/>
+              <a:pPr/>
               <a:t>20.12.2016</a:t>
             </a:fld>
             <a:endParaRPr lang="en-GB" dirty="0"/>
@@ -28825,6 +28878,7 @@
           <a:p>
             <a:fld id="{6C6AE60A-B69C-4790-82F7-3882EDF23186}" type="slidenum">
               <a:rPr lang="en-GB" smtClean="0"/>
+              <a:pPr/>
               <a:t>‹Nr.›</a:t>
             </a:fld>
             <a:endParaRPr lang="en-GB" dirty="0"/>
@@ -28867,7 +28921,7 @@
     </p:spTree>
     <p:extLst>
       <p:ext uri="{BB962C8B-B14F-4D97-AF65-F5344CB8AC3E}">
-        <p14:creationId xmlns:p14="http://schemas.microsoft.com/office/powerpoint/2010/main" val="1353896245"/>
+        <p14:creationId xmlns:p14="http://schemas.microsoft.com/office/powerpoint/2010/main" xmlns="" val="1353896245"/>
       </p:ext>
     </p:extLst>
   </p:cSld>
@@ -28914,6 +28968,7 @@
           <a:p>
             <a:fld id="{D243DA8D-EBDF-4699-B479-78B49AD3B57D}" type="datetime1">
               <a:rPr lang="de-DE" smtClean="0"/>
+              <a:pPr/>
               <a:t>20.12.2016</a:t>
             </a:fld>
             <a:endParaRPr lang="en-GB" dirty="0"/>
@@ -28960,6 +29015,7 @@
           <a:p>
             <a:fld id="{6C6AE60A-B69C-4790-82F7-3882EDF23186}" type="slidenum">
               <a:rPr lang="en-GB" smtClean="0"/>
+              <a:pPr/>
               <a:t>‹Nr.›</a:t>
             </a:fld>
             <a:endParaRPr lang="en-GB" dirty="0"/>
@@ -29002,7 +29058,7 @@
     </p:spTree>
     <p:extLst>
       <p:ext uri="{BB962C8B-B14F-4D97-AF65-F5344CB8AC3E}">
-        <p14:creationId xmlns:p14="http://schemas.microsoft.com/office/powerpoint/2010/main" val="972545763"/>
+        <p14:creationId xmlns:p14="http://schemas.microsoft.com/office/powerpoint/2010/main" xmlns="" val="972545763"/>
       </p:ext>
     </p:extLst>
   </p:cSld>
@@ -29095,6 +29151,7 @@
           <a:p>
             <a:fld id="{5A3CB3BD-201D-4EFC-A2AA-4EB62F81C167}" type="datetime1">
               <a:rPr lang="de-DE" smtClean="0"/>
+              <a:pPr/>
               <a:t>20.12.2016</a:t>
             </a:fld>
             <a:endParaRPr lang="en-GB" dirty="0"/>
@@ -29141,6 +29198,7 @@
           <a:p>
             <a:fld id="{6C6AE60A-B69C-4790-82F7-3882EDF23186}" type="slidenum">
               <a:rPr lang="en-GB" smtClean="0"/>
+              <a:pPr/>
               <a:t>‹Nr.›</a:t>
             </a:fld>
             <a:endParaRPr lang="en-GB" dirty="0"/>
@@ -29156,10 +29214,10 @@
           <p:nvPr userDrawn="1"/>
         </p:nvPicPr>
         <p:blipFill>
-          <a:blip r:embed="rId2">
+          <a:blip r:embed="rId2" cstate="print">
             <a:extLst>
               <a:ext uri="{28A0092B-C50C-407E-A947-70E740481C1C}">
-                <a14:useLocalDpi xmlns:a14="http://schemas.microsoft.com/office/drawing/2010/main" val="0"/>
+                <a14:useLocalDpi xmlns:a14="http://schemas.microsoft.com/office/drawing/2010/main" xmlns="" val="0"/>
               </a:ext>
             </a:extLst>
           </a:blip>
@@ -29180,7 +29238,7 @@
     </p:spTree>
     <p:extLst>
       <p:ext uri="{BB962C8B-B14F-4D97-AF65-F5344CB8AC3E}">
-        <p14:creationId xmlns:p14="http://schemas.microsoft.com/office/powerpoint/2010/main" val="3258727132"/>
+        <p14:creationId xmlns:p14="http://schemas.microsoft.com/office/powerpoint/2010/main" xmlns="" val="3258727132"/>
       </p:ext>
     </p:extLst>
   </p:cSld>
@@ -29273,6 +29331,7 @@
           <a:p>
             <a:fld id="{2E66D250-B8A7-41B8-AA47-F3AC65F9D389}" type="datetime1">
               <a:rPr lang="de-DE" smtClean="0"/>
+              <a:pPr/>
               <a:t>20.12.2016</a:t>
             </a:fld>
             <a:endParaRPr lang="en-GB" dirty="0"/>
@@ -29319,6 +29378,7 @@
           <a:p>
             <a:fld id="{6C6AE60A-B69C-4790-82F7-3882EDF23186}" type="slidenum">
               <a:rPr lang="en-GB" smtClean="0"/>
+              <a:pPr/>
               <a:t>‹Nr.›</a:t>
             </a:fld>
             <a:endParaRPr lang="en-GB" dirty="0"/>
@@ -29334,10 +29394,10 @@
           <p:nvPr userDrawn="1"/>
         </p:nvPicPr>
         <p:blipFill>
-          <a:blip r:embed="rId2">
+          <a:blip r:embed="rId2" cstate="print">
             <a:extLst>
               <a:ext uri="{28A0092B-C50C-407E-A947-70E740481C1C}">
-                <a14:useLocalDpi xmlns:a14="http://schemas.microsoft.com/office/drawing/2010/main" val="0"/>
+                <a14:useLocalDpi xmlns:a14="http://schemas.microsoft.com/office/drawing/2010/main" xmlns="" val="0"/>
               </a:ext>
             </a:extLst>
           </a:blip>
@@ -29358,7 +29418,7 @@
     </p:spTree>
     <p:extLst>
       <p:ext uri="{BB962C8B-B14F-4D97-AF65-F5344CB8AC3E}">
-        <p14:creationId xmlns:p14="http://schemas.microsoft.com/office/powerpoint/2010/main" val="1506385941"/>
+        <p14:creationId xmlns:p14="http://schemas.microsoft.com/office/powerpoint/2010/main" xmlns="" val="1506385941"/>
       </p:ext>
     </p:extLst>
   </p:cSld>
@@ -30111,6 +30171,7 @@
           <a:p>
             <a:fld id="{34DDB7B4-6C7B-4E61-A7D7-D08F20AFAC6B}" type="datetime1">
               <a:rPr lang="de-DE" smtClean="0"/>
+              <a:pPr/>
               <a:t>20.12.2016</a:t>
             </a:fld>
             <a:endParaRPr lang="en-GB" dirty="0"/>
@@ -30457,10 +30518,10 @@
           <p:nvPr/>
         </p:nvPicPr>
         <p:blipFill>
-          <a:blip r:embed="rId11">
+          <a:blip r:embed="rId11" cstate="print">
             <a:extLst>
               <a:ext uri="{28A0092B-C50C-407E-A947-70E740481C1C}">
-                <a14:useLocalDpi xmlns:a14="http://schemas.microsoft.com/office/drawing/2010/main" val="0"/>
+                <a14:useLocalDpi xmlns:a14="http://schemas.microsoft.com/office/drawing/2010/main" xmlns="" val="0"/>
               </a:ext>
             </a:extLst>
           </a:blip>
@@ -30781,7 +30842,7 @@
   </p:txStyles>
   <p:extLst mod="1">
     <p:ext uri="{27BBF7A9-308A-43DC-89C8-2F10F3537804}">
-      <p15:sldGuideLst xmlns:p15="http://schemas.microsoft.com/office/powerpoint/2012/main">
+      <p15:sldGuideLst xmlns:p15="http://schemas.microsoft.com/office/powerpoint/2012/main" xmlns="">
         <p15:guide id="1" pos="92" userDrawn="1">
           <p15:clr>
             <a:srgbClr val="F26B43"/>
@@ -31583,6 +31644,7 @@
           <a:p>
             <a:fld id="{AA6896B9-9C05-4B8A-A70F-BB2C8F547C6B}" type="datetime1">
               <a:rPr lang="de-DE" smtClean="0"/>
+              <a:pPr/>
               <a:t>20.12.2016</a:t>
             </a:fld>
             <a:endParaRPr lang="en-GB" dirty="0"/>
@@ -31920,6 +31982,10 @@
               <a:rPr lang="en-GB" sz="800" b="1" dirty="0"/>
               <a:t>Placeholder for organisational unit name / logo</a:t>
             </a:r>
+            <a:r>
+              <a:rPr lang="en-GB" sz="800" baseline="0" dirty="0"/>
+              <a:t/>
+            </a:r>
             <a:br>
               <a:rPr lang="en-GB" sz="800" baseline="0" dirty="0"/>
             </a:br>
@@ -31939,10 +32005,10 @@
           <p:nvPr/>
         </p:nvPicPr>
         <p:blipFill>
-          <a:blip r:embed="rId11">
+          <a:blip r:embed="rId11" cstate="print">
             <a:extLst>
               <a:ext uri="{28A0092B-C50C-407E-A947-70E740481C1C}">
-                <a14:useLocalDpi xmlns:a14="http://schemas.microsoft.com/office/drawing/2010/main" val="0"/>
+                <a14:useLocalDpi xmlns:a14="http://schemas.microsoft.com/office/drawing/2010/main" xmlns="" val="0"/>
               </a:ext>
             </a:extLst>
           </a:blip>
@@ -31963,7 +32029,7 @@
     </p:spTree>
     <p:extLst>
       <p:ext uri="{BB962C8B-B14F-4D97-AF65-F5344CB8AC3E}">
-        <p14:creationId xmlns:p14="http://schemas.microsoft.com/office/powerpoint/2010/main" val="4049504385"/>
+        <p14:creationId xmlns:p14="http://schemas.microsoft.com/office/powerpoint/2010/main" xmlns="" val="4049504385"/>
       </p:ext>
     </p:extLst>
   </p:cSld>
@@ -32268,7 +32334,7 @@
   </p:txStyles>
   <p:extLst mod="1">
     <p:ext uri="{27BBF7A9-308A-43DC-89C8-2F10F3537804}">
-      <p15:sldGuideLst xmlns:p15="http://schemas.microsoft.com/office/powerpoint/2012/main">
+      <p15:sldGuideLst xmlns:p15="http://schemas.microsoft.com/office/powerpoint/2012/main" xmlns="">
         <p15:guide id="1" pos="92" userDrawn="1">
           <p15:clr>
             <a:srgbClr val="F26B43"/>
@@ -33070,6 +33136,7 @@
           <a:p>
             <a:fld id="{7F567909-8DCC-4CCA-B78C-013A1AD3AB2E}" type="datetime1">
               <a:rPr lang="de-DE" smtClean="0"/>
+              <a:pPr/>
               <a:t>20.12.2016</a:t>
             </a:fld>
             <a:endParaRPr lang="en-GB" dirty="0"/>
@@ -33407,6 +33474,10 @@
               <a:rPr lang="en-GB" sz="800" b="1" dirty="0"/>
               <a:t>Placeholder for organisational unit name / logo</a:t>
             </a:r>
+            <a:r>
+              <a:rPr lang="en-GB" sz="800" baseline="0" dirty="0"/>
+              <a:t/>
+            </a:r>
             <a:br>
               <a:rPr lang="en-GB" sz="800" baseline="0" dirty="0"/>
             </a:br>
@@ -33426,10 +33497,10 @@
           <p:nvPr/>
         </p:nvPicPr>
         <p:blipFill>
-          <a:blip r:embed="rId11">
+          <a:blip r:embed="rId11" cstate="print">
             <a:extLst>
               <a:ext uri="{28A0092B-C50C-407E-A947-70E740481C1C}">
-                <a14:useLocalDpi xmlns:a14="http://schemas.microsoft.com/office/drawing/2010/main" val="0"/>
+                <a14:useLocalDpi xmlns:a14="http://schemas.microsoft.com/office/drawing/2010/main" xmlns="" val="0"/>
               </a:ext>
             </a:extLst>
           </a:blip>
@@ -33450,7 +33521,7 @@
     </p:spTree>
     <p:extLst>
       <p:ext uri="{BB962C8B-B14F-4D97-AF65-F5344CB8AC3E}">
-        <p14:creationId xmlns:p14="http://schemas.microsoft.com/office/powerpoint/2010/main" val="4276528870"/>
+        <p14:creationId xmlns:p14="http://schemas.microsoft.com/office/powerpoint/2010/main" xmlns="" val="4276528870"/>
       </p:ext>
     </p:extLst>
   </p:cSld>
@@ -33755,7 +33826,7 @@
   </p:txStyles>
   <p:extLst mod="1">
     <p:ext uri="{27BBF7A9-308A-43DC-89C8-2F10F3537804}">
-      <p15:sldGuideLst xmlns:p15="http://schemas.microsoft.com/office/powerpoint/2012/main">
+      <p15:sldGuideLst xmlns:p15="http://schemas.microsoft.com/office/powerpoint/2012/main" xmlns="">
         <p15:guide id="1" pos="92" userDrawn="1">
           <p15:clr>
             <a:srgbClr val="F26B43"/>
@@ -34557,6 +34628,7 @@
           <a:p>
             <a:fld id="{692FDF58-B8FA-4E5B-97E2-312A648F94A4}" type="datetime1">
               <a:rPr lang="de-DE" smtClean="0"/>
+              <a:pPr/>
               <a:t>20.12.2016</a:t>
             </a:fld>
             <a:endParaRPr lang="en-GB" dirty="0"/>
@@ -34894,6 +34966,10 @@
               <a:rPr lang="en-GB" sz="800" b="1" dirty="0"/>
               <a:t>Placeholder for organisational unit name / logo</a:t>
             </a:r>
+            <a:r>
+              <a:rPr lang="en-GB" sz="800" baseline="0" dirty="0"/>
+              <a:t/>
+            </a:r>
             <a:br>
               <a:rPr lang="en-GB" sz="800" baseline="0" dirty="0"/>
             </a:br>
@@ -34913,10 +34989,10 @@
           <p:nvPr/>
         </p:nvPicPr>
         <p:blipFill>
-          <a:blip r:embed="rId11">
+          <a:blip r:embed="rId11" cstate="print">
             <a:extLst>
               <a:ext uri="{28A0092B-C50C-407E-A947-70E740481C1C}">
-                <a14:useLocalDpi xmlns:a14="http://schemas.microsoft.com/office/drawing/2010/main" val="0"/>
+                <a14:useLocalDpi xmlns:a14="http://schemas.microsoft.com/office/drawing/2010/main" xmlns="" val="0"/>
               </a:ext>
             </a:extLst>
           </a:blip>
@@ -34937,7 +35013,7 @@
     </p:spTree>
     <p:extLst>
       <p:ext uri="{BB962C8B-B14F-4D97-AF65-F5344CB8AC3E}">
-        <p14:creationId xmlns:p14="http://schemas.microsoft.com/office/powerpoint/2010/main" val="1514477690"/>
+        <p14:creationId xmlns:p14="http://schemas.microsoft.com/office/powerpoint/2010/main" xmlns="" val="1514477690"/>
       </p:ext>
     </p:extLst>
   </p:cSld>
@@ -35242,7 +35318,7 @@
   </p:txStyles>
   <p:extLst mod="1">
     <p:ext uri="{27BBF7A9-308A-43DC-89C8-2F10F3537804}">
-      <p15:sldGuideLst xmlns:p15="http://schemas.microsoft.com/office/powerpoint/2012/main">
+      <p15:sldGuideLst xmlns:p15="http://schemas.microsoft.com/office/powerpoint/2012/main" xmlns="">
         <p15:guide id="1" pos="92" userDrawn="1">
           <p15:clr>
             <a:srgbClr val="F26B43"/>
@@ -36044,6 +36120,7 @@
           <a:p>
             <a:fld id="{0E2FD59A-889C-49E1-B11F-A06E2FCD88F8}" type="datetime1">
               <a:rPr lang="de-DE" smtClean="0"/>
+              <a:pPr/>
               <a:t>20.12.2016</a:t>
             </a:fld>
             <a:endParaRPr lang="en-GB" dirty="0"/>
@@ -36381,6 +36458,10 @@
               <a:rPr lang="en-GB" sz="800" b="1" dirty="0"/>
               <a:t>Placeholder for organisational unit name / logo</a:t>
             </a:r>
+            <a:r>
+              <a:rPr lang="en-GB" sz="800" baseline="0" dirty="0"/>
+              <a:t/>
+            </a:r>
             <a:br>
               <a:rPr lang="en-GB" sz="800" baseline="0" dirty="0"/>
             </a:br>
@@ -36400,10 +36481,10 @@
           <p:nvPr/>
         </p:nvPicPr>
         <p:blipFill>
-          <a:blip r:embed="rId11">
+          <a:blip r:embed="rId11" cstate="print">
             <a:extLst>
               <a:ext uri="{28A0092B-C50C-407E-A947-70E740481C1C}">
-                <a14:useLocalDpi xmlns:a14="http://schemas.microsoft.com/office/drawing/2010/main" val="0"/>
+                <a14:useLocalDpi xmlns:a14="http://schemas.microsoft.com/office/drawing/2010/main" xmlns="" val="0"/>
               </a:ext>
             </a:extLst>
           </a:blip>
@@ -36424,7 +36505,7 @@
     </p:spTree>
     <p:extLst>
       <p:ext uri="{BB962C8B-B14F-4D97-AF65-F5344CB8AC3E}">
-        <p14:creationId xmlns:p14="http://schemas.microsoft.com/office/powerpoint/2010/main" val="4014925421"/>
+        <p14:creationId xmlns:p14="http://schemas.microsoft.com/office/powerpoint/2010/main" xmlns="" val="4014925421"/>
       </p:ext>
     </p:extLst>
   </p:cSld>
@@ -36729,7 +36810,7 @@
   </p:txStyles>
   <p:extLst mod="1">
     <p:ext uri="{27BBF7A9-308A-43DC-89C8-2F10F3537804}">
-      <p15:sldGuideLst xmlns:p15="http://schemas.microsoft.com/office/powerpoint/2012/main">
+      <p15:sldGuideLst xmlns:p15="http://schemas.microsoft.com/office/powerpoint/2012/main" xmlns="">
         <p15:guide id="1" pos="92" userDrawn="1">
           <p15:clr>
             <a:srgbClr val="F26B43"/>
@@ -37531,6 +37612,7 @@
           <a:p>
             <a:fld id="{6984EC52-26A9-4BFF-A9C5-BB3A3864DA77}" type="datetime1">
               <a:rPr lang="de-DE" smtClean="0"/>
+              <a:pPr/>
               <a:t>20.12.2016</a:t>
             </a:fld>
             <a:endParaRPr lang="en-GB" dirty="0"/>
@@ -37868,6 +37950,10 @@
               <a:rPr lang="en-GB" sz="800" b="1" dirty="0"/>
               <a:t>Placeholder for organisational unit name / logo</a:t>
             </a:r>
+            <a:r>
+              <a:rPr lang="en-GB" sz="800" baseline="0" dirty="0"/>
+              <a:t/>
+            </a:r>
             <a:br>
               <a:rPr lang="en-GB" sz="800" baseline="0" dirty="0"/>
             </a:br>
@@ -37887,10 +37973,10 @@
           <p:nvPr/>
         </p:nvPicPr>
         <p:blipFill>
-          <a:blip r:embed="rId11">
+          <a:blip r:embed="rId11" cstate="print">
             <a:extLst>
               <a:ext uri="{28A0092B-C50C-407E-A947-70E740481C1C}">
-                <a14:useLocalDpi xmlns:a14="http://schemas.microsoft.com/office/drawing/2010/main" val="0"/>
+                <a14:useLocalDpi xmlns:a14="http://schemas.microsoft.com/office/drawing/2010/main" xmlns="" val="0"/>
               </a:ext>
             </a:extLst>
           </a:blip>
@@ -37911,7 +37997,7 @@
     </p:spTree>
     <p:extLst>
       <p:ext uri="{BB962C8B-B14F-4D97-AF65-F5344CB8AC3E}">
-        <p14:creationId xmlns:p14="http://schemas.microsoft.com/office/powerpoint/2010/main" val="3168872595"/>
+        <p14:creationId xmlns:p14="http://schemas.microsoft.com/office/powerpoint/2010/main" xmlns="" val="3168872595"/>
       </p:ext>
     </p:extLst>
   </p:cSld>
@@ -38216,7 +38302,7 @@
   </p:txStyles>
   <p:extLst mod="1">
     <p:ext uri="{27BBF7A9-308A-43DC-89C8-2F10F3537804}">
-      <p15:sldGuideLst xmlns:p15="http://schemas.microsoft.com/office/powerpoint/2012/main">
+      <p15:sldGuideLst xmlns:p15="http://schemas.microsoft.com/office/powerpoint/2012/main" xmlns="">
         <p15:guide id="1" pos="92" userDrawn="1">
           <p15:clr>
             <a:srgbClr val="F26B43"/>
@@ -39018,6 +39104,7 @@
           <a:p>
             <a:fld id="{CEF28E23-0477-4B57-A7D2-63B3A33ABEDB}" type="datetime1">
               <a:rPr lang="de-DE" smtClean="0"/>
+              <a:pPr/>
               <a:t>20.12.2016</a:t>
             </a:fld>
             <a:endParaRPr lang="en-GB" dirty="0"/>
@@ -39355,6 +39442,10 @@
               <a:rPr lang="en-GB" sz="800" b="1" dirty="0"/>
               <a:t>Placeholder for organisational unit name / logo</a:t>
             </a:r>
+            <a:r>
+              <a:rPr lang="en-GB" sz="800" baseline="0" dirty="0"/>
+              <a:t/>
+            </a:r>
             <a:br>
               <a:rPr lang="en-GB" sz="800" baseline="0" dirty="0"/>
             </a:br>
@@ -39374,10 +39465,10 @@
           <p:nvPr/>
         </p:nvPicPr>
         <p:blipFill>
-          <a:blip r:embed="rId11">
+          <a:blip r:embed="rId11" cstate="print">
             <a:extLst>
               <a:ext uri="{28A0092B-C50C-407E-A947-70E740481C1C}">
-                <a14:useLocalDpi xmlns:a14="http://schemas.microsoft.com/office/drawing/2010/main" val="0"/>
+                <a14:useLocalDpi xmlns:a14="http://schemas.microsoft.com/office/drawing/2010/main" xmlns="" val="0"/>
               </a:ext>
             </a:extLst>
           </a:blip>
@@ -39398,7 +39489,7 @@
     </p:spTree>
     <p:extLst>
       <p:ext uri="{BB962C8B-B14F-4D97-AF65-F5344CB8AC3E}">
-        <p14:creationId xmlns:p14="http://schemas.microsoft.com/office/powerpoint/2010/main" val="4100797268"/>
+        <p14:creationId xmlns:p14="http://schemas.microsoft.com/office/powerpoint/2010/main" xmlns="" val="4100797268"/>
       </p:ext>
     </p:extLst>
   </p:cSld>
@@ -39703,7 +39794,7 @@
   </p:txStyles>
   <p:extLst mod="1">
     <p:ext uri="{27BBF7A9-308A-43DC-89C8-2F10F3537804}">
-      <p15:sldGuideLst xmlns:p15="http://schemas.microsoft.com/office/powerpoint/2012/main">
+      <p15:sldGuideLst xmlns:p15="http://schemas.microsoft.com/office/powerpoint/2012/main" xmlns="">
         <p15:guide id="1" pos="92" userDrawn="1">
           <p15:clr>
             <a:srgbClr val="F26B43"/>
@@ -40505,6 +40596,7 @@
           <a:p>
             <a:fld id="{88260C45-2122-475A-BCD2-6E405C52F6EF}" type="datetime1">
               <a:rPr lang="de-DE" smtClean="0"/>
+              <a:pPr/>
               <a:t>20.12.2016</a:t>
             </a:fld>
             <a:endParaRPr lang="en-GB" dirty="0"/>
@@ -40842,6 +40934,10 @@
               <a:rPr lang="en-GB" sz="800" b="1" dirty="0"/>
               <a:t>Placeholder for organisational unit name / logo</a:t>
             </a:r>
+            <a:r>
+              <a:rPr lang="en-GB" sz="800" baseline="0" dirty="0"/>
+              <a:t/>
+            </a:r>
             <a:br>
               <a:rPr lang="en-GB" sz="800" baseline="0" dirty="0"/>
             </a:br>
@@ -40861,10 +40957,10 @@
           <p:nvPr/>
         </p:nvPicPr>
         <p:blipFill>
-          <a:blip r:embed="rId11">
+          <a:blip r:embed="rId11" cstate="print">
             <a:extLst>
               <a:ext uri="{28A0092B-C50C-407E-A947-70E740481C1C}">
-                <a14:useLocalDpi xmlns:a14="http://schemas.microsoft.com/office/drawing/2010/main" val="0"/>
+                <a14:useLocalDpi xmlns:a14="http://schemas.microsoft.com/office/drawing/2010/main" xmlns="" val="0"/>
               </a:ext>
             </a:extLst>
           </a:blip>
@@ -40885,7 +40981,7 @@
     </p:spTree>
     <p:extLst>
       <p:ext uri="{BB962C8B-B14F-4D97-AF65-F5344CB8AC3E}">
-        <p14:creationId xmlns:p14="http://schemas.microsoft.com/office/powerpoint/2010/main" val="2656459872"/>
+        <p14:creationId xmlns:p14="http://schemas.microsoft.com/office/powerpoint/2010/main" xmlns="" val="2656459872"/>
       </p:ext>
     </p:extLst>
   </p:cSld>
@@ -41190,7 +41286,7 @@
   </p:txStyles>
   <p:extLst mod="1">
     <p:ext uri="{27BBF7A9-308A-43DC-89C8-2F10F3537804}">
-      <p15:sldGuideLst xmlns:p15="http://schemas.microsoft.com/office/powerpoint/2012/main">
+      <p15:sldGuideLst xmlns:p15="http://schemas.microsoft.com/office/powerpoint/2012/main" xmlns="">
         <p15:guide id="1" pos="92" userDrawn="1">
           <p15:clr>
             <a:srgbClr val="F26B43"/>
@@ -41992,6 +42088,7 @@
           <a:p>
             <a:fld id="{2B419E12-2E6D-413C-89F8-CD7877324954}" type="datetime1">
               <a:rPr lang="de-DE" smtClean="0"/>
+              <a:pPr/>
               <a:t>20.12.2016</a:t>
             </a:fld>
             <a:endParaRPr lang="en-GB" dirty="0"/>
@@ -42329,6 +42426,10 @@
               <a:rPr lang="en-GB" sz="800" b="1" dirty="0"/>
               <a:t>Placeholder for organisational unit name / logo</a:t>
             </a:r>
+            <a:r>
+              <a:rPr lang="en-GB" sz="800" baseline="0" dirty="0"/>
+              <a:t/>
+            </a:r>
             <a:br>
               <a:rPr lang="en-GB" sz="800" baseline="0" dirty="0"/>
             </a:br>
@@ -42348,10 +42449,10 @@
           <p:nvPr/>
         </p:nvPicPr>
         <p:blipFill>
-          <a:blip r:embed="rId11">
+          <a:blip r:embed="rId11" cstate="print">
             <a:extLst>
               <a:ext uri="{28A0092B-C50C-407E-A947-70E740481C1C}">
-                <a14:useLocalDpi xmlns:a14="http://schemas.microsoft.com/office/drawing/2010/main" val="0"/>
+                <a14:useLocalDpi xmlns:a14="http://schemas.microsoft.com/office/drawing/2010/main" xmlns="" val="0"/>
               </a:ext>
             </a:extLst>
           </a:blip>
@@ -42372,7 +42473,7 @@
     </p:spTree>
     <p:extLst>
       <p:ext uri="{BB962C8B-B14F-4D97-AF65-F5344CB8AC3E}">
-        <p14:creationId xmlns:p14="http://schemas.microsoft.com/office/powerpoint/2010/main" val="2300507993"/>
+        <p14:creationId xmlns:p14="http://schemas.microsoft.com/office/powerpoint/2010/main" xmlns="" val="2300507993"/>
       </p:ext>
     </p:extLst>
   </p:cSld>
@@ -42677,7 +42778,7 @@
   </p:txStyles>
   <p:extLst mod="1">
     <p:ext uri="{27BBF7A9-308A-43DC-89C8-2F10F3537804}">
-      <p15:sldGuideLst xmlns:p15="http://schemas.microsoft.com/office/powerpoint/2012/main">
+      <p15:sldGuideLst xmlns:p15="http://schemas.microsoft.com/office/powerpoint/2012/main" xmlns="">
         <p15:guide id="1" pos="92" userDrawn="1">
           <p15:clr>
             <a:srgbClr val="F26B43"/>
@@ -42795,6 +42896,7 @@
           <a:p>
             <a:fld id="{EB04C782-FABA-4839-8055-9BDDA2DD604F}" type="datetime1">
               <a:rPr lang="de-DE" smtClean="0"/>
+              <a:pPr/>
               <a:t>20.12.2016</a:t>
             </a:fld>
             <a:endParaRPr lang="en-GB" dirty="0"/>
@@ -42887,10 +42989,10 @@
           </p:nvPr>
         </p:nvPicPr>
         <p:blipFill>
-          <a:blip r:embed="rId3">
+          <a:blip r:embed="rId3" cstate="print">
             <a:extLst>
               <a:ext uri="{28A0092B-C50C-407E-A947-70E740481C1C}">
-                <a14:useLocalDpi xmlns:a14="http://schemas.microsoft.com/office/drawing/2010/main" val="0"/>
+                <a14:useLocalDpi xmlns:a14="http://schemas.microsoft.com/office/drawing/2010/main" xmlns="" val="0"/>
               </a:ext>
             </a:extLst>
           </a:blip>
@@ -42904,7 +43006,7 @@
     </p:spTree>
     <p:extLst>
       <p:ext uri="{BB962C8B-B14F-4D97-AF65-F5344CB8AC3E}">
-        <p14:creationId xmlns:p14="http://schemas.microsoft.com/office/powerpoint/2010/main" val="4038906334"/>
+        <p14:creationId xmlns:p14="http://schemas.microsoft.com/office/powerpoint/2010/main" xmlns="" val="4038906334"/>
       </p:ext>
     </p:extLst>
   </p:cSld>
@@ -42951,6 +43053,7 @@
           <a:p>
             <a:fld id="{8EA7A386-D2DA-4381-9278-D48217652768}" type="datetime1">
               <a:rPr lang="de-DE" smtClean="0"/>
+              <a:pPr/>
               <a:t>20.12.2016</a:t>
             </a:fld>
             <a:endParaRPr lang="en-GB" dirty="0"/>
@@ -43021,7 +43124,7 @@
           <a:p>
             <a:r>
               <a:rPr lang="en-GB" dirty="0"/>
-              <a:t>Stacking</a:t>
+              <a:t>Problems</a:t>
             </a:r>
           </a:p>
         </p:txBody>
@@ -43043,7 +43146,13 @@
           <a:p>
             <a:r>
               <a:rPr lang="en-GB" dirty="0"/>
-              <a:t>Stacking2.mp4</a:t>
+              <a:t>Box</a:t>
+            </a:r>
+          </a:p>
+          <a:p>
+            <a:r>
+              <a:rPr lang="en-GB" dirty="0"/>
+              <a:t>Stacking</a:t>
             </a:r>
           </a:p>
         </p:txBody>
@@ -43051,2544 +43160,7 @@
     </p:spTree>
     <p:extLst>
       <p:ext uri="{BB962C8B-B14F-4D97-AF65-F5344CB8AC3E}">
-        <p14:creationId xmlns:p14="http://schemas.microsoft.com/office/powerpoint/2010/main" val="1104005316"/>
-      </p:ext>
-    </p:extLst>
-  </p:cSld>
-  <p:clrMapOvr>
-    <a:masterClrMapping/>
-  </p:clrMapOvr>
-  <p:transition>
-    <p:fade/>
-  </p:transition>
-</p:sld>
-</file>
-
-<file path=ppt/slides/slide11.xml><?xml version="1.0" encoding="utf-8"?>
-<p:sld xmlns:a="http://schemas.openxmlformats.org/drawingml/2006/main" xmlns:r="http://schemas.openxmlformats.org/officeDocument/2006/relationships" xmlns:p="http://schemas.openxmlformats.org/presentationml/2006/main">
-  <p:cSld>
-    <p:spTree>
-      <p:nvGrpSpPr>
-        <p:cNvPr id="1" name=""/>
-        <p:cNvGrpSpPr/>
-        <p:nvPr/>
-      </p:nvGrpSpPr>
-      <p:grpSpPr>
-        <a:xfrm>
-          <a:off x="0" y="0"/>
-          <a:ext cx="0" cy="0"/>
-          <a:chOff x="0" y="0"/>
-          <a:chExt cx="0" cy="0"/>
-        </a:xfrm>
-      </p:grpSpPr>
-      <p:sp>
-        <p:nvSpPr>
-          <p:cNvPr id="3" name="Datumsplatzhalter 2"/>
-          <p:cNvSpPr>
-            <a:spLocks noGrp="1"/>
-          </p:cNvSpPr>
-          <p:nvPr>
-            <p:ph type="dt" sz="half" idx="10"/>
-          </p:nvPr>
-        </p:nvSpPr>
-        <p:spPr/>
-        <p:txBody>
-          <a:bodyPr/>
-          <a:lstStyle/>
-          <a:p>
-            <a:fld id="{F5B2312B-A258-434F-95FC-A0997179BE88}" type="datetime1">
-              <a:rPr lang="de-DE" smtClean="0"/>
-              <a:t>20.12.2016</a:t>
-            </a:fld>
-            <a:endParaRPr lang="en-GB" dirty="0"/>
-          </a:p>
-        </p:txBody>
-      </p:sp>
-      <p:sp>
-        <p:nvSpPr>
-          <p:cNvPr id="4" name="Fußzeilenplatzhalter 3"/>
-          <p:cNvSpPr>
-            <a:spLocks noGrp="1"/>
-          </p:cNvSpPr>
-          <p:nvPr>
-            <p:ph type="ftr" sz="quarter" idx="11"/>
-          </p:nvPr>
-        </p:nvSpPr>
-        <p:spPr/>
-        <p:txBody>
-          <a:bodyPr/>
-          <a:lstStyle/>
-          <a:p>
-            <a:r>
-              <a:rPr lang="en-GB"/>
-              <a:t>Yannick Huber, Julia Giger</a:t>
-            </a:r>
-            <a:endParaRPr lang="en-GB" dirty="0"/>
-          </a:p>
-        </p:txBody>
-      </p:sp>
-      <p:sp>
-        <p:nvSpPr>
-          <p:cNvPr id="5" name="Foliennummernplatzhalter 4"/>
-          <p:cNvSpPr>
-            <a:spLocks noGrp="1"/>
-          </p:cNvSpPr>
-          <p:nvPr>
-            <p:ph type="sldNum" sz="quarter" idx="12"/>
-          </p:nvPr>
-        </p:nvSpPr>
-        <p:spPr/>
-        <p:txBody>
-          <a:bodyPr/>
-          <a:lstStyle/>
-          <a:p>
-            <a:fld id="{6C6AE60A-B69C-4790-82F7-3882EDF23186}" type="slidenum">
-              <a:rPr lang="en-GB" smtClean="0"/>
-              <a:t>11</a:t>
-            </a:fld>
-            <a:endParaRPr lang="en-GB" dirty="0"/>
-          </a:p>
-        </p:txBody>
-      </p:sp>
-      <p:sp>
-        <p:nvSpPr>
-          <p:cNvPr id="6" name="Titel 5"/>
-          <p:cNvSpPr>
-            <a:spLocks noGrp="1"/>
-          </p:cNvSpPr>
-          <p:nvPr>
-            <p:ph type="title"/>
-          </p:nvPr>
-        </p:nvSpPr>
-        <p:spPr/>
-        <p:txBody>
-          <a:bodyPr/>
-          <a:lstStyle/>
-          <a:p>
-            <a:r>
-              <a:rPr lang="en-GB" dirty="0"/>
-              <a:t>Final result</a:t>
-            </a:r>
-          </a:p>
-        </p:txBody>
-      </p:sp>
-      <p:sp>
-        <p:nvSpPr>
-          <p:cNvPr id="2" name="Inhaltsplatzhalter 1"/>
-          <p:cNvSpPr>
-            <a:spLocks noGrp="1"/>
-          </p:cNvSpPr>
-          <p:nvPr>
-            <p:ph idx="1"/>
-          </p:nvPr>
-        </p:nvSpPr>
-        <p:spPr/>
-        <p:txBody>
-          <a:bodyPr/>
-          <a:lstStyle/>
-          <a:p>
-            <a:r>
-              <a:rPr lang="en-GB" dirty="0"/>
-              <a:t>Finalform_weight10.mp4</a:t>
-            </a:r>
-          </a:p>
-        </p:txBody>
-      </p:sp>
-    </p:spTree>
-    <p:extLst>
-      <p:ext uri="{BB962C8B-B14F-4D97-AF65-F5344CB8AC3E}">
-        <p14:creationId xmlns:p14="http://schemas.microsoft.com/office/powerpoint/2010/main" val="1040186831"/>
-      </p:ext>
-    </p:extLst>
-  </p:cSld>
-  <p:clrMapOvr>
-    <a:masterClrMapping/>
-  </p:clrMapOvr>
-  <p:transition>
-    <p:fade/>
-  </p:transition>
-</p:sld>
-</file>
-
-<file path=ppt/slides/slide12.xml><?xml version="1.0" encoding="utf-8"?>
-<p:sld xmlns:a="http://schemas.openxmlformats.org/drawingml/2006/main" xmlns:r="http://schemas.openxmlformats.org/officeDocument/2006/relationships" xmlns:p="http://schemas.openxmlformats.org/presentationml/2006/main">
-  <p:cSld>
-    <p:spTree>
-      <p:nvGrpSpPr>
-        <p:cNvPr id="1" name=""/>
-        <p:cNvGrpSpPr/>
-        <p:nvPr/>
-      </p:nvGrpSpPr>
-      <p:grpSpPr>
-        <a:xfrm>
-          <a:off x="0" y="0"/>
-          <a:ext cx="0" cy="0"/>
-          <a:chOff x="0" y="0"/>
-          <a:chExt cx="0" cy="0"/>
-        </a:xfrm>
-      </p:grpSpPr>
-      <p:sp>
-        <p:nvSpPr>
-          <p:cNvPr id="3" name="Datumsplatzhalter 2"/>
-          <p:cNvSpPr>
-            <a:spLocks noGrp="1"/>
-          </p:cNvSpPr>
-          <p:nvPr>
-            <p:ph type="dt" sz="half" idx="10"/>
-          </p:nvPr>
-        </p:nvSpPr>
-        <p:spPr/>
-        <p:txBody>
-          <a:bodyPr/>
-          <a:lstStyle/>
-          <a:p>
-            <a:fld id="{F5B2312B-A258-434F-95FC-A0997179BE88}" type="datetime1">
-              <a:rPr lang="de-DE" smtClean="0"/>
-              <a:t>20.12.2016</a:t>
-            </a:fld>
-            <a:endParaRPr lang="en-GB" dirty="0"/>
-          </a:p>
-        </p:txBody>
-      </p:sp>
-      <p:sp>
-        <p:nvSpPr>
-          <p:cNvPr id="4" name="Fußzeilenplatzhalter 3"/>
-          <p:cNvSpPr>
-            <a:spLocks noGrp="1"/>
-          </p:cNvSpPr>
-          <p:nvPr>
-            <p:ph type="ftr" sz="quarter" idx="11"/>
-          </p:nvPr>
-        </p:nvSpPr>
-        <p:spPr/>
-        <p:txBody>
-          <a:bodyPr/>
-          <a:lstStyle/>
-          <a:p>
-            <a:r>
-              <a:rPr lang="en-GB"/>
-              <a:t>Yannick Huber, Julia Giger</a:t>
-            </a:r>
-            <a:endParaRPr lang="en-GB" dirty="0"/>
-          </a:p>
-        </p:txBody>
-      </p:sp>
-      <p:sp>
-        <p:nvSpPr>
-          <p:cNvPr id="5" name="Foliennummernplatzhalter 4"/>
-          <p:cNvSpPr>
-            <a:spLocks noGrp="1"/>
-          </p:cNvSpPr>
-          <p:nvPr>
-            <p:ph type="sldNum" sz="quarter" idx="12"/>
-          </p:nvPr>
-        </p:nvSpPr>
-        <p:spPr/>
-        <p:txBody>
-          <a:bodyPr/>
-          <a:lstStyle/>
-          <a:p>
-            <a:fld id="{6C6AE60A-B69C-4790-82F7-3882EDF23186}" type="slidenum">
-              <a:rPr lang="en-GB" smtClean="0"/>
-              <a:t>12</a:t>
-            </a:fld>
-            <a:endParaRPr lang="en-GB" dirty="0"/>
-          </a:p>
-        </p:txBody>
-      </p:sp>
-      <p:sp>
-        <p:nvSpPr>
-          <p:cNvPr id="6" name="Titel 5"/>
-          <p:cNvSpPr>
-            <a:spLocks noGrp="1"/>
-          </p:cNvSpPr>
-          <p:nvPr>
-            <p:ph type="title"/>
-          </p:nvPr>
-        </p:nvSpPr>
-        <p:spPr/>
-        <p:txBody>
-          <a:bodyPr/>
-          <a:lstStyle/>
-          <a:p>
-            <a:r>
-              <a:rPr lang="en-GB"/>
-              <a:t>Final result</a:t>
-            </a:r>
-            <a:endParaRPr lang="en-GB" dirty="0"/>
-          </a:p>
-        </p:txBody>
-      </p:sp>
-      <p:sp>
-        <p:nvSpPr>
-          <p:cNvPr id="2" name="Inhaltsplatzhalter 1"/>
-          <p:cNvSpPr>
-            <a:spLocks noGrp="1"/>
-          </p:cNvSpPr>
-          <p:nvPr>
-            <p:ph idx="1"/>
-          </p:nvPr>
-        </p:nvSpPr>
-        <p:spPr/>
-        <p:txBody>
-          <a:bodyPr/>
-          <a:lstStyle/>
-          <a:p>
-            <a:r>
-              <a:rPr lang="en-GB"/>
-              <a:t>Finalform_weight1.mp4</a:t>
-            </a:r>
-          </a:p>
-        </p:txBody>
-      </p:sp>
-    </p:spTree>
-    <p:extLst>
-      <p:ext uri="{BB962C8B-B14F-4D97-AF65-F5344CB8AC3E}">
-        <p14:creationId xmlns:p14="http://schemas.microsoft.com/office/powerpoint/2010/main" val="863373104"/>
-      </p:ext>
-    </p:extLst>
-  </p:cSld>
-  <p:clrMapOvr>
-    <a:masterClrMapping/>
-  </p:clrMapOvr>
-  <p:transition>
-    <p:fade/>
-  </p:transition>
-</p:sld>
-</file>
-
-<file path=ppt/slides/slide13.xml><?xml version="1.0" encoding="utf-8"?>
-<p:sld xmlns:a="http://schemas.openxmlformats.org/drawingml/2006/main" xmlns:r="http://schemas.openxmlformats.org/officeDocument/2006/relationships" xmlns:p="http://schemas.openxmlformats.org/presentationml/2006/main">
-  <p:cSld>
-    <p:spTree>
-      <p:nvGrpSpPr>
-        <p:cNvPr id="1" name=""/>
-        <p:cNvGrpSpPr/>
-        <p:nvPr/>
-      </p:nvGrpSpPr>
-      <p:grpSpPr>
-        <a:xfrm>
-          <a:off x="0" y="0"/>
-          <a:ext cx="0" cy="0"/>
-          <a:chOff x="0" y="0"/>
-          <a:chExt cx="0" cy="0"/>
-        </a:xfrm>
-      </p:grpSpPr>
-      <p:sp>
-        <p:nvSpPr>
-          <p:cNvPr id="3" name="Datumsplatzhalter 2"/>
-          <p:cNvSpPr>
-            <a:spLocks noGrp="1"/>
-          </p:cNvSpPr>
-          <p:nvPr>
-            <p:ph type="dt" sz="half" idx="10"/>
-          </p:nvPr>
-        </p:nvSpPr>
-        <p:spPr/>
-        <p:txBody>
-          <a:bodyPr/>
-          <a:lstStyle/>
-          <a:p>
-            <a:fld id="{F5B2312B-A258-434F-95FC-A0997179BE88}" type="datetime1">
-              <a:rPr lang="de-DE" smtClean="0"/>
-              <a:t>20.12.2016</a:t>
-            </a:fld>
-            <a:endParaRPr lang="en-GB" dirty="0"/>
-          </a:p>
-        </p:txBody>
-      </p:sp>
-      <p:sp>
-        <p:nvSpPr>
-          <p:cNvPr id="4" name="Fußzeilenplatzhalter 3"/>
-          <p:cNvSpPr>
-            <a:spLocks noGrp="1"/>
-          </p:cNvSpPr>
-          <p:nvPr>
-            <p:ph type="ftr" sz="quarter" idx="11"/>
-          </p:nvPr>
-        </p:nvSpPr>
-        <p:spPr/>
-        <p:txBody>
-          <a:bodyPr/>
-          <a:lstStyle/>
-          <a:p>
-            <a:r>
-              <a:rPr lang="en-GB"/>
-              <a:t>Yannick Huber, Julia Giger</a:t>
-            </a:r>
-            <a:endParaRPr lang="en-GB" dirty="0"/>
-          </a:p>
-        </p:txBody>
-      </p:sp>
-      <p:sp>
-        <p:nvSpPr>
-          <p:cNvPr id="5" name="Foliennummernplatzhalter 4"/>
-          <p:cNvSpPr>
-            <a:spLocks noGrp="1"/>
-          </p:cNvSpPr>
-          <p:nvPr>
-            <p:ph type="sldNum" sz="quarter" idx="12"/>
-          </p:nvPr>
-        </p:nvSpPr>
-        <p:spPr/>
-        <p:txBody>
-          <a:bodyPr/>
-          <a:lstStyle/>
-          <a:p>
-            <a:fld id="{6C6AE60A-B69C-4790-82F7-3882EDF23186}" type="slidenum">
-              <a:rPr lang="en-GB" smtClean="0"/>
-              <a:t>13</a:t>
-            </a:fld>
-            <a:endParaRPr lang="en-GB" dirty="0"/>
-          </a:p>
-        </p:txBody>
-      </p:sp>
-      <p:sp>
-        <p:nvSpPr>
-          <p:cNvPr id="6" name="Titel 5"/>
-          <p:cNvSpPr>
-            <a:spLocks noGrp="1"/>
-          </p:cNvSpPr>
-          <p:nvPr>
-            <p:ph type="title"/>
-          </p:nvPr>
-        </p:nvSpPr>
-        <p:spPr/>
-        <p:txBody>
-          <a:bodyPr/>
-          <a:lstStyle/>
-          <a:p>
-            <a:r>
-              <a:rPr lang="en-GB" dirty="0"/>
-              <a:t>Questions?</a:t>
-            </a:r>
-          </a:p>
-        </p:txBody>
-      </p:sp>
-      <p:sp>
-        <p:nvSpPr>
-          <p:cNvPr id="2" name="Inhaltsplatzhalter 1"/>
-          <p:cNvSpPr>
-            <a:spLocks noGrp="1"/>
-          </p:cNvSpPr>
-          <p:nvPr>
-            <p:ph idx="1"/>
-          </p:nvPr>
-        </p:nvSpPr>
-        <p:spPr/>
-        <p:txBody>
-          <a:bodyPr/>
-          <a:lstStyle/>
-          <a:p>
-            <a:endParaRPr lang="en-GB" dirty="0"/>
-          </a:p>
-        </p:txBody>
-      </p:sp>
-    </p:spTree>
-    <p:extLst>
-      <p:ext uri="{BB962C8B-B14F-4D97-AF65-F5344CB8AC3E}">
-        <p14:creationId xmlns:p14="http://schemas.microsoft.com/office/powerpoint/2010/main" val="2345234706"/>
-      </p:ext>
-    </p:extLst>
-  </p:cSld>
-  <p:clrMapOvr>
-    <a:masterClrMapping/>
-  </p:clrMapOvr>
-  <p:transition>
-    <p:fade/>
-  </p:transition>
-</p:sld>
-</file>
-
-<file path=ppt/slides/slide2.xml><?xml version="1.0" encoding="utf-8"?>
-<p:sld xmlns:a="http://schemas.openxmlformats.org/drawingml/2006/main" xmlns:r="http://schemas.openxmlformats.org/officeDocument/2006/relationships" xmlns:p="http://schemas.openxmlformats.org/presentationml/2006/main">
-  <p:cSld>
-    <p:spTree>
-      <p:nvGrpSpPr>
-        <p:cNvPr id="1" name=""/>
-        <p:cNvGrpSpPr/>
-        <p:nvPr/>
-      </p:nvGrpSpPr>
-      <p:grpSpPr>
-        <a:xfrm>
-          <a:off x="0" y="0"/>
-          <a:ext cx="0" cy="0"/>
-          <a:chOff x="0" y="0"/>
-          <a:chExt cx="0" cy="0"/>
-        </a:xfrm>
-      </p:grpSpPr>
-      <p:sp>
-        <p:nvSpPr>
-          <p:cNvPr id="3" name="Datumsplatzhalter 2"/>
-          <p:cNvSpPr>
-            <a:spLocks noGrp="1"/>
-          </p:cNvSpPr>
-          <p:nvPr>
-            <p:ph type="dt" sz="half" idx="10"/>
-          </p:nvPr>
-        </p:nvSpPr>
-        <p:spPr/>
-        <p:txBody>
-          <a:bodyPr/>
-          <a:lstStyle/>
-          <a:p>
-            <a:fld id="{8EA7A386-D2DA-4381-9278-D48217652768}" type="datetime1">
-              <a:rPr lang="de-DE" smtClean="0"/>
-              <a:t>20.12.2016</a:t>
-            </a:fld>
-            <a:endParaRPr lang="en-GB" dirty="0"/>
-          </a:p>
-        </p:txBody>
-      </p:sp>
-      <p:sp>
-        <p:nvSpPr>
-          <p:cNvPr id="4" name="Fußzeilenplatzhalter 3"/>
-          <p:cNvSpPr>
-            <a:spLocks noGrp="1"/>
-          </p:cNvSpPr>
-          <p:nvPr>
-            <p:ph type="ftr" sz="quarter" idx="11"/>
-          </p:nvPr>
-        </p:nvSpPr>
-        <p:spPr/>
-        <p:txBody>
-          <a:bodyPr/>
-          <a:lstStyle/>
-          <a:p>
-            <a:r>
-              <a:rPr lang="en-GB"/>
-              <a:t>Yannick Huber, Julia Giger</a:t>
-            </a:r>
-            <a:endParaRPr lang="en-GB" dirty="0"/>
-          </a:p>
-        </p:txBody>
-      </p:sp>
-      <p:sp>
-        <p:nvSpPr>
-          <p:cNvPr id="5" name="Foliennummernplatzhalter 4"/>
-          <p:cNvSpPr>
-            <a:spLocks noGrp="1"/>
-          </p:cNvSpPr>
-          <p:nvPr>
-            <p:ph type="sldNum" sz="quarter" idx="12"/>
-          </p:nvPr>
-        </p:nvSpPr>
-        <p:spPr/>
-        <p:txBody>
-          <a:bodyPr/>
-          <a:lstStyle/>
-          <a:p>
-            <a:fld id="{6C6AE60A-B69C-4790-82F7-3882EDF23186}" type="slidenum">
-              <a:rPr lang="en-GB" smtClean="0"/>
-              <a:pPr/>
-              <a:t>2</a:t>
-            </a:fld>
-            <a:endParaRPr lang="en-GB" dirty="0"/>
-          </a:p>
-        </p:txBody>
-      </p:sp>
-      <p:sp>
-        <p:nvSpPr>
-          <p:cNvPr id="10" name="Titel 9"/>
-          <p:cNvSpPr>
-            <a:spLocks noGrp="1"/>
-          </p:cNvSpPr>
-          <p:nvPr>
-            <p:ph type="title"/>
-          </p:nvPr>
-        </p:nvSpPr>
-        <p:spPr/>
-        <p:txBody>
-          <a:bodyPr/>
-          <a:lstStyle/>
-          <a:p>
-            <a:r>
-              <a:rPr lang="en-GB" dirty="0"/>
-              <a:t>Desired scene</a:t>
-            </a:r>
-          </a:p>
-        </p:txBody>
-      </p:sp>
-      <p:pic>
-        <p:nvPicPr>
-          <p:cNvPr id="7" name="Inhaltsplatzhalter 6"/>
-          <p:cNvPicPr>
-            <a:picLocks noGrp="1" noChangeAspect="1"/>
-          </p:cNvPicPr>
-          <p:nvPr>
-            <p:ph idx="1"/>
-          </p:nvPr>
-        </p:nvPicPr>
-        <p:blipFill>
-          <a:blip r:embed="rId3">
-            <a:extLst>
-              <a:ext uri="{28A0092B-C50C-407E-A947-70E740481C1C}">
-                <a14:useLocalDpi xmlns:a14="http://schemas.microsoft.com/office/drawing/2010/main" val="0"/>
-              </a:ext>
-            </a:extLst>
-          </a:blip>
-          <a:stretch>
-            <a:fillRect/>
-          </a:stretch>
-        </p:blipFill>
-        <p:spPr>
-          <a:xfrm>
-            <a:off x="1970065" y="2024063"/>
-            <a:ext cx="8245520" cy="4210050"/>
-          </a:xfrm>
-        </p:spPr>
-      </p:pic>
-    </p:spTree>
-    <p:extLst>
-      <p:ext uri="{BB962C8B-B14F-4D97-AF65-F5344CB8AC3E}">
-        <p14:creationId xmlns:p14="http://schemas.microsoft.com/office/powerpoint/2010/main" val="2857788226"/>
-      </p:ext>
-    </p:extLst>
-  </p:cSld>
-  <p:clrMapOvr>
-    <a:masterClrMapping/>
-  </p:clrMapOvr>
-  <p:transition>
-    <p:fade/>
-  </p:transition>
-</p:sld>
-</file>
-
-<file path=ppt/slides/slide3.xml><?xml version="1.0" encoding="utf-8"?>
-<p:sld xmlns:a="http://schemas.openxmlformats.org/drawingml/2006/main" xmlns:r="http://schemas.openxmlformats.org/officeDocument/2006/relationships" xmlns:p="http://schemas.openxmlformats.org/presentationml/2006/main">
-  <p:cSld>
-    <p:spTree>
-      <p:nvGrpSpPr>
-        <p:cNvPr id="1" name=""/>
-        <p:cNvGrpSpPr/>
-        <p:nvPr/>
-      </p:nvGrpSpPr>
-      <p:grpSpPr>
-        <a:xfrm>
-          <a:off x="0" y="0"/>
-          <a:ext cx="0" cy="0"/>
-          <a:chOff x="0" y="0"/>
-          <a:chExt cx="0" cy="0"/>
-        </a:xfrm>
-      </p:grpSpPr>
-      <p:sp>
-        <p:nvSpPr>
-          <p:cNvPr id="3" name="Datumsplatzhalter 2"/>
-          <p:cNvSpPr>
-            <a:spLocks noGrp="1"/>
-          </p:cNvSpPr>
-          <p:nvPr>
-            <p:ph type="dt" sz="half" idx="10"/>
-          </p:nvPr>
-        </p:nvSpPr>
-        <p:spPr/>
-        <p:txBody>
-          <a:bodyPr/>
-          <a:lstStyle/>
-          <a:p>
-            <a:fld id="{8EA7A386-D2DA-4381-9278-D48217652768}" type="datetime1">
-              <a:rPr lang="de-DE" smtClean="0"/>
-              <a:t>20.12.2016</a:t>
-            </a:fld>
-            <a:endParaRPr lang="en-GB" dirty="0"/>
-          </a:p>
-        </p:txBody>
-      </p:sp>
-      <p:sp>
-        <p:nvSpPr>
-          <p:cNvPr id="4" name="Fußzeilenplatzhalter 3"/>
-          <p:cNvSpPr>
-            <a:spLocks noGrp="1"/>
-          </p:cNvSpPr>
-          <p:nvPr>
-            <p:ph type="ftr" sz="quarter" idx="11"/>
-          </p:nvPr>
-        </p:nvSpPr>
-        <p:spPr/>
-        <p:txBody>
-          <a:bodyPr/>
-          <a:lstStyle/>
-          <a:p>
-            <a:r>
-              <a:rPr lang="en-GB"/>
-              <a:t>Yannick Huber, Julia Giger</a:t>
-            </a:r>
-            <a:endParaRPr lang="en-GB" dirty="0"/>
-          </a:p>
-        </p:txBody>
-      </p:sp>
-      <p:sp>
-        <p:nvSpPr>
-          <p:cNvPr id="5" name="Foliennummernplatzhalter 4"/>
-          <p:cNvSpPr>
-            <a:spLocks noGrp="1"/>
-          </p:cNvSpPr>
-          <p:nvPr>
-            <p:ph type="sldNum" sz="quarter" idx="12"/>
-          </p:nvPr>
-        </p:nvSpPr>
-        <p:spPr/>
-        <p:txBody>
-          <a:bodyPr/>
-          <a:lstStyle/>
-          <a:p>
-            <a:fld id="{6C6AE60A-B69C-4790-82F7-3882EDF23186}" type="slidenum">
-              <a:rPr lang="en-GB" smtClean="0"/>
-              <a:pPr/>
-              <a:t>3</a:t>
-            </a:fld>
-            <a:endParaRPr lang="en-GB" dirty="0"/>
-          </a:p>
-        </p:txBody>
-      </p:sp>
-      <p:sp>
-        <p:nvSpPr>
-          <p:cNvPr id="10" name="Titel 9"/>
-          <p:cNvSpPr>
-            <a:spLocks noGrp="1"/>
-          </p:cNvSpPr>
-          <p:nvPr>
-            <p:ph type="title"/>
-          </p:nvPr>
-        </p:nvSpPr>
-        <p:spPr/>
-        <p:txBody>
-          <a:bodyPr/>
-          <a:lstStyle/>
-          <a:p>
-            <a:r>
-              <a:rPr lang="en-GB" dirty="0"/>
-              <a:t>Yannick’s fancy part</a:t>
-            </a:r>
-          </a:p>
-        </p:txBody>
-      </p:sp>
-      <mc:AlternateContent xmlns:mc="http://schemas.openxmlformats.org/markup-compatibility/2006" xmlns:a14="http://schemas.microsoft.com/office/drawing/2010/main">
-        <mc:Choice Requires="a14">
-          <p:sp>
-            <p:nvSpPr>
-              <p:cNvPr id="2" name="Inhaltsplatzhalter 1"/>
-              <p:cNvSpPr>
-                <a:spLocks noGrp="1"/>
-              </p:cNvSpPr>
-              <p:nvPr>
-                <p:ph idx="1"/>
-              </p:nvPr>
-            </p:nvSpPr>
-            <p:spPr/>
-            <p:txBody>
-              <a:bodyPr/>
-              <a:lstStyle/>
-              <a:p>
-                <a14:m>
-                  <m:oMath xmlns:m="http://schemas.openxmlformats.org/officeDocument/2006/math">
-                    <m:sSup>
-                      <m:sSupPr>
-                        <m:ctrlPr>
-                          <a:rPr lang="pt-BR" i="1" smtClean="0">
-                            <a:latin typeface="Cambria Math" panose="02040503050406030204" pitchFamily="18" charset="0"/>
-                          </a:rPr>
-                        </m:ctrlPr>
-                      </m:sSupPr>
-                      <m:e>
-                        <m:d>
-                          <m:dPr>
-                            <m:ctrlPr>
-                              <a:rPr lang="pt-BR" i="1" smtClean="0">
-                                <a:latin typeface="Cambria Math" panose="02040503050406030204" pitchFamily="18" charset="0"/>
-                              </a:rPr>
-                            </m:ctrlPr>
-                          </m:dPr>
-                          <m:e>
-                            <m:r>
-                              <a:rPr lang="pt-BR" i="1" smtClean="0">
-                                <a:latin typeface="Cambria Math" panose="02040503050406030204" pitchFamily="18" charset="0"/>
-                              </a:rPr>
-                              <m:t>𝑥</m:t>
-                            </m:r>
-                            <m:r>
-                              <a:rPr lang="pt-BR" i="1" smtClean="0">
-                                <a:latin typeface="Cambria Math" panose="02040503050406030204" pitchFamily="18" charset="0"/>
-                              </a:rPr>
-                              <m:t>+</m:t>
-                            </m:r>
-                            <m:r>
-                              <a:rPr lang="pt-BR" i="1" smtClean="0">
-                                <a:latin typeface="Cambria Math" panose="02040503050406030204" pitchFamily="18" charset="0"/>
-                              </a:rPr>
-                              <m:t>𝑎</m:t>
-                            </m:r>
-                          </m:e>
-                        </m:d>
-                      </m:e>
-                      <m:sup>
-                        <m:r>
-                          <a:rPr lang="pt-BR" i="1" smtClean="0">
-                            <a:latin typeface="Cambria Math" panose="02040503050406030204" pitchFamily="18" charset="0"/>
-                          </a:rPr>
-                          <m:t>𝑛</m:t>
-                        </m:r>
-                      </m:sup>
-                    </m:sSup>
-                    <m:r>
-                      <a:rPr lang="pt-BR" i="1" smtClean="0">
-                        <a:latin typeface="Cambria Math" panose="02040503050406030204" pitchFamily="18" charset="0"/>
-                      </a:rPr>
-                      <m:t>=</m:t>
-                    </m:r>
-                    <m:nary>
-                      <m:naryPr>
-                        <m:chr m:val="∑"/>
-                        <m:ctrlPr>
-                          <a:rPr lang="pt-BR" i="1" smtClean="0">
-                            <a:latin typeface="Cambria Math" panose="02040503050406030204" pitchFamily="18" charset="0"/>
-                          </a:rPr>
-                        </m:ctrlPr>
-                      </m:naryPr>
-                      <m:sub>
-                        <m:r>
-                          <a:rPr lang="pt-BR" i="1" smtClean="0">
-                            <a:latin typeface="Cambria Math" panose="02040503050406030204" pitchFamily="18" charset="0"/>
-                          </a:rPr>
-                          <m:t>𝑘</m:t>
-                        </m:r>
-                        <m:r>
-                          <a:rPr lang="pt-BR" i="1" smtClean="0">
-                            <a:latin typeface="Cambria Math" panose="02040503050406030204" pitchFamily="18" charset="0"/>
-                          </a:rPr>
-                          <m:t>=0</m:t>
-                        </m:r>
-                      </m:sub>
-                      <m:sup>
-                        <m:r>
-                          <a:rPr lang="pt-BR" i="1" smtClean="0">
-                            <a:latin typeface="Cambria Math" panose="02040503050406030204" pitchFamily="18" charset="0"/>
-                          </a:rPr>
-                          <m:t>𝑛</m:t>
-                        </m:r>
-                      </m:sup>
-                      <m:e>
-                        <m:d>
-                          <m:dPr>
-                            <m:ctrlPr>
-                              <a:rPr lang="pt-BR" i="1" smtClean="0">
-                                <a:latin typeface="Cambria Math" panose="02040503050406030204" pitchFamily="18" charset="0"/>
-                              </a:rPr>
-                            </m:ctrlPr>
-                          </m:dPr>
-                          <m:e>
-                            <m:f>
-                              <m:fPr>
-                                <m:type m:val="noBar"/>
-                                <m:ctrlPr>
-                                  <a:rPr lang="pt-BR" i="1" smtClean="0">
-                                    <a:latin typeface="Cambria Math" panose="02040503050406030204" pitchFamily="18" charset="0"/>
-                                  </a:rPr>
-                                </m:ctrlPr>
-                              </m:fPr>
-                              <m:num>
-                                <m:r>
-                                  <a:rPr lang="pt-BR" i="1" smtClean="0">
-                                    <a:latin typeface="Cambria Math" panose="02040503050406030204" pitchFamily="18" charset="0"/>
-                                  </a:rPr>
-                                  <m:t>𝑛</m:t>
-                                </m:r>
-                              </m:num>
-                              <m:den>
-                                <m:r>
-                                  <a:rPr lang="pt-BR" i="1" smtClean="0">
-                                    <a:latin typeface="Cambria Math" panose="02040503050406030204" pitchFamily="18" charset="0"/>
-                                  </a:rPr>
-                                  <m:t>𝑘</m:t>
-                                </m:r>
-                              </m:den>
-                            </m:f>
-                          </m:e>
-                        </m:d>
-                        <m:sSup>
-                          <m:sSupPr>
-                            <m:ctrlPr>
-                              <a:rPr lang="pt-BR" i="1" smtClean="0">
-                                <a:latin typeface="Cambria Math" panose="02040503050406030204" pitchFamily="18" charset="0"/>
-                              </a:rPr>
-                            </m:ctrlPr>
-                          </m:sSupPr>
-                          <m:e>
-                            <m:r>
-                              <a:rPr lang="pt-BR" i="1" smtClean="0">
-                                <a:latin typeface="Cambria Math" panose="02040503050406030204" pitchFamily="18" charset="0"/>
-                              </a:rPr>
-                              <m:t>𝑥</m:t>
-                            </m:r>
-                          </m:e>
-                          <m:sup>
-                            <m:r>
-                              <a:rPr lang="pt-BR" i="1" smtClean="0">
-                                <a:latin typeface="Cambria Math" panose="02040503050406030204" pitchFamily="18" charset="0"/>
-                              </a:rPr>
-                              <m:t>𝑘</m:t>
-                            </m:r>
-                          </m:sup>
-                        </m:sSup>
-                        <m:sSup>
-                          <m:sSupPr>
-                            <m:ctrlPr>
-                              <a:rPr lang="pt-BR" i="1" smtClean="0">
-                                <a:latin typeface="Cambria Math" panose="02040503050406030204" pitchFamily="18" charset="0"/>
-                              </a:rPr>
-                            </m:ctrlPr>
-                          </m:sSupPr>
-                          <m:e>
-                            <m:r>
-                              <a:rPr lang="pt-BR" i="1" smtClean="0">
-                                <a:latin typeface="Cambria Math" panose="02040503050406030204" pitchFamily="18" charset="0"/>
-                              </a:rPr>
-                              <m:t>𝑎</m:t>
-                            </m:r>
-                          </m:e>
-                          <m:sup>
-                            <m:r>
-                              <a:rPr lang="pt-BR" i="1" smtClean="0">
-                                <a:latin typeface="Cambria Math" panose="02040503050406030204" pitchFamily="18" charset="0"/>
-                              </a:rPr>
-                              <m:t>𝑛</m:t>
-                            </m:r>
-                            <m:r>
-                              <a:rPr lang="pt-BR" i="1" smtClean="0">
-                                <a:latin typeface="Cambria Math" panose="02040503050406030204" pitchFamily="18" charset="0"/>
-                              </a:rPr>
-                              <m:t>−</m:t>
-                            </m:r>
-                            <m:r>
-                              <a:rPr lang="pt-BR" i="1" smtClean="0">
-                                <a:latin typeface="Cambria Math" panose="02040503050406030204" pitchFamily="18" charset="0"/>
-                              </a:rPr>
-                              <m:t>𝑘</m:t>
-                            </m:r>
-                          </m:sup>
-                        </m:sSup>
-                      </m:e>
-                    </m:nary>
-                  </m:oMath>
-                </a14:m>
-                <a:endParaRPr lang="en-GB" dirty="0"/>
-              </a:p>
-              <a:p>
-                <a14:m>
-                  <m:oMath xmlns:m="http://schemas.openxmlformats.org/officeDocument/2006/math">
-                    <m:sSup>
-                      <m:sSupPr>
-                        <m:ctrlPr>
-                          <a:rPr lang="en-GB" i="1" smtClean="0">
-                            <a:latin typeface="Cambria Math" panose="02040503050406030204" pitchFamily="18" charset="0"/>
-                          </a:rPr>
-                        </m:ctrlPr>
-                      </m:sSupPr>
-                      <m:e>
-                        <m:d>
-                          <m:dPr>
-                            <m:ctrlPr>
-                              <a:rPr lang="en-GB" i="1" smtClean="0">
-                                <a:latin typeface="Cambria Math" panose="02040503050406030204" pitchFamily="18" charset="0"/>
-                              </a:rPr>
-                            </m:ctrlPr>
-                          </m:dPr>
-                          <m:e>
-                            <m:r>
-                              <a:rPr lang="en-GB" i="1" smtClean="0">
-                                <a:latin typeface="Cambria Math" panose="02040503050406030204" pitchFamily="18" charset="0"/>
-                              </a:rPr>
-                              <m:t>1+</m:t>
-                            </m:r>
-                            <m:r>
-                              <a:rPr lang="en-GB" i="1" smtClean="0">
-                                <a:latin typeface="Cambria Math" panose="02040503050406030204" pitchFamily="18" charset="0"/>
-                              </a:rPr>
-                              <m:t>𝑥</m:t>
-                            </m:r>
-                          </m:e>
-                        </m:d>
-                      </m:e>
-                      <m:sup>
-                        <m:r>
-                          <a:rPr lang="en-GB" i="1" smtClean="0">
-                            <a:latin typeface="Cambria Math" panose="02040503050406030204" pitchFamily="18" charset="0"/>
-                          </a:rPr>
-                          <m:t>𝑛</m:t>
-                        </m:r>
-                      </m:sup>
-                    </m:sSup>
-                    <m:r>
-                      <a:rPr lang="en-GB" i="1" smtClean="0">
-                        <a:latin typeface="Cambria Math" panose="02040503050406030204" pitchFamily="18" charset="0"/>
-                      </a:rPr>
-                      <m:t>=1+</m:t>
-                    </m:r>
-                    <m:f>
-                      <m:fPr>
-                        <m:ctrlPr>
-                          <a:rPr lang="en-GB" i="1" smtClean="0">
-                            <a:latin typeface="Cambria Math" panose="02040503050406030204" pitchFamily="18" charset="0"/>
-                          </a:rPr>
-                        </m:ctrlPr>
-                      </m:fPr>
-                      <m:num>
-                        <m:r>
-                          <a:rPr lang="en-GB" i="1" smtClean="0">
-                            <a:latin typeface="Cambria Math" panose="02040503050406030204" pitchFamily="18" charset="0"/>
-                          </a:rPr>
-                          <m:t>𝑛𝑥</m:t>
-                        </m:r>
-                      </m:num>
-                      <m:den>
-                        <m:r>
-                          <a:rPr lang="en-GB" i="1" smtClean="0">
-                            <a:latin typeface="Cambria Math" panose="02040503050406030204" pitchFamily="18" charset="0"/>
-                          </a:rPr>
-                          <m:t>1!</m:t>
-                        </m:r>
-                      </m:den>
-                    </m:f>
-                    <m:r>
-                      <a:rPr lang="en-GB" i="1" smtClean="0">
-                        <a:latin typeface="Cambria Math" panose="02040503050406030204" pitchFamily="18" charset="0"/>
-                      </a:rPr>
-                      <m:t>+</m:t>
-                    </m:r>
-                    <m:f>
-                      <m:fPr>
-                        <m:ctrlPr>
-                          <a:rPr lang="en-GB" i="1" smtClean="0">
-                            <a:latin typeface="Cambria Math" panose="02040503050406030204" pitchFamily="18" charset="0"/>
-                          </a:rPr>
-                        </m:ctrlPr>
-                      </m:fPr>
-                      <m:num>
-                        <m:r>
-                          <a:rPr lang="en-GB" i="1" smtClean="0">
-                            <a:latin typeface="Cambria Math" panose="02040503050406030204" pitchFamily="18" charset="0"/>
-                          </a:rPr>
-                          <m:t>𝑛</m:t>
-                        </m:r>
-                        <m:d>
-                          <m:dPr>
-                            <m:ctrlPr>
-                              <a:rPr lang="en-GB" i="1" smtClean="0">
-                                <a:latin typeface="Cambria Math" panose="02040503050406030204" pitchFamily="18" charset="0"/>
-                              </a:rPr>
-                            </m:ctrlPr>
-                          </m:dPr>
-                          <m:e>
-                            <m:r>
-                              <a:rPr lang="en-GB" i="1" smtClean="0">
-                                <a:latin typeface="Cambria Math" panose="02040503050406030204" pitchFamily="18" charset="0"/>
-                              </a:rPr>
-                              <m:t>𝑛</m:t>
-                            </m:r>
-                            <m:r>
-                              <a:rPr lang="en-GB" i="1" smtClean="0">
-                                <a:latin typeface="Cambria Math" panose="02040503050406030204" pitchFamily="18" charset="0"/>
-                              </a:rPr>
-                              <m:t>−1</m:t>
-                            </m:r>
-                          </m:e>
-                        </m:d>
-                        <m:sSup>
-                          <m:sSupPr>
-                            <m:ctrlPr>
-                              <a:rPr lang="en-GB" i="1" smtClean="0">
-                                <a:latin typeface="Cambria Math" panose="02040503050406030204" pitchFamily="18" charset="0"/>
-                              </a:rPr>
-                            </m:ctrlPr>
-                          </m:sSupPr>
-                          <m:e>
-                            <m:r>
-                              <a:rPr lang="en-GB" i="1" smtClean="0">
-                                <a:latin typeface="Cambria Math" panose="02040503050406030204" pitchFamily="18" charset="0"/>
-                              </a:rPr>
-                              <m:t>𝑥</m:t>
-                            </m:r>
-                          </m:e>
-                          <m:sup>
-                            <m:r>
-                              <a:rPr lang="en-GB" i="1" smtClean="0">
-                                <a:latin typeface="Cambria Math" panose="02040503050406030204" pitchFamily="18" charset="0"/>
-                              </a:rPr>
-                              <m:t>2</m:t>
-                            </m:r>
-                          </m:sup>
-                        </m:sSup>
-                      </m:num>
-                      <m:den>
-                        <m:r>
-                          <a:rPr lang="en-GB" i="1" smtClean="0">
-                            <a:latin typeface="Cambria Math" panose="02040503050406030204" pitchFamily="18" charset="0"/>
-                          </a:rPr>
-                          <m:t>2!</m:t>
-                        </m:r>
-                      </m:den>
-                    </m:f>
-                    <m:r>
-                      <a:rPr lang="en-GB" i="1" smtClean="0">
-                        <a:latin typeface="Cambria Math" panose="02040503050406030204" pitchFamily="18" charset="0"/>
-                      </a:rPr>
-                      <m:t>+…</m:t>
-                    </m:r>
-                  </m:oMath>
-                </a14:m>
-                <a:endParaRPr lang="en-GB" dirty="0"/>
-              </a:p>
-              <a:p>
-                <a14:m>
-                  <m:oMath xmlns:m="http://schemas.openxmlformats.org/officeDocument/2006/math">
-                    <m:r>
-                      <a:rPr lang="pt-BR" i="1" smtClean="0">
-                        <a:latin typeface="Cambria Math" panose="02040503050406030204" pitchFamily="18" charset="0"/>
-                      </a:rPr>
-                      <m:t>𝑓</m:t>
-                    </m:r>
-                    <m:d>
-                      <m:dPr>
-                        <m:ctrlPr>
-                          <a:rPr lang="pt-BR" i="1" smtClean="0">
-                            <a:latin typeface="Cambria Math" panose="02040503050406030204" pitchFamily="18" charset="0"/>
-                          </a:rPr>
-                        </m:ctrlPr>
-                      </m:dPr>
-                      <m:e>
-                        <m:r>
-                          <a:rPr lang="pt-BR" i="1" smtClean="0">
-                            <a:latin typeface="Cambria Math" panose="02040503050406030204" pitchFamily="18" charset="0"/>
-                          </a:rPr>
-                          <m:t>𝑥</m:t>
-                        </m:r>
-                      </m:e>
-                    </m:d>
-                    <m:r>
-                      <a:rPr lang="pt-BR" i="1" smtClean="0">
-                        <a:latin typeface="Cambria Math" panose="02040503050406030204" pitchFamily="18" charset="0"/>
-                      </a:rPr>
-                      <m:t>=</m:t>
-                    </m:r>
-                    <m:sSub>
-                      <m:sSubPr>
-                        <m:ctrlPr>
-                          <a:rPr lang="pt-BR" i="1" smtClean="0">
-                            <a:latin typeface="Cambria Math" panose="02040503050406030204" pitchFamily="18" charset="0"/>
-                          </a:rPr>
-                        </m:ctrlPr>
-                      </m:sSubPr>
-                      <m:e>
-                        <m:r>
-                          <a:rPr lang="pt-BR" i="1" smtClean="0">
-                            <a:latin typeface="Cambria Math" panose="02040503050406030204" pitchFamily="18" charset="0"/>
-                          </a:rPr>
-                          <m:t>𝑎</m:t>
-                        </m:r>
-                      </m:e>
-                      <m:sub>
-                        <m:r>
-                          <a:rPr lang="pt-BR" i="1" smtClean="0">
-                            <a:latin typeface="Cambria Math" panose="02040503050406030204" pitchFamily="18" charset="0"/>
-                          </a:rPr>
-                          <m:t>0</m:t>
-                        </m:r>
-                      </m:sub>
-                    </m:sSub>
-                    <m:r>
-                      <a:rPr lang="pt-BR" i="1" smtClean="0">
-                        <a:latin typeface="Cambria Math" panose="02040503050406030204" pitchFamily="18" charset="0"/>
-                      </a:rPr>
-                      <m:t>+</m:t>
-                    </m:r>
-                    <m:nary>
-                      <m:naryPr>
-                        <m:chr m:val="∑"/>
-                        <m:ctrlPr>
-                          <a:rPr lang="pt-BR" i="1" smtClean="0">
-                            <a:latin typeface="Cambria Math" panose="02040503050406030204" pitchFamily="18" charset="0"/>
-                          </a:rPr>
-                        </m:ctrlPr>
-                      </m:naryPr>
-                      <m:sub>
-                        <m:r>
-                          <a:rPr lang="pt-BR" i="1" smtClean="0">
-                            <a:latin typeface="Cambria Math" panose="02040503050406030204" pitchFamily="18" charset="0"/>
-                          </a:rPr>
-                          <m:t>𝑛</m:t>
-                        </m:r>
-                        <m:r>
-                          <a:rPr lang="pt-BR" i="1" smtClean="0">
-                            <a:latin typeface="Cambria Math" panose="02040503050406030204" pitchFamily="18" charset="0"/>
-                          </a:rPr>
-                          <m:t>=1</m:t>
-                        </m:r>
-                      </m:sub>
-                      <m:sup>
-                        <m:r>
-                          <a:rPr lang="pt-BR" i="1" smtClean="0">
-                            <a:latin typeface="Cambria Math" panose="02040503050406030204" pitchFamily="18" charset="0"/>
-                          </a:rPr>
-                          <m:t>∞</m:t>
-                        </m:r>
-                      </m:sup>
-                      <m:e>
-                        <m:d>
-                          <m:dPr>
-                            <m:ctrlPr>
-                              <a:rPr lang="pt-BR" i="1" smtClean="0">
-                                <a:latin typeface="Cambria Math" panose="02040503050406030204" pitchFamily="18" charset="0"/>
-                              </a:rPr>
-                            </m:ctrlPr>
-                          </m:dPr>
-                          <m:e>
-                            <m:sSub>
-                              <m:sSubPr>
-                                <m:ctrlPr>
-                                  <a:rPr lang="pt-BR" i="1" smtClean="0">
-                                    <a:latin typeface="Cambria Math" panose="02040503050406030204" pitchFamily="18" charset="0"/>
-                                  </a:rPr>
-                                </m:ctrlPr>
-                              </m:sSubPr>
-                              <m:e>
-                                <m:r>
-                                  <a:rPr lang="pt-BR" i="1" smtClean="0">
-                                    <a:latin typeface="Cambria Math" panose="02040503050406030204" pitchFamily="18" charset="0"/>
-                                  </a:rPr>
-                                  <m:t>𝑎</m:t>
-                                </m:r>
-                              </m:e>
-                              <m:sub>
-                                <m:r>
-                                  <a:rPr lang="pt-BR" i="1" smtClean="0">
-                                    <a:latin typeface="Cambria Math" panose="02040503050406030204" pitchFamily="18" charset="0"/>
-                                  </a:rPr>
-                                  <m:t>𝑛</m:t>
-                                </m:r>
-                              </m:sub>
-                            </m:sSub>
-                            <m:func>
-                              <m:funcPr>
-                                <m:ctrlPr>
-                                  <a:rPr lang="pt-BR" i="1" smtClean="0">
-                                    <a:latin typeface="Cambria Math" panose="02040503050406030204" pitchFamily="18" charset="0"/>
-                                  </a:rPr>
-                                </m:ctrlPr>
-                              </m:funcPr>
-                              <m:fName>
-                                <m:r>
-                                  <m:rPr>
-                                    <m:sty m:val="p"/>
-                                  </m:rPr>
-                                  <a:rPr lang="pt-BR" i="0" smtClean="0">
-                                    <a:latin typeface="Cambria Math" panose="02040503050406030204" pitchFamily="18" charset="0"/>
-                                  </a:rPr>
-                                  <m:t>cos</m:t>
-                                </m:r>
-                              </m:fName>
-                              <m:e>
-                                <m:f>
-                                  <m:fPr>
-                                    <m:ctrlPr>
-                                      <a:rPr lang="pt-BR" i="1" smtClean="0">
-                                        <a:latin typeface="Cambria Math" panose="02040503050406030204" pitchFamily="18" charset="0"/>
-                                      </a:rPr>
-                                    </m:ctrlPr>
-                                  </m:fPr>
-                                  <m:num>
-                                    <m:r>
-                                      <a:rPr lang="pt-BR" i="1" smtClean="0">
-                                        <a:latin typeface="Cambria Math" panose="02040503050406030204" pitchFamily="18" charset="0"/>
-                                      </a:rPr>
-                                      <m:t>𝑛</m:t>
-                                    </m:r>
-                                    <m:r>
-                                      <a:rPr lang="pt-BR" i="1" smtClean="0">
-                                        <a:latin typeface="Cambria Math" panose="02040503050406030204" pitchFamily="18" charset="0"/>
-                                      </a:rPr>
-                                      <m:t>𝜋</m:t>
-                                    </m:r>
-                                    <m:r>
-                                      <a:rPr lang="pt-BR" i="1" smtClean="0">
-                                        <a:latin typeface="Cambria Math" panose="02040503050406030204" pitchFamily="18" charset="0"/>
-                                      </a:rPr>
-                                      <m:t>𝑥</m:t>
-                                    </m:r>
-                                  </m:num>
-                                  <m:den>
-                                    <m:r>
-                                      <a:rPr lang="pt-BR" i="1" smtClean="0">
-                                        <a:latin typeface="Cambria Math" panose="02040503050406030204" pitchFamily="18" charset="0"/>
-                                      </a:rPr>
-                                      <m:t>𝐿</m:t>
-                                    </m:r>
-                                  </m:den>
-                                </m:f>
-                              </m:e>
-                            </m:func>
-                            <m:r>
-                              <a:rPr lang="pt-BR" i="1" smtClean="0">
-                                <a:latin typeface="Cambria Math" panose="02040503050406030204" pitchFamily="18" charset="0"/>
-                              </a:rPr>
-                              <m:t>+</m:t>
-                            </m:r>
-                            <m:sSub>
-                              <m:sSubPr>
-                                <m:ctrlPr>
-                                  <a:rPr lang="pt-BR" i="1" smtClean="0">
-                                    <a:latin typeface="Cambria Math" panose="02040503050406030204" pitchFamily="18" charset="0"/>
-                                  </a:rPr>
-                                </m:ctrlPr>
-                              </m:sSubPr>
-                              <m:e>
-                                <m:r>
-                                  <a:rPr lang="pt-BR" i="1" smtClean="0">
-                                    <a:latin typeface="Cambria Math" panose="02040503050406030204" pitchFamily="18" charset="0"/>
-                                  </a:rPr>
-                                  <m:t>𝑏</m:t>
-                                </m:r>
-                              </m:e>
-                              <m:sub>
-                                <m:r>
-                                  <a:rPr lang="pt-BR" i="1" smtClean="0">
-                                    <a:latin typeface="Cambria Math" panose="02040503050406030204" pitchFamily="18" charset="0"/>
-                                  </a:rPr>
-                                  <m:t>𝑛</m:t>
-                                </m:r>
-                              </m:sub>
-                            </m:sSub>
-                            <m:func>
-                              <m:funcPr>
-                                <m:ctrlPr>
-                                  <a:rPr lang="pt-BR" i="1" smtClean="0">
-                                    <a:latin typeface="Cambria Math" panose="02040503050406030204" pitchFamily="18" charset="0"/>
-                                  </a:rPr>
-                                </m:ctrlPr>
-                              </m:funcPr>
-                              <m:fName>
-                                <m:r>
-                                  <m:rPr>
-                                    <m:sty m:val="p"/>
-                                  </m:rPr>
-                                  <a:rPr lang="pt-BR" i="0" smtClean="0">
-                                    <a:latin typeface="Cambria Math" panose="02040503050406030204" pitchFamily="18" charset="0"/>
-                                  </a:rPr>
-                                  <m:t>sin</m:t>
-                                </m:r>
-                              </m:fName>
-                              <m:e>
-                                <m:f>
-                                  <m:fPr>
-                                    <m:ctrlPr>
-                                      <a:rPr lang="pt-BR" i="1" smtClean="0">
-                                        <a:latin typeface="Cambria Math" panose="02040503050406030204" pitchFamily="18" charset="0"/>
-                                      </a:rPr>
-                                    </m:ctrlPr>
-                                  </m:fPr>
-                                  <m:num>
-                                    <m:r>
-                                      <a:rPr lang="pt-BR" i="1" smtClean="0">
-                                        <a:latin typeface="Cambria Math" panose="02040503050406030204" pitchFamily="18" charset="0"/>
-                                      </a:rPr>
-                                      <m:t>𝑛</m:t>
-                                    </m:r>
-                                    <m:r>
-                                      <a:rPr lang="pt-BR" i="1" smtClean="0">
-                                        <a:latin typeface="Cambria Math" panose="02040503050406030204" pitchFamily="18" charset="0"/>
-                                      </a:rPr>
-                                      <m:t>𝜋</m:t>
-                                    </m:r>
-                                    <m:r>
-                                      <a:rPr lang="pt-BR" i="1" smtClean="0">
-                                        <a:latin typeface="Cambria Math" panose="02040503050406030204" pitchFamily="18" charset="0"/>
-                                      </a:rPr>
-                                      <m:t>𝑥</m:t>
-                                    </m:r>
-                                  </m:num>
-                                  <m:den>
-                                    <m:r>
-                                      <a:rPr lang="pt-BR" i="1" smtClean="0">
-                                        <a:latin typeface="Cambria Math" panose="02040503050406030204" pitchFamily="18" charset="0"/>
-                                      </a:rPr>
-                                      <m:t>𝐿</m:t>
-                                    </m:r>
-                                  </m:den>
-                                </m:f>
-                              </m:e>
-                            </m:func>
-                          </m:e>
-                        </m:d>
-                      </m:e>
-                    </m:nary>
-                  </m:oMath>
-                </a14:m>
-                <a:endParaRPr lang="en-GB" dirty="0"/>
-              </a:p>
-            </p:txBody>
-          </p:sp>
-        </mc:Choice>
-        <mc:Fallback xmlns="">
-          <p:sp>
-            <p:nvSpPr>
-              <p:cNvPr id="2" name="Inhaltsplatzhalter 1"/>
-              <p:cNvSpPr>
-                <a:spLocks noGrp="1" noRot="1" noChangeAspect="1" noMove="1" noResize="1" noEditPoints="1" noAdjustHandles="1" noChangeArrowheads="1" noChangeShapeType="1" noTextEdit="1"/>
-              </p:cNvSpPr>
-              <p:nvPr>
-                <p:ph idx="1"/>
-              </p:nvPr>
-            </p:nvSpPr>
-            <p:spPr>
-              <a:blipFill>
-                <a:blip r:embed="rId3"/>
-                <a:stretch>
-                  <a:fillRect/>
-                </a:stretch>
-              </a:blipFill>
-            </p:spPr>
-            <p:txBody>
-              <a:bodyPr/>
-              <a:lstStyle/>
-              <a:p>
-                <a:r>
-                  <a:rPr lang="en-GB">
-                    <a:noFill/>
-                  </a:rPr>
-                  <a:t> </a:t>
-                </a:r>
-              </a:p>
-            </p:txBody>
-          </p:sp>
-        </mc:Fallback>
-      </mc:AlternateContent>
-    </p:spTree>
-    <p:extLst>
-      <p:ext uri="{BB962C8B-B14F-4D97-AF65-F5344CB8AC3E}">
-        <p14:creationId xmlns:p14="http://schemas.microsoft.com/office/powerpoint/2010/main" val="185464319"/>
-      </p:ext>
-    </p:extLst>
-  </p:cSld>
-  <p:clrMapOvr>
-    <a:masterClrMapping/>
-  </p:clrMapOvr>
-  <p:transition>
-    <p:fade/>
-  </p:transition>
-</p:sld>
-</file>
-
-<file path=ppt/slides/slide4.xml><?xml version="1.0" encoding="utf-8"?>
-<p:sld xmlns:a="http://schemas.openxmlformats.org/drawingml/2006/main" xmlns:r="http://schemas.openxmlformats.org/officeDocument/2006/relationships" xmlns:p="http://schemas.openxmlformats.org/presentationml/2006/main">
-  <p:cSld>
-    <p:spTree>
-      <p:nvGrpSpPr>
-        <p:cNvPr id="1" name=""/>
-        <p:cNvGrpSpPr/>
-        <p:nvPr/>
-      </p:nvGrpSpPr>
-      <p:grpSpPr>
-        <a:xfrm>
-          <a:off x="0" y="0"/>
-          <a:ext cx="0" cy="0"/>
-          <a:chOff x="0" y="0"/>
-          <a:chExt cx="0" cy="0"/>
-        </a:xfrm>
-      </p:grpSpPr>
-      <p:sp>
-        <p:nvSpPr>
-          <p:cNvPr id="3" name="Datumsplatzhalter 2"/>
-          <p:cNvSpPr>
-            <a:spLocks noGrp="1"/>
-          </p:cNvSpPr>
-          <p:nvPr>
-            <p:ph type="dt" sz="half" idx="10"/>
-          </p:nvPr>
-        </p:nvSpPr>
-        <p:spPr/>
-        <p:txBody>
-          <a:bodyPr/>
-          <a:lstStyle/>
-          <a:p>
-            <a:fld id="{8EA7A386-D2DA-4381-9278-D48217652768}" type="datetime1">
-              <a:rPr lang="de-DE" smtClean="0"/>
-              <a:t>20.12.2016</a:t>
-            </a:fld>
-            <a:endParaRPr lang="en-GB" dirty="0"/>
-          </a:p>
-        </p:txBody>
-      </p:sp>
-      <p:sp>
-        <p:nvSpPr>
-          <p:cNvPr id="4" name="Fußzeilenplatzhalter 3"/>
-          <p:cNvSpPr>
-            <a:spLocks noGrp="1"/>
-          </p:cNvSpPr>
-          <p:nvPr>
-            <p:ph type="ftr" sz="quarter" idx="11"/>
-          </p:nvPr>
-        </p:nvSpPr>
-        <p:spPr/>
-        <p:txBody>
-          <a:bodyPr/>
-          <a:lstStyle/>
-          <a:p>
-            <a:r>
-              <a:rPr lang="en-GB"/>
-              <a:t>Yannick Huber, Julia Giger</a:t>
-            </a:r>
-            <a:endParaRPr lang="en-GB" dirty="0"/>
-          </a:p>
-        </p:txBody>
-      </p:sp>
-      <p:sp>
-        <p:nvSpPr>
-          <p:cNvPr id="5" name="Foliennummernplatzhalter 4"/>
-          <p:cNvSpPr>
-            <a:spLocks noGrp="1"/>
-          </p:cNvSpPr>
-          <p:nvPr>
-            <p:ph type="sldNum" sz="quarter" idx="12"/>
-          </p:nvPr>
-        </p:nvSpPr>
-        <p:spPr/>
-        <p:txBody>
-          <a:bodyPr/>
-          <a:lstStyle/>
-          <a:p>
-            <a:fld id="{6C6AE60A-B69C-4790-82F7-3882EDF23186}" type="slidenum">
-              <a:rPr lang="en-GB" smtClean="0"/>
-              <a:pPr/>
-              <a:t>4</a:t>
-            </a:fld>
-            <a:endParaRPr lang="en-GB" dirty="0"/>
-          </a:p>
-        </p:txBody>
-      </p:sp>
-      <p:sp>
-        <p:nvSpPr>
-          <p:cNvPr id="10" name="Titel 9"/>
-          <p:cNvSpPr>
-            <a:spLocks noGrp="1"/>
-          </p:cNvSpPr>
-          <p:nvPr>
-            <p:ph type="title"/>
-          </p:nvPr>
-        </p:nvSpPr>
-        <p:spPr/>
-        <p:txBody>
-          <a:bodyPr/>
-          <a:lstStyle/>
-          <a:p>
-            <a:r>
-              <a:rPr lang="en-GB" dirty="0"/>
-              <a:t>Problems</a:t>
-            </a:r>
-          </a:p>
-        </p:txBody>
-      </p:sp>
-      <p:sp>
-        <p:nvSpPr>
-          <p:cNvPr id="2" name="Inhaltsplatzhalter 1"/>
-          <p:cNvSpPr>
-            <a:spLocks noGrp="1"/>
-          </p:cNvSpPr>
-          <p:nvPr>
-            <p:ph idx="1"/>
-          </p:nvPr>
-        </p:nvSpPr>
-        <p:spPr/>
-        <p:txBody>
-          <a:bodyPr/>
-          <a:lstStyle/>
-          <a:p>
-            <a:r>
-              <a:rPr lang="en-GB" dirty="0"/>
-              <a:t>Box</a:t>
-            </a:r>
-          </a:p>
-          <a:p>
-            <a:r>
-              <a:rPr lang="en-GB" dirty="0"/>
-              <a:t>Stacking</a:t>
-            </a:r>
-          </a:p>
-        </p:txBody>
-      </p:sp>
-    </p:spTree>
-    <p:extLst>
-      <p:ext uri="{BB962C8B-B14F-4D97-AF65-F5344CB8AC3E}">
-        <p14:creationId xmlns:p14="http://schemas.microsoft.com/office/powerpoint/2010/main" val="2419372346"/>
-      </p:ext>
-    </p:extLst>
-  </p:cSld>
-  <p:clrMapOvr>
-    <a:masterClrMapping/>
-  </p:clrMapOvr>
-  <p:transition>
-    <p:fade/>
-  </p:transition>
-  <p:timing>
-    <p:tnLst>
-      <p:par>
-        <p:cTn id="1" dur="indefinite" restart="never" nodeType="tmRoot">
-          <p:childTnLst>
-            <p:seq concurrent="1" nextAc="seek">
-              <p:cTn id="2" dur="indefinite" nodeType="mainSeq">
-                <p:childTnLst>
-                  <p:par>
-                    <p:cTn id="3" fill="hold">
-                      <p:stCondLst>
-                        <p:cond delay="indefinite"/>
-                      </p:stCondLst>
-                      <p:childTnLst>
-                        <p:par>
-                          <p:cTn id="4" fill="hold">
-                            <p:stCondLst>
-                              <p:cond delay="0"/>
-                            </p:stCondLst>
-                            <p:childTnLst>
-                              <p:par>
-                                <p:cTn id="5" presetID="1" presetClass="entr" presetSubtype="0" fill="hold" nodeType="clickEffect">
-                                  <p:stCondLst>
-                                    <p:cond delay="0"/>
-                                  </p:stCondLst>
-                                  <p:childTnLst>
-                                    <p:set>
-                                      <p:cBhvr>
-                                        <p:cTn id="6" dur="1" fill="hold">
-                                          <p:stCondLst>
-                                            <p:cond delay="0"/>
-                                          </p:stCondLst>
-                                        </p:cTn>
-                                        <p:tgtEl>
-                                          <p:spTgt spid="2">
-                                            <p:txEl>
-                                              <p:pRg st="0" end="0"/>
-                                            </p:txEl>
-                                          </p:spTgt>
-                                        </p:tgtEl>
-                                        <p:attrNameLst>
-                                          <p:attrName>style.visibility</p:attrName>
-                                        </p:attrNameLst>
-                                      </p:cBhvr>
-                                      <p:to>
-                                        <p:strVal val="visible"/>
-                                      </p:to>
-                                    </p:set>
-                                  </p:childTnLst>
-                                </p:cTn>
-                              </p:par>
-                            </p:childTnLst>
-                          </p:cTn>
-                        </p:par>
-                      </p:childTnLst>
-                    </p:cTn>
-                  </p:par>
-                  <p:par>
-                    <p:cTn id="7" fill="hold">
-                      <p:stCondLst>
-                        <p:cond delay="indefinite"/>
-                      </p:stCondLst>
-                      <p:childTnLst>
-                        <p:par>
-                          <p:cTn id="8" fill="hold">
-                            <p:stCondLst>
-                              <p:cond delay="0"/>
-                            </p:stCondLst>
-                            <p:childTnLst>
-                              <p:par>
-                                <p:cTn id="9" presetID="1" presetClass="entr" presetSubtype="0" fill="hold" nodeType="clickEffect">
-                                  <p:stCondLst>
-                                    <p:cond delay="0"/>
-                                  </p:stCondLst>
-                                  <p:childTnLst>
-                                    <p:set>
-                                      <p:cBhvr>
-                                        <p:cTn id="10" dur="1" fill="hold">
-                                          <p:stCondLst>
-                                            <p:cond delay="0"/>
-                                          </p:stCondLst>
-                                        </p:cTn>
-                                        <p:tgtEl>
-                                          <p:spTgt spid="2">
-                                            <p:txEl>
-                                              <p:pRg st="1" end="1"/>
-                                            </p:txEl>
-                                          </p:spTgt>
-                                        </p:tgtEl>
-                                        <p:attrNameLst>
-                                          <p:attrName>style.visibility</p:attrName>
-                                        </p:attrNameLst>
-                                      </p:cBhvr>
-                                      <p:to>
-                                        <p:strVal val="visible"/>
-                                      </p:to>
-                                    </p:set>
-                                  </p:childTnLst>
-                                </p:cTn>
-                              </p:par>
-                            </p:childTnLst>
-                          </p:cTn>
-                        </p:par>
-                      </p:childTnLst>
-                    </p:cTn>
-                  </p:par>
-                  <p:par>
-                    <p:cTn id="11" fill="hold">
-                      <p:stCondLst>
-                        <p:cond delay="indefinite"/>
-                      </p:stCondLst>
-                      <p:childTnLst>
-                        <p:par>
-                          <p:cTn id="12" fill="hold">
-                            <p:stCondLst>
-                              <p:cond delay="0"/>
-                            </p:stCondLst>
-                            <p:childTnLst>
-                              <p:par>
-                                <p:cTn id="13" presetID="26" presetClass="emph" presetSubtype="0" fill="hold" nodeType="clickEffect">
-                                  <p:stCondLst>
-                                    <p:cond delay="0"/>
-                                  </p:stCondLst>
-                                  <p:childTnLst>
-                                    <p:animEffect transition="out" filter="fade">
-                                      <p:cBhvr>
-                                        <p:cTn id="14" dur="500" tmFilter="0, 0; .2, .5; .8, .5; 1, 0"/>
-                                        <p:tgtEl>
-                                          <p:spTgt spid="2">
-                                            <p:txEl>
-                                              <p:pRg st="0" end="0"/>
-                                            </p:txEl>
-                                          </p:spTgt>
-                                        </p:tgtEl>
-                                      </p:cBhvr>
-                                    </p:animEffect>
-                                    <p:animScale>
-                                      <p:cBhvr>
-                                        <p:cTn id="15" dur="250" autoRev="1" fill="hold"/>
-                                        <p:tgtEl>
-                                          <p:spTgt spid="2">
-                                            <p:txEl>
-                                              <p:pRg st="0" end="0"/>
-                                            </p:txEl>
-                                          </p:spTgt>
-                                        </p:tgtEl>
-                                      </p:cBhvr>
-                                      <p:by x="105000" y="105000"/>
-                                    </p:animScale>
-                                  </p:childTnLst>
-                                </p:cTn>
-                              </p:par>
-                            </p:childTnLst>
-                          </p:cTn>
-                        </p:par>
-                      </p:childTnLst>
-                    </p:cTn>
-                  </p:par>
-                </p:childTnLst>
-              </p:cTn>
-              <p:prevCondLst>
-                <p:cond evt="onPrev" delay="0">
-                  <p:tgtEl>
-                    <p:sldTgt/>
-                  </p:tgtEl>
-                </p:cond>
-              </p:prevCondLst>
-              <p:nextCondLst>
-                <p:cond evt="onNext" delay="0">
-                  <p:tgtEl>
-                    <p:sldTgt/>
-                  </p:tgtEl>
-                </p:cond>
-              </p:nextCondLst>
-            </p:seq>
-          </p:childTnLst>
-        </p:cTn>
-      </p:par>
-    </p:tnLst>
-  </p:timing>
-</p:sld>
-</file>
-
-<file path=ppt/slides/slide5.xml><?xml version="1.0" encoding="utf-8"?>
-<p:sld xmlns:a="http://schemas.openxmlformats.org/drawingml/2006/main" xmlns:r="http://schemas.openxmlformats.org/officeDocument/2006/relationships" xmlns:p="http://schemas.openxmlformats.org/presentationml/2006/main">
-  <p:cSld>
-    <p:spTree>
-      <p:nvGrpSpPr>
-        <p:cNvPr id="1" name=""/>
-        <p:cNvGrpSpPr/>
-        <p:nvPr/>
-      </p:nvGrpSpPr>
-      <p:grpSpPr>
-        <a:xfrm>
-          <a:off x="0" y="0"/>
-          <a:ext cx="0" cy="0"/>
-          <a:chOff x="0" y="0"/>
-          <a:chExt cx="0" cy="0"/>
-        </a:xfrm>
-      </p:grpSpPr>
-      <p:sp>
-        <p:nvSpPr>
-          <p:cNvPr id="3" name="Datumsplatzhalter 2"/>
-          <p:cNvSpPr>
-            <a:spLocks noGrp="1"/>
-          </p:cNvSpPr>
-          <p:nvPr>
-            <p:ph type="dt" sz="half" idx="10"/>
-          </p:nvPr>
-        </p:nvSpPr>
-        <p:spPr/>
-        <p:txBody>
-          <a:bodyPr/>
-          <a:lstStyle/>
-          <a:p>
-            <a:fld id="{8EA7A386-D2DA-4381-9278-D48217652768}" type="datetime1">
-              <a:rPr lang="de-DE" smtClean="0"/>
-              <a:t>20.12.2016</a:t>
-            </a:fld>
-            <a:endParaRPr lang="en-GB" dirty="0"/>
-          </a:p>
-        </p:txBody>
-      </p:sp>
-      <p:sp>
-        <p:nvSpPr>
-          <p:cNvPr id="4" name="Fußzeilenplatzhalter 3"/>
-          <p:cNvSpPr>
-            <a:spLocks noGrp="1"/>
-          </p:cNvSpPr>
-          <p:nvPr>
-            <p:ph type="ftr" sz="quarter" idx="11"/>
-          </p:nvPr>
-        </p:nvSpPr>
-        <p:spPr/>
-        <p:txBody>
-          <a:bodyPr/>
-          <a:lstStyle/>
-          <a:p>
-            <a:r>
-              <a:rPr lang="en-GB"/>
-              <a:t>Yannick Huber, Julia Giger</a:t>
-            </a:r>
-            <a:endParaRPr lang="en-GB" dirty="0"/>
-          </a:p>
-        </p:txBody>
-      </p:sp>
-      <p:sp>
-        <p:nvSpPr>
-          <p:cNvPr id="5" name="Foliennummernplatzhalter 4"/>
-          <p:cNvSpPr>
-            <a:spLocks noGrp="1"/>
-          </p:cNvSpPr>
-          <p:nvPr>
-            <p:ph type="sldNum" sz="quarter" idx="12"/>
-          </p:nvPr>
-        </p:nvSpPr>
-        <p:spPr/>
-        <p:txBody>
-          <a:bodyPr/>
-          <a:lstStyle/>
-          <a:p>
-            <a:fld id="{6C6AE60A-B69C-4790-82F7-3882EDF23186}" type="slidenum">
-              <a:rPr lang="en-GB" smtClean="0"/>
-              <a:pPr/>
-              <a:t>5</a:t>
-            </a:fld>
-            <a:endParaRPr lang="en-GB" dirty="0"/>
-          </a:p>
-        </p:txBody>
-      </p:sp>
-      <p:sp>
-        <p:nvSpPr>
-          <p:cNvPr id="10" name="Titel 9"/>
-          <p:cNvSpPr>
-            <a:spLocks noGrp="1"/>
-          </p:cNvSpPr>
-          <p:nvPr>
-            <p:ph type="title"/>
-          </p:nvPr>
-        </p:nvSpPr>
-        <p:spPr/>
-        <p:txBody>
-          <a:bodyPr/>
-          <a:lstStyle/>
-          <a:p>
-            <a:r>
-              <a:rPr lang="en-GB" dirty="0"/>
-              <a:t>Box</a:t>
-            </a:r>
-          </a:p>
-        </p:txBody>
-      </p:sp>
-      <p:sp>
-        <p:nvSpPr>
-          <p:cNvPr id="2" name="Inhaltsplatzhalter 1"/>
-          <p:cNvSpPr>
-            <a:spLocks noGrp="1"/>
-          </p:cNvSpPr>
-          <p:nvPr>
-            <p:ph idx="1"/>
-          </p:nvPr>
-        </p:nvSpPr>
-        <p:spPr/>
-        <p:txBody>
-          <a:bodyPr/>
-          <a:lstStyle/>
-          <a:p>
-            <a:r>
-              <a:rPr lang="en-GB" dirty="0"/>
-              <a:t>Box_problem.mp4</a:t>
-            </a:r>
-          </a:p>
-        </p:txBody>
-      </p:sp>
-    </p:spTree>
-    <p:extLst>
-      <p:ext uri="{BB962C8B-B14F-4D97-AF65-F5344CB8AC3E}">
-        <p14:creationId xmlns:p14="http://schemas.microsoft.com/office/powerpoint/2010/main" val="3307930596"/>
-      </p:ext>
-    </p:extLst>
-  </p:cSld>
-  <p:clrMapOvr>
-    <a:masterClrMapping/>
-  </p:clrMapOvr>
-  <p:transition>
-    <p:fade/>
-  </p:transition>
-</p:sld>
-</file>
-
-<file path=ppt/slides/slide6.xml><?xml version="1.0" encoding="utf-8"?>
-<p:sld xmlns:a="http://schemas.openxmlformats.org/drawingml/2006/main" xmlns:r="http://schemas.openxmlformats.org/officeDocument/2006/relationships" xmlns:p="http://schemas.openxmlformats.org/presentationml/2006/main">
-  <p:cSld>
-    <p:spTree>
-      <p:nvGrpSpPr>
-        <p:cNvPr id="1" name=""/>
-        <p:cNvGrpSpPr/>
-        <p:nvPr/>
-      </p:nvGrpSpPr>
-      <p:grpSpPr>
-        <a:xfrm>
-          <a:off x="0" y="0"/>
-          <a:ext cx="0" cy="0"/>
-          <a:chOff x="0" y="0"/>
-          <a:chExt cx="0" cy="0"/>
-        </a:xfrm>
-      </p:grpSpPr>
-      <p:sp>
-        <p:nvSpPr>
-          <p:cNvPr id="3" name="Datumsplatzhalter 2"/>
-          <p:cNvSpPr>
-            <a:spLocks noGrp="1"/>
-          </p:cNvSpPr>
-          <p:nvPr>
-            <p:ph type="dt" sz="half" idx="10"/>
-          </p:nvPr>
-        </p:nvSpPr>
-        <p:spPr/>
-        <p:txBody>
-          <a:bodyPr/>
-          <a:lstStyle/>
-          <a:p>
-            <a:fld id="{8EA7A386-D2DA-4381-9278-D48217652768}" type="datetime1">
-              <a:rPr lang="de-DE" smtClean="0"/>
-              <a:t>20.12.2016</a:t>
-            </a:fld>
-            <a:endParaRPr lang="en-GB" dirty="0"/>
-          </a:p>
-        </p:txBody>
-      </p:sp>
-      <p:sp>
-        <p:nvSpPr>
-          <p:cNvPr id="4" name="Fußzeilenplatzhalter 3"/>
-          <p:cNvSpPr>
-            <a:spLocks noGrp="1"/>
-          </p:cNvSpPr>
-          <p:nvPr>
-            <p:ph type="ftr" sz="quarter" idx="11"/>
-          </p:nvPr>
-        </p:nvSpPr>
-        <p:spPr/>
-        <p:txBody>
-          <a:bodyPr/>
-          <a:lstStyle/>
-          <a:p>
-            <a:r>
-              <a:rPr lang="en-GB"/>
-              <a:t>Yannick Huber, Julia Giger</a:t>
-            </a:r>
-            <a:endParaRPr lang="en-GB" dirty="0"/>
-          </a:p>
-        </p:txBody>
-      </p:sp>
-      <p:sp>
-        <p:nvSpPr>
-          <p:cNvPr id="5" name="Foliennummernplatzhalter 4"/>
-          <p:cNvSpPr>
-            <a:spLocks noGrp="1"/>
-          </p:cNvSpPr>
-          <p:nvPr>
-            <p:ph type="sldNum" sz="quarter" idx="12"/>
-          </p:nvPr>
-        </p:nvSpPr>
-        <p:spPr/>
-        <p:txBody>
-          <a:bodyPr/>
-          <a:lstStyle/>
-          <a:p>
-            <a:fld id="{6C6AE60A-B69C-4790-82F7-3882EDF23186}" type="slidenum">
-              <a:rPr lang="en-GB" smtClean="0"/>
-              <a:pPr/>
-              <a:t>6</a:t>
-            </a:fld>
-            <a:endParaRPr lang="en-GB" dirty="0"/>
-          </a:p>
-        </p:txBody>
-      </p:sp>
-      <p:sp>
-        <p:nvSpPr>
-          <p:cNvPr id="10" name="Titel 9"/>
-          <p:cNvSpPr>
-            <a:spLocks noGrp="1"/>
-          </p:cNvSpPr>
-          <p:nvPr>
-            <p:ph type="title"/>
-          </p:nvPr>
-        </p:nvSpPr>
-        <p:spPr/>
-        <p:txBody>
-          <a:bodyPr/>
-          <a:lstStyle/>
-          <a:p>
-            <a:r>
-              <a:rPr lang="en-GB" dirty="0"/>
-              <a:t>Box: Concave objects</a:t>
-            </a:r>
-          </a:p>
-        </p:txBody>
-      </p:sp>
-      <p:sp>
-        <p:nvSpPr>
-          <p:cNvPr id="2" name="Inhaltsplatzhalter 1"/>
-          <p:cNvSpPr>
-            <a:spLocks noGrp="1"/>
-          </p:cNvSpPr>
-          <p:nvPr>
-            <p:ph idx="1"/>
-          </p:nvPr>
-        </p:nvSpPr>
-        <p:spPr/>
-        <p:txBody>
-          <a:bodyPr/>
-          <a:lstStyle/>
-          <a:p>
-            <a:r>
-              <a:rPr lang="en-GB" dirty="0"/>
-              <a:t>Gilbert-Johnson-</a:t>
-            </a:r>
-            <a:r>
-              <a:rPr lang="en-GB" dirty="0" err="1"/>
-              <a:t>Keerthi</a:t>
-            </a:r>
-            <a:r>
-              <a:rPr lang="en-GB" dirty="0"/>
-              <a:t> algorithm for collision detection</a:t>
-            </a:r>
-          </a:p>
-          <a:p>
-            <a:r>
-              <a:rPr lang="en-GB" dirty="0"/>
-              <a:t>Only for convex objects</a:t>
-            </a:r>
-          </a:p>
-          <a:p>
-            <a:r>
-              <a:rPr lang="en-GB" dirty="0"/>
-              <a:t>Inside of the box: concave</a:t>
-            </a:r>
-          </a:p>
-        </p:txBody>
-      </p:sp>
-    </p:spTree>
-    <p:extLst>
-      <p:ext uri="{BB962C8B-B14F-4D97-AF65-F5344CB8AC3E}">
-        <p14:creationId xmlns:p14="http://schemas.microsoft.com/office/powerpoint/2010/main" val="2296392827"/>
-      </p:ext>
-    </p:extLst>
-  </p:cSld>
-  <p:clrMapOvr>
-    <a:masterClrMapping/>
-  </p:clrMapOvr>
-  <p:transition>
-    <p:fade/>
-  </p:transition>
-  <p:timing>
-    <p:tnLst>
-      <p:par>
-        <p:cTn id="1" dur="indefinite" restart="never" nodeType="tmRoot">
-          <p:childTnLst>
-            <p:seq concurrent="1" nextAc="seek">
-              <p:cTn id="2" dur="indefinite" nodeType="mainSeq">
-                <p:childTnLst>
-                  <p:par>
-                    <p:cTn id="3" fill="hold">
-                      <p:stCondLst>
-                        <p:cond delay="indefinite"/>
-                      </p:stCondLst>
-                      <p:childTnLst>
-                        <p:par>
-                          <p:cTn id="4" fill="hold">
-                            <p:stCondLst>
-                              <p:cond delay="0"/>
-                            </p:stCondLst>
-                            <p:childTnLst>
-                              <p:par>
-                                <p:cTn id="5" presetID="1" presetClass="entr" presetSubtype="0" fill="hold" nodeType="clickEffect">
-                                  <p:stCondLst>
-                                    <p:cond delay="0"/>
-                                  </p:stCondLst>
-                                  <p:childTnLst>
-                                    <p:set>
-                                      <p:cBhvr>
-                                        <p:cTn id="6" dur="1" fill="hold">
-                                          <p:stCondLst>
-                                            <p:cond delay="0"/>
-                                          </p:stCondLst>
-                                        </p:cTn>
-                                        <p:tgtEl>
-                                          <p:spTgt spid="2">
-                                            <p:txEl>
-                                              <p:pRg st="0" end="0"/>
-                                            </p:txEl>
-                                          </p:spTgt>
-                                        </p:tgtEl>
-                                        <p:attrNameLst>
-                                          <p:attrName>style.visibility</p:attrName>
-                                        </p:attrNameLst>
-                                      </p:cBhvr>
-                                      <p:to>
-                                        <p:strVal val="visible"/>
-                                      </p:to>
-                                    </p:set>
-                                  </p:childTnLst>
-                                </p:cTn>
-                              </p:par>
-                            </p:childTnLst>
-                          </p:cTn>
-                        </p:par>
-                      </p:childTnLst>
-                    </p:cTn>
-                  </p:par>
-                  <p:par>
-                    <p:cTn id="7" fill="hold">
-                      <p:stCondLst>
-                        <p:cond delay="indefinite"/>
-                      </p:stCondLst>
-                      <p:childTnLst>
-                        <p:par>
-                          <p:cTn id="8" fill="hold">
-                            <p:stCondLst>
-                              <p:cond delay="0"/>
-                            </p:stCondLst>
-                            <p:childTnLst>
-                              <p:par>
-                                <p:cTn id="9" presetID="1" presetClass="entr" presetSubtype="0" fill="hold" nodeType="clickEffect">
-                                  <p:stCondLst>
-                                    <p:cond delay="0"/>
-                                  </p:stCondLst>
-                                  <p:childTnLst>
-                                    <p:set>
-                                      <p:cBhvr>
-                                        <p:cTn id="10" dur="1" fill="hold">
-                                          <p:stCondLst>
-                                            <p:cond delay="0"/>
-                                          </p:stCondLst>
-                                        </p:cTn>
-                                        <p:tgtEl>
-                                          <p:spTgt spid="2">
-                                            <p:txEl>
-                                              <p:pRg st="1" end="1"/>
-                                            </p:txEl>
-                                          </p:spTgt>
-                                        </p:tgtEl>
-                                        <p:attrNameLst>
-                                          <p:attrName>style.visibility</p:attrName>
-                                        </p:attrNameLst>
-                                      </p:cBhvr>
-                                      <p:to>
-                                        <p:strVal val="visible"/>
-                                      </p:to>
-                                    </p:set>
-                                  </p:childTnLst>
-                                </p:cTn>
-                              </p:par>
-                            </p:childTnLst>
-                          </p:cTn>
-                        </p:par>
-                      </p:childTnLst>
-                    </p:cTn>
-                  </p:par>
-                  <p:par>
-                    <p:cTn id="11" fill="hold">
-                      <p:stCondLst>
-                        <p:cond delay="indefinite"/>
-                      </p:stCondLst>
-                      <p:childTnLst>
-                        <p:par>
-                          <p:cTn id="12" fill="hold">
-                            <p:stCondLst>
-                              <p:cond delay="0"/>
-                            </p:stCondLst>
-                            <p:childTnLst>
-                              <p:par>
-                                <p:cTn id="13" presetID="1" presetClass="entr" presetSubtype="0" fill="hold" nodeType="clickEffect">
-                                  <p:stCondLst>
-                                    <p:cond delay="0"/>
-                                  </p:stCondLst>
-                                  <p:childTnLst>
-                                    <p:set>
-                                      <p:cBhvr>
-                                        <p:cTn id="14" dur="1" fill="hold">
-                                          <p:stCondLst>
-                                            <p:cond delay="0"/>
-                                          </p:stCondLst>
-                                        </p:cTn>
-                                        <p:tgtEl>
-                                          <p:spTgt spid="2">
-                                            <p:txEl>
-                                              <p:pRg st="2" end="2"/>
-                                            </p:txEl>
-                                          </p:spTgt>
-                                        </p:tgtEl>
-                                        <p:attrNameLst>
-                                          <p:attrName>style.visibility</p:attrName>
-                                        </p:attrNameLst>
-                                      </p:cBhvr>
-                                      <p:to>
-                                        <p:strVal val="visible"/>
-                                      </p:to>
-                                    </p:set>
-                                  </p:childTnLst>
-                                </p:cTn>
-                              </p:par>
-                            </p:childTnLst>
-                          </p:cTn>
-                        </p:par>
-                      </p:childTnLst>
-                    </p:cTn>
-                  </p:par>
-                </p:childTnLst>
-              </p:cTn>
-              <p:prevCondLst>
-                <p:cond evt="onPrev" delay="0">
-                  <p:tgtEl>
-                    <p:sldTgt/>
-                  </p:tgtEl>
-                </p:cond>
-              </p:prevCondLst>
-              <p:nextCondLst>
-                <p:cond evt="onNext" delay="0">
-                  <p:tgtEl>
-                    <p:sldTgt/>
-                  </p:tgtEl>
-                </p:cond>
-              </p:nextCondLst>
-            </p:seq>
-          </p:childTnLst>
-        </p:cTn>
-      </p:par>
-    </p:tnLst>
-  </p:timing>
-</p:sld>
-</file>
-
-<file path=ppt/slides/slide7.xml><?xml version="1.0" encoding="utf-8"?>
-<p:sld xmlns:a="http://schemas.openxmlformats.org/drawingml/2006/main" xmlns:r="http://schemas.openxmlformats.org/officeDocument/2006/relationships" xmlns:p="http://schemas.openxmlformats.org/presentationml/2006/main">
-  <p:cSld>
-    <p:spTree>
-      <p:nvGrpSpPr>
-        <p:cNvPr id="1" name=""/>
-        <p:cNvGrpSpPr/>
-        <p:nvPr/>
-      </p:nvGrpSpPr>
-      <p:grpSpPr>
-        <a:xfrm>
-          <a:off x="0" y="0"/>
-          <a:ext cx="0" cy="0"/>
-          <a:chOff x="0" y="0"/>
-          <a:chExt cx="0" cy="0"/>
-        </a:xfrm>
-      </p:grpSpPr>
-      <p:sp>
-        <p:nvSpPr>
-          <p:cNvPr id="3" name="Datumsplatzhalter 2"/>
-          <p:cNvSpPr>
-            <a:spLocks noGrp="1"/>
-          </p:cNvSpPr>
-          <p:nvPr>
-            <p:ph type="dt" sz="half" idx="10"/>
-          </p:nvPr>
-        </p:nvSpPr>
-        <p:spPr/>
-        <p:txBody>
-          <a:bodyPr/>
-          <a:lstStyle/>
-          <a:p>
-            <a:fld id="{8EA7A386-D2DA-4381-9278-D48217652768}" type="datetime1">
-              <a:rPr lang="de-DE" smtClean="0"/>
-              <a:t>20.12.2016</a:t>
-            </a:fld>
-            <a:endParaRPr lang="en-GB" dirty="0"/>
-          </a:p>
-        </p:txBody>
-      </p:sp>
-      <p:sp>
-        <p:nvSpPr>
-          <p:cNvPr id="4" name="Fußzeilenplatzhalter 3"/>
-          <p:cNvSpPr>
-            <a:spLocks noGrp="1"/>
-          </p:cNvSpPr>
-          <p:nvPr>
-            <p:ph type="ftr" sz="quarter" idx="11"/>
-          </p:nvPr>
-        </p:nvSpPr>
-        <p:spPr/>
-        <p:txBody>
-          <a:bodyPr/>
-          <a:lstStyle/>
-          <a:p>
-            <a:r>
-              <a:rPr lang="en-GB"/>
-              <a:t>Yannick Huber, Julia Giger</a:t>
-            </a:r>
-            <a:endParaRPr lang="en-GB" dirty="0"/>
-          </a:p>
-        </p:txBody>
-      </p:sp>
-      <p:sp>
-        <p:nvSpPr>
-          <p:cNvPr id="5" name="Foliennummernplatzhalter 4"/>
-          <p:cNvSpPr>
-            <a:spLocks noGrp="1"/>
-          </p:cNvSpPr>
-          <p:nvPr>
-            <p:ph type="sldNum" sz="quarter" idx="12"/>
-          </p:nvPr>
-        </p:nvSpPr>
-        <p:spPr/>
-        <p:txBody>
-          <a:bodyPr/>
-          <a:lstStyle/>
-          <a:p>
-            <a:fld id="{6C6AE60A-B69C-4790-82F7-3882EDF23186}" type="slidenum">
-              <a:rPr lang="en-GB" smtClean="0"/>
-              <a:pPr/>
-              <a:t>7</a:t>
-            </a:fld>
-            <a:endParaRPr lang="en-GB" dirty="0"/>
-          </a:p>
-        </p:txBody>
-      </p:sp>
-      <p:sp>
-        <p:nvSpPr>
-          <p:cNvPr id="10" name="Titel 9"/>
-          <p:cNvSpPr>
-            <a:spLocks noGrp="1"/>
-          </p:cNvSpPr>
-          <p:nvPr>
-            <p:ph type="title"/>
-          </p:nvPr>
-        </p:nvSpPr>
-        <p:spPr/>
-        <p:txBody>
-          <a:bodyPr/>
-          <a:lstStyle/>
-          <a:p>
-            <a:r>
-              <a:rPr lang="en-GB" dirty="0"/>
-              <a:t>Concave objects: Solution</a:t>
-            </a:r>
-          </a:p>
-        </p:txBody>
-      </p:sp>
-      <p:sp>
-        <p:nvSpPr>
-          <p:cNvPr id="2" name="Inhaltsplatzhalter 1"/>
-          <p:cNvSpPr>
-            <a:spLocks noGrp="1"/>
-          </p:cNvSpPr>
-          <p:nvPr>
-            <p:ph idx="1"/>
-          </p:nvPr>
-        </p:nvSpPr>
-        <p:spPr/>
-        <p:txBody>
-          <a:bodyPr/>
-          <a:lstStyle/>
-          <a:p>
-            <a:r>
-              <a:rPr lang="en-GB" dirty="0"/>
-              <a:t>Without_box.mp4</a:t>
-            </a:r>
-          </a:p>
-        </p:txBody>
-      </p:sp>
-    </p:spTree>
-    <p:extLst>
-      <p:ext uri="{BB962C8B-B14F-4D97-AF65-F5344CB8AC3E}">
-        <p14:creationId xmlns:p14="http://schemas.microsoft.com/office/powerpoint/2010/main" val="4216090291"/>
-      </p:ext>
-    </p:extLst>
-  </p:cSld>
-  <p:clrMapOvr>
-    <a:masterClrMapping/>
-  </p:clrMapOvr>
-  <p:transition>
-    <p:fade/>
-  </p:transition>
-</p:sld>
-</file>
-
-<file path=ppt/slides/slide8.xml><?xml version="1.0" encoding="utf-8"?>
-<p:sld xmlns:a="http://schemas.openxmlformats.org/drawingml/2006/main" xmlns:r="http://schemas.openxmlformats.org/officeDocument/2006/relationships" xmlns:p="http://schemas.openxmlformats.org/presentationml/2006/main">
-  <p:cSld>
-    <p:spTree>
-      <p:nvGrpSpPr>
-        <p:cNvPr id="1" name=""/>
-        <p:cNvGrpSpPr/>
-        <p:nvPr/>
-      </p:nvGrpSpPr>
-      <p:grpSpPr>
-        <a:xfrm>
-          <a:off x="0" y="0"/>
-          <a:ext cx="0" cy="0"/>
-          <a:chOff x="0" y="0"/>
-          <a:chExt cx="0" cy="0"/>
-        </a:xfrm>
-      </p:grpSpPr>
-      <p:sp>
-        <p:nvSpPr>
-          <p:cNvPr id="3" name="Datumsplatzhalter 2"/>
-          <p:cNvSpPr>
-            <a:spLocks noGrp="1"/>
-          </p:cNvSpPr>
-          <p:nvPr>
-            <p:ph type="dt" sz="half" idx="10"/>
-          </p:nvPr>
-        </p:nvSpPr>
-        <p:spPr/>
-        <p:txBody>
-          <a:bodyPr/>
-          <a:lstStyle/>
-          <a:p>
-            <a:fld id="{8EA7A386-D2DA-4381-9278-D48217652768}" type="datetime1">
-              <a:rPr lang="de-DE" smtClean="0"/>
-              <a:t>20.12.2016</a:t>
-            </a:fld>
-            <a:endParaRPr lang="en-GB" dirty="0"/>
-          </a:p>
-        </p:txBody>
-      </p:sp>
-      <p:sp>
-        <p:nvSpPr>
-          <p:cNvPr id="4" name="Fußzeilenplatzhalter 3"/>
-          <p:cNvSpPr>
-            <a:spLocks noGrp="1"/>
-          </p:cNvSpPr>
-          <p:nvPr>
-            <p:ph type="ftr" sz="quarter" idx="11"/>
-          </p:nvPr>
-        </p:nvSpPr>
-        <p:spPr/>
-        <p:txBody>
-          <a:bodyPr/>
-          <a:lstStyle/>
-          <a:p>
-            <a:r>
-              <a:rPr lang="en-GB"/>
-              <a:t>Yannick Huber, Julia Giger</a:t>
-            </a:r>
-            <a:endParaRPr lang="en-GB" dirty="0"/>
-          </a:p>
-        </p:txBody>
-      </p:sp>
-      <p:sp>
-        <p:nvSpPr>
-          <p:cNvPr id="5" name="Foliennummernplatzhalter 4"/>
-          <p:cNvSpPr>
-            <a:spLocks noGrp="1"/>
-          </p:cNvSpPr>
-          <p:nvPr>
-            <p:ph type="sldNum" sz="quarter" idx="12"/>
-          </p:nvPr>
-        </p:nvSpPr>
-        <p:spPr/>
-        <p:txBody>
-          <a:bodyPr/>
-          <a:lstStyle/>
-          <a:p>
-            <a:fld id="{6C6AE60A-B69C-4790-82F7-3882EDF23186}" type="slidenum">
-              <a:rPr lang="en-GB" smtClean="0"/>
-              <a:pPr/>
-              <a:t>8</a:t>
-            </a:fld>
-            <a:endParaRPr lang="en-GB" dirty="0"/>
-          </a:p>
-        </p:txBody>
-      </p:sp>
-      <p:sp>
-        <p:nvSpPr>
-          <p:cNvPr id="10" name="Titel 9"/>
-          <p:cNvSpPr>
-            <a:spLocks noGrp="1"/>
-          </p:cNvSpPr>
-          <p:nvPr>
-            <p:ph type="title"/>
-          </p:nvPr>
-        </p:nvSpPr>
-        <p:spPr/>
-        <p:txBody>
-          <a:bodyPr/>
-          <a:lstStyle/>
-          <a:p>
-            <a:r>
-              <a:rPr lang="en-GB" dirty="0"/>
-              <a:t>Problems</a:t>
-            </a:r>
-          </a:p>
-        </p:txBody>
-      </p:sp>
-      <p:sp>
-        <p:nvSpPr>
-          <p:cNvPr id="2" name="Inhaltsplatzhalter 1"/>
-          <p:cNvSpPr>
-            <a:spLocks noGrp="1"/>
-          </p:cNvSpPr>
-          <p:nvPr>
-            <p:ph idx="1"/>
-          </p:nvPr>
-        </p:nvSpPr>
-        <p:spPr/>
-        <p:txBody>
-          <a:bodyPr/>
-          <a:lstStyle/>
-          <a:p>
-            <a:r>
-              <a:rPr lang="en-GB" dirty="0"/>
-              <a:t>Box</a:t>
-            </a:r>
-          </a:p>
-          <a:p>
-            <a:r>
-              <a:rPr lang="en-GB" dirty="0"/>
-              <a:t>Stacking</a:t>
-            </a:r>
-          </a:p>
-        </p:txBody>
-      </p:sp>
-    </p:spTree>
-    <p:extLst>
-      <p:ext uri="{BB962C8B-B14F-4D97-AF65-F5344CB8AC3E}">
-        <p14:creationId xmlns:p14="http://schemas.microsoft.com/office/powerpoint/2010/main" val="221369824"/>
+        <p14:creationId xmlns:p14="http://schemas.microsoft.com/office/powerpoint/2010/main" xmlns="" val="221369824"/>
       </p:ext>
     </p:extLst>
   </p:cSld>
@@ -45784,6 +43356,3062 @@
 </p:sld>
 </file>
 
+<file path=ppt/slides/slide11.xml><?xml version="1.0" encoding="utf-8"?>
+<p:sld xmlns:a="http://schemas.openxmlformats.org/drawingml/2006/main" xmlns:r="http://schemas.openxmlformats.org/officeDocument/2006/relationships" xmlns:p="http://schemas.openxmlformats.org/presentationml/2006/main">
+  <p:cSld>
+    <p:spTree>
+      <p:nvGrpSpPr>
+        <p:cNvPr id="1" name=""/>
+        <p:cNvGrpSpPr/>
+        <p:nvPr/>
+      </p:nvGrpSpPr>
+      <p:grpSpPr>
+        <a:xfrm>
+          <a:off x="0" y="0"/>
+          <a:ext cx="0" cy="0"/>
+          <a:chOff x="0" y="0"/>
+          <a:chExt cx="0" cy="0"/>
+        </a:xfrm>
+      </p:grpSpPr>
+      <p:sp>
+        <p:nvSpPr>
+          <p:cNvPr id="3" name="Datumsplatzhalter 2"/>
+          <p:cNvSpPr>
+            <a:spLocks noGrp="1"/>
+          </p:cNvSpPr>
+          <p:nvPr>
+            <p:ph type="dt" sz="half" idx="10"/>
+          </p:nvPr>
+        </p:nvSpPr>
+        <p:spPr/>
+        <p:txBody>
+          <a:bodyPr/>
+          <a:lstStyle/>
+          <a:p>
+            <a:fld id="{8EA7A386-D2DA-4381-9278-D48217652768}" type="datetime1">
+              <a:rPr lang="de-DE" smtClean="0"/>
+              <a:pPr/>
+              <a:t>20.12.2016</a:t>
+            </a:fld>
+            <a:endParaRPr lang="en-GB" dirty="0"/>
+          </a:p>
+        </p:txBody>
+      </p:sp>
+      <p:sp>
+        <p:nvSpPr>
+          <p:cNvPr id="4" name="Fußzeilenplatzhalter 3"/>
+          <p:cNvSpPr>
+            <a:spLocks noGrp="1"/>
+          </p:cNvSpPr>
+          <p:nvPr>
+            <p:ph type="ftr" sz="quarter" idx="11"/>
+          </p:nvPr>
+        </p:nvSpPr>
+        <p:spPr/>
+        <p:txBody>
+          <a:bodyPr/>
+          <a:lstStyle/>
+          <a:p>
+            <a:r>
+              <a:rPr lang="en-GB"/>
+              <a:t>Yannick Huber, Julia Giger</a:t>
+            </a:r>
+            <a:endParaRPr lang="en-GB" dirty="0"/>
+          </a:p>
+        </p:txBody>
+      </p:sp>
+      <p:sp>
+        <p:nvSpPr>
+          <p:cNvPr id="5" name="Foliennummernplatzhalter 4"/>
+          <p:cNvSpPr>
+            <a:spLocks noGrp="1"/>
+          </p:cNvSpPr>
+          <p:nvPr>
+            <p:ph type="sldNum" sz="quarter" idx="12"/>
+          </p:nvPr>
+        </p:nvSpPr>
+        <p:spPr/>
+        <p:txBody>
+          <a:bodyPr/>
+          <a:lstStyle/>
+          <a:p>
+            <a:fld id="{6C6AE60A-B69C-4790-82F7-3882EDF23186}" type="slidenum">
+              <a:rPr lang="en-GB" smtClean="0"/>
+              <a:pPr/>
+              <a:t>11</a:t>
+            </a:fld>
+            <a:endParaRPr lang="en-GB" dirty="0"/>
+          </a:p>
+        </p:txBody>
+      </p:sp>
+      <p:sp>
+        <p:nvSpPr>
+          <p:cNvPr id="10" name="Titel 9"/>
+          <p:cNvSpPr>
+            <a:spLocks noGrp="1"/>
+          </p:cNvSpPr>
+          <p:nvPr>
+            <p:ph type="title"/>
+          </p:nvPr>
+        </p:nvSpPr>
+        <p:spPr/>
+        <p:txBody>
+          <a:bodyPr/>
+          <a:lstStyle/>
+          <a:p>
+            <a:r>
+              <a:rPr lang="en-GB" dirty="0"/>
+              <a:t>Stacking</a:t>
+            </a:r>
+          </a:p>
+        </p:txBody>
+      </p:sp>
+      <p:sp>
+        <p:nvSpPr>
+          <p:cNvPr id="2" name="Inhaltsplatzhalter 1"/>
+          <p:cNvSpPr>
+            <a:spLocks noGrp="1"/>
+          </p:cNvSpPr>
+          <p:nvPr>
+            <p:ph idx="1"/>
+          </p:nvPr>
+        </p:nvSpPr>
+        <p:spPr/>
+        <p:txBody>
+          <a:bodyPr/>
+          <a:lstStyle/>
+          <a:p>
+            <a:r>
+              <a:rPr lang="en-GB" dirty="0"/>
+              <a:t>Stacking.mp4</a:t>
+            </a:r>
+          </a:p>
+        </p:txBody>
+      </p:sp>
+    </p:spTree>
+    <p:extLst>
+      <p:ext uri="{BB962C8B-B14F-4D97-AF65-F5344CB8AC3E}">
+        <p14:creationId xmlns:p14="http://schemas.microsoft.com/office/powerpoint/2010/main" xmlns="" val="1450472921"/>
+      </p:ext>
+    </p:extLst>
+  </p:cSld>
+  <p:clrMapOvr>
+    <a:masterClrMapping/>
+  </p:clrMapOvr>
+  <p:transition>
+    <p:fade/>
+  </p:transition>
+</p:sld>
+</file>
+
+<file path=ppt/slides/slide12.xml><?xml version="1.0" encoding="utf-8"?>
+<p:sld xmlns:a="http://schemas.openxmlformats.org/drawingml/2006/main" xmlns:r="http://schemas.openxmlformats.org/officeDocument/2006/relationships" xmlns:p="http://schemas.openxmlformats.org/presentationml/2006/main">
+  <p:cSld>
+    <p:spTree>
+      <p:nvGrpSpPr>
+        <p:cNvPr id="1" name=""/>
+        <p:cNvGrpSpPr/>
+        <p:nvPr/>
+      </p:nvGrpSpPr>
+      <p:grpSpPr>
+        <a:xfrm>
+          <a:off x="0" y="0"/>
+          <a:ext cx="0" cy="0"/>
+          <a:chOff x="0" y="0"/>
+          <a:chExt cx="0" cy="0"/>
+        </a:xfrm>
+      </p:grpSpPr>
+      <p:sp>
+        <p:nvSpPr>
+          <p:cNvPr id="3" name="Datumsplatzhalter 2"/>
+          <p:cNvSpPr>
+            <a:spLocks noGrp="1"/>
+          </p:cNvSpPr>
+          <p:nvPr>
+            <p:ph type="dt" sz="half" idx="10"/>
+          </p:nvPr>
+        </p:nvSpPr>
+        <p:spPr/>
+        <p:txBody>
+          <a:bodyPr/>
+          <a:lstStyle/>
+          <a:p>
+            <a:fld id="{8EA7A386-D2DA-4381-9278-D48217652768}" type="datetime1">
+              <a:rPr lang="de-DE" smtClean="0"/>
+              <a:pPr/>
+              <a:t>20.12.2016</a:t>
+            </a:fld>
+            <a:endParaRPr lang="en-GB" dirty="0"/>
+          </a:p>
+        </p:txBody>
+      </p:sp>
+      <p:sp>
+        <p:nvSpPr>
+          <p:cNvPr id="4" name="Fußzeilenplatzhalter 3"/>
+          <p:cNvSpPr>
+            <a:spLocks noGrp="1"/>
+          </p:cNvSpPr>
+          <p:nvPr>
+            <p:ph type="ftr" sz="quarter" idx="11"/>
+          </p:nvPr>
+        </p:nvSpPr>
+        <p:spPr/>
+        <p:txBody>
+          <a:bodyPr/>
+          <a:lstStyle/>
+          <a:p>
+            <a:r>
+              <a:rPr lang="en-GB"/>
+              <a:t>Yannick Huber, Julia Giger</a:t>
+            </a:r>
+            <a:endParaRPr lang="en-GB" dirty="0"/>
+          </a:p>
+        </p:txBody>
+      </p:sp>
+      <p:sp>
+        <p:nvSpPr>
+          <p:cNvPr id="5" name="Foliennummernplatzhalter 4"/>
+          <p:cNvSpPr>
+            <a:spLocks noGrp="1"/>
+          </p:cNvSpPr>
+          <p:nvPr>
+            <p:ph type="sldNum" sz="quarter" idx="12"/>
+          </p:nvPr>
+        </p:nvSpPr>
+        <p:spPr/>
+        <p:txBody>
+          <a:bodyPr/>
+          <a:lstStyle/>
+          <a:p>
+            <a:fld id="{6C6AE60A-B69C-4790-82F7-3882EDF23186}" type="slidenum">
+              <a:rPr lang="en-GB" smtClean="0"/>
+              <a:pPr/>
+              <a:t>12</a:t>
+            </a:fld>
+            <a:endParaRPr lang="en-GB" dirty="0"/>
+          </a:p>
+        </p:txBody>
+      </p:sp>
+      <p:sp>
+        <p:nvSpPr>
+          <p:cNvPr id="10" name="Titel 9"/>
+          <p:cNvSpPr>
+            <a:spLocks noGrp="1"/>
+          </p:cNvSpPr>
+          <p:nvPr>
+            <p:ph type="title"/>
+          </p:nvPr>
+        </p:nvSpPr>
+        <p:spPr/>
+        <p:txBody>
+          <a:bodyPr/>
+          <a:lstStyle/>
+          <a:p>
+            <a:r>
+              <a:rPr lang="en-GB" dirty="0"/>
+              <a:t>Stacking</a:t>
+            </a:r>
+          </a:p>
+        </p:txBody>
+      </p:sp>
+      <p:sp>
+        <p:nvSpPr>
+          <p:cNvPr id="2" name="Inhaltsplatzhalter 1"/>
+          <p:cNvSpPr>
+            <a:spLocks noGrp="1"/>
+          </p:cNvSpPr>
+          <p:nvPr>
+            <p:ph idx="1"/>
+          </p:nvPr>
+        </p:nvSpPr>
+        <p:spPr/>
+        <p:txBody>
+          <a:bodyPr/>
+          <a:lstStyle/>
+          <a:p>
+            <a:r>
+              <a:rPr lang="en-GB" dirty="0"/>
+              <a:t>Stacking2.mp4</a:t>
+            </a:r>
+          </a:p>
+        </p:txBody>
+      </p:sp>
+    </p:spTree>
+    <p:extLst>
+      <p:ext uri="{BB962C8B-B14F-4D97-AF65-F5344CB8AC3E}">
+        <p14:creationId xmlns:p14="http://schemas.microsoft.com/office/powerpoint/2010/main" xmlns="" val="1104005316"/>
+      </p:ext>
+    </p:extLst>
+  </p:cSld>
+  <p:clrMapOvr>
+    <a:masterClrMapping/>
+  </p:clrMapOvr>
+  <p:transition>
+    <p:fade/>
+  </p:transition>
+</p:sld>
+</file>
+
+<file path=ppt/slides/slide13.xml><?xml version="1.0" encoding="utf-8"?>
+<p:sld xmlns:a="http://schemas.openxmlformats.org/drawingml/2006/main" xmlns:r="http://schemas.openxmlformats.org/officeDocument/2006/relationships" xmlns:p="http://schemas.openxmlformats.org/presentationml/2006/main">
+  <p:cSld>
+    <p:spTree>
+      <p:nvGrpSpPr>
+        <p:cNvPr id="1" name=""/>
+        <p:cNvGrpSpPr/>
+        <p:nvPr/>
+      </p:nvGrpSpPr>
+      <p:grpSpPr>
+        <a:xfrm>
+          <a:off x="0" y="0"/>
+          <a:ext cx="0" cy="0"/>
+          <a:chOff x="0" y="0"/>
+          <a:chExt cx="0" cy="0"/>
+        </a:xfrm>
+      </p:grpSpPr>
+      <p:sp>
+        <p:nvSpPr>
+          <p:cNvPr id="3" name="Datumsplatzhalter 2"/>
+          <p:cNvSpPr>
+            <a:spLocks noGrp="1"/>
+          </p:cNvSpPr>
+          <p:nvPr>
+            <p:ph type="dt" sz="half" idx="10"/>
+          </p:nvPr>
+        </p:nvSpPr>
+        <p:spPr/>
+        <p:txBody>
+          <a:bodyPr/>
+          <a:lstStyle/>
+          <a:p>
+            <a:fld id="{F5B2312B-A258-434F-95FC-A0997179BE88}" type="datetime1">
+              <a:rPr lang="de-DE" smtClean="0"/>
+              <a:pPr/>
+              <a:t>20.12.2016</a:t>
+            </a:fld>
+            <a:endParaRPr lang="en-GB" dirty="0"/>
+          </a:p>
+        </p:txBody>
+      </p:sp>
+      <p:sp>
+        <p:nvSpPr>
+          <p:cNvPr id="4" name="Fußzeilenplatzhalter 3"/>
+          <p:cNvSpPr>
+            <a:spLocks noGrp="1"/>
+          </p:cNvSpPr>
+          <p:nvPr>
+            <p:ph type="ftr" sz="quarter" idx="11"/>
+          </p:nvPr>
+        </p:nvSpPr>
+        <p:spPr/>
+        <p:txBody>
+          <a:bodyPr/>
+          <a:lstStyle/>
+          <a:p>
+            <a:r>
+              <a:rPr lang="en-GB"/>
+              <a:t>Yannick Huber, Julia Giger</a:t>
+            </a:r>
+            <a:endParaRPr lang="en-GB" dirty="0"/>
+          </a:p>
+        </p:txBody>
+      </p:sp>
+      <p:sp>
+        <p:nvSpPr>
+          <p:cNvPr id="5" name="Foliennummernplatzhalter 4"/>
+          <p:cNvSpPr>
+            <a:spLocks noGrp="1"/>
+          </p:cNvSpPr>
+          <p:nvPr>
+            <p:ph type="sldNum" sz="quarter" idx="12"/>
+          </p:nvPr>
+        </p:nvSpPr>
+        <p:spPr/>
+        <p:txBody>
+          <a:bodyPr/>
+          <a:lstStyle/>
+          <a:p>
+            <a:fld id="{6C6AE60A-B69C-4790-82F7-3882EDF23186}" type="slidenum">
+              <a:rPr lang="en-GB" smtClean="0"/>
+              <a:pPr/>
+              <a:t>13</a:t>
+            </a:fld>
+            <a:endParaRPr lang="en-GB" dirty="0"/>
+          </a:p>
+        </p:txBody>
+      </p:sp>
+      <p:sp>
+        <p:nvSpPr>
+          <p:cNvPr id="6" name="Titel 5"/>
+          <p:cNvSpPr>
+            <a:spLocks noGrp="1"/>
+          </p:cNvSpPr>
+          <p:nvPr>
+            <p:ph type="title"/>
+          </p:nvPr>
+        </p:nvSpPr>
+        <p:spPr/>
+        <p:txBody>
+          <a:bodyPr/>
+          <a:lstStyle/>
+          <a:p>
+            <a:r>
+              <a:rPr lang="en-GB" dirty="0"/>
+              <a:t>Final result</a:t>
+            </a:r>
+          </a:p>
+        </p:txBody>
+      </p:sp>
+      <p:sp>
+        <p:nvSpPr>
+          <p:cNvPr id="2" name="Inhaltsplatzhalter 1"/>
+          <p:cNvSpPr>
+            <a:spLocks noGrp="1"/>
+          </p:cNvSpPr>
+          <p:nvPr>
+            <p:ph idx="1"/>
+          </p:nvPr>
+        </p:nvSpPr>
+        <p:spPr/>
+        <p:txBody>
+          <a:bodyPr/>
+          <a:lstStyle/>
+          <a:p>
+            <a:r>
+              <a:rPr lang="en-GB" dirty="0"/>
+              <a:t>Finalform_weight10.mp4</a:t>
+            </a:r>
+          </a:p>
+        </p:txBody>
+      </p:sp>
+    </p:spTree>
+    <p:extLst>
+      <p:ext uri="{BB962C8B-B14F-4D97-AF65-F5344CB8AC3E}">
+        <p14:creationId xmlns:p14="http://schemas.microsoft.com/office/powerpoint/2010/main" xmlns="" val="1040186831"/>
+      </p:ext>
+    </p:extLst>
+  </p:cSld>
+  <p:clrMapOvr>
+    <a:masterClrMapping/>
+  </p:clrMapOvr>
+  <p:transition>
+    <p:fade/>
+  </p:transition>
+</p:sld>
+</file>
+
+<file path=ppt/slides/slide14.xml><?xml version="1.0" encoding="utf-8"?>
+<p:sld xmlns:a="http://schemas.openxmlformats.org/drawingml/2006/main" xmlns:r="http://schemas.openxmlformats.org/officeDocument/2006/relationships" xmlns:p="http://schemas.openxmlformats.org/presentationml/2006/main">
+  <p:cSld>
+    <p:spTree>
+      <p:nvGrpSpPr>
+        <p:cNvPr id="1" name=""/>
+        <p:cNvGrpSpPr/>
+        <p:nvPr/>
+      </p:nvGrpSpPr>
+      <p:grpSpPr>
+        <a:xfrm>
+          <a:off x="0" y="0"/>
+          <a:ext cx="0" cy="0"/>
+          <a:chOff x="0" y="0"/>
+          <a:chExt cx="0" cy="0"/>
+        </a:xfrm>
+      </p:grpSpPr>
+      <p:sp>
+        <p:nvSpPr>
+          <p:cNvPr id="3" name="Datumsplatzhalter 2"/>
+          <p:cNvSpPr>
+            <a:spLocks noGrp="1"/>
+          </p:cNvSpPr>
+          <p:nvPr>
+            <p:ph type="dt" sz="half" idx="10"/>
+          </p:nvPr>
+        </p:nvSpPr>
+        <p:spPr/>
+        <p:txBody>
+          <a:bodyPr/>
+          <a:lstStyle/>
+          <a:p>
+            <a:fld id="{F5B2312B-A258-434F-95FC-A0997179BE88}" type="datetime1">
+              <a:rPr lang="de-DE" smtClean="0"/>
+              <a:pPr/>
+              <a:t>20.12.2016</a:t>
+            </a:fld>
+            <a:endParaRPr lang="en-GB" dirty="0"/>
+          </a:p>
+        </p:txBody>
+      </p:sp>
+      <p:sp>
+        <p:nvSpPr>
+          <p:cNvPr id="4" name="Fußzeilenplatzhalter 3"/>
+          <p:cNvSpPr>
+            <a:spLocks noGrp="1"/>
+          </p:cNvSpPr>
+          <p:nvPr>
+            <p:ph type="ftr" sz="quarter" idx="11"/>
+          </p:nvPr>
+        </p:nvSpPr>
+        <p:spPr/>
+        <p:txBody>
+          <a:bodyPr/>
+          <a:lstStyle/>
+          <a:p>
+            <a:r>
+              <a:rPr lang="en-GB"/>
+              <a:t>Yannick Huber, Julia Giger</a:t>
+            </a:r>
+            <a:endParaRPr lang="en-GB" dirty="0"/>
+          </a:p>
+        </p:txBody>
+      </p:sp>
+      <p:sp>
+        <p:nvSpPr>
+          <p:cNvPr id="5" name="Foliennummernplatzhalter 4"/>
+          <p:cNvSpPr>
+            <a:spLocks noGrp="1"/>
+          </p:cNvSpPr>
+          <p:nvPr>
+            <p:ph type="sldNum" sz="quarter" idx="12"/>
+          </p:nvPr>
+        </p:nvSpPr>
+        <p:spPr/>
+        <p:txBody>
+          <a:bodyPr/>
+          <a:lstStyle/>
+          <a:p>
+            <a:fld id="{6C6AE60A-B69C-4790-82F7-3882EDF23186}" type="slidenum">
+              <a:rPr lang="en-GB" smtClean="0"/>
+              <a:pPr/>
+              <a:t>14</a:t>
+            </a:fld>
+            <a:endParaRPr lang="en-GB" dirty="0"/>
+          </a:p>
+        </p:txBody>
+      </p:sp>
+      <p:sp>
+        <p:nvSpPr>
+          <p:cNvPr id="6" name="Titel 5"/>
+          <p:cNvSpPr>
+            <a:spLocks noGrp="1"/>
+          </p:cNvSpPr>
+          <p:nvPr>
+            <p:ph type="title"/>
+          </p:nvPr>
+        </p:nvSpPr>
+        <p:spPr/>
+        <p:txBody>
+          <a:bodyPr/>
+          <a:lstStyle/>
+          <a:p>
+            <a:r>
+              <a:rPr lang="en-GB"/>
+              <a:t>Final result</a:t>
+            </a:r>
+            <a:endParaRPr lang="en-GB" dirty="0"/>
+          </a:p>
+        </p:txBody>
+      </p:sp>
+      <p:sp>
+        <p:nvSpPr>
+          <p:cNvPr id="2" name="Inhaltsplatzhalter 1"/>
+          <p:cNvSpPr>
+            <a:spLocks noGrp="1"/>
+          </p:cNvSpPr>
+          <p:nvPr>
+            <p:ph idx="1"/>
+          </p:nvPr>
+        </p:nvSpPr>
+        <p:spPr/>
+        <p:txBody>
+          <a:bodyPr/>
+          <a:lstStyle/>
+          <a:p>
+            <a:r>
+              <a:rPr lang="en-GB"/>
+              <a:t>Finalform_weight1.mp4</a:t>
+            </a:r>
+          </a:p>
+        </p:txBody>
+      </p:sp>
+    </p:spTree>
+    <p:extLst>
+      <p:ext uri="{BB962C8B-B14F-4D97-AF65-F5344CB8AC3E}">
+        <p14:creationId xmlns:p14="http://schemas.microsoft.com/office/powerpoint/2010/main" xmlns="" val="863373104"/>
+      </p:ext>
+    </p:extLst>
+  </p:cSld>
+  <p:clrMapOvr>
+    <a:masterClrMapping/>
+  </p:clrMapOvr>
+  <p:transition>
+    <p:fade/>
+  </p:transition>
+</p:sld>
+</file>
+
+<file path=ppt/slides/slide15.xml><?xml version="1.0" encoding="utf-8"?>
+<p:sld xmlns:a="http://schemas.openxmlformats.org/drawingml/2006/main" xmlns:r="http://schemas.openxmlformats.org/officeDocument/2006/relationships" xmlns:p="http://schemas.openxmlformats.org/presentationml/2006/main">
+  <p:cSld>
+    <p:spTree>
+      <p:nvGrpSpPr>
+        <p:cNvPr id="1" name=""/>
+        <p:cNvGrpSpPr/>
+        <p:nvPr/>
+      </p:nvGrpSpPr>
+      <p:grpSpPr>
+        <a:xfrm>
+          <a:off x="0" y="0"/>
+          <a:ext cx="0" cy="0"/>
+          <a:chOff x="0" y="0"/>
+          <a:chExt cx="0" cy="0"/>
+        </a:xfrm>
+      </p:grpSpPr>
+      <p:sp>
+        <p:nvSpPr>
+          <p:cNvPr id="3" name="Datumsplatzhalter 2"/>
+          <p:cNvSpPr>
+            <a:spLocks noGrp="1"/>
+          </p:cNvSpPr>
+          <p:nvPr>
+            <p:ph type="dt" sz="half" idx="10"/>
+          </p:nvPr>
+        </p:nvSpPr>
+        <p:spPr/>
+        <p:txBody>
+          <a:bodyPr/>
+          <a:lstStyle/>
+          <a:p>
+            <a:fld id="{F5B2312B-A258-434F-95FC-A0997179BE88}" type="datetime1">
+              <a:rPr lang="de-DE" smtClean="0"/>
+              <a:pPr/>
+              <a:t>20.12.2016</a:t>
+            </a:fld>
+            <a:endParaRPr lang="en-GB" dirty="0"/>
+          </a:p>
+        </p:txBody>
+      </p:sp>
+      <p:sp>
+        <p:nvSpPr>
+          <p:cNvPr id="4" name="Fußzeilenplatzhalter 3"/>
+          <p:cNvSpPr>
+            <a:spLocks noGrp="1"/>
+          </p:cNvSpPr>
+          <p:nvPr>
+            <p:ph type="ftr" sz="quarter" idx="11"/>
+          </p:nvPr>
+        </p:nvSpPr>
+        <p:spPr/>
+        <p:txBody>
+          <a:bodyPr/>
+          <a:lstStyle/>
+          <a:p>
+            <a:r>
+              <a:rPr lang="en-GB"/>
+              <a:t>Yannick Huber, Julia Giger</a:t>
+            </a:r>
+            <a:endParaRPr lang="en-GB" dirty="0"/>
+          </a:p>
+        </p:txBody>
+      </p:sp>
+      <p:sp>
+        <p:nvSpPr>
+          <p:cNvPr id="5" name="Foliennummernplatzhalter 4"/>
+          <p:cNvSpPr>
+            <a:spLocks noGrp="1"/>
+          </p:cNvSpPr>
+          <p:nvPr>
+            <p:ph type="sldNum" sz="quarter" idx="12"/>
+          </p:nvPr>
+        </p:nvSpPr>
+        <p:spPr/>
+        <p:txBody>
+          <a:bodyPr/>
+          <a:lstStyle/>
+          <a:p>
+            <a:fld id="{6C6AE60A-B69C-4790-82F7-3882EDF23186}" type="slidenum">
+              <a:rPr lang="en-GB" smtClean="0"/>
+              <a:pPr/>
+              <a:t>15</a:t>
+            </a:fld>
+            <a:endParaRPr lang="en-GB" dirty="0"/>
+          </a:p>
+        </p:txBody>
+      </p:sp>
+      <p:sp>
+        <p:nvSpPr>
+          <p:cNvPr id="6" name="Titel 5"/>
+          <p:cNvSpPr>
+            <a:spLocks noGrp="1"/>
+          </p:cNvSpPr>
+          <p:nvPr>
+            <p:ph type="title"/>
+          </p:nvPr>
+        </p:nvSpPr>
+        <p:spPr/>
+        <p:txBody>
+          <a:bodyPr/>
+          <a:lstStyle/>
+          <a:p>
+            <a:r>
+              <a:rPr lang="en-GB" dirty="0"/>
+              <a:t>Questions?</a:t>
+            </a:r>
+          </a:p>
+        </p:txBody>
+      </p:sp>
+      <p:sp>
+        <p:nvSpPr>
+          <p:cNvPr id="2" name="Inhaltsplatzhalter 1"/>
+          <p:cNvSpPr>
+            <a:spLocks noGrp="1"/>
+          </p:cNvSpPr>
+          <p:nvPr>
+            <p:ph idx="1"/>
+          </p:nvPr>
+        </p:nvSpPr>
+        <p:spPr/>
+        <p:txBody>
+          <a:bodyPr/>
+          <a:lstStyle/>
+          <a:p>
+            <a:endParaRPr lang="en-GB" dirty="0"/>
+          </a:p>
+        </p:txBody>
+      </p:sp>
+    </p:spTree>
+    <p:extLst>
+      <p:ext uri="{BB962C8B-B14F-4D97-AF65-F5344CB8AC3E}">
+        <p14:creationId xmlns:p14="http://schemas.microsoft.com/office/powerpoint/2010/main" xmlns="" val="2345234706"/>
+      </p:ext>
+    </p:extLst>
+  </p:cSld>
+  <p:clrMapOvr>
+    <a:masterClrMapping/>
+  </p:clrMapOvr>
+  <p:transition>
+    <p:fade/>
+  </p:transition>
+</p:sld>
+</file>
+
+<file path=ppt/slides/slide2.xml><?xml version="1.0" encoding="utf-8"?>
+<p:sld xmlns:a="http://schemas.openxmlformats.org/drawingml/2006/main" xmlns:r="http://schemas.openxmlformats.org/officeDocument/2006/relationships" xmlns:p="http://schemas.openxmlformats.org/presentationml/2006/main">
+  <p:cSld>
+    <p:spTree>
+      <p:nvGrpSpPr>
+        <p:cNvPr id="1" name=""/>
+        <p:cNvGrpSpPr/>
+        <p:nvPr/>
+      </p:nvGrpSpPr>
+      <p:grpSpPr>
+        <a:xfrm>
+          <a:off x="0" y="0"/>
+          <a:ext cx="0" cy="0"/>
+          <a:chOff x="0" y="0"/>
+          <a:chExt cx="0" cy="0"/>
+        </a:xfrm>
+      </p:grpSpPr>
+      <p:sp>
+        <p:nvSpPr>
+          <p:cNvPr id="3" name="Datumsplatzhalter 2"/>
+          <p:cNvSpPr>
+            <a:spLocks noGrp="1"/>
+          </p:cNvSpPr>
+          <p:nvPr>
+            <p:ph type="dt" sz="half" idx="10"/>
+          </p:nvPr>
+        </p:nvSpPr>
+        <p:spPr/>
+        <p:txBody>
+          <a:bodyPr/>
+          <a:lstStyle/>
+          <a:p>
+            <a:fld id="{8EA7A386-D2DA-4381-9278-D48217652768}" type="datetime1">
+              <a:rPr lang="de-DE" smtClean="0"/>
+              <a:pPr/>
+              <a:t>20.12.2016</a:t>
+            </a:fld>
+            <a:endParaRPr lang="en-GB" dirty="0"/>
+          </a:p>
+        </p:txBody>
+      </p:sp>
+      <p:sp>
+        <p:nvSpPr>
+          <p:cNvPr id="4" name="Fußzeilenplatzhalter 3"/>
+          <p:cNvSpPr>
+            <a:spLocks noGrp="1"/>
+          </p:cNvSpPr>
+          <p:nvPr>
+            <p:ph type="ftr" sz="quarter" idx="11"/>
+          </p:nvPr>
+        </p:nvSpPr>
+        <p:spPr/>
+        <p:txBody>
+          <a:bodyPr/>
+          <a:lstStyle/>
+          <a:p>
+            <a:r>
+              <a:rPr lang="en-GB"/>
+              <a:t>Yannick Huber, Julia Giger</a:t>
+            </a:r>
+            <a:endParaRPr lang="en-GB" dirty="0"/>
+          </a:p>
+        </p:txBody>
+      </p:sp>
+      <p:sp>
+        <p:nvSpPr>
+          <p:cNvPr id="5" name="Foliennummernplatzhalter 4"/>
+          <p:cNvSpPr>
+            <a:spLocks noGrp="1"/>
+          </p:cNvSpPr>
+          <p:nvPr>
+            <p:ph type="sldNum" sz="quarter" idx="12"/>
+          </p:nvPr>
+        </p:nvSpPr>
+        <p:spPr/>
+        <p:txBody>
+          <a:bodyPr/>
+          <a:lstStyle/>
+          <a:p>
+            <a:fld id="{6C6AE60A-B69C-4790-82F7-3882EDF23186}" type="slidenum">
+              <a:rPr lang="en-GB" smtClean="0"/>
+              <a:pPr/>
+              <a:t>2</a:t>
+            </a:fld>
+            <a:endParaRPr lang="en-GB" dirty="0"/>
+          </a:p>
+        </p:txBody>
+      </p:sp>
+      <p:sp>
+        <p:nvSpPr>
+          <p:cNvPr id="10" name="Titel 9"/>
+          <p:cNvSpPr>
+            <a:spLocks noGrp="1"/>
+          </p:cNvSpPr>
+          <p:nvPr>
+            <p:ph type="title"/>
+          </p:nvPr>
+        </p:nvSpPr>
+        <p:spPr/>
+        <p:txBody>
+          <a:bodyPr/>
+          <a:lstStyle/>
+          <a:p>
+            <a:r>
+              <a:rPr lang="en-GB" dirty="0"/>
+              <a:t>Desired scene</a:t>
+            </a:r>
+          </a:p>
+        </p:txBody>
+      </p:sp>
+      <p:pic>
+        <p:nvPicPr>
+          <p:cNvPr id="7" name="Inhaltsplatzhalter 6"/>
+          <p:cNvPicPr>
+            <a:picLocks noGrp="1" noChangeAspect="1"/>
+          </p:cNvPicPr>
+          <p:nvPr>
+            <p:ph idx="1"/>
+          </p:nvPr>
+        </p:nvPicPr>
+        <p:blipFill>
+          <a:blip r:embed="rId3" cstate="print">
+            <a:extLst>
+              <a:ext uri="{28A0092B-C50C-407E-A947-70E740481C1C}">
+                <a14:useLocalDpi xmlns:a14="http://schemas.microsoft.com/office/drawing/2010/main" xmlns="" val="0"/>
+              </a:ext>
+            </a:extLst>
+          </a:blip>
+          <a:stretch>
+            <a:fillRect/>
+          </a:stretch>
+        </p:blipFill>
+        <p:spPr>
+          <a:xfrm>
+            <a:off x="1970065" y="2024063"/>
+            <a:ext cx="8245520" cy="4210050"/>
+          </a:xfrm>
+        </p:spPr>
+      </p:pic>
+    </p:spTree>
+    <p:extLst>
+      <p:ext uri="{BB962C8B-B14F-4D97-AF65-F5344CB8AC3E}">
+        <p14:creationId xmlns:p14="http://schemas.microsoft.com/office/powerpoint/2010/main" xmlns="" val="2857788226"/>
+      </p:ext>
+    </p:extLst>
+  </p:cSld>
+  <p:clrMapOvr>
+    <a:masterClrMapping/>
+  </p:clrMapOvr>
+  <p:transition>
+    <p:fade/>
+  </p:transition>
+</p:sld>
+</file>
+
+<file path=ppt/slides/slide3.xml><?xml version="1.0" encoding="utf-8"?>
+<p:sld xmlns:a="http://schemas.openxmlformats.org/drawingml/2006/main" xmlns:r="http://schemas.openxmlformats.org/officeDocument/2006/relationships" xmlns:p="http://schemas.openxmlformats.org/presentationml/2006/main">
+  <p:cSld>
+    <p:spTree>
+      <p:nvGrpSpPr>
+        <p:cNvPr id="1" name=""/>
+        <p:cNvGrpSpPr/>
+        <p:nvPr/>
+      </p:nvGrpSpPr>
+      <p:grpSpPr>
+        <a:xfrm>
+          <a:off x="0" y="0"/>
+          <a:ext cx="0" cy="0"/>
+          <a:chOff x="0" y="0"/>
+          <a:chExt cx="0" cy="0"/>
+        </a:xfrm>
+      </p:grpSpPr>
+      <p:sp>
+        <p:nvSpPr>
+          <p:cNvPr id="2" name="Inhaltsplatzhalter 1"/>
+          <p:cNvSpPr>
+            <a:spLocks noGrp="1"/>
+          </p:cNvSpPr>
+          <p:nvPr>
+            <p:ph idx="1"/>
+          </p:nvPr>
+        </p:nvSpPr>
+        <p:spPr/>
+        <p:txBody>
+          <a:bodyPr/>
+          <a:lstStyle/>
+          <a:p>
+            <a:r>
+              <a:rPr lang="de-CH" dirty="0" smtClean="0"/>
+              <a:t>Iterative Dynamics </a:t>
+            </a:r>
+            <a:r>
+              <a:rPr lang="de-CH" dirty="0" err="1" smtClean="0"/>
+              <a:t>with</a:t>
+            </a:r>
+            <a:r>
+              <a:rPr lang="de-CH" dirty="0" smtClean="0"/>
+              <a:t> Temporal </a:t>
+            </a:r>
+            <a:r>
+              <a:rPr lang="de-CH" dirty="0" err="1" smtClean="0"/>
+              <a:t>Coherence</a:t>
+            </a:r>
+            <a:r>
+              <a:rPr lang="de-CH" dirty="0" smtClean="0"/>
+              <a:t> (Erin </a:t>
+            </a:r>
+            <a:r>
+              <a:rPr lang="de-CH" dirty="0" err="1" smtClean="0"/>
+              <a:t>Catto</a:t>
+            </a:r>
+            <a:r>
+              <a:rPr lang="de-CH" dirty="0" smtClean="0"/>
+              <a:t> et al 2005)</a:t>
+            </a:r>
+          </a:p>
+          <a:p>
+            <a:r>
+              <a:rPr lang="de-CH" dirty="0" err="1" smtClean="0"/>
+              <a:t>Simplified</a:t>
+            </a:r>
+            <a:r>
+              <a:rPr lang="de-CH" dirty="0" smtClean="0"/>
+              <a:t> </a:t>
+            </a:r>
+            <a:r>
+              <a:rPr lang="de-CH" dirty="0" err="1" smtClean="0"/>
+              <a:t>to</a:t>
+            </a:r>
+            <a:r>
+              <a:rPr lang="de-CH" dirty="0" smtClean="0"/>
+              <a:t> </a:t>
+            </a:r>
+            <a:r>
+              <a:rPr lang="de-CH" dirty="0" err="1" smtClean="0"/>
+              <a:t>boxes</a:t>
+            </a:r>
+            <a:r>
+              <a:rPr lang="de-CH" dirty="0" smtClean="0"/>
+              <a:t> </a:t>
+            </a:r>
+            <a:r>
+              <a:rPr lang="de-CH" dirty="0" err="1" smtClean="0"/>
+              <a:t>and</a:t>
+            </a:r>
+            <a:r>
+              <a:rPr lang="de-CH" dirty="0" smtClean="0"/>
+              <a:t> </a:t>
+            </a:r>
+            <a:r>
+              <a:rPr lang="de-CH" dirty="0" err="1" smtClean="0"/>
+              <a:t>spheres</a:t>
+            </a:r>
+            <a:endParaRPr lang="de-CH" dirty="0" smtClean="0"/>
+          </a:p>
+          <a:p>
+            <a:r>
+              <a:rPr lang="de-CH" dirty="0" err="1" smtClean="0"/>
+              <a:t>Only</a:t>
+            </a:r>
+            <a:r>
+              <a:rPr lang="de-CH" dirty="0" smtClean="0"/>
+              <a:t> </a:t>
+            </a:r>
+            <a:r>
+              <a:rPr lang="de-CH" dirty="0" err="1" smtClean="0"/>
+              <a:t>single</a:t>
+            </a:r>
+            <a:r>
+              <a:rPr lang="de-CH" dirty="0" smtClean="0"/>
+              <a:t> </a:t>
+            </a:r>
+            <a:r>
+              <a:rPr lang="de-CH" dirty="0" err="1" smtClean="0"/>
+              <a:t>contactpoints</a:t>
+            </a:r>
+            <a:r>
+              <a:rPr lang="de-CH" dirty="0" smtClean="0"/>
+              <a:t>-&gt;</a:t>
+            </a:r>
+            <a:r>
+              <a:rPr lang="de-CH" dirty="0" err="1" smtClean="0"/>
+              <a:t>no</a:t>
+            </a:r>
+            <a:r>
+              <a:rPr lang="de-CH" dirty="0" smtClean="0"/>
+              <a:t> </a:t>
+            </a:r>
+            <a:r>
+              <a:rPr lang="de-CH" dirty="0" err="1" smtClean="0"/>
+              <a:t>boxstacking</a:t>
+            </a:r>
+            <a:r>
+              <a:rPr lang="de-CH" dirty="0" smtClean="0"/>
+              <a:t> </a:t>
+            </a:r>
+            <a:endParaRPr lang="de-CH" dirty="0"/>
+          </a:p>
+        </p:txBody>
+      </p:sp>
+      <p:sp>
+        <p:nvSpPr>
+          <p:cNvPr id="3" name="Datumsplatzhalter 2"/>
+          <p:cNvSpPr>
+            <a:spLocks noGrp="1"/>
+          </p:cNvSpPr>
+          <p:nvPr>
+            <p:ph type="dt" sz="half" idx="10"/>
+          </p:nvPr>
+        </p:nvSpPr>
+        <p:spPr/>
+        <p:txBody>
+          <a:bodyPr/>
+          <a:lstStyle/>
+          <a:p>
+            <a:fld id="{F5B2312B-A258-434F-95FC-A0997179BE88}" type="datetime1">
+              <a:rPr lang="de-DE" smtClean="0"/>
+              <a:pPr/>
+              <a:t>20.12.2016</a:t>
+            </a:fld>
+            <a:endParaRPr lang="en-GB" dirty="0"/>
+          </a:p>
+        </p:txBody>
+      </p:sp>
+      <p:sp>
+        <p:nvSpPr>
+          <p:cNvPr id="4" name="Fußzeilenplatzhalter 3"/>
+          <p:cNvSpPr>
+            <a:spLocks noGrp="1"/>
+          </p:cNvSpPr>
+          <p:nvPr>
+            <p:ph type="ftr" sz="quarter" idx="11"/>
+          </p:nvPr>
+        </p:nvSpPr>
+        <p:spPr/>
+        <p:txBody>
+          <a:bodyPr/>
+          <a:lstStyle/>
+          <a:p>
+            <a:r>
+              <a:rPr lang="en-GB" smtClean="0"/>
+              <a:t>Yannick Huber, Julia Giger</a:t>
+            </a:r>
+            <a:endParaRPr lang="en-GB" dirty="0"/>
+          </a:p>
+        </p:txBody>
+      </p:sp>
+      <p:sp>
+        <p:nvSpPr>
+          <p:cNvPr id="5" name="Foliennummernplatzhalter 4"/>
+          <p:cNvSpPr>
+            <a:spLocks noGrp="1"/>
+          </p:cNvSpPr>
+          <p:nvPr>
+            <p:ph type="sldNum" sz="quarter" idx="12"/>
+          </p:nvPr>
+        </p:nvSpPr>
+        <p:spPr/>
+        <p:txBody>
+          <a:bodyPr/>
+          <a:lstStyle/>
+          <a:p>
+            <a:fld id="{6C6AE60A-B69C-4790-82F7-3882EDF23186}" type="slidenum">
+              <a:rPr lang="en-GB" smtClean="0"/>
+              <a:pPr/>
+              <a:t>3</a:t>
+            </a:fld>
+            <a:endParaRPr lang="en-GB" dirty="0"/>
+          </a:p>
+        </p:txBody>
+      </p:sp>
+      <p:sp>
+        <p:nvSpPr>
+          <p:cNvPr id="6" name="Titel 5"/>
+          <p:cNvSpPr>
+            <a:spLocks noGrp="1"/>
+          </p:cNvSpPr>
+          <p:nvPr>
+            <p:ph type="title"/>
+          </p:nvPr>
+        </p:nvSpPr>
+        <p:spPr/>
+        <p:txBody>
+          <a:bodyPr/>
+          <a:lstStyle/>
+          <a:p>
+            <a:r>
+              <a:rPr lang="de-CH" dirty="0" err="1" smtClean="0"/>
+              <a:t>Implemetation</a:t>
+            </a:r>
+            <a:endParaRPr lang="de-CH" dirty="0"/>
+          </a:p>
+        </p:txBody>
+      </p:sp>
+    </p:spTree>
+  </p:cSld>
+  <p:clrMapOvr>
+    <a:masterClrMapping/>
+  </p:clrMapOvr>
+  <p:transition>
+    <p:fade/>
+  </p:transition>
+</p:sld>
+</file>
+
+<file path=ppt/slides/slide4.xml><?xml version="1.0" encoding="utf-8"?>
+<p:sld xmlns:a="http://schemas.openxmlformats.org/drawingml/2006/main" xmlns:r="http://schemas.openxmlformats.org/officeDocument/2006/relationships" xmlns:p="http://schemas.openxmlformats.org/presentationml/2006/main">
+  <p:cSld>
+    <p:spTree>
+      <p:nvGrpSpPr>
+        <p:cNvPr id="1" name=""/>
+        <p:cNvGrpSpPr/>
+        <p:nvPr/>
+      </p:nvGrpSpPr>
+      <p:grpSpPr>
+        <a:xfrm>
+          <a:off x="0" y="0"/>
+          <a:ext cx="0" cy="0"/>
+          <a:chOff x="0" y="0"/>
+          <a:chExt cx="0" cy="0"/>
+        </a:xfrm>
+      </p:grpSpPr>
+      <p:sp>
+        <p:nvSpPr>
+          <p:cNvPr id="2" name="Inhaltsplatzhalter 1"/>
+          <p:cNvSpPr>
+            <a:spLocks noGrp="1"/>
+          </p:cNvSpPr>
+          <p:nvPr>
+            <p:ph idx="1"/>
+          </p:nvPr>
+        </p:nvSpPr>
+        <p:spPr/>
+        <p:txBody>
+          <a:bodyPr/>
+          <a:lstStyle/>
+          <a:p>
+            <a:pPr>
+              <a:buNone/>
+            </a:pPr>
+            <a:r>
+              <a:rPr lang="de-CH" sz="2000" dirty="0" err="1" smtClean="0">
+                <a:latin typeface="Cambria Math" pitchFamily="18" charset="0"/>
+                <a:ea typeface="Cambria Math" pitchFamily="18" charset="0"/>
+              </a:rPr>
+              <a:t>Initialization</a:t>
+            </a:r>
+            <a:endParaRPr lang="de-CH" sz="2000" dirty="0" smtClean="0">
+              <a:latin typeface="Cambria Math" pitchFamily="18" charset="0"/>
+              <a:ea typeface="Cambria Math" pitchFamily="18" charset="0"/>
+            </a:endParaRPr>
+          </a:p>
+          <a:p>
+            <a:pPr>
+              <a:buNone/>
+            </a:pPr>
+            <a:endParaRPr lang="de-CH" sz="2000" dirty="0" smtClean="0">
+              <a:latin typeface="Cambria Math" pitchFamily="18" charset="0"/>
+              <a:ea typeface="Cambria Math" pitchFamily="18" charset="0"/>
+            </a:endParaRPr>
+          </a:p>
+          <a:p>
+            <a:pPr>
+              <a:buNone/>
+            </a:pPr>
+            <a:r>
+              <a:rPr lang="de-CH" sz="2000" dirty="0" err="1" smtClean="0">
+                <a:latin typeface="Cambria Math" pitchFamily="18" charset="0"/>
+                <a:ea typeface="Cambria Math" pitchFamily="18" charset="0"/>
+              </a:rPr>
+              <a:t>Until</a:t>
+            </a:r>
+            <a:r>
+              <a:rPr lang="de-CH" sz="2000" dirty="0" smtClean="0">
+                <a:latin typeface="Cambria Math" pitchFamily="18" charset="0"/>
+                <a:ea typeface="Cambria Math" pitchFamily="18" charset="0"/>
+              </a:rPr>
+              <a:t> finaltime do:</a:t>
+            </a:r>
+          </a:p>
+          <a:p>
+            <a:pPr>
+              <a:buNone/>
+            </a:pPr>
+            <a:r>
+              <a:rPr lang="de-CH" sz="2000" dirty="0" smtClean="0">
+                <a:latin typeface="Cambria Math" pitchFamily="18" charset="0"/>
+                <a:ea typeface="Cambria Math" pitchFamily="18" charset="0"/>
+              </a:rPr>
+              <a:t>	</a:t>
+            </a:r>
+            <a:r>
+              <a:rPr lang="de-CH" sz="2000" dirty="0" err="1" smtClean="0">
+                <a:latin typeface="Cambria Math" pitchFamily="18" charset="0"/>
+                <a:ea typeface="Cambria Math" pitchFamily="18" charset="0"/>
+              </a:rPr>
+              <a:t>simulationstep</a:t>
+            </a:r>
+            <a:endParaRPr lang="de-CH" sz="2000" dirty="0" smtClean="0">
+              <a:latin typeface="Cambria Math" pitchFamily="18" charset="0"/>
+              <a:ea typeface="Cambria Math" pitchFamily="18" charset="0"/>
+            </a:endParaRPr>
+          </a:p>
+          <a:p>
+            <a:pPr>
+              <a:buNone/>
+            </a:pPr>
+            <a:r>
+              <a:rPr lang="de-CH" sz="2000" dirty="0" smtClean="0">
+                <a:latin typeface="Cambria Math" pitchFamily="18" charset="0"/>
+                <a:ea typeface="Cambria Math" pitchFamily="18" charset="0"/>
+              </a:rPr>
+              <a:t>	</a:t>
+            </a:r>
+            <a:r>
+              <a:rPr lang="de-CH" sz="2000" dirty="0" err="1" smtClean="0">
+                <a:latin typeface="Cambria Math" pitchFamily="18" charset="0"/>
+                <a:ea typeface="Cambria Math" pitchFamily="18" charset="0"/>
+              </a:rPr>
+              <a:t>If</a:t>
+            </a:r>
+            <a:r>
+              <a:rPr lang="de-CH" sz="2000" dirty="0" smtClean="0">
+                <a:latin typeface="Cambria Math" pitchFamily="18" charset="0"/>
+                <a:ea typeface="Cambria Math" pitchFamily="18" charset="0"/>
+              </a:rPr>
+              <a:t> </a:t>
+            </a:r>
+            <a:r>
+              <a:rPr lang="de-CH" sz="2000" dirty="0" smtClean="0">
+                <a:latin typeface="Cambria Math" pitchFamily="18" charset="0"/>
+                <a:ea typeface="Cambria Math" pitchFamily="18" charset="0"/>
+              </a:rPr>
+              <a:t>(</a:t>
+            </a:r>
+            <a:r>
+              <a:rPr lang="de-CH" sz="2000" dirty="0" err="1" smtClean="0">
+                <a:latin typeface="Cambria Math" pitchFamily="18" charset="0"/>
+                <a:ea typeface="Cambria Math" pitchFamily="18" charset="0"/>
+              </a:rPr>
+              <a:t>isrenderframe</a:t>
+            </a:r>
+            <a:r>
+              <a:rPr lang="de-CH" sz="2000" dirty="0" smtClean="0">
+                <a:latin typeface="Cambria Math" pitchFamily="18" charset="0"/>
+                <a:ea typeface="Cambria Math" pitchFamily="18" charset="0"/>
+              </a:rPr>
+              <a:t>)</a:t>
+            </a:r>
+          </a:p>
+          <a:p>
+            <a:pPr>
+              <a:buNone/>
+            </a:pPr>
+            <a:r>
+              <a:rPr lang="de-CH" sz="2000" dirty="0" smtClean="0">
+                <a:latin typeface="Cambria Math" pitchFamily="18" charset="0"/>
+                <a:ea typeface="Cambria Math" pitchFamily="18" charset="0"/>
+              </a:rPr>
+              <a:t>	</a:t>
+            </a:r>
+            <a:r>
+              <a:rPr lang="de-CH" sz="2000" dirty="0" smtClean="0">
+                <a:latin typeface="Cambria Math" pitchFamily="18" charset="0"/>
+                <a:ea typeface="Cambria Math" pitchFamily="18" charset="0"/>
+              </a:rPr>
+              <a:t>	save </a:t>
+            </a:r>
+            <a:r>
+              <a:rPr lang="de-CH" sz="2000" dirty="0" err="1" smtClean="0">
+                <a:latin typeface="Cambria Math" pitchFamily="18" charset="0"/>
+                <a:ea typeface="Cambria Math" pitchFamily="18" charset="0"/>
+              </a:rPr>
+              <a:t>position</a:t>
+            </a:r>
+            <a:endParaRPr lang="de-CH" sz="2000" dirty="0" smtClean="0">
+              <a:latin typeface="Cambria Math" pitchFamily="18" charset="0"/>
+              <a:ea typeface="Cambria Math" pitchFamily="18" charset="0"/>
+            </a:endParaRPr>
+          </a:p>
+          <a:p>
+            <a:pPr>
+              <a:buNone/>
+            </a:pPr>
+            <a:endParaRPr lang="de-CH" sz="2000" dirty="0" smtClean="0">
+              <a:latin typeface="Cambria Math" pitchFamily="18" charset="0"/>
+              <a:ea typeface="Cambria Math" pitchFamily="18" charset="0"/>
+            </a:endParaRPr>
+          </a:p>
+          <a:p>
+            <a:pPr>
+              <a:buNone/>
+            </a:pPr>
+            <a:r>
+              <a:rPr lang="de-CH" sz="2000" dirty="0" smtClean="0">
+                <a:latin typeface="Cambria Math" pitchFamily="18" charset="0"/>
+                <a:ea typeface="Cambria Math" pitchFamily="18" charset="0"/>
+              </a:rPr>
+              <a:t>Render </a:t>
+            </a:r>
+            <a:r>
+              <a:rPr lang="de-CH" sz="2000" dirty="0" err="1" smtClean="0">
+                <a:latin typeface="Cambria Math" pitchFamily="18" charset="0"/>
+                <a:ea typeface="Cambria Math" pitchFamily="18" charset="0"/>
+              </a:rPr>
+              <a:t>saved</a:t>
+            </a:r>
+            <a:r>
+              <a:rPr lang="de-CH" sz="2000" dirty="0" smtClean="0">
+                <a:latin typeface="Cambria Math" pitchFamily="18" charset="0"/>
+                <a:ea typeface="Cambria Math" pitchFamily="18" charset="0"/>
+              </a:rPr>
+              <a:t> </a:t>
+            </a:r>
+            <a:r>
+              <a:rPr lang="de-CH" sz="2000" dirty="0" err="1" smtClean="0">
+                <a:latin typeface="Cambria Math" pitchFamily="18" charset="0"/>
+                <a:ea typeface="Cambria Math" pitchFamily="18" charset="0"/>
+              </a:rPr>
+              <a:t>positions</a:t>
+            </a:r>
+            <a:endParaRPr lang="de-CH" sz="2000" dirty="0" smtClean="0">
+              <a:latin typeface="Cambria Math" pitchFamily="18" charset="0"/>
+              <a:ea typeface="Cambria Math" pitchFamily="18" charset="0"/>
+            </a:endParaRPr>
+          </a:p>
+          <a:p>
+            <a:pPr>
+              <a:buNone/>
+            </a:pPr>
+            <a:endParaRPr lang="de-CH" dirty="0"/>
+          </a:p>
+        </p:txBody>
+      </p:sp>
+      <p:sp>
+        <p:nvSpPr>
+          <p:cNvPr id="3" name="Datumsplatzhalter 2"/>
+          <p:cNvSpPr>
+            <a:spLocks noGrp="1"/>
+          </p:cNvSpPr>
+          <p:nvPr>
+            <p:ph type="dt" sz="half" idx="10"/>
+          </p:nvPr>
+        </p:nvSpPr>
+        <p:spPr/>
+        <p:txBody>
+          <a:bodyPr/>
+          <a:lstStyle/>
+          <a:p>
+            <a:fld id="{F5B2312B-A258-434F-95FC-A0997179BE88}" type="datetime1">
+              <a:rPr lang="de-DE" smtClean="0"/>
+              <a:pPr/>
+              <a:t>20.12.2016</a:t>
+            </a:fld>
+            <a:endParaRPr lang="en-GB" dirty="0"/>
+          </a:p>
+        </p:txBody>
+      </p:sp>
+      <p:sp>
+        <p:nvSpPr>
+          <p:cNvPr id="4" name="Fußzeilenplatzhalter 3"/>
+          <p:cNvSpPr>
+            <a:spLocks noGrp="1"/>
+          </p:cNvSpPr>
+          <p:nvPr>
+            <p:ph type="ftr" sz="quarter" idx="11"/>
+          </p:nvPr>
+        </p:nvSpPr>
+        <p:spPr/>
+        <p:txBody>
+          <a:bodyPr/>
+          <a:lstStyle/>
+          <a:p>
+            <a:r>
+              <a:rPr lang="en-GB" smtClean="0"/>
+              <a:t>Yannick Huber, Julia Giger</a:t>
+            </a:r>
+            <a:endParaRPr lang="en-GB" dirty="0"/>
+          </a:p>
+        </p:txBody>
+      </p:sp>
+      <p:sp>
+        <p:nvSpPr>
+          <p:cNvPr id="5" name="Foliennummernplatzhalter 4"/>
+          <p:cNvSpPr>
+            <a:spLocks noGrp="1"/>
+          </p:cNvSpPr>
+          <p:nvPr>
+            <p:ph type="sldNum" sz="quarter" idx="12"/>
+          </p:nvPr>
+        </p:nvSpPr>
+        <p:spPr/>
+        <p:txBody>
+          <a:bodyPr/>
+          <a:lstStyle/>
+          <a:p>
+            <a:fld id="{6C6AE60A-B69C-4790-82F7-3882EDF23186}" type="slidenum">
+              <a:rPr lang="en-GB" smtClean="0"/>
+              <a:pPr/>
+              <a:t>4</a:t>
+            </a:fld>
+            <a:endParaRPr lang="en-GB" dirty="0"/>
+          </a:p>
+        </p:txBody>
+      </p:sp>
+      <p:sp>
+        <p:nvSpPr>
+          <p:cNvPr id="6" name="Titel 5"/>
+          <p:cNvSpPr>
+            <a:spLocks noGrp="1"/>
+          </p:cNvSpPr>
+          <p:nvPr>
+            <p:ph type="title"/>
+          </p:nvPr>
+        </p:nvSpPr>
+        <p:spPr/>
+        <p:txBody>
+          <a:bodyPr/>
+          <a:lstStyle/>
+          <a:p>
+            <a:r>
+              <a:rPr lang="de-CH" dirty="0" smtClean="0"/>
+              <a:t>Pseudocode</a:t>
+            </a:r>
+            <a:endParaRPr lang="de-CH" dirty="0"/>
+          </a:p>
+        </p:txBody>
+      </p:sp>
+    </p:spTree>
+  </p:cSld>
+  <p:clrMapOvr>
+    <a:masterClrMapping/>
+  </p:clrMapOvr>
+  <p:transition>
+    <p:fade/>
+  </p:transition>
+</p:sld>
+</file>
+
+<file path=ppt/slides/slide5.xml><?xml version="1.0" encoding="utf-8"?>
+<p:sld xmlns:a="http://schemas.openxmlformats.org/drawingml/2006/main" xmlns:r="http://schemas.openxmlformats.org/officeDocument/2006/relationships" xmlns:p="http://schemas.openxmlformats.org/presentationml/2006/main">
+  <p:cSld>
+    <p:spTree>
+      <p:nvGrpSpPr>
+        <p:cNvPr id="1" name=""/>
+        <p:cNvGrpSpPr/>
+        <p:nvPr/>
+      </p:nvGrpSpPr>
+      <p:grpSpPr>
+        <a:xfrm>
+          <a:off x="0" y="0"/>
+          <a:ext cx="0" cy="0"/>
+          <a:chOff x="0" y="0"/>
+          <a:chExt cx="0" cy="0"/>
+        </a:xfrm>
+      </p:grpSpPr>
+      <p:sp>
+        <p:nvSpPr>
+          <p:cNvPr id="2" name="Inhaltsplatzhalter 1"/>
+          <p:cNvSpPr>
+            <a:spLocks noGrp="1"/>
+          </p:cNvSpPr>
+          <p:nvPr>
+            <p:ph idx="1"/>
+          </p:nvPr>
+        </p:nvSpPr>
+        <p:spPr>
+          <a:xfrm>
+            <a:off x="323850" y="1124744"/>
+            <a:ext cx="11537950" cy="5109366"/>
+          </a:xfrm>
+        </p:spPr>
+        <p:txBody>
+          <a:bodyPr/>
+          <a:lstStyle/>
+          <a:p>
+            <a:pPr>
+              <a:buNone/>
+            </a:pPr>
+            <a:r>
+              <a:rPr lang="de-CH" sz="2000" dirty="0" err="1" smtClean="0">
+                <a:latin typeface="Cambria Math" pitchFamily="18" charset="0"/>
+                <a:ea typeface="Cambria Math" pitchFamily="18" charset="0"/>
+                <a:cs typeface="Calibri" pitchFamily="34" charset="0"/>
+              </a:rPr>
+              <a:t>Foreach</a:t>
+            </a:r>
+            <a:r>
+              <a:rPr lang="de-CH" sz="2000" dirty="0" smtClean="0">
+                <a:latin typeface="Cambria Math" pitchFamily="18" charset="0"/>
+                <a:ea typeface="Cambria Math" pitchFamily="18" charset="0"/>
+                <a:cs typeface="Calibri" pitchFamily="34" charset="0"/>
+              </a:rPr>
+              <a:t> </a:t>
+            </a:r>
+            <a:r>
+              <a:rPr lang="de-CH" sz="2000" dirty="0" err="1" smtClean="0">
+                <a:latin typeface="Cambria Math" pitchFamily="18" charset="0"/>
+                <a:ea typeface="Cambria Math" pitchFamily="18" charset="0"/>
+                <a:cs typeface="Calibri" pitchFamily="34" charset="0"/>
+              </a:rPr>
+              <a:t>collision</a:t>
+            </a:r>
+            <a:r>
+              <a:rPr lang="de-CH" sz="2000" dirty="0" smtClean="0">
+                <a:latin typeface="Cambria Math" pitchFamily="18" charset="0"/>
+                <a:ea typeface="Cambria Math" pitchFamily="18" charset="0"/>
+                <a:cs typeface="Calibri" pitchFamily="34" charset="0"/>
+              </a:rPr>
+              <a:t>:</a:t>
+            </a:r>
+          </a:p>
+          <a:p>
+            <a:pPr>
+              <a:buNone/>
+            </a:pPr>
+            <a:r>
+              <a:rPr lang="de-CH" sz="2000" dirty="0" smtClean="0">
+                <a:latin typeface="Cambria Math" pitchFamily="18" charset="0"/>
+                <a:ea typeface="Cambria Math" pitchFamily="18" charset="0"/>
+                <a:cs typeface="Calibri" pitchFamily="34" charset="0"/>
+              </a:rPr>
+              <a:t>	</a:t>
+            </a:r>
+            <a:r>
+              <a:rPr lang="de-CH" sz="2000" dirty="0" err="1" smtClean="0">
+                <a:latin typeface="Cambria Math" pitchFamily="18" charset="0"/>
+                <a:ea typeface="Cambria Math" pitchFamily="18" charset="0"/>
+                <a:cs typeface="Calibri" pitchFamily="34" charset="0"/>
+              </a:rPr>
+              <a:t>compute</a:t>
+            </a:r>
+            <a:r>
+              <a:rPr lang="de-CH" sz="2000" dirty="0" smtClean="0">
+                <a:latin typeface="Cambria Math" pitchFamily="18" charset="0"/>
+                <a:ea typeface="Cambria Math" pitchFamily="18" charset="0"/>
+                <a:cs typeface="Calibri" pitchFamily="34" charset="0"/>
+              </a:rPr>
+              <a:t> </a:t>
+            </a:r>
+            <a:r>
+              <a:rPr lang="de-CH" sz="2000" dirty="0" err="1" smtClean="0">
+                <a:latin typeface="Cambria Math" pitchFamily="18" charset="0"/>
+                <a:ea typeface="Cambria Math" pitchFamily="18" charset="0"/>
+                <a:cs typeface="Calibri" pitchFamily="34" charset="0"/>
+              </a:rPr>
+              <a:t>contactpoint</a:t>
+            </a:r>
+            <a:endParaRPr lang="de-CH" sz="2000" dirty="0" smtClean="0">
+              <a:latin typeface="Cambria Math" pitchFamily="18" charset="0"/>
+              <a:ea typeface="Cambria Math" pitchFamily="18" charset="0"/>
+              <a:cs typeface="Calibri" pitchFamily="34" charset="0"/>
+            </a:endParaRPr>
+          </a:p>
+          <a:p>
+            <a:pPr>
+              <a:buNone/>
+            </a:pPr>
+            <a:r>
+              <a:rPr lang="de-CH" sz="2000" dirty="0" smtClean="0">
+                <a:latin typeface="Cambria Math" pitchFamily="18" charset="0"/>
+                <a:ea typeface="Cambria Math" pitchFamily="18" charset="0"/>
+                <a:cs typeface="Calibri" pitchFamily="34" charset="0"/>
+              </a:rPr>
+              <a:t>	</a:t>
+            </a:r>
+            <a:r>
+              <a:rPr lang="de-CH" sz="2000" dirty="0" err="1" smtClean="0">
+                <a:latin typeface="Cambria Math" pitchFamily="18" charset="0"/>
+                <a:ea typeface="Cambria Math" pitchFamily="18" charset="0"/>
+                <a:cs typeface="Calibri" pitchFamily="34" charset="0"/>
+              </a:rPr>
+              <a:t>J.pushback</a:t>
+            </a:r>
+            <a:r>
+              <a:rPr lang="de-CH" sz="2000" dirty="0" smtClean="0">
+                <a:latin typeface="Cambria Math" pitchFamily="18" charset="0"/>
+                <a:ea typeface="Cambria Math" pitchFamily="18" charset="0"/>
+                <a:cs typeface="Calibri" pitchFamily="34" charset="0"/>
+              </a:rPr>
+              <a:t>(</a:t>
+            </a:r>
+            <a:r>
+              <a:rPr lang="de-CH" sz="2000" dirty="0" err="1" smtClean="0">
+                <a:latin typeface="Cambria Math" pitchFamily="18" charset="0"/>
+                <a:ea typeface="Cambria Math" pitchFamily="18" charset="0"/>
+                <a:cs typeface="Calibri" pitchFamily="34" charset="0"/>
+              </a:rPr>
+              <a:t>normalconstraint</a:t>
+            </a:r>
+            <a:r>
+              <a:rPr lang="de-CH" sz="2000" dirty="0" smtClean="0">
+                <a:latin typeface="Cambria Math" pitchFamily="18" charset="0"/>
+                <a:ea typeface="Cambria Math" pitchFamily="18" charset="0"/>
+                <a:cs typeface="Calibri" pitchFamily="34" charset="0"/>
+              </a:rPr>
+              <a:t>)</a:t>
+            </a:r>
+          </a:p>
+          <a:p>
+            <a:pPr>
+              <a:buNone/>
+            </a:pPr>
+            <a:r>
+              <a:rPr lang="de-CH" sz="2000" dirty="0" smtClean="0">
+                <a:latin typeface="Cambria Math" pitchFamily="18" charset="0"/>
+                <a:ea typeface="Cambria Math" pitchFamily="18" charset="0"/>
+                <a:cs typeface="Calibri" pitchFamily="34" charset="0"/>
+              </a:rPr>
+              <a:t>	</a:t>
+            </a:r>
+            <a:r>
+              <a:rPr lang="de-CH" sz="2000" dirty="0" err="1" smtClean="0">
+                <a:latin typeface="Cambria Math" pitchFamily="18" charset="0"/>
+                <a:ea typeface="Cambria Math" pitchFamily="18" charset="0"/>
+                <a:cs typeface="Calibri" pitchFamily="34" charset="0"/>
+              </a:rPr>
+              <a:t>bias.pushback</a:t>
+            </a:r>
+            <a:r>
+              <a:rPr lang="de-CH" sz="2000" dirty="0" smtClean="0">
+                <a:latin typeface="Cambria Math" pitchFamily="18" charset="0"/>
+                <a:ea typeface="Cambria Math" pitchFamily="18" charset="0"/>
+                <a:cs typeface="Calibri" pitchFamily="34" charset="0"/>
+              </a:rPr>
+              <a:t>(</a:t>
+            </a:r>
+            <a:r>
+              <a:rPr lang="de-CH" sz="2000" dirty="0" err="1" smtClean="0">
+                <a:latin typeface="Cambria Math" pitchFamily="18" charset="0"/>
+                <a:ea typeface="Cambria Math" pitchFamily="18" charset="0"/>
+                <a:cs typeface="Calibri" pitchFamily="34" charset="0"/>
+              </a:rPr>
+              <a:t>collision</a:t>
+            </a:r>
+            <a:r>
+              <a:rPr lang="de-CH" sz="2000" dirty="0" smtClean="0">
+                <a:latin typeface="Cambria Math" pitchFamily="18" charset="0"/>
+                <a:ea typeface="Cambria Math" pitchFamily="18" charset="0"/>
+                <a:cs typeface="Calibri" pitchFamily="34" charset="0"/>
+              </a:rPr>
+              <a:t> </a:t>
+            </a:r>
+            <a:r>
+              <a:rPr lang="de-CH" sz="2000" dirty="0" err="1" smtClean="0">
+                <a:latin typeface="Cambria Math" pitchFamily="18" charset="0"/>
+                <a:ea typeface="Cambria Math" pitchFamily="18" charset="0"/>
+                <a:cs typeface="Calibri" pitchFamily="34" charset="0"/>
+              </a:rPr>
+              <a:t>resolve</a:t>
+            </a:r>
+            <a:r>
+              <a:rPr lang="de-CH" sz="2000" dirty="0" smtClean="0">
+                <a:latin typeface="Cambria Math" pitchFamily="18" charset="0"/>
+                <a:ea typeface="Cambria Math" pitchFamily="18" charset="0"/>
+                <a:cs typeface="Calibri" pitchFamily="34" charset="0"/>
+              </a:rPr>
+              <a:t>)</a:t>
+            </a:r>
+          </a:p>
+          <a:p>
+            <a:pPr>
+              <a:buNone/>
+            </a:pPr>
+            <a:r>
+              <a:rPr lang="de-CH" sz="2000" dirty="0" smtClean="0">
+                <a:latin typeface="Cambria Math" pitchFamily="18" charset="0"/>
+                <a:ea typeface="Cambria Math" pitchFamily="18" charset="0"/>
+                <a:cs typeface="Calibri" pitchFamily="34" charset="0"/>
+              </a:rPr>
+              <a:t>	</a:t>
+            </a:r>
+            <a:r>
+              <a:rPr lang="de-CH" sz="2000" dirty="0" err="1" smtClean="0">
+                <a:latin typeface="Cambria Math" pitchFamily="18" charset="0"/>
+                <a:ea typeface="Cambria Math" pitchFamily="18" charset="0"/>
+                <a:cs typeface="Calibri" pitchFamily="34" charset="0"/>
+              </a:rPr>
+              <a:t>J.pushback</a:t>
+            </a:r>
+            <a:r>
+              <a:rPr lang="de-CH" sz="2000" dirty="0" smtClean="0">
+                <a:latin typeface="Cambria Math" pitchFamily="18" charset="0"/>
+                <a:ea typeface="Cambria Math" pitchFamily="18" charset="0"/>
+                <a:cs typeface="Calibri" pitchFamily="34" charset="0"/>
+              </a:rPr>
+              <a:t>(</a:t>
+            </a:r>
+            <a:r>
+              <a:rPr lang="de-CH" sz="2000" dirty="0" err="1" smtClean="0">
+                <a:latin typeface="Cambria Math" pitchFamily="18" charset="0"/>
+                <a:ea typeface="Cambria Math" pitchFamily="18" charset="0"/>
+                <a:cs typeface="Calibri" pitchFamily="34" charset="0"/>
+              </a:rPr>
+              <a:t>frictionconstraint</a:t>
+            </a:r>
+            <a:r>
+              <a:rPr lang="de-CH" sz="2000" dirty="0" smtClean="0">
+                <a:latin typeface="Cambria Math" pitchFamily="18" charset="0"/>
+                <a:ea typeface="Cambria Math" pitchFamily="18" charset="0"/>
+                <a:cs typeface="Calibri" pitchFamily="34" charset="0"/>
+              </a:rPr>
+              <a:t>)</a:t>
+            </a:r>
+          </a:p>
+          <a:p>
+            <a:pPr>
+              <a:buNone/>
+            </a:pPr>
+            <a:endParaRPr lang="de-CH" sz="2000" dirty="0" smtClean="0">
+              <a:latin typeface="Cambria Math" pitchFamily="18" charset="0"/>
+              <a:ea typeface="Cambria Math" pitchFamily="18" charset="0"/>
+              <a:cs typeface="Calibri" pitchFamily="34" charset="0"/>
+            </a:endParaRPr>
+          </a:p>
+          <a:p>
+            <a:pPr>
+              <a:buNone/>
+            </a:pPr>
+            <a:endParaRPr lang="de-CH" sz="2000" dirty="0" smtClean="0">
+              <a:latin typeface="Cambria Math" pitchFamily="18" charset="0"/>
+              <a:ea typeface="Cambria Math" pitchFamily="18" charset="0"/>
+              <a:cs typeface="Calibri" pitchFamily="34" charset="0"/>
+            </a:endParaRPr>
+          </a:p>
+          <a:p>
+            <a:pPr>
+              <a:buNone/>
+            </a:pPr>
+            <a:endParaRPr lang="de-CH" sz="2000" dirty="0" smtClean="0">
+              <a:latin typeface="Cambria Math" pitchFamily="18" charset="0"/>
+              <a:ea typeface="Cambria Math" pitchFamily="18" charset="0"/>
+              <a:cs typeface="Calibri" pitchFamily="34" charset="0"/>
+            </a:endParaRPr>
+          </a:p>
+          <a:p>
+            <a:pPr>
+              <a:buNone/>
+            </a:pPr>
+            <a:r>
+              <a:rPr lang="de-CH" sz="2000" dirty="0" err="1" smtClean="0">
+                <a:latin typeface="Cambria Math" pitchFamily="18" charset="0"/>
+                <a:ea typeface="Cambria Math" pitchFamily="18" charset="0"/>
+                <a:cs typeface="Calibri" pitchFamily="34" charset="0"/>
+              </a:rPr>
+              <a:t>If</a:t>
+            </a:r>
+            <a:r>
+              <a:rPr lang="de-CH" sz="2000" dirty="0" smtClean="0">
+                <a:latin typeface="Cambria Math" pitchFamily="18" charset="0"/>
+                <a:ea typeface="Cambria Math" pitchFamily="18" charset="0"/>
+                <a:cs typeface="Calibri" pitchFamily="34" charset="0"/>
+              </a:rPr>
+              <a:t> (</a:t>
+            </a:r>
+            <a:r>
+              <a:rPr lang="de-CH" sz="2000" dirty="0" err="1" smtClean="0">
+                <a:latin typeface="Cambria Math" pitchFamily="18" charset="0"/>
+                <a:ea typeface="Cambria Math" pitchFamily="18" charset="0"/>
+                <a:cs typeface="Calibri" pitchFamily="34" charset="0"/>
+              </a:rPr>
+              <a:t>cache</a:t>
+            </a:r>
+            <a:r>
+              <a:rPr lang="de-CH" sz="2000" dirty="0" smtClean="0">
+                <a:latin typeface="Cambria Math" pitchFamily="18" charset="0"/>
+                <a:ea typeface="Cambria Math" pitchFamily="18" charset="0"/>
+                <a:cs typeface="Calibri" pitchFamily="34" charset="0"/>
+              </a:rPr>
+              <a:t>[i])</a:t>
+            </a:r>
+          </a:p>
+          <a:p>
+            <a:pPr>
+              <a:buNone/>
+            </a:pPr>
+            <a:r>
+              <a:rPr lang="de-CH" sz="3200" dirty="0" smtClean="0">
+                <a:latin typeface="Cambria Math" pitchFamily="18" charset="0"/>
+                <a:ea typeface="Cambria Math" pitchFamily="18" charset="0"/>
+                <a:cs typeface="Calibri" pitchFamily="34" charset="0"/>
+              </a:rPr>
+              <a:t> </a:t>
+            </a:r>
+            <a:r>
+              <a:rPr lang="de-CH" sz="2000" dirty="0" smtClean="0">
+                <a:latin typeface="Cambria Math" pitchFamily="18" charset="0"/>
+                <a:ea typeface="Cambria Math" pitchFamily="18" charset="0"/>
+                <a:cs typeface="Calibri" pitchFamily="34" charset="0"/>
+              </a:rPr>
+              <a:t> </a:t>
+            </a:r>
+          </a:p>
+          <a:p>
+            <a:pPr>
+              <a:buNone/>
+            </a:pPr>
+            <a:endParaRPr lang="de-CH" sz="2000" dirty="0" smtClean="0">
+              <a:latin typeface="Cambria Math" pitchFamily="18" charset="0"/>
+              <a:ea typeface="Cambria Math" pitchFamily="18" charset="0"/>
+              <a:cs typeface="Calibri" pitchFamily="34" charset="0"/>
+            </a:endParaRPr>
+          </a:p>
+          <a:p>
+            <a:pPr>
+              <a:buNone/>
+            </a:pPr>
+            <a:r>
+              <a:rPr lang="de-CH" sz="2000" dirty="0" smtClean="0">
+                <a:latin typeface="Cambria Math" pitchFamily="18" charset="0"/>
+                <a:ea typeface="Cambria Math" pitchFamily="18" charset="0"/>
+                <a:cs typeface="Calibri" pitchFamily="34" charset="0"/>
+              </a:rPr>
+              <a:t>Update</a:t>
+            </a:r>
+            <a:r>
+              <a:rPr lang="de-CH" sz="2000" dirty="0" smtClean="0">
+                <a:latin typeface="Cambria Math" pitchFamily="18" charset="0"/>
+                <a:ea typeface="Cambria Math" pitchFamily="18" charset="0"/>
+              </a:rPr>
+              <a:t> </a:t>
+            </a:r>
+            <a:r>
+              <a:rPr lang="de-CH" sz="2000" dirty="0" err="1" smtClean="0">
+                <a:latin typeface="Cambria Math" pitchFamily="18" charset="0"/>
+                <a:ea typeface="Cambria Math" pitchFamily="18" charset="0"/>
+                <a:cs typeface="Calibri" pitchFamily="34" charset="0"/>
+              </a:rPr>
+              <a:t>position</a:t>
+            </a:r>
+            <a:endParaRPr lang="de-CH" sz="2000" dirty="0" smtClean="0">
+              <a:latin typeface="Cambria Math" pitchFamily="18" charset="0"/>
+              <a:ea typeface="Cambria Math" pitchFamily="18" charset="0"/>
+              <a:cs typeface="Calibri" pitchFamily="34" charset="0"/>
+            </a:endParaRPr>
+          </a:p>
+          <a:p>
+            <a:pPr>
+              <a:buNone/>
+            </a:pPr>
+            <a:endParaRPr lang="de-CH" dirty="0" smtClean="0">
+              <a:latin typeface="Calibri" pitchFamily="34" charset="0"/>
+              <a:cs typeface="Calibri" pitchFamily="34" charset="0"/>
+            </a:endParaRPr>
+          </a:p>
+        </p:txBody>
+      </p:sp>
+      <p:sp>
+        <p:nvSpPr>
+          <p:cNvPr id="3" name="Datumsplatzhalter 2"/>
+          <p:cNvSpPr>
+            <a:spLocks noGrp="1"/>
+          </p:cNvSpPr>
+          <p:nvPr>
+            <p:ph type="dt" sz="half" idx="10"/>
+          </p:nvPr>
+        </p:nvSpPr>
+        <p:spPr/>
+        <p:txBody>
+          <a:bodyPr/>
+          <a:lstStyle/>
+          <a:p>
+            <a:fld id="{F5B2312B-A258-434F-95FC-A0997179BE88}" type="datetime1">
+              <a:rPr lang="de-DE" smtClean="0"/>
+              <a:pPr/>
+              <a:t>20.12.2016</a:t>
+            </a:fld>
+            <a:endParaRPr lang="en-GB" dirty="0"/>
+          </a:p>
+        </p:txBody>
+      </p:sp>
+      <p:sp>
+        <p:nvSpPr>
+          <p:cNvPr id="4" name="Fußzeilenplatzhalter 3"/>
+          <p:cNvSpPr>
+            <a:spLocks noGrp="1"/>
+          </p:cNvSpPr>
+          <p:nvPr>
+            <p:ph type="ftr" sz="quarter" idx="11"/>
+          </p:nvPr>
+        </p:nvSpPr>
+        <p:spPr/>
+        <p:txBody>
+          <a:bodyPr/>
+          <a:lstStyle/>
+          <a:p>
+            <a:r>
+              <a:rPr lang="en-GB" smtClean="0"/>
+              <a:t>Yannick Huber, Julia Giger</a:t>
+            </a:r>
+            <a:endParaRPr lang="en-GB" dirty="0"/>
+          </a:p>
+        </p:txBody>
+      </p:sp>
+      <p:sp>
+        <p:nvSpPr>
+          <p:cNvPr id="5" name="Foliennummernplatzhalter 4"/>
+          <p:cNvSpPr>
+            <a:spLocks noGrp="1"/>
+          </p:cNvSpPr>
+          <p:nvPr>
+            <p:ph type="sldNum" sz="quarter" idx="12"/>
+          </p:nvPr>
+        </p:nvSpPr>
+        <p:spPr/>
+        <p:txBody>
+          <a:bodyPr/>
+          <a:lstStyle/>
+          <a:p>
+            <a:fld id="{6C6AE60A-B69C-4790-82F7-3882EDF23186}" type="slidenum">
+              <a:rPr lang="en-GB" smtClean="0"/>
+              <a:pPr/>
+              <a:t>5</a:t>
+            </a:fld>
+            <a:endParaRPr lang="en-GB" dirty="0"/>
+          </a:p>
+        </p:txBody>
+      </p:sp>
+      <p:sp>
+        <p:nvSpPr>
+          <p:cNvPr id="1026" name="Rectangle 2"/>
+          <p:cNvSpPr>
+            <a:spLocks noChangeArrowheads="1"/>
+          </p:cNvSpPr>
+          <p:nvPr/>
+        </p:nvSpPr>
+        <p:spPr bwMode="auto">
+          <a:xfrm>
+            <a:off x="0" y="0"/>
+            <a:ext cx="12187238" cy="0"/>
+          </a:xfrm>
+          <a:prstGeom prst="rect">
+            <a:avLst/>
+          </a:prstGeom>
+          <a:noFill/>
+          <a:ln w="9525">
+            <a:noFill/>
+            <a:miter lim="800000"/>
+            <a:headEnd/>
+            <a:tailEnd/>
+          </a:ln>
+          <a:effectLst/>
+        </p:spPr>
+        <p:txBody>
+          <a:bodyPr vert="horz" wrap="none" lIns="91440" tIns="45720" rIns="91440" bIns="45720" numCol="1" anchor="ctr" anchorCtr="0" compatLnSpc="1">
+            <a:prstTxWarp prst="textNoShape">
+              <a:avLst/>
+            </a:prstTxWarp>
+            <a:spAutoFit/>
+          </a:bodyPr>
+          <a:lstStyle/>
+          <a:p>
+            <a:endParaRPr lang="de-CH"/>
+          </a:p>
+        </p:txBody>
+      </p:sp>
+      <p:pic>
+        <p:nvPicPr>
+          <p:cNvPr id="1025" name="Picture 1"/>
+          <p:cNvPicPr>
+            <a:picLocks noChangeAspect="1" noChangeArrowheads="1"/>
+          </p:cNvPicPr>
+          <p:nvPr/>
+        </p:nvPicPr>
+        <p:blipFill>
+          <a:blip r:embed="rId2" cstate="print">
+            <a:clrChange>
+              <a:clrFrom>
+                <a:srgbClr val="FFFFFF"/>
+              </a:clrFrom>
+              <a:clrTo>
+                <a:srgbClr val="FFFFFF">
+                  <a:alpha val="0"/>
+                </a:srgbClr>
+              </a:clrTo>
+            </a:clrChange>
+          </a:blip>
+          <a:srcRect/>
+          <a:stretch>
+            <a:fillRect/>
+          </a:stretch>
+        </p:blipFill>
+        <p:spPr bwMode="auto">
+          <a:xfrm>
+            <a:off x="497090" y="2964592"/>
+            <a:ext cx="3436288" cy="526368"/>
+          </a:xfrm>
+          <a:prstGeom prst="rect">
+            <a:avLst/>
+          </a:prstGeom>
+          <a:noFill/>
+        </p:spPr>
+      </p:pic>
+      <p:sp>
+        <p:nvSpPr>
+          <p:cNvPr id="1030" name="Rectangle 6"/>
+          <p:cNvSpPr>
+            <a:spLocks noChangeArrowheads="1"/>
+          </p:cNvSpPr>
+          <p:nvPr/>
+        </p:nvSpPr>
+        <p:spPr bwMode="auto">
+          <a:xfrm>
+            <a:off x="0" y="0"/>
+            <a:ext cx="12187238" cy="0"/>
+          </a:xfrm>
+          <a:prstGeom prst="rect">
+            <a:avLst/>
+          </a:prstGeom>
+          <a:noFill/>
+          <a:ln w="9525">
+            <a:noFill/>
+            <a:miter lim="800000"/>
+            <a:headEnd/>
+            <a:tailEnd/>
+          </a:ln>
+          <a:effectLst/>
+        </p:spPr>
+        <p:txBody>
+          <a:bodyPr vert="horz" wrap="none" lIns="91440" tIns="45720" rIns="91440" bIns="45720" numCol="1" anchor="ctr" anchorCtr="0" compatLnSpc="1">
+            <a:prstTxWarp prst="textNoShape">
+              <a:avLst/>
+            </a:prstTxWarp>
+            <a:spAutoFit/>
+          </a:bodyPr>
+          <a:lstStyle/>
+          <a:p>
+            <a:endParaRPr lang="de-CH"/>
+          </a:p>
+        </p:txBody>
+      </p:sp>
+      <p:pic>
+        <p:nvPicPr>
+          <p:cNvPr id="1029" name="Picture 5"/>
+          <p:cNvPicPr>
+            <a:picLocks noChangeAspect="1" noChangeArrowheads="1"/>
+          </p:cNvPicPr>
+          <p:nvPr/>
+        </p:nvPicPr>
+        <p:blipFill>
+          <a:blip r:embed="rId3" cstate="print">
+            <a:clrChange>
+              <a:clrFrom>
+                <a:srgbClr val="FFFFFF"/>
+              </a:clrFrom>
+              <a:clrTo>
+                <a:srgbClr val="FFFFFF">
+                  <a:alpha val="0"/>
+                </a:srgbClr>
+              </a:clrTo>
+            </a:clrChange>
+          </a:blip>
+          <a:srcRect/>
+          <a:stretch>
+            <a:fillRect/>
+          </a:stretch>
+        </p:blipFill>
+        <p:spPr bwMode="auto">
+          <a:xfrm>
+            <a:off x="497090" y="3562952"/>
+            <a:ext cx="2572193" cy="344490"/>
+          </a:xfrm>
+          <a:prstGeom prst="rect">
+            <a:avLst/>
+          </a:prstGeom>
+          <a:noFill/>
+        </p:spPr>
+      </p:pic>
+      <p:sp>
+        <p:nvSpPr>
+          <p:cNvPr id="1032" name="Rectangle 8"/>
+          <p:cNvSpPr>
+            <a:spLocks noChangeArrowheads="1"/>
+          </p:cNvSpPr>
+          <p:nvPr/>
+        </p:nvSpPr>
+        <p:spPr bwMode="auto">
+          <a:xfrm>
+            <a:off x="0" y="0"/>
+            <a:ext cx="12187238" cy="0"/>
+          </a:xfrm>
+          <a:prstGeom prst="rect">
+            <a:avLst/>
+          </a:prstGeom>
+          <a:noFill/>
+          <a:ln w="9525">
+            <a:noFill/>
+            <a:miter lim="800000"/>
+            <a:headEnd/>
+            <a:tailEnd/>
+          </a:ln>
+          <a:effectLst/>
+        </p:spPr>
+        <p:txBody>
+          <a:bodyPr vert="horz" wrap="none" lIns="91440" tIns="45720" rIns="91440" bIns="45720" numCol="1" anchor="ctr" anchorCtr="0" compatLnSpc="1">
+            <a:prstTxWarp prst="textNoShape">
+              <a:avLst/>
+            </a:prstTxWarp>
+            <a:spAutoFit/>
+          </a:bodyPr>
+          <a:lstStyle/>
+          <a:p>
+            <a:endParaRPr lang="de-CH"/>
+          </a:p>
+        </p:txBody>
+      </p:sp>
+      <p:pic>
+        <p:nvPicPr>
+          <p:cNvPr id="1031" name="Picture 7"/>
+          <p:cNvPicPr>
+            <a:picLocks noChangeAspect="1" noChangeArrowheads="1"/>
+          </p:cNvPicPr>
+          <p:nvPr/>
+        </p:nvPicPr>
+        <p:blipFill>
+          <a:blip r:embed="rId4" cstate="print">
+            <a:clrChange>
+              <a:clrFrom>
+                <a:srgbClr val="FFFFFF"/>
+              </a:clrFrom>
+              <a:clrTo>
+                <a:srgbClr val="FFFFFF">
+                  <a:alpha val="0"/>
+                </a:srgbClr>
+              </a:clrTo>
+            </a:clrChange>
+          </a:blip>
+          <a:srcRect/>
+          <a:stretch>
+            <a:fillRect/>
+          </a:stretch>
+        </p:blipFill>
+        <p:spPr bwMode="auto">
+          <a:xfrm>
+            <a:off x="895349" y="4492352"/>
+            <a:ext cx="1677139" cy="356838"/>
+          </a:xfrm>
+          <a:prstGeom prst="rect">
+            <a:avLst/>
+          </a:prstGeom>
+          <a:noFill/>
+        </p:spPr>
+      </p:pic>
+      <p:pic>
+        <p:nvPicPr>
+          <p:cNvPr id="16" name="Picture 1"/>
+          <p:cNvPicPr>
+            <a:picLocks noChangeAspect="1" noChangeArrowheads="1"/>
+          </p:cNvPicPr>
+          <p:nvPr/>
+        </p:nvPicPr>
+        <p:blipFill>
+          <a:blip r:embed="rId5" cstate="print">
+            <a:clrChange>
+              <a:clrFrom>
+                <a:srgbClr val="FFFFFF"/>
+              </a:clrFrom>
+              <a:clrTo>
+                <a:srgbClr val="FFFFFF">
+                  <a:alpha val="0"/>
+                </a:srgbClr>
+              </a:clrTo>
+            </a:clrChange>
+          </a:blip>
+          <a:srcRect/>
+          <a:stretch>
+            <a:fillRect/>
+          </a:stretch>
+        </p:blipFill>
+        <p:spPr bwMode="auto">
+          <a:xfrm>
+            <a:off x="549003" y="4941168"/>
+            <a:ext cx="3133300" cy="334516"/>
+          </a:xfrm>
+          <a:prstGeom prst="rect">
+            <a:avLst/>
+          </a:prstGeom>
+          <a:noFill/>
+        </p:spPr>
+      </p:pic>
+    </p:spTree>
+  </p:cSld>
+  <p:clrMapOvr>
+    <a:masterClrMapping/>
+  </p:clrMapOvr>
+  <p:transition>
+    <p:fade/>
+  </p:transition>
+</p:sld>
+</file>
+
+<file path=ppt/slides/slide6.xml><?xml version="1.0" encoding="utf-8"?>
+<p:sld xmlns:a="http://schemas.openxmlformats.org/drawingml/2006/main" xmlns:r="http://schemas.openxmlformats.org/officeDocument/2006/relationships" xmlns:p="http://schemas.openxmlformats.org/presentationml/2006/main">
+  <p:cSld>
+    <p:spTree>
+      <p:nvGrpSpPr>
+        <p:cNvPr id="1" name=""/>
+        <p:cNvGrpSpPr/>
+        <p:nvPr/>
+      </p:nvGrpSpPr>
+      <p:grpSpPr>
+        <a:xfrm>
+          <a:off x="0" y="0"/>
+          <a:ext cx="0" cy="0"/>
+          <a:chOff x="0" y="0"/>
+          <a:chExt cx="0" cy="0"/>
+        </a:xfrm>
+      </p:grpSpPr>
+      <p:sp>
+        <p:nvSpPr>
+          <p:cNvPr id="3" name="Datumsplatzhalter 2"/>
+          <p:cNvSpPr>
+            <a:spLocks noGrp="1"/>
+          </p:cNvSpPr>
+          <p:nvPr>
+            <p:ph type="dt" sz="half" idx="10"/>
+          </p:nvPr>
+        </p:nvSpPr>
+        <p:spPr/>
+        <p:txBody>
+          <a:bodyPr/>
+          <a:lstStyle/>
+          <a:p>
+            <a:fld id="{8EA7A386-D2DA-4381-9278-D48217652768}" type="datetime1">
+              <a:rPr lang="de-DE" smtClean="0"/>
+              <a:pPr/>
+              <a:t>20.12.2016</a:t>
+            </a:fld>
+            <a:endParaRPr lang="en-GB" dirty="0"/>
+          </a:p>
+        </p:txBody>
+      </p:sp>
+      <p:sp>
+        <p:nvSpPr>
+          <p:cNvPr id="4" name="Fußzeilenplatzhalter 3"/>
+          <p:cNvSpPr>
+            <a:spLocks noGrp="1"/>
+          </p:cNvSpPr>
+          <p:nvPr>
+            <p:ph type="ftr" sz="quarter" idx="11"/>
+          </p:nvPr>
+        </p:nvSpPr>
+        <p:spPr/>
+        <p:txBody>
+          <a:bodyPr/>
+          <a:lstStyle/>
+          <a:p>
+            <a:r>
+              <a:rPr lang="en-GB"/>
+              <a:t>Yannick Huber, Julia Giger</a:t>
+            </a:r>
+            <a:endParaRPr lang="en-GB" dirty="0"/>
+          </a:p>
+        </p:txBody>
+      </p:sp>
+      <p:sp>
+        <p:nvSpPr>
+          <p:cNvPr id="5" name="Foliennummernplatzhalter 4"/>
+          <p:cNvSpPr>
+            <a:spLocks noGrp="1"/>
+          </p:cNvSpPr>
+          <p:nvPr>
+            <p:ph type="sldNum" sz="quarter" idx="12"/>
+          </p:nvPr>
+        </p:nvSpPr>
+        <p:spPr/>
+        <p:txBody>
+          <a:bodyPr/>
+          <a:lstStyle/>
+          <a:p>
+            <a:fld id="{6C6AE60A-B69C-4790-82F7-3882EDF23186}" type="slidenum">
+              <a:rPr lang="en-GB" smtClean="0"/>
+              <a:pPr/>
+              <a:t>6</a:t>
+            </a:fld>
+            <a:endParaRPr lang="en-GB" dirty="0"/>
+          </a:p>
+        </p:txBody>
+      </p:sp>
+      <p:sp>
+        <p:nvSpPr>
+          <p:cNvPr id="10" name="Titel 9"/>
+          <p:cNvSpPr>
+            <a:spLocks noGrp="1"/>
+          </p:cNvSpPr>
+          <p:nvPr>
+            <p:ph type="title"/>
+          </p:nvPr>
+        </p:nvSpPr>
+        <p:spPr/>
+        <p:txBody>
+          <a:bodyPr/>
+          <a:lstStyle/>
+          <a:p>
+            <a:r>
+              <a:rPr lang="en-GB" dirty="0"/>
+              <a:t>Problems</a:t>
+            </a:r>
+          </a:p>
+        </p:txBody>
+      </p:sp>
+      <p:sp>
+        <p:nvSpPr>
+          <p:cNvPr id="2" name="Inhaltsplatzhalter 1"/>
+          <p:cNvSpPr>
+            <a:spLocks noGrp="1"/>
+          </p:cNvSpPr>
+          <p:nvPr>
+            <p:ph idx="1"/>
+          </p:nvPr>
+        </p:nvSpPr>
+        <p:spPr/>
+        <p:txBody>
+          <a:bodyPr/>
+          <a:lstStyle/>
+          <a:p>
+            <a:r>
+              <a:rPr lang="en-GB" dirty="0"/>
+              <a:t>Box</a:t>
+            </a:r>
+          </a:p>
+          <a:p>
+            <a:r>
+              <a:rPr lang="en-GB" dirty="0"/>
+              <a:t>Stacking</a:t>
+            </a:r>
+          </a:p>
+        </p:txBody>
+      </p:sp>
+    </p:spTree>
+    <p:extLst>
+      <p:ext uri="{BB962C8B-B14F-4D97-AF65-F5344CB8AC3E}">
+        <p14:creationId xmlns:p14="http://schemas.microsoft.com/office/powerpoint/2010/main" xmlns="" val="2419372346"/>
+      </p:ext>
+    </p:extLst>
+  </p:cSld>
+  <p:clrMapOvr>
+    <a:masterClrMapping/>
+  </p:clrMapOvr>
+  <p:transition>
+    <p:fade/>
+  </p:transition>
+  <p:timing>
+    <p:tnLst>
+      <p:par>
+        <p:cTn id="1" dur="indefinite" restart="never" nodeType="tmRoot">
+          <p:childTnLst>
+            <p:seq concurrent="1" nextAc="seek">
+              <p:cTn id="2" dur="indefinite" nodeType="mainSeq">
+                <p:childTnLst>
+                  <p:par>
+                    <p:cTn id="3" fill="hold">
+                      <p:stCondLst>
+                        <p:cond delay="indefinite"/>
+                      </p:stCondLst>
+                      <p:childTnLst>
+                        <p:par>
+                          <p:cTn id="4" fill="hold">
+                            <p:stCondLst>
+                              <p:cond delay="0"/>
+                            </p:stCondLst>
+                            <p:childTnLst>
+                              <p:par>
+                                <p:cTn id="5" presetID="1" presetClass="entr" presetSubtype="0" fill="hold" nodeType="clickEffect">
+                                  <p:stCondLst>
+                                    <p:cond delay="0"/>
+                                  </p:stCondLst>
+                                  <p:childTnLst>
+                                    <p:set>
+                                      <p:cBhvr>
+                                        <p:cTn id="6" dur="1" fill="hold">
+                                          <p:stCondLst>
+                                            <p:cond delay="0"/>
+                                          </p:stCondLst>
+                                        </p:cTn>
+                                        <p:tgtEl>
+                                          <p:spTgt spid="2">
+                                            <p:txEl>
+                                              <p:pRg st="0" end="0"/>
+                                            </p:txEl>
+                                          </p:spTgt>
+                                        </p:tgtEl>
+                                        <p:attrNameLst>
+                                          <p:attrName>style.visibility</p:attrName>
+                                        </p:attrNameLst>
+                                      </p:cBhvr>
+                                      <p:to>
+                                        <p:strVal val="visible"/>
+                                      </p:to>
+                                    </p:set>
+                                  </p:childTnLst>
+                                </p:cTn>
+                              </p:par>
+                            </p:childTnLst>
+                          </p:cTn>
+                        </p:par>
+                      </p:childTnLst>
+                    </p:cTn>
+                  </p:par>
+                  <p:par>
+                    <p:cTn id="7" fill="hold">
+                      <p:stCondLst>
+                        <p:cond delay="indefinite"/>
+                      </p:stCondLst>
+                      <p:childTnLst>
+                        <p:par>
+                          <p:cTn id="8" fill="hold">
+                            <p:stCondLst>
+                              <p:cond delay="0"/>
+                            </p:stCondLst>
+                            <p:childTnLst>
+                              <p:par>
+                                <p:cTn id="9" presetID="1" presetClass="entr" presetSubtype="0" fill="hold" nodeType="clickEffect">
+                                  <p:stCondLst>
+                                    <p:cond delay="0"/>
+                                  </p:stCondLst>
+                                  <p:childTnLst>
+                                    <p:set>
+                                      <p:cBhvr>
+                                        <p:cTn id="10" dur="1" fill="hold">
+                                          <p:stCondLst>
+                                            <p:cond delay="0"/>
+                                          </p:stCondLst>
+                                        </p:cTn>
+                                        <p:tgtEl>
+                                          <p:spTgt spid="2">
+                                            <p:txEl>
+                                              <p:pRg st="1" end="1"/>
+                                            </p:txEl>
+                                          </p:spTgt>
+                                        </p:tgtEl>
+                                        <p:attrNameLst>
+                                          <p:attrName>style.visibility</p:attrName>
+                                        </p:attrNameLst>
+                                      </p:cBhvr>
+                                      <p:to>
+                                        <p:strVal val="visible"/>
+                                      </p:to>
+                                    </p:set>
+                                  </p:childTnLst>
+                                </p:cTn>
+                              </p:par>
+                            </p:childTnLst>
+                          </p:cTn>
+                        </p:par>
+                      </p:childTnLst>
+                    </p:cTn>
+                  </p:par>
+                  <p:par>
+                    <p:cTn id="11" fill="hold">
+                      <p:stCondLst>
+                        <p:cond delay="indefinite"/>
+                      </p:stCondLst>
+                      <p:childTnLst>
+                        <p:par>
+                          <p:cTn id="12" fill="hold">
+                            <p:stCondLst>
+                              <p:cond delay="0"/>
+                            </p:stCondLst>
+                            <p:childTnLst>
+                              <p:par>
+                                <p:cTn id="13" presetID="26" presetClass="emph" presetSubtype="0" fill="hold" nodeType="clickEffect">
+                                  <p:stCondLst>
+                                    <p:cond delay="0"/>
+                                  </p:stCondLst>
+                                  <p:childTnLst>
+                                    <p:animEffect transition="out" filter="fade">
+                                      <p:cBhvr>
+                                        <p:cTn id="14" dur="500" tmFilter="0, 0; .2, .5; .8, .5; 1, 0"/>
+                                        <p:tgtEl>
+                                          <p:spTgt spid="2">
+                                            <p:txEl>
+                                              <p:pRg st="0" end="0"/>
+                                            </p:txEl>
+                                          </p:spTgt>
+                                        </p:tgtEl>
+                                      </p:cBhvr>
+                                    </p:animEffect>
+                                    <p:animScale>
+                                      <p:cBhvr>
+                                        <p:cTn id="15" dur="250" autoRev="1" fill="hold"/>
+                                        <p:tgtEl>
+                                          <p:spTgt spid="2">
+                                            <p:txEl>
+                                              <p:pRg st="0" end="0"/>
+                                            </p:txEl>
+                                          </p:spTgt>
+                                        </p:tgtEl>
+                                      </p:cBhvr>
+                                      <p:by x="105000" y="105000"/>
+                                    </p:animScale>
+                                  </p:childTnLst>
+                                </p:cTn>
+                              </p:par>
+                            </p:childTnLst>
+                          </p:cTn>
+                        </p:par>
+                      </p:childTnLst>
+                    </p:cTn>
+                  </p:par>
+                </p:childTnLst>
+              </p:cTn>
+              <p:prevCondLst>
+                <p:cond evt="onPrev" delay="0">
+                  <p:tgtEl>
+                    <p:sldTgt/>
+                  </p:tgtEl>
+                </p:cond>
+              </p:prevCondLst>
+              <p:nextCondLst>
+                <p:cond evt="onNext" delay="0">
+                  <p:tgtEl>
+                    <p:sldTgt/>
+                  </p:tgtEl>
+                </p:cond>
+              </p:nextCondLst>
+            </p:seq>
+          </p:childTnLst>
+        </p:cTn>
+      </p:par>
+    </p:tnLst>
+  </p:timing>
+</p:sld>
+</file>
+
+<file path=ppt/slides/slide7.xml><?xml version="1.0" encoding="utf-8"?>
+<p:sld xmlns:a="http://schemas.openxmlformats.org/drawingml/2006/main" xmlns:r="http://schemas.openxmlformats.org/officeDocument/2006/relationships" xmlns:p="http://schemas.openxmlformats.org/presentationml/2006/main">
+  <p:cSld>
+    <p:spTree>
+      <p:nvGrpSpPr>
+        <p:cNvPr id="1" name=""/>
+        <p:cNvGrpSpPr/>
+        <p:nvPr/>
+      </p:nvGrpSpPr>
+      <p:grpSpPr>
+        <a:xfrm>
+          <a:off x="0" y="0"/>
+          <a:ext cx="0" cy="0"/>
+          <a:chOff x="0" y="0"/>
+          <a:chExt cx="0" cy="0"/>
+        </a:xfrm>
+      </p:grpSpPr>
+      <p:sp>
+        <p:nvSpPr>
+          <p:cNvPr id="3" name="Datumsplatzhalter 2"/>
+          <p:cNvSpPr>
+            <a:spLocks noGrp="1"/>
+          </p:cNvSpPr>
+          <p:nvPr>
+            <p:ph type="dt" sz="half" idx="10"/>
+          </p:nvPr>
+        </p:nvSpPr>
+        <p:spPr/>
+        <p:txBody>
+          <a:bodyPr/>
+          <a:lstStyle/>
+          <a:p>
+            <a:fld id="{8EA7A386-D2DA-4381-9278-D48217652768}" type="datetime1">
+              <a:rPr lang="de-DE" smtClean="0"/>
+              <a:pPr/>
+              <a:t>20.12.2016</a:t>
+            </a:fld>
+            <a:endParaRPr lang="en-GB" dirty="0"/>
+          </a:p>
+        </p:txBody>
+      </p:sp>
+      <p:sp>
+        <p:nvSpPr>
+          <p:cNvPr id="4" name="Fußzeilenplatzhalter 3"/>
+          <p:cNvSpPr>
+            <a:spLocks noGrp="1"/>
+          </p:cNvSpPr>
+          <p:nvPr>
+            <p:ph type="ftr" sz="quarter" idx="11"/>
+          </p:nvPr>
+        </p:nvSpPr>
+        <p:spPr/>
+        <p:txBody>
+          <a:bodyPr/>
+          <a:lstStyle/>
+          <a:p>
+            <a:r>
+              <a:rPr lang="en-GB"/>
+              <a:t>Yannick Huber, Julia Giger</a:t>
+            </a:r>
+            <a:endParaRPr lang="en-GB" dirty="0"/>
+          </a:p>
+        </p:txBody>
+      </p:sp>
+      <p:sp>
+        <p:nvSpPr>
+          <p:cNvPr id="5" name="Foliennummernplatzhalter 4"/>
+          <p:cNvSpPr>
+            <a:spLocks noGrp="1"/>
+          </p:cNvSpPr>
+          <p:nvPr>
+            <p:ph type="sldNum" sz="quarter" idx="12"/>
+          </p:nvPr>
+        </p:nvSpPr>
+        <p:spPr/>
+        <p:txBody>
+          <a:bodyPr/>
+          <a:lstStyle/>
+          <a:p>
+            <a:fld id="{6C6AE60A-B69C-4790-82F7-3882EDF23186}" type="slidenum">
+              <a:rPr lang="en-GB" smtClean="0"/>
+              <a:pPr/>
+              <a:t>7</a:t>
+            </a:fld>
+            <a:endParaRPr lang="en-GB" dirty="0"/>
+          </a:p>
+        </p:txBody>
+      </p:sp>
+      <p:sp>
+        <p:nvSpPr>
+          <p:cNvPr id="10" name="Titel 9"/>
+          <p:cNvSpPr>
+            <a:spLocks noGrp="1"/>
+          </p:cNvSpPr>
+          <p:nvPr>
+            <p:ph type="title"/>
+          </p:nvPr>
+        </p:nvSpPr>
+        <p:spPr/>
+        <p:txBody>
+          <a:bodyPr/>
+          <a:lstStyle/>
+          <a:p>
+            <a:r>
+              <a:rPr lang="en-GB" dirty="0"/>
+              <a:t>Box</a:t>
+            </a:r>
+          </a:p>
+        </p:txBody>
+      </p:sp>
+      <p:sp>
+        <p:nvSpPr>
+          <p:cNvPr id="2" name="Inhaltsplatzhalter 1"/>
+          <p:cNvSpPr>
+            <a:spLocks noGrp="1"/>
+          </p:cNvSpPr>
+          <p:nvPr>
+            <p:ph idx="1"/>
+          </p:nvPr>
+        </p:nvSpPr>
+        <p:spPr/>
+        <p:txBody>
+          <a:bodyPr/>
+          <a:lstStyle/>
+          <a:p>
+            <a:r>
+              <a:rPr lang="en-GB" dirty="0"/>
+              <a:t>Box_problem.mp4</a:t>
+            </a:r>
+          </a:p>
+        </p:txBody>
+      </p:sp>
+    </p:spTree>
+    <p:extLst>
+      <p:ext uri="{BB962C8B-B14F-4D97-AF65-F5344CB8AC3E}">
+        <p14:creationId xmlns:p14="http://schemas.microsoft.com/office/powerpoint/2010/main" xmlns="" val="3307930596"/>
+      </p:ext>
+    </p:extLst>
+  </p:cSld>
+  <p:clrMapOvr>
+    <a:masterClrMapping/>
+  </p:clrMapOvr>
+  <p:transition>
+    <p:fade/>
+  </p:transition>
+</p:sld>
+</file>
+
+<file path=ppt/slides/slide8.xml><?xml version="1.0" encoding="utf-8"?>
+<p:sld xmlns:a="http://schemas.openxmlformats.org/drawingml/2006/main" xmlns:r="http://schemas.openxmlformats.org/officeDocument/2006/relationships" xmlns:p="http://schemas.openxmlformats.org/presentationml/2006/main">
+  <p:cSld>
+    <p:spTree>
+      <p:nvGrpSpPr>
+        <p:cNvPr id="1" name=""/>
+        <p:cNvGrpSpPr/>
+        <p:nvPr/>
+      </p:nvGrpSpPr>
+      <p:grpSpPr>
+        <a:xfrm>
+          <a:off x="0" y="0"/>
+          <a:ext cx="0" cy="0"/>
+          <a:chOff x="0" y="0"/>
+          <a:chExt cx="0" cy="0"/>
+        </a:xfrm>
+      </p:grpSpPr>
+      <p:sp>
+        <p:nvSpPr>
+          <p:cNvPr id="3" name="Datumsplatzhalter 2"/>
+          <p:cNvSpPr>
+            <a:spLocks noGrp="1"/>
+          </p:cNvSpPr>
+          <p:nvPr>
+            <p:ph type="dt" sz="half" idx="10"/>
+          </p:nvPr>
+        </p:nvSpPr>
+        <p:spPr/>
+        <p:txBody>
+          <a:bodyPr/>
+          <a:lstStyle/>
+          <a:p>
+            <a:fld id="{8EA7A386-D2DA-4381-9278-D48217652768}" type="datetime1">
+              <a:rPr lang="de-DE" smtClean="0"/>
+              <a:pPr/>
+              <a:t>20.12.2016</a:t>
+            </a:fld>
+            <a:endParaRPr lang="en-GB" dirty="0"/>
+          </a:p>
+        </p:txBody>
+      </p:sp>
+      <p:sp>
+        <p:nvSpPr>
+          <p:cNvPr id="4" name="Fußzeilenplatzhalter 3"/>
+          <p:cNvSpPr>
+            <a:spLocks noGrp="1"/>
+          </p:cNvSpPr>
+          <p:nvPr>
+            <p:ph type="ftr" sz="quarter" idx="11"/>
+          </p:nvPr>
+        </p:nvSpPr>
+        <p:spPr/>
+        <p:txBody>
+          <a:bodyPr/>
+          <a:lstStyle/>
+          <a:p>
+            <a:r>
+              <a:rPr lang="en-GB"/>
+              <a:t>Yannick Huber, Julia Giger</a:t>
+            </a:r>
+            <a:endParaRPr lang="en-GB" dirty="0"/>
+          </a:p>
+        </p:txBody>
+      </p:sp>
+      <p:sp>
+        <p:nvSpPr>
+          <p:cNvPr id="5" name="Foliennummernplatzhalter 4"/>
+          <p:cNvSpPr>
+            <a:spLocks noGrp="1"/>
+          </p:cNvSpPr>
+          <p:nvPr>
+            <p:ph type="sldNum" sz="quarter" idx="12"/>
+          </p:nvPr>
+        </p:nvSpPr>
+        <p:spPr/>
+        <p:txBody>
+          <a:bodyPr/>
+          <a:lstStyle/>
+          <a:p>
+            <a:fld id="{6C6AE60A-B69C-4790-82F7-3882EDF23186}" type="slidenum">
+              <a:rPr lang="en-GB" smtClean="0"/>
+              <a:pPr/>
+              <a:t>8</a:t>
+            </a:fld>
+            <a:endParaRPr lang="en-GB" dirty="0"/>
+          </a:p>
+        </p:txBody>
+      </p:sp>
+      <p:sp>
+        <p:nvSpPr>
+          <p:cNvPr id="10" name="Titel 9"/>
+          <p:cNvSpPr>
+            <a:spLocks noGrp="1"/>
+          </p:cNvSpPr>
+          <p:nvPr>
+            <p:ph type="title"/>
+          </p:nvPr>
+        </p:nvSpPr>
+        <p:spPr/>
+        <p:txBody>
+          <a:bodyPr/>
+          <a:lstStyle/>
+          <a:p>
+            <a:r>
+              <a:rPr lang="en-GB" dirty="0"/>
+              <a:t>Box: Concave objects</a:t>
+            </a:r>
+          </a:p>
+        </p:txBody>
+      </p:sp>
+      <p:sp>
+        <p:nvSpPr>
+          <p:cNvPr id="2" name="Inhaltsplatzhalter 1"/>
+          <p:cNvSpPr>
+            <a:spLocks noGrp="1"/>
+          </p:cNvSpPr>
+          <p:nvPr>
+            <p:ph idx="1"/>
+          </p:nvPr>
+        </p:nvSpPr>
+        <p:spPr/>
+        <p:txBody>
+          <a:bodyPr/>
+          <a:lstStyle/>
+          <a:p>
+            <a:r>
+              <a:rPr lang="en-GB" dirty="0"/>
+              <a:t>Gilbert-Johnson-</a:t>
+            </a:r>
+            <a:r>
+              <a:rPr lang="en-GB" dirty="0" err="1"/>
+              <a:t>Keerthi</a:t>
+            </a:r>
+            <a:r>
+              <a:rPr lang="en-GB" dirty="0"/>
+              <a:t> algorithm for collision detection</a:t>
+            </a:r>
+          </a:p>
+          <a:p>
+            <a:r>
+              <a:rPr lang="en-GB" dirty="0"/>
+              <a:t>Only for convex objects</a:t>
+            </a:r>
+          </a:p>
+          <a:p>
+            <a:r>
+              <a:rPr lang="en-GB" dirty="0"/>
+              <a:t>Inside of the box: concave</a:t>
+            </a:r>
+          </a:p>
+        </p:txBody>
+      </p:sp>
+    </p:spTree>
+    <p:extLst>
+      <p:ext uri="{BB962C8B-B14F-4D97-AF65-F5344CB8AC3E}">
+        <p14:creationId xmlns:p14="http://schemas.microsoft.com/office/powerpoint/2010/main" xmlns="" val="2296392827"/>
+      </p:ext>
+    </p:extLst>
+  </p:cSld>
+  <p:clrMapOvr>
+    <a:masterClrMapping/>
+  </p:clrMapOvr>
+  <p:transition>
+    <p:fade/>
+  </p:transition>
+  <p:timing>
+    <p:tnLst>
+      <p:par>
+        <p:cTn id="1" dur="indefinite" restart="never" nodeType="tmRoot">
+          <p:childTnLst>
+            <p:seq concurrent="1" nextAc="seek">
+              <p:cTn id="2" dur="indefinite" nodeType="mainSeq">
+                <p:childTnLst>
+                  <p:par>
+                    <p:cTn id="3" fill="hold">
+                      <p:stCondLst>
+                        <p:cond delay="indefinite"/>
+                      </p:stCondLst>
+                      <p:childTnLst>
+                        <p:par>
+                          <p:cTn id="4" fill="hold">
+                            <p:stCondLst>
+                              <p:cond delay="0"/>
+                            </p:stCondLst>
+                            <p:childTnLst>
+                              <p:par>
+                                <p:cTn id="5" presetID="1" presetClass="entr" presetSubtype="0" fill="hold" nodeType="clickEffect">
+                                  <p:stCondLst>
+                                    <p:cond delay="0"/>
+                                  </p:stCondLst>
+                                  <p:childTnLst>
+                                    <p:set>
+                                      <p:cBhvr>
+                                        <p:cTn id="6" dur="1" fill="hold">
+                                          <p:stCondLst>
+                                            <p:cond delay="0"/>
+                                          </p:stCondLst>
+                                        </p:cTn>
+                                        <p:tgtEl>
+                                          <p:spTgt spid="2">
+                                            <p:txEl>
+                                              <p:pRg st="0" end="0"/>
+                                            </p:txEl>
+                                          </p:spTgt>
+                                        </p:tgtEl>
+                                        <p:attrNameLst>
+                                          <p:attrName>style.visibility</p:attrName>
+                                        </p:attrNameLst>
+                                      </p:cBhvr>
+                                      <p:to>
+                                        <p:strVal val="visible"/>
+                                      </p:to>
+                                    </p:set>
+                                  </p:childTnLst>
+                                </p:cTn>
+                              </p:par>
+                            </p:childTnLst>
+                          </p:cTn>
+                        </p:par>
+                      </p:childTnLst>
+                    </p:cTn>
+                  </p:par>
+                  <p:par>
+                    <p:cTn id="7" fill="hold">
+                      <p:stCondLst>
+                        <p:cond delay="indefinite"/>
+                      </p:stCondLst>
+                      <p:childTnLst>
+                        <p:par>
+                          <p:cTn id="8" fill="hold">
+                            <p:stCondLst>
+                              <p:cond delay="0"/>
+                            </p:stCondLst>
+                            <p:childTnLst>
+                              <p:par>
+                                <p:cTn id="9" presetID="1" presetClass="entr" presetSubtype="0" fill="hold" nodeType="clickEffect">
+                                  <p:stCondLst>
+                                    <p:cond delay="0"/>
+                                  </p:stCondLst>
+                                  <p:childTnLst>
+                                    <p:set>
+                                      <p:cBhvr>
+                                        <p:cTn id="10" dur="1" fill="hold">
+                                          <p:stCondLst>
+                                            <p:cond delay="0"/>
+                                          </p:stCondLst>
+                                        </p:cTn>
+                                        <p:tgtEl>
+                                          <p:spTgt spid="2">
+                                            <p:txEl>
+                                              <p:pRg st="1" end="1"/>
+                                            </p:txEl>
+                                          </p:spTgt>
+                                        </p:tgtEl>
+                                        <p:attrNameLst>
+                                          <p:attrName>style.visibility</p:attrName>
+                                        </p:attrNameLst>
+                                      </p:cBhvr>
+                                      <p:to>
+                                        <p:strVal val="visible"/>
+                                      </p:to>
+                                    </p:set>
+                                  </p:childTnLst>
+                                </p:cTn>
+                              </p:par>
+                            </p:childTnLst>
+                          </p:cTn>
+                        </p:par>
+                      </p:childTnLst>
+                    </p:cTn>
+                  </p:par>
+                  <p:par>
+                    <p:cTn id="11" fill="hold">
+                      <p:stCondLst>
+                        <p:cond delay="indefinite"/>
+                      </p:stCondLst>
+                      <p:childTnLst>
+                        <p:par>
+                          <p:cTn id="12" fill="hold">
+                            <p:stCondLst>
+                              <p:cond delay="0"/>
+                            </p:stCondLst>
+                            <p:childTnLst>
+                              <p:par>
+                                <p:cTn id="13" presetID="1" presetClass="entr" presetSubtype="0" fill="hold" nodeType="clickEffect">
+                                  <p:stCondLst>
+                                    <p:cond delay="0"/>
+                                  </p:stCondLst>
+                                  <p:childTnLst>
+                                    <p:set>
+                                      <p:cBhvr>
+                                        <p:cTn id="14" dur="1" fill="hold">
+                                          <p:stCondLst>
+                                            <p:cond delay="0"/>
+                                          </p:stCondLst>
+                                        </p:cTn>
+                                        <p:tgtEl>
+                                          <p:spTgt spid="2">
+                                            <p:txEl>
+                                              <p:pRg st="2" end="2"/>
+                                            </p:txEl>
+                                          </p:spTgt>
+                                        </p:tgtEl>
+                                        <p:attrNameLst>
+                                          <p:attrName>style.visibility</p:attrName>
+                                        </p:attrNameLst>
+                                      </p:cBhvr>
+                                      <p:to>
+                                        <p:strVal val="visible"/>
+                                      </p:to>
+                                    </p:set>
+                                  </p:childTnLst>
+                                </p:cTn>
+                              </p:par>
+                            </p:childTnLst>
+                          </p:cTn>
+                        </p:par>
+                      </p:childTnLst>
+                    </p:cTn>
+                  </p:par>
+                </p:childTnLst>
+              </p:cTn>
+              <p:prevCondLst>
+                <p:cond evt="onPrev" delay="0">
+                  <p:tgtEl>
+                    <p:sldTgt/>
+                  </p:tgtEl>
+                </p:cond>
+              </p:prevCondLst>
+              <p:nextCondLst>
+                <p:cond evt="onNext" delay="0">
+                  <p:tgtEl>
+                    <p:sldTgt/>
+                  </p:tgtEl>
+                </p:cond>
+              </p:nextCondLst>
+            </p:seq>
+          </p:childTnLst>
+        </p:cTn>
+      </p:par>
+    </p:tnLst>
+  </p:timing>
+</p:sld>
+</file>
+
 <file path=ppt/slides/slide9.xml><?xml version="1.0" encoding="utf-8"?>
 <p:sld xmlns:a="http://schemas.openxmlformats.org/drawingml/2006/main" xmlns:r="http://schemas.openxmlformats.org/officeDocument/2006/relationships" xmlns:p="http://schemas.openxmlformats.org/presentationml/2006/main">
   <p:cSld>
@@ -45818,6 +46446,7 @@
           <a:p>
             <a:fld id="{8EA7A386-D2DA-4381-9278-D48217652768}" type="datetime1">
               <a:rPr lang="de-DE" smtClean="0"/>
+              <a:pPr/>
               <a:t>20.12.2016</a:t>
             </a:fld>
             <a:endParaRPr lang="en-GB" dirty="0"/>
@@ -45888,7 +46517,7 @@
           <a:p>
             <a:r>
               <a:rPr lang="en-GB" dirty="0"/>
-              <a:t>Stacking</a:t>
+              <a:t>Concave objects: Solution</a:t>
             </a:r>
           </a:p>
         </p:txBody>
@@ -45910,7 +46539,7 @@
           <a:p>
             <a:r>
               <a:rPr lang="en-GB" dirty="0"/>
-              <a:t>Stacking.mp4</a:t>
+              <a:t>Without_box.mp4</a:t>
             </a:r>
           </a:p>
         </p:txBody>
@@ -45918,7 +46547,7 @@
     </p:spTree>
     <p:extLst>
       <p:ext uri="{BB962C8B-B14F-4D97-AF65-F5344CB8AC3E}">
-        <p14:creationId xmlns:p14="http://schemas.microsoft.com/office/powerpoint/2010/main" val="1450472921"/>
+        <p14:creationId xmlns:p14="http://schemas.microsoft.com/office/powerpoint/2010/main" xmlns="" val="4216090291"/>
       </p:ext>
     </p:extLst>
   </p:cSld>
@@ -46341,7 +46970,7 @@
   </a:custClrLst>
   <a:extLst>
     <a:ext uri="{05A4C25C-085E-4340-85A3-A5531E510DB2}">
-      <thm15:themeFamily xmlns:thm15="http://schemas.microsoft.com/office/thememl/2012/main" name="eth_praesentation_16zu9_ETH1_d" id="{F9B539DF-8A69-4439-8089-24A40A980317}" vid="{5D9C827C-5BA7-402A-8ABB-C7F0BA4B4DEC}"/>
+      <thm15:themeFamily xmlns:thm15="http://schemas.microsoft.com/office/thememl/2012/main" xmlns="" name="eth_praesentation_16zu9_ETH1_d" id="{F9B539DF-8A69-4439-8089-24A40A980317}" vid="{5D9C827C-5BA7-402A-8ABB-C7F0BA4B4DEC}"/>
     </a:ext>
   </a:extLst>
 </a:theme>
@@ -47362,7 +47991,7 @@
   </a:custClrLst>
   <a:extLst>
     <a:ext uri="{05A4C25C-085E-4340-85A3-A5531E510DB2}">
-      <thm15:themeFamily xmlns:thm15="http://schemas.microsoft.com/office/thememl/2012/main" name="eth_praesentation_16zu9_ETH1_d" id="{F9B539DF-8A69-4439-8089-24A40A980317}" vid="{5D9C827C-5BA7-402A-8ABB-C7F0BA4B4DEC}"/>
+      <thm15:themeFamily xmlns:thm15="http://schemas.microsoft.com/office/thememl/2012/main" xmlns="" name="eth_praesentation_16zu9_ETH1_d" id="{F9B539DF-8A69-4439-8089-24A40A980317}" vid="{5D9C827C-5BA7-402A-8ABB-C7F0BA4B4DEC}"/>
     </a:ext>
   </a:extLst>
 </a:theme>
@@ -47778,7 +48407,7 @@
   </a:custClrLst>
   <a:extLst>
     <a:ext uri="{05A4C25C-085E-4340-85A3-A5531E510DB2}">
-      <thm15:themeFamily xmlns:thm15="http://schemas.microsoft.com/office/thememl/2012/main" name="eth_praesentation_16zu9_ETH1_d" id="{F9B539DF-8A69-4439-8089-24A40A980317}" vid="{5D9C827C-5BA7-402A-8ABB-C7F0BA4B4DEC}"/>
+      <thm15:themeFamily xmlns:thm15="http://schemas.microsoft.com/office/thememl/2012/main" xmlns="" name="eth_praesentation_16zu9_ETH1_d" id="{F9B539DF-8A69-4439-8089-24A40A980317}" vid="{5D9C827C-5BA7-402A-8ABB-C7F0BA4B4DEC}"/>
     </a:ext>
   </a:extLst>
 </a:theme>
@@ -48194,7 +48823,7 @@
   </a:custClrLst>
   <a:extLst>
     <a:ext uri="{05A4C25C-085E-4340-85A3-A5531E510DB2}">
-      <thm15:themeFamily xmlns:thm15="http://schemas.microsoft.com/office/thememl/2012/main" name="eth_praesentation_16zu9_ETH1_d" id="{F9B539DF-8A69-4439-8089-24A40A980317}" vid="{5D9C827C-5BA7-402A-8ABB-C7F0BA4B4DEC}"/>
+      <thm15:themeFamily xmlns:thm15="http://schemas.microsoft.com/office/thememl/2012/main" xmlns="" name="eth_praesentation_16zu9_ETH1_d" id="{F9B539DF-8A69-4439-8089-24A40A980317}" vid="{5D9C827C-5BA7-402A-8ABB-C7F0BA4B4DEC}"/>
     </a:ext>
   </a:extLst>
 </a:theme>
@@ -48610,7 +49239,7 @@
   </a:custClrLst>
   <a:extLst>
     <a:ext uri="{05A4C25C-085E-4340-85A3-A5531E510DB2}">
-      <thm15:themeFamily xmlns:thm15="http://schemas.microsoft.com/office/thememl/2012/main" name="eth_praesentation_16zu9_ETH1_d" id="{F9B539DF-8A69-4439-8089-24A40A980317}" vid="{5D9C827C-5BA7-402A-8ABB-C7F0BA4B4DEC}"/>
+      <thm15:themeFamily xmlns:thm15="http://schemas.microsoft.com/office/thememl/2012/main" xmlns="" name="eth_praesentation_16zu9_ETH1_d" id="{F9B539DF-8A69-4439-8089-24A40A980317}" vid="{5D9C827C-5BA7-402A-8ABB-C7F0BA4B4DEC}"/>
     </a:ext>
   </a:extLst>
 </a:theme>
@@ -49026,7 +49655,7 @@
   </a:custClrLst>
   <a:extLst>
     <a:ext uri="{05A4C25C-085E-4340-85A3-A5531E510DB2}">
-      <thm15:themeFamily xmlns:thm15="http://schemas.microsoft.com/office/thememl/2012/main" name="eth_praesentation_16zu9_ETH1_d" id="{F9B539DF-8A69-4439-8089-24A40A980317}" vid="{5D9C827C-5BA7-402A-8ABB-C7F0BA4B4DEC}"/>
+      <thm15:themeFamily xmlns:thm15="http://schemas.microsoft.com/office/thememl/2012/main" xmlns="" name="eth_praesentation_16zu9_ETH1_d" id="{F9B539DF-8A69-4439-8089-24A40A980317}" vid="{5D9C827C-5BA7-402A-8ABB-C7F0BA4B4DEC}"/>
     </a:ext>
   </a:extLst>
 </a:theme>
@@ -49442,7 +50071,7 @@
   </a:custClrLst>
   <a:extLst>
     <a:ext uri="{05A4C25C-085E-4340-85A3-A5531E510DB2}">
-      <thm15:themeFamily xmlns:thm15="http://schemas.microsoft.com/office/thememl/2012/main" name="eth_praesentation_16zu9_ETH1_d" id="{F9B539DF-8A69-4439-8089-24A40A980317}" vid="{5D9C827C-5BA7-402A-8ABB-C7F0BA4B4DEC}"/>
+      <thm15:themeFamily xmlns:thm15="http://schemas.microsoft.com/office/thememl/2012/main" xmlns="" name="eth_praesentation_16zu9_ETH1_d" id="{F9B539DF-8A69-4439-8089-24A40A980317}" vid="{5D9C827C-5BA7-402A-8ABB-C7F0BA4B4DEC}"/>
     </a:ext>
   </a:extLst>
 </a:theme>
@@ -49858,7 +50487,7 @@
   </a:custClrLst>
   <a:extLst>
     <a:ext uri="{05A4C25C-085E-4340-85A3-A5531E510DB2}">
-      <thm15:themeFamily xmlns:thm15="http://schemas.microsoft.com/office/thememl/2012/main" name="eth_praesentation_16zu9_ETH1_d" id="{F9B539DF-8A69-4439-8089-24A40A980317}" vid="{5D9C827C-5BA7-402A-8ABB-C7F0BA4B4DEC}"/>
+      <thm15:themeFamily xmlns:thm15="http://schemas.microsoft.com/office/thememl/2012/main" xmlns="" name="eth_praesentation_16zu9_ETH1_d" id="{F9B539DF-8A69-4439-8089-24A40A980317}" vid="{5D9C827C-5BA7-402A-8ABB-C7F0BA4B4DEC}"/>
     </a:ext>
   </a:extLst>
 </a:theme>
@@ -50274,7 +50903,7 @@
   </a:custClrLst>
   <a:extLst>
     <a:ext uri="{05A4C25C-085E-4340-85A3-A5531E510DB2}">
-      <thm15:themeFamily xmlns:thm15="http://schemas.microsoft.com/office/thememl/2012/main" name="eth_praesentation_16zu9_ETH1_d" id="{F9B539DF-8A69-4439-8089-24A40A980317}" vid="{5D9C827C-5BA7-402A-8ABB-C7F0BA4B4DEC}"/>
+      <thm15:themeFamily xmlns:thm15="http://schemas.microsoft.com/office/thememl/2012/main" xmlns="" name="eth_praesentation_16zu9_ETH1_d" id="{F9B539DF-8A69-4439-8089-24A40A980317}" vid="{5D9C827C-5BA7-402A-8ABB-C7F0BA4B4DEC}"/>
     </a:ext>
   </a:extLst>
 </a:theme>

--- a/project/final_presentation.pptx
+++ b/project/final_presentation.pptx
@@ -134,7 +134,7 @@
   </p:defaultTextStyle>
   <p:extLst>
     <p:ext uri="{EFAFB233-063F-42B5-8137-9DF3F51BA10A}">
-      <p15:sldGuideLst xmlns:p15="http://schemas.microsoft.com/office/powerpoint/2012/main" xmlns="">
+      <p15:sldGuideLst xmlns="" xmlns:p15="http://schemas.microsoft.com/office/powerpoint/2012/main">
         <p15:guide id="1" orient="horz" pos="391">
           <p15:clr>
             <a:srgbClr val="A4A3A4"/>
@@ -203,7 +203,7 @@
       </p15:sldGuideLst>
     </p:ext>
     <p:ext uri="{2D200454-40CA-4A62-9FC3-DE9A4176ACB9}">
-      <p15:notesGuideLst xmlns:p15="http://schemas.microsoft.com/office/powerpoint/2012/main" xmlns=""/>
+      <p15:notesGuideLst xmlns="" xmlns:p15="http://schemas.microsoft.com/office/powerpoint/2012/main"/>
     </p:ext>
   </p:extLst>
 </p:presentation>
@@ -380,7 +380,7 @@
     </p:spTree>
     <p:extLst>
       <p:ext uri="{BB962C8B-B14F-4D97-AF65-F5344CB8AC3E}">
-        <p14:creationId xmlns:p14="http://schemas.microsoft.com/office/powerpoint/2010/main" xmlns="" val="2195302427"/>
+        <p14:creationId xmlns="" xmlns:p14="http://schemas.microsoft.com/office/powerpoint/2010/main" val="2195302427"/>
       </p:ext>
     </p:extLst>
   </p:cSld>
@@ -649,7 +649,7 @@
     </p:spTree>
     <p:extLst>
       <p:ext uri="{BB962C8B-B14F-4D97-AF65-F5344CB8AC3E}">
-        <p14:creationId xmlns:p14="http://schemas.microsoft.com/office/powerpoint/2010/main" xmlns="" val="277359971"/>
+        <p14:creationId xmlns="" xmlns:p14="http://schemas.microsoft.com/office/powerpoint/2010/main" val="277359971"/>
       </p:ext>
     </p:extLst>
   </p:cSld>
@@ -847,7 +847,7 @@
     </p:spTree>
     <p:extLst>
       <p:ext uri="{BB962C8B-B14F-4D97-AF65-F5344CB8AC3E}">
-        <p14:creationId xmlns:p14="http://schemas.microsoft.com/office/powerpoint/2010/main" xmlns="" val="3775090328"/>
+        <p14:creationId xmlns="" xmlns:p14="http://schemas.microsoft.com/office/powerpoint/2010/main" val="3775090328"/>
       </p:ext>
     </p:extLst>
   </p:cSld>
@@ -901,35 +901,34 @@
           <a:bodyPr/>
           <a:lstStyle/>
           <a:p>
+            <a:pPr marL="0" marR="0" lvl="0" indent="0" algn="l" defTabSz="914400" rtl="0" eaLnBrk="1" fontAlgn="auto" latinLnBrk="0" hangingPunct="1">
+              <a:lnSpc>
+                <a:spcPct val="100000"/>
+              </a:lnSpc>
+              <a:spcBef>
+                <a:spcPts val="0"/>
+              </a:spcBef>
+              <a:spcAft>
+                <a:spcPts val="0"/>
+              </a:spcAft>
+              <a:buClrTx/>
+              <a:buSzTx/>
+              <a:buFontTx/>
+              <a:buNone/>
+              <a:tabLst/>
+              <a:defRPr/>
+            </a:pPr>
             <a:r>
               <a:rPr lang="en-GB" dirty="0"/>
-              <a:t>Here</a:t>
+              <a:t>We constructed a mesh with the balls,</a:t>
             </a:r>
             <a:r>
               <a:rPr lang="en-GB" baseline="0" dirty="0"/>
-              <a:t> is the final result of our simulation.</a:t>
-            </a:r>
-            <a:br>
-              <a:rPr lang="en-GB" baseline="0" dirty="0"/>
-            </a:br>
-            <a:r>
-              <a:rPr lang="en-GB" baseline="0" dirty="0"/>
-              <a:t>The box is 10 times heavier than each sphere.</a:t>
-            </a:r>
-          </a:p>
-          <a:p>
-            <a:r>
-              <a:rPr lang="en-GB" baseline="0" dirty="0"/>
-              <a:t>(</a:t>
-            </a:r>
-            <a:r>
-              <a:rPr lang="en-GB" dirty="0"/>
-              <a:t>Weight</a:t>
-            </a:r>
-            <a:r>
-              <a:rPr lang="en-GB" baseline="0" dirty="0"/>
-              <a:t> of the spheres: 10)</a:t>
-            </a:r>
+              <a:t> where there is a very small distance at the beginning between them. However, some of the balls show sometimes an unexpected behaviour, which we were not able to explain.</a:t>
+            </a:r>
+            <a:endParaRPr lang="en-GB" dirty="0"/>
+          </a:p>
+          <a:p>
             <a:endParaRPr lang="en-GB" dirty="0"/>
           </a:p>
         </p:txBody>
@@ -952,7 +951,7 @@
             <a:fld id="{A51C0C35-A9A2-4EFD-9BAF-1E52E29E03D1}" type="slidenum">
               <a:rPr lang="de-CH" smtClean="0"/>
               <a:pPr/>
-              <a:t>13</a:t>
+              <a:t>11</a:t>
             </a:fld>
             <a:endParaRPr lang="de-CH" dirty="0"/>
           </a:p>
@@ -961,7 +960,7 @@
     </p:spTree>
     <p:extLst>
       <p:ext uri="{BB962C8B-B14F-4D97-AF65-F5344CB8AC3E}">
-        <p14:creationId xmlns:p14="http://schemas.microsoft.com/office/powerpoint/2010/main" xmlns="" val="4177258231"/>
+        <p14:creationId xmlns="" xmlns:p14="http://schemas.microsoft.com/office/powerpoint/2010/main" val="3571941434"/>
       </p:ext>
     </p:extLst>
   </p:cSld>
@@ -1015,25 +1014,49 @@
           <a:bodyPr/>
           <a:lstStyle/>
           <a:p>
+            <a:pPr marL="0" marR="0" lvl="0" indent="0" algn="l" defTabSz="914400" rtl="0" eaLnBrk="1" fontAlgn="auto" latinLnBrk="0" hangingPunct="1">
+              <a:lnSpc>
+                <a:spcPct val="100000"/>
+              </a:lnSpc>
+              <a:spcBef>
+                <a:spcPts val="0"/>
+              </a:spcBef>
+              <a:spcAft>
+                <a:spcPts val="0"/>
+              </a:spcAft>
+              <a:buClrTx/>
+              <a:buSzTx/>
+              <a:buFontTx/>
+              <a:buNone/>
+              <a:tabLst/>
+              <a:defRPr/>
+            </a:pPr>
             <a:r>
               <a:rPr lang="en-GB" dirty="0"/>
-              <a:t>If we decrease the weight of</a:t>
+              <a:t>Here is </a:t>
             </a:r>
             <a:r>
               <a:rPr lang="en-GB" baseline="0" dirty="0"/>
-              <a:t> the spheres, so that the box is a 100 times heavier than a sphere, we get this result.</a:t>
+              <a:t>a different </a:t>
+            </a:r>
+            <a:r>
+              <a:rPr lang="en-GB" dirty="0"/>
+              <a:t>mesh, which suffers</a:t>
+            </a:r>
+            <a:r>
+              <a:rPr lang="en-GB" baseline="0" dirty="0"/>
+              <a:t> from the same problem, but the effect is not as so strong as before.</a:t>
+            </a:r>
+            <a:br>
+              <a:rPr lang="en-GB" baseline="0" dirty="0"/>
+            </a:br>
+            <a:r>
+              <a:rPr lang="en-GB" baseline="0" dirty="0"/>
+              <a:t>We were not able to solve this issue. Therefore, we selected a mesh, which is not highly influenced by this effect.</a:t>
             </a:r>
             <a:endParaRPr lang="en-GB" dirty="0"/>
           </a:p>
           <a:p>
-            <a:r>
-              <a:rPr lang="en-GB" dirty="0"/>
-              <a:t>(Weight</a:t>
-            </a:r>
-            <a:r>
-              <a:rPr lang="en-GB" baseline="0" dirty="0"/>
-              <a:t> of the spheres: 1)</a:t>
-            </a:r>
             <a:endParaRPr lang="en-GB" dirty="0"/>
           </a:p>
         </p:txBody>
@@ -1056,7 +1079,7 @@
             <a:fld id="{A51C0C35-A9A2-4EFD-9BAF-1E52E29E03D1}" type="slidenum">
               <a:rPr lang="de-CH" smtClean="0"/>
               <a:pPr/>
-              <a:t>14</a:t>
+              <a:t>12</a:t>
             </a:fld>
             <a:endParaRPr lang="de-CH" dirty="0"/>
           </a:p>
@@ -1065,7 +1088,7 @@
     </p:spTree>
     <p:extLst>
       <p:ext uri="{BB962C8B-B14F-4D97-AF65-F5344CB8AC3E}">
-        <p14:creationId xmlns:p14="http://schemas.microsoft.com/office/powerpoint/2010/main" xmlns="" val="2842997039"/>
+        <p14:creationId xmlns="" xmlns:p14="http://schemas.microsoft.com/office/powerpoint/2010/main" val="1430098738"/>
       </p:ext>
     </p:extLst>
   </p:cSld>
@@ -1121,6 +1144,224 @@
           <a:p>
             <a:r>
               <a:rPr lang="en-GB" dirty="0"/>
+              <a:t>Here</a:t>
+            </a:r>
+            <a:r>
+              <a:rPr lang="en-GB" baseline="0" dirty="0"/>
+              <a:t> is the final result of our simulation.</a:t>
+            </a:r>
+            <a:br>
+              <a:rPr lang="en-GB" baseline="0" dirty="0"/>
+            </a:br>
+            <a:r>
+              <a:rPr lang="en-GB" baseline="0" dirty="0"/>
+              <a:t>The box is 10 times heavier than each sphere.</a:t>
+            </a:r>
+          </a:p>
+          <a:p>
+            <a:r>
+              <a:rPr lang="en-GB" baseline="0" dirty="0"/>
+              <a:t>(</a:t>
+            </a:r>
+            <a:r>
+              <a:rPr lang="en-GB" dirty="0"/>
+              <a:t>Weight</a:t>
+            </a:r>
+            <a:r>
+              <a:rPr lang="en-GB" baseline="0" dirty="0"/>
+              <a:t> of the spheres: 10)</a:t>
+            </a:r>
+            <a:endParaRPr lang="en-GB" dirty="0"/>
+          </a:p>
+        </p:txBody>
+      </p:sp>
+      <p:sp>
+        <p:nvSpPr>
+          <p:cNvPr id="4" name="Foliennummernplatzhalter 3"/>
+          <p:cNvSpPr>
+            <a:spLocks noGrp="1"/>
+          </p:cNvSpPr>
+          <p:nvPr>
+            <p:ph type="sldNum" sz="quarter" idx="10"/>
+          </p:nvPr>
+        </p:nvSpPr>
+        <p:spPr/>
+        <p:txBody>
+          <a:bodyPr/>
+          <a:lstStyle/>
+          <a:p>
+            <a:fld id="{A51C0C35-A9A2-4EFD-9BAF-1E52E29E03D1}" type="slidenum">
+              <a:rPr lang="de-CH" smtClean="0"/>
+              <a:pPr/>
+              <a:t>13</a:t>
+            </a:fld>
+            <a:endParaRPr lang="de-CH" dirty="0"/>
+          </a:p>
+        </p:txBody>
+      </p:sp>
+    </p:spTree>
+    <p:extLst>
+      <p:ext uri="{BB962C8B-B14F-4D97-AF65-F5344CB8AC3E}">
+        <p14:creationId xmlns="" xmlns:p14="http://schemas.microsoft.com/office/powerpoint/2010/main" val="4177258231"/>
+      </p:ext>
+    </p:extLst>
+  </p:cSld>
+  <p:clrMapOvr>
+    <a:masterClrMapping/>
+  </p:clrMapOvr>
+</p:notes>
+</file>
+
+<file path=ppt/notesSlides/notesSlide13.xml><?xml version="1.0" encoding="utf-8"?>
+<p:notes xmlns:a="http://schemas.openxmlformats.org/drawingml/2006/main" xmlns:r="http://schemas.openxmlformats.org/officeDocument/2006/relationships" xmlns:p="http://schemas.openxmlformats.org/presentationml/2006/main">
+  <p:cSld>
+    <p:spTree>
+      <p:nvGrpSpPr>
+        <p:cNvPr id="1" name=""/>
+        <p:cNvGrpSpPr/>
+        <p:nvPr/>
+      </p:nvGrpSpPr>
+      <p:grpSpPr>
+        <a:xfrm>
+          <a:off x="0" y="0"/>
+          <a:ext cx="0" cy="0"/>
+          <a:chOff x="0" y="0"/>
+          <a:chExt cx="0" cy="0"/>
+        </a:xfrm>
+      </p:grpSpPr>
+      <p:sp>
+        <p:nvSpPr>
+          <p:cNvPr id="2" name="Folienbildplatzhalter 1"/>
+          <p:cNvSpPr>
+            <a:spLocks noGrp="1" noRot="1" noChangeAspect="1"/>
+          </p:cNvSpPr>
+          <p:nvPr>
+            <p:ph type="sldImg"/>
+          </p:nvPr>
+        </p:nvSpPr>
+        <p:spPr/>
+      </p:sp>
+      <p:sp>
+        <p:nvSpPr>
+          <p:cNvPr id="3" name="Notizenplatzhalter 2"/>
+          <p:cNvSpPr>
+            <a:spLocks noGrp="1"/>
+          </p:cNvSpPr>
+          <p:nvPr>
+            <p:ph type="body" idx="1"/>
+          </p:nvPr>
+        </p:nvSpPr>
+        <p:spPr/>
+        <p:txBody>
+          <a:bodyPr/>
+          <a:lstStyle/>
+          <a:p>
+            <a:r>
+              <a:rPr lang="en-GB" dirty="0"/>
+              <a:t>If we decrease the weight of</a:t>
+            </a:r>
+            <a:r>
+              <a:rPr lang="en-GB" baseline="0" dirty="0"/>
+              <a:t> the spheres, so that the box is a 100 times heavier than a sphere, we get this result.</a:t>
+            </a:r>
+            <a:endParaRPr lang="en-GB" dirty="0"/>
+          </a:p>
+          <a:p>
+            <a:r>
+              <a:rPr lang="en-GB" dirty="0"/>
+              <a:t>(Weight</a:t>
+            </a:r>
+            <a:r>
+              <a:rPr lang="en-GB" baseline="0" dirty="0"/>
+              <a:t> of the spheres: 1)</a:t>
+            </a:r>
+            <a:endParaRPr lang="en-GB" dirty="0"/>
+          </a:p>
+        </p:txBody>
+      </p:sp>
+      <p:sp>
+        <p:nvSpPr>
+          <p:cNvPr id="4" name="Foliennummernplatzhalter 3"/>
+          <p:cNvSpPr>
+            <a:spLocks noGrp="1"/>
+          </p:cNvSpPr>
+          <p:nvPr>
+            <p:ph type="sldNum" sz="quarter" idx="10"/>
+          </p:nvPr>
+        </p:nvSpPr>
+        <p:spPr/>
+        <p:txBody>
+          <a:bodyPr/>
+          <a:lstStyle/>
+          <a:p>
+            <a:fld id="{A51C0C35-A9A2-4EFD-9BAF-1E52E29E03D1}" type="slidenum">
+              <a:rPr lang="de-CH" smtClean="0"/>
+              <a:pPr/>
+              <a:t>14</a:t>
+            </a:fld>
+            <a:endParaRPr lang="de-CH" dirty="0"/>
+          </a:p>
+        </p:txBody>
+      </p:sp>
+    </p:spTree>
+    <p:extLst>
+      <p:ext uri="{BB962C8B-B14F-4D97-AF65-F5344CB8AC3E}">
+        <p14:creationId xmlns="" xmlns:p14="http://schemas.microsoft.com/office/powerpoint/2010/main" val="2842997039"/>
+      </p:ext>
+    </p:extLst>
+  </p:cSld>
+  <p:clrMapOvr>
+    <a:masterClrMapping/>
+  </p:clrMapOvr>
+</p:notes>
+</file>
+
+<file path=ppt/notesSlides/notesSlide14.xml><?xml version="1.0" encoding="utf-8"?>
+<p:notes xmlns:a="http://schemas.openxmlformats.org/drawingml/2006/main" xmlns:r="http://schemas.openxmlformats.org/officeDocument/2006/relationships" xmlns:p="http://schemas.openxmlformats.org/presentationml/2006/main">
+  <p:cSld>
+    <p:spTree>
+      <p:nvGrpSpPr>
+        <p:cNvPr id="1" name=""/>
+        <p:cNvGrpSpPr/>
+        <p:nvPr/>
+      </p:nvGrpSpPr>
+      <p:grpSpPr>
+        <a:xfrm>
+          <a:off x="0" y="0"/>
+          <a:ext cx="0" cy="0"/>
+          <a:chOff x="0" y="0"/>
+          <a:chExt cx="0" cy="0"/>
+        </a:xfrm>
+      </p:grpSpPr>
+      <p:sp>
+        <p:nvSpPr>
+          <p:cNvPr id="2" name="Folienbildplatzhalter 1"/>
+          <p:cNvSpPr>
+            <a:spLocks noGrp="1" noRot="1" noChangeAspect="1"/>
+          </p:cNvSpPr>
+          <p:nvPr>
+            <p:ph type="sldImg"/>
+          </p:nvPr>
+        </p:nvSpPr>
+        <p:spPr/>
+      </p:sp>
+      <p:sp>
+        <p:nvSpPr>
+          <p:cNvPr id="3" name="Notizenplatzhalter 2"/>
+          <p:cNvSpPr>
+            <a:spLocks noGrp="1"/>
+          </p:cNvSpPr>
+          <p:nvPr>
+            <p:ph type="body" idx="1"/>
+          </p:nvPr>
+        </p:nvSpPr>
+        <p:spPr/>
+        <p:txBody>
+          <a:bodyPr/>
+          <a:lstStyle/>
+          <a:p>
+            <a:r>
+              <a:rPr lang="en-GB" dirty="0"/>
               <a:t>Are there any questions?</a:t>
             </a:r>
           </a:p>
@@ -1153,7 +1394,7 @@
     </p:spTree>
     <p:extLst>
       <p:ext uri="{BB962C8B-B14F-4D97-AF65-F5344CB8AC3E}">
-        <p14:creationId xmlns:p14="http://schemas.microsoft.com/office/powerpoint/2010/main" xmlns="" val="623648922"/>
+        <p14:creationId xmlns="" xmlns:p14="http://schemas.microsoft.com/office/powerpoint/2010/main" val="623648922"/>
       </p:ext>
     </p:extLst>
   </p:cSld>
@@ -1271,7 +1512,7 @@
     </p:spTree>
     <p:extLst>
       <p:ext uri="{BB962C8B-B14F-4D97-AF65-F5344CB8AC3E}">
-        <p14:creationId xmlns:p14="http://schemas.microsoft.com/office/powerpoint/2010/main" xmlns="" val="818385731"/>
+        <p14:creationId xmlns="" xmlns:p14="http://schemas.microsoft.com/office/powerpoint/2010/main" val="818385731"/>
       </p:ext>
     </p:extLst>
   </p:cSld>
@@ -1322,44 +1563,194 @@
         </p:nvSpPr>
         <p:spPr/>
         <p:txBody>
-          <a:bodyPr/>
+          <a:bodyPr>
+            <a:normAutofit/>
+          </a:bodyPr>
           <a:lstStyle/>
           <a:p>
-            <a:pPr marL="0" marR="0" lvl="0" indent="0" algn="l" defTabSz="914400" rtl="0" eaLnBrk="1" fontAlgn="auto" latinLnBrk="0" hangingPunct="1">
-              <a:lnSpc>
-                <a:spcPct val="100000"/>
-              </a:lnSpc>
-              <a:spcBef>
-                <a:spcPts val="0"/>
-              </a:spcBef>
-              <a:spcAft>
-                <a:spcPts val="0"/>
-              </a:spcAft>
-              <a:buClrTx/>
-              <a:buSzTx/>
-              <a:buFontTx/>
-              <a:buNone/>
-              <a:tabLst/>
-              <a:defRPr/>
-            </a:pPr>
-            <a:r>
-              <a:rPr lang="en-GB" dirty="0"/>
-              <a:t>Apart from many small problems,</a:t>
-            </a:r>
-            <a:r>
-              <a:rPr lang="en-GB" baseline="0" dirty="0"/>
-              <a:t> we faced two main challenges. </a:t>
-            </a:r>
-            <a:br>
-              <a:rPr lang="en-GB" baseline="0" dirty="0"/>
-            </a:br>
-            <a:r>
-              <a:rPr lang="en-GB" baseline="0" dirty="0"/>
-              <a:t>The first one was the box around the balls and the second one was the stacking of the balls. </a:t>
-            </a:r>
-          </a:p>
-          <a:p>
-            <a:endParaRPr lang="en-GB" dirty="0"/>
+            <a:r>
+              <a:rPr lang="de-CH" dirty="0" err="1" smtClean="0"/>
+              <a:t>Initialization</a:t>
+            </a:r>
+            <a:r>
+              <a:rPr lang="de-CH" dirty="0" smtClean="0"/>
+              <a:t>:</a:t>
+            </a:r>
+          </a:p>
+          <a:p>
+            <a:r>
+              <a:rPr lang="de-CH" dirty="0" smtClean="0"/>
+              <a:t>Set</a:t>
+            </a:r>
+            <a:r>
+              <a:rPr lang="de-CH" baseline="0" dirty="0" smtClean="0"/>
+              <a:t> </a:t>
+            </a:r>
+            <a:r>
+              <a:rPr lang="de-CH" baseline="0" dirty="0" err="1" smtClean="0"/>
+              <a:t>initial</a:t>
+            </a:r>
+            <a:r>
+              <a:rPr lang="de-CH" baseline="0" dirty="0" smtClean="0"/>
+              <a:t> </a:t>
+            </a:r>
+            <a:r>
+              <a:rPr lang="de-CH" baseline="0" dirty="0" err="1" smtClean="0"/>
+              <a:t>positions</a:t>
+            </a:r>
+            <a:endParaRPr lang="de-CH" baseline="0" dirty="0" smtClean="0"/>
+          </a:p>
+          <a:p>
+            <a:r>
+              <a:rPr lang="de-CH" baseline="0" dirty="0" err="1" smtClean="0"/>
+              <a:t>Precompute</a:t>
+            </a:r>
+            <a:r>
+              <a:rPr lang="de-CH" baseline="0" dirty="0" smtClean="0"/>
+              <a:t> </a:t>
+            </a:r>
+            <a:r>
+              <a:rPr lang="de-CH" baseline="0" dirty="0" err="1" smtClean="0"/>
+              <a:t>massmatrix</a:t>
+            </a:r>
+            <a:r>
+              <a:rPr lang="de-CH" baseline="0" dirty="0" smtClean="0"/>
+              <a:t> inverse</a:t>
+            </a:r>
+          </a:p>
+          <a:p>
+            <a:endParaRPr lang="de-CH" baseline="0" dirty="0" smtClean="0"/>
+          </a:p>
+          <a:p>
+            <a:r>
+              <a:rPr lang="de-CH" baseline="0" dirty="0" err="1" smtClean="0"/>
+              <a:t>Simulationstep</a:t>
+            </a:r>
+            <a:r>
+              <a:rPr lang="de-CH" baseline="0" dirty="0" smtClean="0"/>
+              <a:t>: </a:t>
+            </a:r>
+            <a:r>
+              <a:rPr lang="de-CH" baseline="0" dirty="0" err="1" smtClean="0"/>
+              <a:t>next</a:t>
+            </a:r>
+            <a:r>
+              <a:rPr lang="de-CH" baseline="0" dirty="0" smtClean="0"/>
+              <a:t> </a:t>
+            </a:r>
+            <a:r>
+              <a:rPr lang="de-CH" baseline="0" dirty="0" err="1" smtClean="0"/>
+              <a:t>slide</a:t>
+            </a:r>
+            <a:endParaRPr lang="de-CH" baseline="0" dirty="0" smtClean="0"/>
+          </a:p>
+          <a:p>
+            <a:r>
+              <a:rPr lang="de-CH" baseline="0" dirty="0" smtClean="0"/>
+              <a:t>Save </a:t>
+            </a:r>
+            <a:r>
+              <a:rPr lang="de-CH" baseline="0" dirty="0" err="1" smtClean="0"/>
+              <a:t>position</a:t>
+            </a:r>
+            <a:r>
+              <a:rPr lang="de-CH" baseline="0" dirty="0" smtClean="0"/>
+              <a:t> </a:t>
+            </a:r>
+            <a:r>
+              <a:rPr lang="de-CH" baseline="0" dirty="0" err="1" smtClean="0"/>
+              <a:t>and</a:t>
+            </a:r>
+            <a:r>
+              <a:rPr lang="de-CH" baseline="0" dirty="0" smtClean="0"/>
+              <a:t> </a:t>
+            </a:r>
+            <a:r>
+              <a:rPr lang="de-CH" baseline="0" dirty="0" err="1" smtClean="0"/>
+              <a:t>orientation</a:t>
+            </a:r>
+            <a:r>
+              <a:rPr lang="de-CH" baseline="0" dirty="0" smtClean="0"/>
+              <a:t> in </a:t>
+            </a:r>
+            <a:r>
+              <a:rPr lang="de-CH" baseline="0" dirty="0" err="1" smtClean="0"/>
+              <a:t>vector</a:t>
+            </a:r>
+            <a:r>
+              <a:rPr lang="de-CH" baseline="0" dirty="0" smtClean="0"/>
+              <a:t> (</a:t>
+            </a:r>
+            <a:r>
+              <a:rPr lang="de-CH" baseline="0" dirty="0" err="1" smtClean="0"/>
+              <a:t>only</a:t>
+            </a:r>
+            <a:r>
+              <a:rPr lang="de-CH" baseline="0" dirty="0" smtClean="0"/>
+              <a:t> </a:t>
+            </a:r>
+            <a:r>
+              <a:rPr lang="de-CH" baseline="0" dirty="0" err="1" smtClean="0"/>
+              <a:t>renderframes</a:t>
+            </a:r>
+            <a:r>
+              <a:rPr lang="de-CH" baseline="0" dirty="0" smtClean="0"/>
+              <a:t>)</a:t>
+            </a:r>
+          </a:p>
+          <a:p>
+            <a:endParaRPr lang="de-CH" baseline="0" dirty="0" smtClean="0"/>
+          </a:p>
+          <a:p>
+            <a:r>
+              <a:rPr lang="de-CH" baseline="0" dirty="0" smtClean="0"/>
+              <a:t>Read </a:t>
+            </a:r>
+            <a:r>
+              <a:rPr lang="de-CH" baseline="0" dirty="0" err="1" smtClean="0"/>
+              <a:t>vector</a:t>
+            </a:r>
+            <a:r>
+              <a:rPr lang="de-CH" baseline="0" dirty="0" smtClean="0"/>
+              <a:t> </a:t>
+            </a:r>
+            <a:r>
+              <a:rPr lang="de-CH" baseline="0" dirty="0" err="1" smtClean="0"/>
+              <a:t>and</a:t>
+            </a:r>
+            <a:r>
+              <a:rPr lang="de-CH" baseline="0" dirty="0" smtClean="0"/>
+              <a:t> </a:t>
+            </a:r>
+            <a:r>
+              <a:rPr lang="de-CH" baseline="0" dirty="0" err="1" smtClean="0"/>
+              <a:t>draw</a:t>
+            </a:r>
+            <a:r>
+              <a:rPr lang="de-CH" baseline="0" dirty="0" smtClean="0"/>
+              <a:t> </a:t>
+            </a:r>
+            <a:r>
+              <a:rPr lang="de-CH" baseline="0" dirty="0" err="1" smtClean="0"/>
+              <a:t>positions</a:t>
+            </a:r>
+            <a:r>
+              <a:rPr lang="de-CH" baseline="0" dirty="0" smtClean="0"/>
+              <a:t> </a:t>
+            </a:r>
+            <a:r>
+              <a:rPr lang="de-CH" baseline="0" dirty="0" err="1" smtClean="0"/>
+              <a:t>with</a:t>
+            </a:r>
+            <a:r>
+              <a:rPr lang="de-CH" baseline="0" dirty="0" smtClean="0"/>
+              <a:t> </a:t>
+            </a:r>
+            <a:r>
+              <a:rPr lang="de-CH" baseline="0" dirty="0" err="1" smtClean="0"/>
+              <a:t>irrlicht</a:t>
+            </a:r>
+            <a:endParaRPr lang="de-CH" dirty="0"/>
           </a:p>
         </p:txBody>
       </p:sp>
@@ -1381,18 +1772,13 @@
             <a:fld id="{A51C0C35-A9A2-4EFD-9BAF-1E52E29E03D1}" type="slidenum">
               <a:rPr lang="de-CH" smtClean="0"/>
               <a:pPr/>
-              <a:t>6</a:t>
+              <a:t>4</a:t>
             </a:fld>
             <a:endParaRPr lang="de-CH" dirty="0"/>
           </a:p>
         </p:txBody>
       </p:sp>
     </p:spTree>
-    <p:extLst>
-      <p:ext uri="{BB962C8B-B14F-4D97-AF65-F5344CB8AC3E}">
-        <p14:creationId xmlns:p14="http://schemas.microsoft.com/office/powerpoint/2010/main" xmlns="" val="4192232172"/>
-      </p:ext>
-    </p:extLst>
   </p:cSld>
   <p:clrMapOvr>
     <a:masterClrMapping/>
@@ -1441,24 +1827,242 @@
         </p:nvSpPr>
         <p:spPr/>
         <p:txBody>
-          <a:bodyPr/>
+          <a:bodyPr>
+            <a:normAutofit/>
+          </a:bodyPr>
           <a:lstStyle/>
           <a:p>
             <a:r>
-              <a:rPr lang="en-GB" dirty="0"/>
-              <a:t>Let’s look at the first problem, the box around the balls.</a:t>
-            </a:r>
-            <a:br>
-              <a:rPr lang="en-GB" dirty="0"/>
-            </a:br>
-            <a:r>
-              <a:rPr lang="en-GB" baseline="0" dirty="0"/>
-              <a:t>For distributing the balls in the box, we decided to create a mesh with the balls above the box at the initialization. When the simulation starts, they fall down because of the gravity and should distributed in a nice and natural way. Unfortunately, the balls showed a very strange behaviour, when they move inside the box.</a:t>
-            </a:r>
-            <a:endParaRPr lang="en-GB" dirty="0"/>
-          </a:p>
-          <a:p>
-            <a:endParaRPr lang="en-GB" dirty="0"/>
+              <a:rPr lang="de-CH" dirty="0" err="1" smtClean="0"/>
+              <a:t>Collisiondetection</a:t>
+            </a:r>
+            <a:r>
+              <a:rPr lang="de-CH" dirty="0" smtClean="0"/>
+              <a:t>:</a:t>
+            </a:r>
+          </a:p>
+          <a:p>
+            <a:r>
+              <a:rPr lang="de-CH" dirty="0" smtClean="0"/>
+              <a:t>Naive</a:t>
+            </a:r>
+            <a:r>
+              <a:rPr lang="de-CH" baseline="0" dirty="0" smtClean="0"/>
+              <a:t> </a:t>
+            </a:r>
+            <a:r>
+              <a:rPr lang="de-CH" baseline="0" dirty="0" err="1" smtClean="0"/>
+              <a:t>approach</a:t>
+            </a:r>
+            <a:r>
+              <a:rPr lang="de-CH" baseline="0" dirty="0" smtClean="0"/>
+              <a:t> O(n^2)</a:t>
+            </a:r>
+          </a:p>
+          <a:p>
+            <a:r>
+              <a:rPr lang="de-CH" baseline="0" dirty="0" err="1" smtClean="0"/>
+              <a:t>Using</a:t>
+            </a:r>
+            <a:r>
+              <a:rPr lang="de-CH" baseline="0" dirty="0" smtClean="0"/>
+              <a:t> Gilbert-Johnson-</a:t>
+            </a:r>
+            <a:r>
+              <a:rPr lang="de-CH" baseline="0" dirty="0" err="1" smtClean="0"/>
+              <a:t>Keerthi</a:t>
+            </a:r>
+            <a:r>
+              <a:rPr lang="de-CH" baseline="0" dirty="0" smtClean="0"/>
+              <a:t> </a:t>
+            </a:r>
+            <a:r>
+              <a:rPr lang="de-CH" baseline="0" dirty="0" err="1" smtClean="0"/>
+              <a:t>Algorithm</a:t>
+            </a:r>
+            <a:r>
+              <a:rPr lang="de-CH" baseline="0" dirty="0" smtClean="0"/>
+              <a:t> </a:t>
+            </a:r>
+            <a:r>
+              <a:rPr lang="de-CH" baseline="0" dirty="0" err="1" smtClean="0"/>
+              <a:t>for</a:t>
+            </a:r>
+            <a:r>
+              <a:rPr lang="de-CH" baseline="0" dirty="0" smtClean="0"/>
+              <a:t> </a:t>
+            </a:r>
+            <a:r>
+              <a:rPr lang="de-CH" baseline="0" dirty="0" err="1" smtClean="0"/>
+              <a:t>boxes</a:t>
+            </a:r>
+            <a:endParaRPr lang="de-CH" baseline="0" dirty="0" smtClean="0"/>
+          </a:p>
+          <a:p>
+            <a:r>
+              <a:rPr lang="de-CH" baseline="0" dirty="0" smtClean="0"/>
+              <a:t>Trivial </a:t>
+            </a:r>
+            <a:r>
+              <a:rPr lang="de-CH" baseline="0" dirty="0" err="1" smtClean="0"/>
+              <a:t>for</a:t>
+            </a:r>
+            <a:r>
+              <a:rPr lang="de-CH" baseline="0" dirty="0" smtClean="0"/>
+              <a:t> </a:t>
+            </a:r>
+            <a:r>
+              <a:rPr lang="de-CH" baseline="0" dirty="0" err="1" smtClean="0"/>
+              <a:t>spheres</a:t>
+            </a:r>
+            <a:endParaRPr lang="de-CH" baseline="0" dirty="0" smtClean="0"/>
+          </a:p>
+          <a:p>
+            <a:r>
+              <a:rPr lang="de-CH" baseline="0" dirty="0" err="1" smtClean="0"/>
+              <a:t>Contactpoint</a:t>
+            </a:r>
+            <a:r>
+              <a:rPr lang="de-CH" baseline="0" dirty="0" smtClean="0"/>
+              <a:t>: </a:t>
+            </a:r>
+            <a:r>
+              <a:rPr lang="de-CH" baseline="0" dirty="0" err="1" smtClean="0"/>
+              <a:t>Using</a:t>
+            </a:r>
+            <a:r>
+              <a:rPr lang="de-CH" baseline="0" dirty="0" smtClean="0"/>
+              <a:t> </a:t>
+            </a:r>
+            <a:r>
+              <a:rPr lang="de-CH" baseline="0" dirty="0" err="1" smtClean="0"/>
+              <a:t>Expand</a:t>
+            </a:r>
+            <a:r>
+              <a:rPr lang="de-CH" baseline="0" dirty="0" smtClean="0"/>
+              <a:t> </a:t>
+            </a:r>
+            <a:r>
+              <a:rPr lang="de-CH" baseline="0" dirty="0" err="1" smtClean="0"/>
+              <a:t>polytope</a:t>
+            </a:r>
+            <a:r>
+              <a:rPr lang="de-CH" baseline="0" dirty="0" smtClean="0"/>
+              <a:t> </a:t>
+            </a:r>
+            <a:r>
+              <a:rPr lang="de-CH" baseline="0" dirty="0" err="1" smtClean="0"/>
+              <a:t>Algorithm</a:t>
+            </a:r>
+            <a:r>
+              <a:rPr lang="de-CH" baseline="0" dirty="0" smtClean="0"/>
+              <a:t> (trivial </a:t>
+            </a:r>
+            <a:r>
+              <a:rPr lang="de-CH" baseline="0" dirty="0" err="1" smtClean="0"/>
+              <a:t>for</a:t>
+            </a:r>
+            <a:r>
+              <a:rPr lang="de-CH" baseline="0" dirty="0" smtClean="0"/>
+              <a:t> </a:t>
+            </a:r>
+            <a:r>
+              <a:rPr lang="de-CH" baseline="0" dirty="0" err="1" smtClean="0"/>
+              <a:t>spheres</a:t>
+            </a:r>
+            <a:r>
+              <a:rPr lang="de-CH" baseline="0" dirty="0" smtClean="0"/>
+              <a:t>)</a:t>
+            </a:r>
+          </a:p>
+          <a:p>
+            <a:r>
+              <a:rPr lang="de-CH" baseline="0" dirty="0" smtClean="0"/>
+              <a:t>Bias: (v2+w2xr2-v1-w1xr1).</a:t>
+            </a:r>
+            <a:r>
+              <a:rPr lang="de-CH" baseline="0" dirty="0" err="1" smtClean="0"/>
+              <a:t>dot</a:t>
+            </a:r>
+            <a:r>
+              <a:rPr lang="de-CH" baseline="0" dirty="0" smtClean="0"/>
+              <a:t>(n) (</a:t>
+            </a:r>
+            <a:r>
+              <a:rPr lang="de-CH" baseline="0" dirty="0" err="1" smtClean="0"/>
+              <a:t>for</a:t>
+            </a:r>
+            <a:r>
+              <a:rPr lang="de-CH" baseline="0" dirty="0" smtClean="0"/>
+              <a:t> „</a:t>
+            </a:r>
+            <a:r>
+              <a:rPr lang="de-CH" baseline="0" dirty="0" err="1" smtClean="0"/>
+              <a:t>bouncing</a:t>
+            </a:r>
+            <a:r>
+              <a:rPr lang="de-CH" baseline="0" dirty="0" smtClean="0"/>
+              <a:t>“)</a:t>
+            </a:r>
+          </a:p>
+          <a:p>
+            <a:r>
+              <a:rPr lang="de-CH" baseline="0" dirty="0" smtClean="0"/>
+              <a:t>Cache </a:t>
+            </a:r>
+            <a:r>
+              <a:rPr lang="de-CH" baseline="0" dirty="0" err="1" smtClean="0"/>
+              <a:t>if</a:t>
+            </a:r>
+            <a:r>
+              <a:rPr lang="de-CH" baseline="0" dirty="0" smtClean="0"/>
+              <a:t> </a:t>
+            </a:r>
+            <a:r>
+              <a:rPr lang="de-CH" baseline="0" dirty="0" err="1" smtClean="0"/>
+              <a:t>contactpoint</a:t>
+            </a:r>
+            <a:r>
+              <a:rPr lang="de-CH" baseline="0" dirty="0" smtClean="0"/>
+              <a:t> </a:t>
+            </a:r>
+            <a:r>
+              <a:rPr lang="de-CH" baseline="0" dirty="0" err="1" smtClean="0"/>
+              <a:t>is</a:t>
+            </a:r>
+            <a:r>
+              <a:rPr lang="de-CH" baseline="0" dirty="0" smtClean="0"/>
+              <a:t> „</a:t>
+            </a:r>
+            <a:r>
+              <a:rPr lang="de-CH" baseline="0" dirty="0" err="1" smtClean="0"/>
+              <a:t>almost</a:t>
+            </a:r>
+            <a:r>
+              <a:rPr lang="de-CH" baseline="0" dirty="0" smtClean="0"/>
+              <a:t>“ </a:t>
+            </a:r>
+            <a:r>
+              <a:rPr lang="de-CH" baseline="0" dirty="0" err="1" smtClean="0"/>
+              <a:t>the</a:t>
+            </a:r>
+            <a:r>
+              <a:rPr lang="de-CH" baseline="0" dirty="0" smtClean="0"/>
+              <a:t> same </a:t>
+            </a:r>
+            <a:r>
+              <a:rPr lang="de-CH" baseline="0" dirty="0" err="1" smtClean="0"/>
+              <a:t>as</a:t>
+            </a:r>
+            <a:r>
+              <a:rPr lang="de-CH" baseline="0" dirty="0" smtClean="0"/>
+              <a:t> last </a:t>
+            </a:r>
+            <a:r>
+              <a:rPr lang="de-CH" baseline="0" dirty="0" err="1" smtClean="0"/>
+              <a:t>iteration</a:t>
+            </a:r>
+            <a:endParaRPr lang="de-CH" baseline="0" dirty="0" smtClean="0"/>
           </a:p>
         </p:txBody>
       </p:sp>
@@ -1480,18 +2084,13 @@
             <a:fld id="{A51C0C35-A9A2-4EFD-9BAF-1E52E29E03D1}" type="slidenum">
               <a:rPr lang="de-CH" smtClean="0"/>
               <a:pPr/>
-              <a:t>7</a:t>
+              <a:t>5</a:t>
             </a:fld>
             <a:endParaRPr lang="de-CH" dirty="0"/>
           </a:p>
         </p:txBody>
       </p:sp>
     </p:spTree>
-    <p:extLst>
-      <p:ext uri="{BB962C8B-B14F-4D97-AF65-F5344CB8AC3E}">
-        <p14:creationId xmlns:p14="http://schemas.microsoft.com/office/powerpoint/2010/main" xmlns="" val="3394033019"/>
-      </p:ext>
-    </p:extLst>
   </p:cSld>
   <p:clrMapOvr>
     <a:masterClrMapping/>
@@ -1562,21 +2161,19 @@
             </a:pPr>
             <a:r>
               <a:rPr lang="en-GB" dirty="0"/>
-              <a:t>We guess that the problem might be the algorithm,</a:t>
+              <a:t>Apart from many small problems,</a:t>
             </a:r>
             <a:r>
               <a:rPr lang="en-GB" baseline="0" dirty="0"/>
-              <a:t> which we used for the collision detection. We implemented the Gilbert-Johnson-</a:t>
-            </a:r>
-            <a:r>
-              <a:rPr lang="en-GB" baseline="0" dirty="0" err="1"/>
-              <a:t>Keerthi</a:t>
-            </a:r>
-            <a:r>
+              <a:t> we faced two main challenges. </a:t>
+            </a:r>
+            <a:br>
               <a:rPr lang="en-GB" baseline="0" dirty="0"/>
-              <a:t> algorithm for this purpose. However, this algorithm only considers convex objects and the inside of the box is clearly not convex in the corners.</a:t>
-            </a:r>
-            <a:endParaRPr lang="en-GB" dirty="0"/>
+            </a:br>
+            <a:r>
+              <a:rPr lang="en-GB" baseline="0" dirty="0"/>
+              <a:t>The first one was the box around the balls and the second one was the stacking of the balls. </a:t>
+            </a:r>
           </a:p>
           <a:p>
             <a:endParaRPr lang="en-GB" dirty="0"/>
@@ -1601,7 +2198,7 @@
             <a:fld id="{A51C0C35-A9A2-4EFD-9BAF-1E52E29E03D1}" type="slidenum">
               <a:rPr lang="de-CH" smtClean="0"/>
               <a:pPr/>
-              <a:t>8</a:t>
+              <a:t>6</a:t>
             </a:fld>
             <a:endParaRPr lang="de-CH" dirty="0"/>
           </a:p>
@@ -1610,7 +2207,7 @@
     </p:spTree>
     <p:extLst>
       <p:ext uri="{BB962C8B-B14F-4D97-AF65-F5344CB8AC3E}">
-        <p14:creationId xmlns:p14="http://schemas.microsoft.com/office/powerpoint/2010/main" xmlns="" val="414287202"/>
+        <p14:creationId xmlns="" xmlns:p14="http://schemas.microsoft.com/office/powerpoint/2010/main" val="4192232172"/>
       </p:ext>
     </p:extLst>
   </p:cSld>
@@ -1664,39 +2261,20 @@
           <a:bodyPr/>
           <a:lstStyle/>
           <a:p>
-            <a:pPr marL="0" marR="0" lvl="0" indent="0" algn="l" defTabSz="914400" rtl="0" eaLnBrk="1" fontAlgn="auto" latinLnBrk="0" hangingPunct="1">
-              <a:lnSpc>
-                <a:spcPct val="100000"/>
-              </a:lnSpc>
-              <a:spcBef>
-                <a:spcPts val="0"/>
-              </a:spcBef>
-              <a:spcAft>
-                <a:spcPts val="0"/>
-              </a:spcAft>
-              <a:buClrTx/>
-              <a:buSzTx/>
-              <a:buFontTx/>
-              <a:buNone/>
-              <a:tabLst/>
-              <a:defRPr/>
-            </a:pPr>
             <a:r>
               <a:rPr lang="en-GB" dirty="0"/>
-              <a:t>In</a:t>
-            </a:r>
+              <a:t>Let’s look at the first problem, the box around the balls.</a:t>
+            </a:r>
+            <a:br>
+              <a:rPr lang="en-GB" dirty="0"/>
+            </a:br>
             <a:r>
               <a:rPr lang="en-GB" baseline="0" dirty="0"/>
-              <a:t> order to solve this issue, we decided to simply remove the box, because</a:t>
-            </a:r>
-            <a:r>
-              <a:rPr lang="en-GB" dirty="0"/>
-              <a:t> we</a:t>
-            </a:r>
-            <a:r>
-              <a:rPr lang="en-GB" baseline="0" dirty="0"/>
-              <a:t> did not have the time to implement a more sophisticated algorithm for the collision detection, which would also consider concave objects.</a:t>
-            </a:r>
+              <a:t>For distributing the balls in the box, we decided to create a mesh with the balls above the box at the initialization. When the simulation starts, they fall down because of the gravity and should distributed in a nice and natural way. Unfortunately, the balls showed a very strange behaviour, when they move inside the box.</a:t>
+            </a:r>
+            <a:endParaRPr lang="en-GB" dirty="0"/>
+          </a:p>
+          <a:p>
             <a:endParaRPr lang="en-GB" dirty="0"/>
           </a:p>
         </p:txBody>
@@ -1719,7 +2297,7 @@
             <a:fld id="{A51C0C35-A9A2-4EFD-9BAF-1E52E29E03D1}" type="slidenum">
               <a:rPr lang="de-CH" smtClean="0"/>
               <a:pPr/>
-              <a:t>9</a:t>
+              <a:t>7</a:t>
             </a:fld>
             <a:endParaRPr lang="de-CH" dirty="0"/>
           </a:p>
@@ -1728,7 +2306,7 @@
     </p:spTree>
     <p:extLst>
       <p:ext uri="{BB962C8B-B14F-4D97-AF65-F5344CB8AC3E}">
-        <p14:creationId xmlns:p14="http://schemas.microsoft.com/office/powerpoint/2010/main" xmlns="" val="3156157125"/>
+        <p14:creationId xmlns="" xmlns:p14="http://schemas.microsoft.com/office/powerpoint/2010/main" val="3394033019"/>
       </p:ext>
     </p:extLst>
   </p:cSld>
@@ -1801,12 +2379,21 @@
             </a:pPr>
             <a:r>
               <a:rPr lang="en-GB" dirty="0"/>
-              <a:t>As already mentioned, another issue</a:t>
+              <a:t>We guess that the problem might be the algorithm,</a:t>
             </a:r>
             <a:r>
               <a:rPr lang="en-GB" baseline="0" dirty="0"/>
-              <a:t> was the stacking of the balls.</a:t>
-            </a:r>
+              <a:t> which we used for the collision detection. We implemented the Gilbert-Johnson-</a:t>
+            </a:r>
+            <a:r>
+              <a:rPr lang="en-GB" baseline="0" dirty="0" err="1"/>
+              <a:t>Keerthi</a:t>
+            </a:r>
+            <a:r>
+              <a:rPr lang="en-GB" baseline="0" dirty="0"/>
+              <a:t> algorithm for this purpose. However, this algorithm only considers convex objects and the inside of the box is clearly not convex in the corners.</a:t>
+            </a:r>
+            <a:endParaRPr lang="en-GB" dirty="0"/>
           </a:p>
           <a:p>
             <a:endParaRPr lang="en-GB" dirty="0"/>
@@ -1831,7 +2418,7 @@
             <a:fld id="{A51C0C35-A9A2-4EFD-9BAF-1E52E29E03D1}" type="slidenum">
               <a:rPr lang="de-CH" smtClean="0"/>
               <a:pPr/>
-              <a:t>10</a:t>
+              <a:t>8</a:t>
             </a:fld>
             <a:endParaRPr lang="de-CH" dirty="0"/>
           </a:p>
@@ -1840,7 +2427,7 @@
     </p:spTree>
     <p:extLst>
       <p:ext uri="{BB962C8B-B14F-4D97-AF65-F5344CB8AC3E}">
-        <p14:creationId xmlns:p14="http://schemas.microsoft.com/office/powerpoint/2010/main" xmlns="" val="3245016422"/>
+        <p14:creationId xmlns="" xmlns:p14="http://schemas.microsoft.com/office/powerpoint/2010/main" val="414287202"/>
       </p:ext>
     </p:extLst>
   </p:cSld>
@@ -1913,15 +2500,20 @@
             </a:pPr>
             <a:r>
               <a:rPr lang="en-GB" dirty="0"/>
-              <a:t>We constructed a mesh with the balls,</a:t>
+              <a:t>In</a:t>
             </a:r>
             <a:r>
               <a:rPr lang="en-GB" baseline="0" dirty="0"/>
-              <a:t> where there is a very small distance at the beginning between them. However, some of the balls show sometimes an unexpected behaviour, which we were not able to explain.</a:t>
-            </a:r>
-            <a:endParaRPr lang="en-GB" dirty="0"/>
-          </a:p>
-          <a:p>
+              <a:t> order to solve this issue, we decided to simply remove the box, because</a:t>
+            </a:r>
+            <a:r>
+              <a:rPr lang="en-GB" dirty="0"/>
+              <a:t> we</a:t>
+            </a:r>
+            <a:r>
+              <a:rPr lang="en-GB" baseline="0" dirty="0"/>
+              <a:t> did not have the time to implement a more sophisticated algorithm for the collision detection, which would also consider concave objects.</a:t>
+            </a:r>
             <a:endParaRPr lang="en-GB" dirty="0"/>
           </a:p>
         </p:txBody>
@@ -1944,7 +2536,7 @@
             <a:fld id="{A51C0C35-A9A2-4EFD-9BAF-1E52E29E03D1}" type="slidenum">
               <a:rPr lang="de-CH" smtClean="0"/>
               <a:pPr/>
-              <a:t>11</a:t>
+              <a:t>9</a:t>
             </a:fld>
             <a:endParaRPr lang="de-CH" dirty="0"/>
           </a:p>
@@ -1953,7 +2545,7 @@
     </p:spTree>
     <p:extLst>
       <p:ext uri="{BB962C8B-B14F-4D97-AF65-F5344CB8AC3E}">
-        <p14:creationId xmlns:p14="http://schemas.microsoft.com/office/powerpoint/2010/main" xmlns="" val="3571941434"/>
+        <p14:creationId xmlns="" xmlns:p14="http://schemas.microsoft.com/office/powerpoint/2010/main" val="3156157125"/>
       </p:ext>
     </p:extLst>
   </p:cSld>
@@ -2026,28 +2618,12 @@
             </a:pPr>
             <a:r>
               <a:rPr lang="en-GB" dirty="0"/>
-              <a:t>Here is </a:t>
+              <a:t>As already mentioned, another issue</a:t>
             </a:r>
             <a:r>
               <a:rPr lang="en-GB" baseline="0" dirty="0"/>
-              <a:t>a different </a:t>
-            </a:r>
-            <a:r>
-              <a:rPr lang="en-GB" dirty="0"/>
-              <a:t>mesh, which suffers</a:t>
-            </a:r>
-            <a:r>
-              <a:rPr lang="en-GB" baseline="0" dirty="0"/>
-              <a:t> from the same problem, but the effect is not as so strong as before.</a:t>
-            </a:r>
-            <a:br>
-              <a:rPr lang="en-GB" baseline="0" dirty="0"/>
-            </a:br>
-            <a:r>
-              <a:rPr lang="en-GB" baseline="0" dirty="0"/>
-              <a:t>We were not able to solve this issue. Therefore, we selected a mesh, which is not highly influenced by this effect.</a:t>
-            </a:r>
-            <a:endParaRPr lang="en-GB" dirty="0"/>
+              <a:t> was the stacking of the balls.</a:t>
+            </a:r>
           </a:p>
           <a:p>
             <a:endParaRPr lang="en-GB" dirty="0"/>
@@ -2072,7 +2648,7 @@
             <a:fld id="{A51C0C35-A9A2-4EFD-9BAF-1E52E29E03D1}" type="slidenum">
               <a:rPr lang="de-CH" smtClean="0"/>
               <a:pPr/>
-              <a:t>12</a:t>
+              <a:t>10</a:t>
             </a:fld>
             <a:endParaRPr lang="de-CH" dirty="0"/>
           </a:p>
@@ -2081,7 +2657,7 @@
     </p:spTree>
     <p:extLst>
       <p:ext uri="{BB962C8B-B14F-4D97-AF65-F5344CB8AC3E}">
-        <p14:creationId xmlns:p14="http://schemas.microsoft.com/office/powerpoint/2010/main" xmlns="" val="1430098738"/>
+        <p14:creationId xmlns="" xmlns:p14="http://schemas.microsoft.com/office/powerpoint/2010/main" val="3245016422"/>
       </p:ext>
     </p:extLst>
   </p:cSld>
@@ -2376,7 +2952,7 @@
     </p:spTree>
     <p:extLst>
       <p:ext uri="{BB962C8B-B14F-4D97-AF65-F5344CB8AC3E}">
-        <p14:creationId xmlns:p14="http://schemas.microsoft.com/office/powerpoint/2010/main" xmlns="" val="826009964"/>
+        <p14:creationId xmlns="" xmlns:p14="http://schemas.microsoft.com/office/powerpoint/2010/main" val="826009964"/>
       </p:ext>
     </p:extLst>
   </p:cSld>
@@ -2670,7 +3246,7 @@
     </p:spTree>
     <p:extLst>
       <p:ext uri="{BB962C8B-B14F-4D97-AF65-F5344CB8AC3E}">
-        <p14:creationId xmlns:p14="http://schemas.microsoft.com/office/powerpoint/2010/main" xmlns="" val="2365666139"/>
+        <p14:creationId xmlns="" xmlns:p14="http://schemas.microsoft.com/office/powerpoint/2010/main" val="2365666139"/>
       </p:ext>
     </p:extLst>
   </p:cSld>
@@ -2975,7 +3551,7 @@
     </p:spTree>
     <p:extLst>
       <p:ext uri="{BB962C8B-B14F-4D97-AF65-F5344CB8AC3E}">
-        <p14:creationId xmlns:p14="http://schemas.microsoft.com/office/powerpoint/2010/main" xmlns="" val="3118099817"/>
+        <p14:creationId xmlns="" xmlns:p14="http://schemas.microsoft.com/office/powerpoint/2010/main" val="3118099817"/>
       </p:ext>
     </p:extLst>
   </p:cSld>
@@ -3276,7 +3852,7 @@
     </p:spTree>
     <p:extLst>
       <p:ext uri="{BB962C8B-B14F-4D97-AF65-F5344CB8AC3E}">
-        <p14:creationId xmlns:p14="http://schemas.microsoft.com/office/powerpoint/2010/main" xmlns="" val="322507007"/>
+        <p14:creationId xmlns="" xmlns:p14="http://schemas.microsoft.com/office/powerpoint/2010/main" val="322507007"/>
       </p:ext>
     </p:extLst>
   </p:cSld>
@@ -3288,7 +3864,7 @@
   </p:transition>
   <p:extLst mod="1">
     <p:ext uri="{DCECCB84-F9BA-43D5-87BE-67443E8EF086}">
-      <p15:sldGuideLst xmlns:p15="http://schemas.microsoft.com/office/powerpoint/2012/main" xmlns=""/>
+      <p15:sldGuideLst xmlns="" xmlns:p15="http://schemas.microsoft.com/office/powerpoint/2012/main"/>
     </p:ext>
   </p:extLst>
 </p:sldLayout>
@@ -3719,7 +4295,7 @@
           <a:blip r:embed="rId2" cstate="print">
             <a:extLst>
               <a:ext uri="{28A0092B-C50C-407E-A947-70E740481C1C}">
-                <a14:useLocalDpi xmlns:a14="http://schemas.microsoft.com/office/drawing/2010/main" xmlns="" val="0"/>
+                <a14:useLocalDpi xmlns="" xmlns:a14="http://schemas.microsoft.com/office/drawing/2010/main" val="0"/>
               </a:ext>
             </a:extLst>
           </a:blip>
@@ -4308,7 +4884,7 @@
     </p:spTree>
     <p:extLst>
       <p:ext uri="{BB962C8B-B14F-4D97-AF65-F5344CB8AC3E}">
-        <p14:creationId xmlns:p14="http://schemas.microsoft.com/office/powerpoint/2010/main" xmlns="" val="161268869"/>
+        <p14:creationId xmlns="" xmlns:p14="http://schemas.microsoft.com/office/powerpoint/2010/main" val="161268869"/>
       </p:ext>
     </p:extLst>
   </p:cSld>
@@ -4551,7 +5127,7 @@
     </p:spTree>
     <p:extLst>
       <p:ext uri="{BB962C8B-B14F-4D97-AF65-F5344CB8AC3E}">
-        <p14:creationId xmlns:p14="http://schemas.microsoft.com/office/powerpoint/2010/main" xmlns="" val="2902882693"/>
+        <p14:creationId xmlns="" xmlns:p14="http://schemas.microsoft.com/office/powerpoint/2010/main" val="2902882693"/>
       </p:ext>
     </p:extLst>
   </p:cSld>
@@ -4963,7 +5539,7 @@
     </p:spTree>
     <p:extLst>
       <p:ext uri="{BB962C8B-B14F-4D97-AF65-F5344CB8AC3E}">
-        <p14:creationId xmlns:p14="http://schemas.microsoft.com/office/powerpoint/2010/main" xmlns="" val="3597727416"/>
+        <p14:creationId xmlns="" xmlns:p14="http://schemas.microsoft.com/office/powerpoint/2010/main" val="3597727416"/>
       </p:ext>
     </p:extLst>
   </p:cSld>
@@ -5098,7 +5674,7 @@
     </p:spTree>
     <p:extLst>
       <p:ext uri="{BB962C8B-B14F-4D97-AF65-F5344CB8AC3E}">
-        <p14:creationId xmlns:p14="http://schemas.microsoft.com/office/powerpoint/2010/main" xmlns="" val="683457095"/>
+        <p14:creationId xmlns="" xmlns:p14="http://schemas.microsoft.com/office/powerpoint/2010/main" val="683457095"/>
       </p:ext>
     </p:extLst>
   </p:cSld>
@@ -5235,7 +5811,7 @@
     </p:spTree>
     <p:extLst>
       <p:ext uri="{BB962C8B-B14F-4D97-AF65-F5344CB8AC3E}">
-        <p14:creationId xmlns:p14="http://schemas.microsoft.com/office/powerpoint/2010/main" xmlns="" val="4071505181"/>
+        <p14:creationId xmlns="" xmlns:p14="http://schemas.microsoft.com/office/powerpoint/2010/main" val="4071505181"/>
       </p:ext>
     </p:extLst>
   </p:cSld>
@@ -5394,7 +5970,7 @@
           <a:blip r:embed="rId2" cstate="print">
             <a:extLst>
               <a:ext uri="{28A0092B-C50C-407E-A947-70E740481C1C}">
-                <a14:useLocalDpi xmlns:a14="http://schemas.microsoft.com/office/drawing/2010/main" xmlns="" val="0"/>
+                <a14:useLocalDpi xmlns="" xmlns:a14="http://schemas.microsoft.com/office/drawing/2010/main" val="0"/>
               </a:ext>
             </a:extLst>
           </a:blip>
@@ -5415,7 +5991,7 @@
     </p:spTree>
     <p:extLst>
       <p:ext uri="{BB962C8B-B14F-4D97-AF65-F5344CB8AC3E}">
-        <p14:creationId xmlns:p14="http://schemas.microsoft.com/office/powerpoint/2010/main" xmlns="" val="2419472829"/>
+        <p14:creationId xmlns="" xmlns:p14="http://schemas.microsoft.com/office/powerpoint/2010/main" val="2419472829"/>
       </p:ext>
     </p:extLst>
   </p:cSld>
@@ -5709,7 +6285,7 @@
     </p:spTree>
     <p:extLst>
       <p:ext uri="{BB962C8B-B14F-4D97-AF65-F5344CB8AC3E}">
-        <p14:creationId xmlns:p14="http://schemas.microsoft.com/office/powerpoint/2010/main" xmlns="" val="229749355"/>
+        <p14:creationId xmlns="" xmlns:p14="http://schemas.microsoft.com/office/powerpoint/2010/main" val="229749355"/>
       </p:ext>
     </p:extLst>
   </p:cSld>
@@ -6014,7 +6590,7 @@
     </p:spTree>
     <p:extLst>
       <p:ext uri="{BB962C8B-B14F-4D97-AF65-F5344CB8AC3E}">
-        <p14:creationId xmlns:p14="http://schemas.microsoft.com/office/powerpoint/2010/main" xmlns="" val="826009964"/>
+        <p14:creationId xmlns="" xmlns:p14="http://schemas.microsoft.com/office/powerpoint/2010/main" val="826009964"/>
       </p:ext>
     </p:extLst>
   </p:cSld>
@@ -6319,7 +6895,7 @@
     </p:spTree>
     <p:extLst>
       <p:ext uri="{BB962C8B-B14F-4D97-AF65-F5344CB8AC3E}">
-        <p14:creationId xmlns:p14="http://schemas.microsoft.com/office/powerpoint/2010/main" xmlns="" val="225086537"/>
+        <p14:creationId xmlns="" xmlns:p14="http://schemas.microsoft.com/office/powerpoint/2010/main" val="225086537"/>
       </p:ext>
     </p:extLst>
   </p:cSld>
@@ -6620,7 +7196,7 @@
     </p:spTree>
     <p:extLst>
       <p:ext uri="{BB962C8B-B14F-4D97-AF65-F5344CB8AC3E}">
-        <p14:creationId xmlns:p14="http://schemas.microsoft.com/office/powerpoint/2010/main" xmlns="" val="4228792304"/>
+        <p14:creationId xmlns="" xmlns:p14="http://schemas.microsoft.com/office/powerpoint/2010/main" val="4228792304"/>
       </p:ext>
     </p:extLst>
   </p:cSld>
@@ -6632,7 +7208,7 @@
   </p:transition>
   <p:extLst mod="1">
     <p:ext uri="{DCECCB84-F9BA-43D5-87BE-67443E8EF086}">
-      <p15:sldGuideLst xmlns:p15="http://schemas.microsoft.com/office/powerpoint/2012/main" xmlns=""/>
+      <p15:sldGuideLst xmlns="" xmlns:p15="http://schemas.microsoft.com/office/powerpoint/2012/main"/>
     </p:ext>
   </p:extLst>
 </p:sldLayout>
@@ -7063,7 +7639,7 @@
           <a:blip r:embed="rId2" cstate="print">
             <a:extLst>
               <a:ext uri="{28A0092B-C50C-407E-A947-70E740481C1C}">
-                <a14:useLocalDpi xmlns:a14="http://schemas.microsoft.com/office/drawing/2010/main" xmlns="" val="0"/>
+                <a14:useLocalDpi xmlns="" xmlns:a14="http://schemas.microsoft.com/office/drawing/2010/main" val="0"/>
               </a:ext>
             </a:extLst>
           </a:blip>
@@ -7652,7 +8228,7 @@
     </p:spTree>
     <p:extLst>
       <p:ext uri="{BB962C8B-B14F-4D97-AF65-F5344CB8AC3E}">
-        <p14:creationId xmlns:p14="http://schemas.microsoft.com/office/powerpoint/2010/main" xmlns="" val="2746870799"/>
+        <p14:creationId xmlns="" xmlns:p14="http://schemas.microsoft.com/office/powerpoint/2010/main" val="2746870799"/>
       </p:ext>
     </p:extLst>
   </p:cSld>
@@ -7895,7 +8471,7 @@
     </p:spTree>
     <p:extLst>
       <p:ext uri="{BB962C8B-B14F-4D97-AF65-F5344CB8AC3E}">
-        <p14:creationId xmlns:p14="http://schemas.microsoft.com/office/powerpoint/2010/main" xmlns="" val="2684596061"/>
+        <p14:creationId xmlns="" xmlns:p14="http://schemas.microsoft.com/office/powerpoint/2010/main" val="2684596061"/>
       </p:ext>
     </p:extLst>
   </p:cSld>
@@ -8307,7 +8883,7 @@
     </p:spTree>
     <p:extLst>
       <p:ext uri="{BB962C8B-B14F-4D97-AF65-F5344CB8AC3E}">
-        <p14:creationId xmlns:p14="http://schemas.microsoft.com/office/powerpoint/2010/main" xmlns="" val="1897415336"/>
+        <p14:creationId xmlns="" xmlns:p14="http://schemas.microsoft.com/office/powerpoint/2010/main" val="1897415336"/>
       </p:ext>
     </p:extLst>
   </p:cSld>
@@ -8442,7 +9018,7 @@
     </p:spTree>
     <p:extLst>
       <p:ext uri="{BB962C8B-B14F-4D97-AF65-F5344CB8AC3E}">
-        <p14:creationId xmlns:p14="http://schemas.microsoft.com/office/powerpoint/2010/main" xmlns="" val="4189707849"/>
+        <p14:creationId xmlns="" xmlns:p14="http://schemas.microsoft.com/office/powerpoint/2010/main" val="4189707849"/>
       </p:ext>
     </p:extLst>
   </p:cSld>
@@ -8579,7 +9155,7 @@
     </p:spTree>
     <p:extLst>
       <p:ext uri="{BB962C8B-B14F-4D97-AF65-F5344CB8AC3E}">
-        <p14:creationId xmlns:p14="http://schemas.microsoft.com/office/powerpoint/2010/main" xmlns="" val="4156887399"/>
+        <p14:creationId xmlns="" xmlns:p14="http://schemas.microsoft.com/office/powerpoint/2010/main" val="4156887399"/>
       </p:ext>
     </p:extLst>
   </p:cSld>
@@ -8738,7 +9314,7 @@
           <a:blip r:embed="rId2" cstate="print">
             <a:extLst>
               <a:ext uri="{28A0092B-C50C-407E-A947-70E740481C1C}">
-                <a14:useLocalDpi xmlns:a14="http://schemas.microsoft.com/office/drawing/2010/main" xmlns="" val="0"/>
+                <a14:useLocalDpi xmlns="" xmlns:a14="http://schemas.microsoft.com/office/drawing/2010/main" val="0"/>
               </a:ext>
             </a:extLst>
           </a:blip>
@@ -8759,7 +9335,7 @@
     </p:spTree>
     <p:extLst>
       <p:ext uri="{BB962C8B-B14F-4D97-AF65-F5344CB8AC3E}">
-        <p14:creationId xmlns:p14="http://schemas.microsoft.com/office/powerpoint/2010/main" xmlns="" val="2875612584"/>
+        <p14:creationId xmlns="" xmlns:p14="http://schemas.microsoft.com/office/powerpoint/2010/main" val="2875612584"/>
       </p:ext>
     </p:extLst>
   </p:cSld>
@@ -9053,7 +9629,7 @@
     </p:spTree>
     <p:extLst>
       <p:ext uri="{BB962C8B-B14F-4D97-AF65-F5344CB8AC3E}">
-        <p14:creationId xmlns:p14="http://schemas.microsoft.com/office/powerpoint/2010/main" xmlns="" val="2606108126"/>
+        <p14:creationId xmlns="" xmlns:p14="http://schemas.microsoft.com/office/powerpoint/2010/main" val="2606108126"/>
       </p:ext>
     </p:extLst>
   </p:cSld>
@@ -9358,7 +9934,7 @@
     </p:spTree>
     <p:extLst>
       <p:ext uri="{BB962C8B-B14F-4D97-AF65-F5344CB8AC3E}">
-        <p14:creationId xmlns:p14="http://schemas.microsoft.com/office/powerpoint/2010/main" xmlns="" val="2571596633"/>
+        <p14:creationId xmlns="" xmlns:p14="http://schemas.microsoft.com/office/powerpoint/2010/main" val="2571596633"/>
       </p:ext>
     </p:extLst>
   </p:cSld>
@@ -9659,7 +10235,7 @@
     </p:spTree>
     <p:extLst>
       <p:ext uri="{BB962C8B-B14F-4D97-AF65-F5344CB8AC3E}">
-        <p14:creationId xmlns:p14="http://schemas.microsoft.com/office/powerpoint/2010/main" xmlns="" val="1490291718"/>
+        <p14:creationId xmlns="" xmlns:p14="http://schemas.microsoft.com/office/powerpoint/2010/main" val="1490291718"/>
       </p:ext>
     </p:extLst>
   </p:cSld>
@@ -9671,7 +10247,7 @@
   </p:transition>
   <p:extLst mod="1">
     <p:ext uri="{DCECCB84-F9BA-43D5-87BE-67443E8EF086}">
-      <p15:sldGuideLst xmlns:p15="http://schemas.microsoft.com/office/powerpoint/2012/main" xmlns=""/>
+      <p15:sldGuideLst xmlns="" xmlns:p15="http://schemas.microsoft.com/office/powerpoint/2012/main"/>
     </p:ext>
   </p:extLst>
 </p:sldLayout>
@@ -9965,7 +10541,7 @@
     </p:spTree>
     <p:extLst>
       <p:ext uri="{BB962C8B-B14F-4D97-AF65-F5344CB8AC3E}">
-        <p14:creationId xmlns:p14="http://schemas.microsoft.com/office/powerpoint/2010/main" xmlns="" val="792855932"/>
+        <p14:creationId xmlns="" xmlns:p14="http://schemas.microsoft.com/office/powerpoint/2010/main" val="792855932"/>
       </p:ext>
     </p:extLst>
   </p:cSld>
@@ -9977,7 +10553,7 @@
   </p:transition>
   <p:extLst mod="1">
     <p:ext uri="{DCECCB84-F9BA-43D5-87BE-67443E8EF086}">
-      <p15:sldGuideLst xmlns:p15="http://schemas.microsoft.com/office/powerpoint/2012/main" xmlns=""/>
+      <p15:sldGuideLst xmlns="" xmlns:p15="http://schemas.microsoft.com/office/powerpoint/2012/main"/>
     </p:ext>
   </p:extLst>
 </p:sldLayout>
@@ -10408,7 +10984,7 @@
           <a:blip r:embed="rId2" cstate="print">
             <a:extLst>
               <a:ext uri="{28A0092B-C50C-407E-A947-70E740481C1C}">
-                <a14:useLocalDpi xmlns:a14="http://schemas.microsoft.com/office/drawing/2010/main" xmlns="" val="0"/>
+                <a14:useLocalDpi xmlns="" xmlns:a14="http://schemas.microsoft.com/office/drawing/2010/main" val="0"/>
               </a:ext>
             </a:extLst>
           </a:blip>
@@ -10997,7 +11573,7 @@
     </p:spTree>
     <p:extLst>
       <p:ext uri="{BB962C8B-B14F-4D97-AF65-F5344CB8AC3E}">
-        <p14:creationId xmlns:p14="http://schemas.microsoft.com/office/powerpoint/2010/main" xmlns="" val="2293843815"/>
+        <p14:creationId xmlns="" xmlns:p14="http://schemas.microsoft.com/office/powerpoint/2010/main" val="2293843815"/>
       </p:ext>
     </p:extLst>
   </p:cSld>
@@ -11240,7 +11816,7 @@
     </p:spTree>
     <p:extLst>
       <p:ext uri="{BB962C8B-B14F-4D97-AF65-F5344CB8AC3E}">
-        <p14:creationId xmlns:p14="http://schemas.microsoft.com/office/powerpoint/2010/main" xmlns="" val="2807845491"/>
+        <p14:creationId xmlns="" xmlns:p14="http://schemas.microsoft.com/office/powerpoint/2010/main" val="2807845491"/>
       </p:ext>
     </p:extLst>
   </p:cSld>
@@ -11652,7 +12228,7 @@
     </p:spTree>
     <p:extLst>
       <p:ext uri="{BB962C8B-B14F-4D97-AF65-F5344CB8AC3E}">
-        <p14:creationId xmlns:p14="http://schemas.microsoft.com/office/powerpoint/2010/main" xmlns="" val="3147870395"/>
+        <p14:creationId xmlns="" xmlns:p14="http://schemas.microsoft.com/office/powerpoint/2010/main" val="3147870395"/>
       </p:ext>
     </p:extLst>
   </p:cSld>
@@ -11787,7 +12363,7 @@
     </p:spTree>
     <p:extLst>
       <p:ext uri="{BB962C8B-B14F-4D97-AF65-F5344CB8AC3E}">
-        <p14:creationId xmlns:p14="http://schemas.microsoft.com/office/powerpoint/2010/main" xmlns="" val="1355197154"/>
+        <p14:creationId xmlns="" xmlns:p14="http://schemas.microsoft.com/office/powerpoint/2010/main" val="1355197154"/>
       </p:ext>
     </p:extLst>
   </p:cSld>
@@ -11924,7 +12500,7 @@
     </p:spTree>
     <p:extLst>
       <p:ext uri="{BB962C8B-B14F-4D97-AF65-F5344CB8AC3E}">
-        <p14:creationId xmlns:p14="http://schemas.microsoft.com/office/powerpoint/2010/main" xmlns="" val="726463521"/>
+        <p14:creationId xmlns="" xmlns:p14="http://schemas.microsoft.com/office/powerpoint/2010/main" val="726463521"/>
       </p:ext>
     </p:extLst>
   </p:cSld>
@@ -12083,7 +12659,7 @@
           <a:blip r:embed="rId2" cstate="print">
             <a:extLst>
               <a:ext uri="{28A0092B-C50C-407E-A947-70E740481C1C}">
-                <a14:useLocalDpi xmlns:a14="http://schemas.microsoft.com/office/drawing/2010/main" xmlns="" val="0"/>
+                <a14:useLocalDpi xmlns="" xmlns:a14="http://schemas.microsoft.com/office/drawing/2010/main" val="0"/>
               </a:ext>
             </a:extLst>
           </a:blip>
@@ -12104,7 +12680,7 @@
     </p:spTree>
     <p:extLst>
       <p:ext uri="{BB962C8B-B14F-4D97-AF65-F5344CB8AC3E}">
-        <p14:creationId xmlns:p14="http://schemas.microsoft.com/office/powerpoint/2010/main" xmlns="" val="3368569284"/>
+        <p14:creationId xmlns="" xmlns:p14="http://schemas.microsoft.com/office/powerpoint/2010/main" val="3368569284"/>
       </p:ext>
     </p:extLst>
   </p:cSld>
@@ -12398,7 +12974,7 @@
     </p:spTree>
     <p:extLst>
       <p:ext uri="{BB962C8B-B14F-4D97-AF65-F5344CB8AC3E}">
-        <p14:creationId xmlns:p14="http://schemas.microsoft.com/office/powerpoint/2010/main" xmlns="" val="28234159"/>
+        <p14:creationId xmlns="" xmlns:p14="http://schemas.microsoft.com/office/powerpoint/2010/main" val="28234159"/>
       </p:ext>
     </p:extLst>
   </p:cSld>
@@ -12703,7 +13279,7 @@
     </p:spTree>
     <p:extLst>
       <p:ext uri="{BB962C8B-B14F-4D97-AF65-F5344CB8AC3E}">
-        <p14:creationId xmlns:p14="http://schemas.microsoft.com/office/powerpoint/2010/main" xmlns="" val="2638008544"/>
+        <p14:creationId xmlns="" xmlns:p14="http://schemas.microsoft.com/office/powerpoint/2010/main" val="2638008544"/>
       </p:ext>
     </p:extLst>
   </p:cSld>
@@ -13004,7 +13580,7 @@
     </p:spTree>
     <p:extLst>
       <p:ext uri="{BB962C8B-B14F-4D97-AF65-F5344CB8AC3E}">
-        <p14:creationId xmlns:p14="http://schemas.microsoft.com/office/powerpoint/2010/main" xmlns="" val="4196920033"/>
+        <p14:creationId xmlns="" xmlns:p14="http://schemas.microsoft.com/office/powerpoint/2010/main" val="4196920033"/>
       </p:ext>
     </p:extLst>
   </p:cSld>
@@ -13016,7 +13592,7 @@
   </p:transition>
   <p:extLst mod="1">
     <p:ext uri="{DCECCB84-F9BA-43D5-87BE-67443E8EF086}">
-      <p15:sldGuideLst xmlns:p15="http://schemas.microsoft.com/office/powerpoint/2012/main" xmlns=""/>
+      <p15:sldGuideLst xmlns="" xmlns:p15="http://schemas.microsoft.com/office/powerpoint/2012/main"/>
     </p:ext>
   </p:extLst>
 </p:sldLayout>
@@ -13447,7 +14023,7 @@
           <a:blip r:embed="rId2" cstate="print">
             <a:extLst>
               <a:ext uri="{28A0092B-C50C-407E-A947-70E740481C1C}">
-                <a14:useLocalDpi xmlns:a14="http://schemas.microsoft.com/office/drawing/2010/main" xmlns="" val="0"/>
+                <a14:useLocalDpi xmlns="" xmlns:a14="http://schemas.microsoft.com/office/drawing/2010/main" val="0"/>
               </a:ext>
             </a:extLst>
           </a:blip>
@@ -14036,7 +14612,7 @@
     </p:spTree>
     <p:extLst>
       <p:ext uri="{BB962C8B-B14F-4D97-AF65-F5344CB8AC3E}">
-        <p14:creationId xmlns:p14="http://schemas.microsoft.com/office/powerpoint/2010/main" xmlns="" val="1980723131"/>
+        <p14:creationId xmlns="" xmlns:p14="http://schemas.microsoft.com/office/powerpoint/2010/main" val="1980723131"/>
       </p:ext>
     </p:extLst>
   </p:cSld>
@@ -14474,7 +15050,7 @@
           <a:blip r:embed="rId2" cstate="print">
             <a:extLst>
               <a:ext uri="{28A0092B-C50C-407E-A947-70E740481C1C}">
-                <a14:useLocalDpi xmlns:a14="http://schemas.microsoft.com/office/drawing/2010/main" xmlns="" val="0"/>
+                <a14:useLocalDpi xmlns="" xmlns:a14="http://schemas.microsoft.com/office/drawing/2010/main" val="0"/>
               </a:ext>
             </a:extLst>
           </a:blip>
@@ -15063,7 +15639,7 @@
     </p:spTree>
     <p:extLst>
       <p:ext uri="{BB962C8B-B14F-4D97-AF65-F5344CB8AC3E}">
-        <p14:creationId xmlns:p14="http://schemas.microsoft.com/office/powerpoint/2010/main" xmlns="" val="126142069"/>
+        <p14:creationId xmlns="" xmlns:p14="http://schemas.microsoft.com/office/powerpoint/2010/main" val="126142069"/>
       </p:ext>
     </p:extLst>
   </p:cSld>
@@ -15306,7 +15882,7 @@
     </p:spTree>
     <p:extLst>
       <p:ext uri="{BB962C8B-B14F-4D97-AF65-F5344CB8AC3E}">
-        <p14:creationId xmlns:p14="http://schemas.microsoft.com/office/powerpoint/2010/main" xmlns="" val="3818019336"/>
+        <p14:creationId xmlns="" xmlns:p14="http://schemas.microsoft.com/office/powerpoint/2010/main" val="3818019336"/>
       </p:ext>
     </p:extLst>
   </p:cSld>
@@ -15718,7 +16294,7 @@
     </p:spTree>
     <p:extLst>
       <p:ext uri="{BB962C8B-B14F-4D97-AF65-F5344CB8AC3E}">
-        <p14:creationId xmlns:p14="http://schemas.microsoft.com/office/powerpoint/2010/main" xmlns="" val="2983430453"/>
+        <p14:creationId xmlns="" xmlns:p14="http://schemas.microsoft.com/office/powerpoint/2010/main" val="2983430453"/>
       </p:ext>
     </p:extLst>
   </p:cSld>
@@ -15853,7 +16429,7 @@
     </p:spTree>
     <p:extLst>
       <p:ext uri="{BB962C8B-B14F-4D97-AF65-F5344CB8AC3E}">
-        <p14:creationId xmlns:p14="http://schemas.microsoft.com/office/powerpoint/2010/main" xmlns="" val="462178339"/>
+        <p14:creationId xmlns="" xmlns:p14="http://schemas.microsoft.com/office/powerpoint/2010/main" val="462178339"/>
       </p:ext>
     </p:extLst>
   </p:cSld>
@@ -15990,7 +16566,7 @@
     </p:spTree>
     <p:extLst>
       <p:ext uri="{BB962C8B-B14F-4D97-AF65-F5344CB8AC3E}">
-        <p14:creationId xmlns:p14="http://schemas.microsoft.com/office/powerpoint/2010/main" xmlns="" val="394277555"/>
+        <p14:creationId xmlns="" xmlns:p14="http://schemas.microsoft.com/office/powerpoint/2010/main" val="394277555"/>
       </p:ext>
     </p:extLst>
   </p:cSld>
@@ -16149,7 +16725,7 @@
           <a:blip r:embed="rId2" cstate="print">
             <a:extLst>
               <a:ext uri="{28A0092B-C50C-407E-A947-70E740481C1C}">
-                <a14:useLocalDpi xmlns:a14="http://schemas.microsoft.com/office/drawing/2010/main" xmlns="" val="0"/>
+                <a14:useLocalDpi xmlns="" xmlns:a14="http://schemas.microsoft.com/office/drawing/2010/main" val="0"/>
               </a:ext>
             </a:extLst>
           </a:blip>
@@ -16170,7 +16746,7 @@
     </p:spTree>
     <p:extLst>
       <p:ext uri="{BB962C8B-B14F-4D97-AF65-F5344CB8AC3E}">
-        <p14:creationId xmlns:p14="http://schemas.microsoft.com/office/powerpoint/2010/main" xmlns="" val="2928457402"/>
+        <p14:creationId xmlns="" xmlns:p14="http://schemas.microsoft.com/office/powerpoint/2010/main" val="2928457402"/>
       </p:ext>
     </p:extLst>
   </p:cSld>
@@ -16464,7 +17040,7 @@
     </p:spTree>
     <p:extLst>
       <p:ext uri="{BB962C8B-B14F-4D97-AF65-F5344CB8AC3E}">
-        <p14:creationId xmlns:p14="http://schemas.microsoft.com/office/powerpoint/2010/main" xmlns="" val="1939241779"/>
+        <p14:creationId xmlns="" xmlns:p14="http://schemas.microsoft.com/office/powerpoint/2010/main" val="1939241779"/>
       </p:ext>
     </p:extLst>
   </p:cSld>
@@ -16769,7 +17345,7 @@
     </p:spTree>
     <p:extLst>
       <p:ext uri="{BB962C8B-B14F-4D97-AF65-F5344CB8AC3E}">
-        <p14:creationId xmlns:p14="http://schemas.microsoft.com/office/powerpoint/2010/main" xmlns="" val="2915455288"/>
+        <p14:creationId xmlns="" xmlns:p14="http://schemas.microsoft.com/office/powerpoint/2010/main" val="2915455288"/>
       </p:ext>
     </p:extLst>
   </p:cSld>
@@ -17070,7 +17646,7 @@
     </p:spTree>
     <p:extLst>
       <p:ext uri="{BB962C8B-B14F-4D97-AF65-F5344CB8AC3E}">
-        <p14:creationId xmlns:p14="http://schemas.microsoft.com/office/powerpoint/2010/main" xmlns="" val="3272998158"/>
+        <p14:creationId xmlns="" xmlns:p14="http://schemas.microsoft.com/office/powerpoint/2010/main" val="3272998158"/>
       </p:ext>
     </p:extLst>
   </p:cSld>
@@ -17082,7 +17658,7 @@
   </p:transition>
   <p:extLst mod="1">
     <p:ext uri="{DCECCB84-F9BA-43D5-87BE-67443E8EF086}">
-      <p15:sldGuideLst xmlns:p15="http://schemas.microsoft.com/office/powerpoint/2012/main" xmlns=""/>
+      <p15:sldGuideLst xmlns="" xmlns:p15="http://schemas.microsoft.com/office/powerpoint/2012/main"/>
     </p:ext>
   </p:extLst>
 </p:sldLayout>
@@ -17513,7 +18089,7 @@
           <a:blip r:embed="rId2" cstate="print">
             <a:extLst>
               <a:ext uri="{28A0092B-C50C-407E-A947-70E740481C1C}">
-                <a14:useLocalDpi xmlns:a14="http://schemas.microsoft.com/office/drawing/2010/main" xmlns="" val="0"/>
+                <a14:useLocalDpi xmlns="" xmlns:a14="http://schemas.microsoft.com/office/drawing/2010/main" val="0"/>
               </a:ext>
             </a:extLst>
           </a:blip>
@@ -18102,7 +18678,7 @@
     </p:spTree>
     <p:extLst>
       <p:ext uri="{BB962C8B-B14F-4D97-AF65-F5344CB8AC3E}">
-        <p14:creationId xmlns:p14="http://schemas.microsoft.com/office/powerpoint/2010/main" xmlns="" val="1213079104"/>
+        <p14:creationId xmlns="" xmlns:p14="http://schemas.microsoft.com/office/powerpoint/2010/main" val="1213079104"/>
       </p:ext>
     </p:extLst>
   </p:cSld>
@@ -18583,7 +19159,7 @@
     </p:spTree>
     <p:extLst>
       <p:ext uri="{BB962C8B-B14F-4D97-AF65-F5344CB8AC3E}">
-        <p14:creationId xmlns:p14="http://schemas.microsoft.com/office/powerpoint/2010/main" xmlns="" val="2928511375"/>
+        <p14:creationId xmlns="" xmlns:p14="http://schemas.microsoft.com/office/powerpoint/2010/main" val="2928511375"/>
       </p:ext>
     </p:extLst>
   </p:cSld>
@@ -18995,7 +19571,7 @@
     </p:spTree>
     <p:extLst>
       <p:ext uri="{BB962C8B-B14F-4D97-AF65-F5344CB8AC3E}">
-        <p14:creationId xmlns:p14="http://schemas.microsoft.com/office/powerpoint/2010/main" xmlns="" val="2378694842"/>
+        <p14:creationId xmlns="" xmlns:p14="http://schemas.microsoft.com/office/powerpoint/2010/main" val="2378694842"/>
       </p:ext>
     </p:extLst>
   </p:cSld>
@@ -19130,7 +19706,7 @@
     </p:spTree>
     <p:extLst>
       <p:ext uri="{BB962C8B-B14F-4D97-AF65-F5344CB8AC3E}">
-        <p14:creationId xmlns:p14="http://schemas.microsoft.com/office/powerpoint/2010/main" xmlns="" val="1024135163"/>
+        <p14:creationId xmlns="" xmlns:p14="http://schemas.microsoft.com/office/powerpoint/2010/main" val="1024135163"/>
       </p:ext>
     </p:extLst>
   </p:cSld>
@@ -19267,7 +19843,7 @@
     </p:spTree>
     <p:extLst>
       <p:ext uri="{BB962C8B-B14F-4D97-AF65-F5344CB8AC3E}">
-        <p14:creationId xmlns:p14="http://schemas.microsoft.com/office/powerpoint/2010/main" xmlns="" val="3303822867"/>
+        <p14:creationId xmlns="" xmlns:p14="http://schemas.microsoft.com/office/powerpoint/2010/main" val="3303822867"/>
       </p:ext>
     </p:extLst>
   </p:cSld>
@@ -19426,7 +20002,7 @@
           <a:blip r:embed="rId2" cstate="print">
             <a:extLst>
               <a:ext uri="{28A0092B-C50C-407E-A947-70E740481C1C}">
-                <a14:useLocalDpi xmlns:a14="http://schemas.microsoft.com/office/drawing/2010/main" xmlns="" val="0"/>
+                <a14:useLocalDpi xmlns="" xmlns:a14="http://schemas.microsoft.com/office/drawing/2010/main" val="0"/>
               </a:ext>
             </a:extLst>
           </a:blip>
@@ -19447,7 +20023,7 @@
     </p:spTree>
     <p:extLst>
       <p:ext uri="{BB962C8B-B14F-4D97-AF65-F5344CB8AC3E}">
-        <p14:creationId xmlns:p14="http://schemas.microsoft.com/office/powerpoint/2010/main" xmlns="" val="3633579213"/>
+        <p14:creationId xmlns="" xmlns:p14="http://schemas.microsoft.com/office/powerpoint/2010/main" val="3633579213"/>
       </p:ext>
     </p:extLst>
   </p:cSld>
@@ -19741,7 +20317,7 @@
     </p:spTree>
     <p:extLst>
       <p:ext uri="{BB962C8B-B14F-4D97-AF65-F5344CB8AC3E}">
-        <p14:creationId xmlns:p14="http://schemas.microsoft.com/office/powerpoint/2010/main" xmlns="" val="2279271206"/>
+        <p14:creationId xmlns="" xmlns:p14="http://schemas.microsoft.com/office/powerpoint/2010/main" val="2279271206"/>
       </p:ext>
     </p:extLst>
   </p:cSld>
@@ -20046,7 +20622,7 @@
     </p:spTree>
     <p:extLst>
       <p:ext uri="{BB962C8B-B14F-4D97-AF65-F5344CB8AC3E}">
-        <p14:creationId xmlns:p14="http://schemas.microsoft.com/office/powerpoint/2010/main" xmlns="" val="3612019383"/>
+        <p14:creationId xmlns="" xmlns:p14="http://schemas.microsoft.com/office/powerpoint/2010/main" val="3612019383"/>
       </p:ext>
     </p:extLst>
   </p:cSld>
@@ -20347,7 +20923,7 @@
     </p:spTree>
     <p:extLst>
       <p:ext uri="{BB962C8B-B14F-4D97-AF65-F5344CB8AC3E}">
-        <p14:creationId xmlns:p14="http://schemas.microsoft.com/office/powerpoint/2010/main" xmlns="" val="2987535939"/>
+        <p14:creationId xmlns="" xmlns:p14="http://schemas.microsoft.com/office/powerpoint/2010/main" val="2987535939"/>
       </p:ext>
     </p:extLst>
   </p:cSld>
@@ -20359,7 +20935,7 @@
   </p:transition>
   <p:extLst mod="1">
     <p:ext uri="{DCECCB84-F9BA-43D5-87BE-67443E8EF086}">
-      <p15:sldGuideLst xmlns:p15="http://schemas.microsoft.com/office/powerpoint/2012/main" xmlns=""/>
+      <p15:sldGuideLst xmlns="" xmlns:p15="http://schemas.microsoft.com/office/powerpoint/2012/main"/>
     </p:ext>
   </p:extLst>
 </p:sldLayout>
@@ -20790,7 +21366,7 @@
           <a:blip r:embed="rId2" cstate="print">
             <a:extLst>
               <a:ext uri="{28A0092B-C50C-407E-A947-70E740481C1C}">
-                <a14:useLocalDpi xmlns:a14="http://schemas.microsoft.com/office/drawing/2010/main" xmlns="" val="0"/>
+                <a14:useLocalDpi xmlns="" xmlns:a14="http://schemas.microsoft.com/office/drawing/2010/main" val="0"/>
               </a:ext>
             </a:extLst>
           </a:blip>
@@ -21379,7 +21955,7 @@
     </p:spTree>
     <p:extLst>
       <p:ext uri="{BB962C8B-B14F-4D97-AF65-F5344CB8AC3E}">
-        <p14:creationId xmlns:p14="http://schemas.microsoft.com/office/powerpoint/2010/main" xmlns="" val="846023824"/>
+        <p14:creationId xmlns="" xmlns:p14="http://schemas.microsoft.com/office/powerpoint/2010/main" val="846023824"/>
       </p:ext>
     </p:extLst>
   </p:cSld>
@@ -21622,7 +22198,7 @@
     </p:spTree>
     <p:extLst>
       <p:ext uri="{BB962C8B-B14F-4D97-AF65-F5344CB8AC3E}">
-        <p14:creationId xmlns:p14="http://schemas.microsoft.com/office/powerpoint/2010/main" xmlns="" val="706051647"/>
+        <p14:creationId xmlns="" xmlns:p14="http://schemas.microsoft.com/office/powerpoint/2010/main" val="706051647"/>
       </p:ext>
     </p:extLst>
   </p:cSld>
@@ -22441,7 +23017,7 @@
     </p:spTree>
     <p:extLst>
       <p:ext uri="{BB962C8B-B14F-4D97-AF65-F5344CB8AC3E}">
-        <p14:creationId xmlns:p14="http://schemas.microsoft.com/office/powerpoint/2010/main" xmlns="" val="1150281680"/>
+        <p14:creationId xmlns="" xmlns:p14="http://schemas.microsoft.com/office/powerpoint/2010/main" val="1150281680"/>
       </p:ext>
     </p:extLst>
   </p:cSld>
@@ -22576,7 +23152,7 @@
     </p:spTree>
     <p:extLst>
       <p:ext uri="{BB962C8B-B14F-4D97-AF65-F5344CB8AC3E}">
-        <p14:creationId xmlns:p14="http://schemas.microsoft.com/office/powerpoint/2010/main" xmlns="" val="1954141648"/>
+        <p14:creationId xmlns="" xmlns:p14="http://schemas.microsoft.com/office/powerpoint/2010/main" val="1954141648"/>
       </p:ext>
     </p:extLst>
   </p:cSld>
@@ -22713,7 +23289,7 @@
     </p:spTree>
     <p:extLst>
       <p:ext uri="{BB962C8B-B14F-4D97-AF65-F5344CB8AC3E}">
-        <p14:creationId xmlns:p14="http://schemas.microsoft.com/office/powerpoint/2010/main" xmlns="" val="532291461"/>
+        <p14:creationId xmlns="" xmlns:p14="http://schemas.microsoft.com/office/powerpoint/2010/main" val="532291461"/>
       </p:ext>
     </p:extLst>
   </p:cSld>
@@ -22872,7 +23448,7 @@
           <a:blip r:embed="rId2" cstate="print">
             <a:extLst>
               <a:ext uri="{28A0092B-C50C-407E-A947-70E740481C1C}">
-                <a14:useLocalDpi xmlns:a14="http://schemas.microsoft.com/office/drawing/2010/main" xmlns="" val="0"/>
+                <a14:useLocalDpi xmlns="" xmlns:a14="http://schemas.microsoft.com/office/drawing/2010/main" val="0"/>
               </a:ext>
             </a:extLst>
           </a:blip>
@@ -22893,7 +23469,7 @@
     </p:spTree>
     <p:extLst>
       <p:ext uri="{BB962C8B-B14F-4D97-AF65-F5344CB8AC3E}">
-        <p14:creationId xmlns:p14="http://schemas.microsoft.com/office/powerpoint/2010/main" xmlns="" val="3075146628"/>
+        <p14:creationId xmlns="" xmlns:p14="http://schemas.microsoft.com/office/powerpoint/2010/main" val="3075146628"/>
       </p:ext>
     </p:extLst>
   </p:cSld>
@@ -23187,7 +23763,7 @@
     </p:spTree>
     <p:extLst>
       <p:ext uri="{BB962C8B-B14F-4D97-AF65-F5344CB8AC3E}">
-        <p14:creationId xmlns:p14="http://schemas.microsoft.com/office/powerpoint/2010/main" xmlns="" val="3736090049"/>
+        <p14:creationId xmlns="" xmlns:p14="http://schemas.microsoft.com/office/powerpoint/2010/main" val="3736090049"/>
       </p:ext>
     </p:extLst>
   </p:cSld>
@@ -23492,7 +24068,7 @@
     </p:spTree>
     <p:extLst>
       <p:ext uri="{BB962C8B-B14F-4D97-AF65-F5344CB8AC3E}">
-        <p14:creationId xmlns:p14="http://schemas.microsoft.com/office/powerpoint/2010/main" xmlns="" val="3296178265"/>
+        <p14:creationId xmlns="" xmlns:p14="http://schemas.microsoft.com/office/powerpoint/2010/main" val="3296178265"/>
       </p:ext>
     </p:extLst>
   </p:cSld>
@@ -23793,7 +24369,7 @@
     </p:spTree>
     <p:extLst>
       <p:ext uri="{BB962C8B-B14F-4D97-AF65-F5344CB8AC3E}">
-        <p14:creationId xmlns:p14="http://schemas.microsoft.com/office/powerpoint/2010/main" xmlns="" val="4214668999"/>
+        <p14:creationId xmlns="" xmlns:p14="http://schemas.microsoft.com/office/powerpoint/2010/main" val="4214668999"/>
       </p:ext>
     </p:extLst>
   </p:cSld>
@@ -23805,7 +24381,7 @@
   </p:transition>
   <p:extLst mod="1">
     <p:ext uri="{DCECCB84-F9BA-43D5-87BE-67443E8EF086}">
-      <p15:sldGuideLst xmlns:p15="http://schemas.microsoft.com/office/powerpoint/2012/main" xmlns=""/>
+      <p15:sldGuideLst xmlns="" xmlns:p15="http://schemas.microsoft.com/office/powerpoint/2012/main"/>
     </p:ext>
   </p:extLst>
 </p:sldLayout>
@@ -24236,7 +24812,7 @@
           <a:blip r:embed="rId2" cstate="print">
             <a:extLst>
               <a:ext uri="{28A0092B-C50C-407E-A947-70E740481C1C}">
-                <a14:useLocalDpi xmlns:a14="http://schemas.microsoft.com/office/drawing/2010/main" xmlns="" val="0"/>
+                <a14:useLocalDpi xmlns="" xmlns:a14="http://schemas.microsoft.com/office/drawing/2010/main" val="0"/>
               </a:ext>
             </a:extLst>
           </a:blip>
@@ -24825,7 +25401,7 @@
     </p:spTree>
     <p:extLst>
       <p:ext uri="{BB962C8B-B14F-4D97-AF65-F5344CB8AC3E}">
-        <p14:creationId xmlns:p14="http://schemas.microsoft.com/office/powerpoint/2010/main" xmlns="" val="2244925429"/>
+        <p14:creationId xmlns="" xmlns:p14="http://schemas.microsoft.com/office/powerpoint/2010/main" val="2244925429"/>
       </p:ext>
     </p:extLst>
   </p:cSld>
@@ -25068,7 +25644,7 @@
     </p:spTree>
     <p:extLst>
       <p:ext uri="{BB962C8B-B14F-4D97-AF65-F5344CB8AC3E}">
-        <p14:creationId xmlns:p14="http://schemas.microsoft.com/office/powerpoint/2010/main" xmlns="" val="2354806819"/>
+        <p14:creationId xmlns="" xmlns:p14="http://schemas.microsoft.com/office/powerpoint/2010/main" val="2354806819"/>
       </p:ext>
     </p:extLst>
   </p:cSld>
@@ -25480,7 +26056,7 @@
     </p:spTree>
     <p:extLst>
       <p:ext uri="{BB962C8B-B14F-4D97-AF65-F5344CB8AC3E}">
-        <p14:creationId xmlns:p14="http://schemas.microsoft.com/office/powerpoint/2010/main" xmlns="" val="652210638"/>
+        <p14:creationId xmlns="" xmlns:p14="http://schemas.microsoft.com/office/powerpoint/2010/main" val="652210638"/>
       </p:ext>
     </p:extLst>
   </p:cSld>
@@ -25745,7 +26321,7 @@
     </p:spTree>
     <p:extLst>
       <p:ext uri="{BB962C8B-B14F-4D97-AF65-F5344CB8AC3E}">
-        <p14:creationId xmlns:p14="http://schemas.microsoft.com/office/powerpoint/2010/main" xmlns="" val="4213001361"/>
+        <p14:creationId xmlns="" xmlns:p14="http://schemas.microsoft.com/office/powerpoint/2010/main" val="4213001361"/>
       </p:ext>
     </p:extLst>
   </p:cSld>
@@ -25882,7 +26458,7 @@
     </p:spTree>
     <p:extLst>
       <p:ext uri="{BB962C8B-B14F-4D97-AF65-F5344CB8AC3E}">
-        <p14:creationId xmlns:p14="http://schemas.microsoft.com/office/powerpoint/2010/main" xmlns="" val="3587475383"/>
+        <p14:creationId xmlns="" xmlns:p14="http://schemas.microsoft.com/office/powerpoint/2010/main" val="3587475383"/>
       </p:ext>
     </p:extLst>
   </p:cSld>
@@ -26041,7 +26617,7 @@
           <a:blip r:embed="rId2" cstate="print">
             <a:extLst>
               <a:ext uri="{28A0092B-C50C-407E-A947-70E740481C1C}">
-                <a14:useLocalDpi xmlns:a14="http://schemas.microsoft.com/office/drawing/2010/main" xmlns="" val="0"/>
+                <a14:useLocalDpi xmlns="" xmlns:a14="http://schemas.microsoft.com/office/drawing/2010/main" val="0"/>
               </a:ext>
             </a:extLst>
           </a:blip>
@@ -26062,7 +26638,7 @@
     </p:spTree>
     <p:extLst>
       <p:ext uri="{BB962C8B-B14F-4D97-AF65-F5344CB8AC3E}">
-        <p14:creationId xmlns:p14="http://schemas.microsoft.com/office/powerpoint/2010/main" xmlns="" val="2430002785"/>
+        <p14:creationId xmlns="" xmlns:p14="http://schemas.microsoft.com/office/powerpoint/2010/main" val="2430002785"/>
       </p:ext>
     </p:extLst>
   </p:cSld>
@@ -26356,7 +26932,7 @@
     </p:spTree>
     <p:extLst>
       <p:ext uri="{BB962C8B-B14F-4D97-AF65-F5344CB8AC3E}">
-        <p14:creationId xmlns:p14="http://schemas.microsoft.com/office/powerpoint/2010/main" xmlns="" val="2142983617"/>
+        <p14:creationId xmlns="" xmlns:p14="http://schemas.microsoft.com/office/powerpoint/2010/main" val="2142983617"/>
       </p:ext>
     </p:extLst>
   </p:cSld>
@@ -26661,7 +27237,7 @@
     </p:spTree>
     <p:extLst>
       <p:ext uri="{BB962C8B-B14F-4D97-AF65-F5344CB8AC3E}">
-        <p14:creationId xmlns:p14="http://schemas.microsoft.com/office/powerpoint/2010/main" xmlns="" val="2491589136"/>
+        <p14:creationId xmlns="" xmlns:p14="http://schemas.microsoft.com/office/powerpoint/2010/main" val="2491589136"/>
       </p:ext>
     </p:extLst>
   </p:cSld>
@@ -26962,7 +27538,7 @@
     </p:spTree>
     <p:extLst>
       <p:ext uri="{BB962C8B-B14F-4D97-AF65-F5344CB8AC3E}">
-        <p14:creationId xmlns:p14="http://schemas.microsoft.com/office/powerpoint/2010/main" xmlns="" val="3680605271"/>
+        <p14:creationId xmlns="" xmlns:p14="http://schemas.microsoft.com/office/powerpoint/2010/main" val="3680605271"/>
       </p:ext>
     </p:extLst>
   </p:cSld>
@@ -26974,7 +27550,7 @@
   </p:transition>
   <p:extLst mod="1">
     <p:ext uri="{DCECCB84-F9BA-43D5-87BE-67443E8EF086}">
-      <p15:sldGuideLst xmlns:p15="http://schemas.microsoft.com/office/powerpoint/2012/main" xmlns=""/>
+      <p15:sldGuideLst xmlns="" xmlns:p15="http://schemas.microsoft.com/office/powerpoint/2012/main"/>
     </p:ext>
   </p:extLst>
 </p:sldLayout>
@@ -27405,7 +27981,7 @@
           <a:blip r:embed="rId2" cstate="print">
             <a:extLst>
               <a:ext uri="{28A0092B-C50C-407E-A947-70E740481C1C}">
-                <a14:useLocalDpi xmlns:a14="http://schemas.microsoft.com/office/drawing/2010/main" xmlns="" val="0"/>
+                <a14:useLocalDpi xmlns="" xmlns:a14="http://schemas.microsoft.com/office/drawing/2010/main" val="0"/>
               </a:ext>
             </a:extLst>
           </a:blip>
@@ -27994,7 +28570,7 @@
     </p:spTree>
     <p:extLst>
       <p:ext uri="{BB962C8B-B14F-4D97-AF65-F5344CB8AC3E}">
-        <p14:creationId xmlns:p14="http://schemas.microsoft.com/office/powerpoint/2010/main" xmlns="" val="3207918196"/>
+        <p14:creationId xmlns="" xmlns:p14="http://schemas.microsoft.com/office/powerpoint/2010/main" val="3207918196"/>
       </p:ext>
     </p:extLst>
   </p:cSld>
@@ -28237,7 +28813,7 @@
     </p:spTree>
     <p:extLst>
       <p:ext uri="{BB962C8B-B14F-4D97-AF65-F5344CB8AC3E}">
-        <p14:creationId xmlns:p14="http://schemas.microsoft.com/office/powerpoint/2010/main" xmlns="" val="1029380379"/>
+        <p14:creationId xmlns="" xmlns:p14="http://schemas.microsoft.com/office/powerpoint/2010/main" val="1029380379"/>
       </p:ext>
     </p:extLst>
   </p:cSld>
@@ -28649,7 +29225,7 @@
     </p:spTree>
     <p:extLst>
       <p:ext uri="{BB962C8B-B14F-4D97-AF65-F5344CB8AC3E}">
-        <p14:creationId xmlns:p14="http://schemas.microsoft.com/office/powerpoint/2010/main" xmlns="" val="4057446467"/>
+        <p14:creationId xmlns="" xmlns:p14="http://schemas.microsoft.com/office/powerpoint/2010/main" val="4057446467"/>
       </p:ext>
     </p:extLst>
   </p:cSld>
@@ -28784,7 +29360,7 @@
     </p:spTree>
     <p:extLst>
       <p:ext uri="{BB962C8B-B14F-4D97-AF65-F5344CB8AC3E}">
-        <p14:creationId xmlns:p14="http://schemas.microsoft.com/office/powerpoint/2010/main" xmlns="" val="144268069"/>
+        <p14:creationId xmlns="" xmlns:p14="http://schemas.microsoft.com/office/powerpoint/2010/main" val="144268069"/>
       </p:ext>
     </p:extLst>
   </p:cSld>
@@ -28921,7 +29497,7 @@
     </p:spTree>
     <p:extLst>
       <p:ext uri="{BB962C8B-B14F-4D97-AF65-F5344CB8AC3E}">
-        <p14:creationId xmlns:p14="http://schemas.microsoft.com/office/powerpoint/2010/main" xmlns="" val="1353896245"/>
+        <p14:creationId xmlns="" xmlns:p14="http://schemas.microsoft.com/office/powerpoint/2010/main" val="1353896245"/>
       </p:ext>
     </p:extLst>
   </p:cSld>
@@ -29058,7 +29634,7 @@
     </p:spTree>
     <p:extLst>
       <p:ext uri="{BB962C8B-B14F-4D97-AF65-F5344CB8AC3E}">
-        <p14:creationId xmlns:p14="http://schemas.microsoft.com/office/powerpoint/2010/main" xmlns="" val="972545763"/>
+        <p14:creationId xmlns="" xmlns:p14="http://schemas.microsoft.com/office/powerpoint/2010/main" val="972545763"/>
       </p:ext>
     </p:extLst>
   </p:cSld>
@@ -29217,7 +29793,7 @@
           <a:blip r:embed="rId2" cstate="print">
             <a:extLst>
               <a:ext uri="{28A0092B-C50C-407E-A947-70E740481C1C}">
-                <a14:useLocalDpi xmlns:a14="http://schemas.microsoft.com/office/drawing/2010/main" xmlns="" val="0"/>
+                <a14:useLocalDpi xmlns="" xmlns:a14="http://schemas.microsoft.com/office/drawing/2010/main" val="0"/>
               </a:ext>
             </a:extLst>
           </a:blip>
@@ -29238,7 +29814,7 @@
     </p:spTree>
     <p:extLst>
       <p:ext uri="{BB962C8B-B14F-4D97-AF65-F5344CB8AC3E}">
-        <p14:creationId xmlns:p14="http://schemas.microsoft.com/office/powerpoint/2010/main" xmlns="" val="3258727132"/>
+        <p14:creationId xmlns="" xmlns:p14="http://schemas.microsoft.com/office/powerpoint/2010/main" val="3258727132"/>
       </p:ext>
     </p:extLst>
   </p:cSld>
@@ -29397,7 +29973,7 @@
           <a:blip r:embed="rId2" cstate="print">
             <a:extLst>
               <a:ext uri="{28A0092B-C50C-407E-A947-70E740481C1C}">
-                <a14:useLocalDpi xmlns:a14="http://schemas.microsoft.com/office/drawing/2010/main" xmlns="" val="0"/>
+                <a14:useLocalDpi xmlns="" xmlns:a14="http://schemas.microsoft.com/office/drawing/2010/main" val="0"/>
               </a:ext>
             </a:extLst>
           </a:blip>
@@ -29418,7 +29994,7 @@
     </p:spTree>
     <p:extLst>
       <p:ext uri="{BB962C8B-B14F-4D97-AF65-F5344CB8AC3E}">
-        <p14:creationId xmlns:p14="http://schemas.microsoft.com/office/powerpoint/2010/main" xmlns="" val="1506385941"/>
+        <p14:creationId xmlns="" xmlns:p14="http://schemas.microsoft.com/office/powerpoint/2010/main" val="1506385941"/>
       </p:ext>
     </p:extLst>
   </p:cSld>
@@ -30521,7 +31097,7 @@
           <a:blip r:embed="rId11" cstate="print">
             <a:extLst>
               <a:ext uri="{28A0092B-C50C-407E-A947-70E740481C1C}">
-                <a14:useLocalDpi xmlns:a14="http://schemas.microsoft.com/office/drawing/2010/main" xmlns="" val="0"/>
+                <a14:useLocalDpi xmlns="" xmlns:a14="http://schemas.microsoft.com/office/drawing/2010/main" val="0"/>
               </a:ext>
             </a:extLst>
           </a:blip>
@@ -30842,7 +31418,7 @@
   </p:txStyles>
   <p:extLst mod="1">
     <p:ext uri="{27BBF7A9-308A-43DC-89C8-2F10F3537804}">
-      <p15:sldGuideLst xmlns:p15="http://schemas.microsoft.com/office/powerpoint/2012/main" xmlns="">
+      <p15:sldGuideLst xmlns="" xmlns:p15="http://schemas.microsoft.com/office/powerpoint/2012/main">
         <p15:guide id="1" pos="92" userDrawn="1">
           <p15:clr>
             <a:srgbClr val="F26B43"/>
@@ -32008,7 +32584,7 @@
           <a:blip r:embed="rId11" cstate="print">
             <a:extLst>
               <a:ext uri="{28A0092B-C50C-407E-A947-70E740481C1C}">
-                <a14:useLocalDpi xmlns:a14="http://schemas.microsoft.com/office/drawing/2010/main" xmlns="" val="0"/>
+                <a14:useLocalDpi xmlns="" xmlns:a14="http://schemas.microsoft.com/office/drawing/2010/main" val="0"/>
               </a:ext>
             </a:extLst>
           </a:blip>
@@ -32029,7 +32605,7 @@
     </p:spTree>
     <p:extLst>
       <p:ext uri="{BB962C8B-B14F-4D97-AF65-F5344CB8AC3E}">
-        <p14:creationId xmlns:p14="http://schemas.microsoft.com/office/powerpoint/2010/main" xmlns="" val="4049504385"/>
+        <p14:creationId xmlns="" xmlns:p14="http://schemas.microsoft.com/office/powerpoint/2010/main" val="4049504385"/>
       </p:ext>
     </p:extLst>
   </p:cSld>
@@ -32334,7 +32910,7 @@
   </p:txStyles>
   <p:extLst mod="1">
     <p:ext uri="{27BBF7A9-308A-43DC-89C8-2F10F3537804}">
-      <p15:sldGuideLst xmlns:p15="http://schemas.microsoft.com/office/powerpoint/2012/main" xmlns="">
+      <p15:sldGuideLst xmlns="" xmlns:p15="http://schemas.microsoft.com/office/powerpoint/2012/main">
         <p15:guide id="1" pos="92" userDrawn="1">
           <p15:clr>
             <a:srgbClr val="F26B43"/>
@@ -33500,7 +34076,7 @@
           <a:blip r:embed="rId11" cstate="print">
             <a:extLst>
               <a:ext uri="{28A0092B-C50C-407E-A947-70E740481C1C}">
-                <a14:useLocalDpi xmlns:a14="http://schemas.microsoft.com/office/drawing/2010/main" xmlns="" val="0"/>
+                <a14:useLocalDpi xmlns="" xmlns:a14="http://schemas.microsoft.com/office/drawing/2010/main" val="0"/>
               </a:ext>
             </a:extLst>
           </a:blip>
@@ -33521,7 +34097,7 @@
     </p:spTree>
     <p:extLst>
       <p:ext uri="{BB962C8B-B14F-4D97-AF65-F5344CB8AC3E}">
-        <p14:creationId xmlns:p14="http://schemas.microsoft.com/office/powerpoint/2010/main" xmlns="" val="4276528870"/>
+        <p14:creationId xmlns="" xmlns:p14="http://schemas.microsoft.com/office/powerpoint/2010/main" val="4276528870"/>
       </p:ext>
     </p:extLst>
   </p:cSld>
@@ -33826,7 +34402,7 @@
   </p:txStyles>
   <p:extLst mod="1">
     <p:ext uri="{27BBF7A9-308A-43DC-89C8-2F10F3537804}">
-      <p15:sldGuideLst xmlns:p15="http://schemas.microsoft.com/office/powerpoint/2012/main" xmlns="">
+      <p15:sldGuideLst xmlns="" xmlns:p15="http://schemas.microsoft.com/office/powerpoint/2012/main">
         <p15:guide id="1" pos="92" userDrawn="1">
           <p15:clr>
             <a:srgbClr val="F26B43"/>
@@ -34992,7 +35568,7 @@
           <a:blip r:embed="rId11" cstate="print">
             <a:extLst>
               <a:ext uri="{28A0092B-C50C-407E-A947-70E740481C1C}">
-                <a14:useLocalDpi xmlns:a14="http://schemas.microsoft.com/office/drawing/2010/main" xmlns="" val="0"/>
+                <a14:useLocalDpi xmlns="" xmlns:a14="http://schemas.microsoft.com/office/drawing/2010/main" val="0"/>
               </a:ext>
             </a:extLst>
           </a:blip>
@@ -35013,7 +35589,7 @@
     </p:spTree>
     <p:extLst>
       <p:ext uri="{BB962C8B-B14F-4D97-AF65-F5344CB8AC3E}">
-        <p14:creationId xmlns:p14="http://schemas.microsoft.com/office/powerpoint/2010/main" xmlns="" val="1514477690"/>
+        <p14:creationId xmlns="" xmlns:p14="http://schemas.microsoft.com/office/powerpoint/2010/main" val="1514477690"/>
       </p:ext>
     </p:extLst>
   </p:cSld>
@@ -35318,7 +35894,7 @@
   </p:txStyles>
   <p:extLst mod="1">
     <p:ext uri="{27BBF7A9-308A-43DC-89C8-2F10F3537804}">
-      <p15:sldGuideLst xmlns:p15="http://schemas.microsoft.com/office/powerpoint/2012/main" xmlns="">
+      <p15:sldGuideLst xmlns="" xmlns:p15="http://schemas.microsoft.com/office/powerpoint/2012/main">
         <p15:guide id="1" pos="92" userDrawn="1">
           <p15:clr>
             <a:srgbClr val="F26B43"/>
@@ -36484,7 +37060,7 @@
           <a:blip r:embed="rId11" cstate="print">
             <a:extLst>
               <a:ext uri="{28A0092B-C50C-407E-A947-70E740481C1C}">
-                <a14:useLocalDpi xmlns:a14="http://schemas.microsoft.com/office/drawing/2010/main" xmlns="" val="0"/>
+                <a14:useLocalDpi xmlns="" xmlns:a14="http://schemas.microsoft.com/office/drawing/2010/main" val="0"/>
               </a:ext>
             </a:extLst>
           </a:blip>
@@ -36505,7 +37081,7 @@
     </p:spTree>
     <p:extLst>
       <p:ext uri="{BB962C8B-B14F-4D97-AF65-F5344CB8AC3E}">
-        <p14:creationId xmlns:p14="http://schemas.microsoft.com/office/powerpoint/2010/main" xmlns="" val="4014925421"/>
+        <p14:creationId xmlns="" xmlns:p14="http://schemas.microsoft.com/office/powerpoint/2010/main" val="4014925421"/>
       </p:ext>
     </p:extLst>
   </p:cSld>
@@ -36810,7 +37386,7 @@
   </p:txStyles>
   <p:extLst mod="1">
     <p:ext uri="{27BBF7A9-308A-43DC-89C8-2F10F3537804}">
-      <p15:sldGuideLst xmlns:p15="http://schemas.microsoft.com/office/powerpoint/2012/main" xmlns="">
+      <p15:sldGuideLst xmlns="" xmlns:p15="http://schemas.microsoft.com/office/powerpoint/2012/main">
         <p15:guide id="1" pos="92" userDrawn="1">
           <p15:clr>
             <a:srgbClr val="F26B43"/>
@@ -37976,7 +38552,7 @@
           <a:blip r:embed="rId11" cstate="print">
             <a:extLst>
               <a:ext uri="{28A0092B-C50C-407E-A947-70E740481C1C}">
-                <a14:useLocalDpi xmlns:a14="http://schemas.microsoft.com/office/drawing/2010/main" xmlns="" val="0"/>
+                <a14:useLocalDpi xmlns="" xmlns:a14="http://schemas.microsoft.com/office/drawing/2010/main" val="0"/>
               </a:ext>
             </a:extLst>
           </a:blip>
@@ -37997,7 +38573,7 @@
     </p:spTree>
     <p:extLst>
       <p:ext uri="{BB962C8B-B14F-4D97-AF65-F5344CB8AC3E}">
-        <p14:creationId xmlns:p14="http://schemas.microsoft.com/office/powerpoint/2010/main" xmlns="" val="3168872595"/>
+        <p14:creationId xmlns="" xmlns:p14="http://schemas.microsoft.com/office/powerpoint/2010/main" val="3168872595"/>
       </p:ext>
     </p:extLst>
   </p:cSld>
@@ -38302,7 +38878,7 @@
   </p:txStyles>
   <p:extLst mod="1">
     <p:ext uri="{27BBF7A9-308A-43DC-89C8-2F10F3537804}">
-      <p15:sldGuideLst xmlns:p15="http://schemas.microsoft.com/office/powerpoint/2012/main" xmlns="">
+      <p15:sldGuideLst xmlns="" xmlns:p15="http://schemas.microsoft.com/office/powerpoint/2012/main">
         <p15:guide id="1" pos="92" userDrawn="1">
           <p15:clr>
             <a:srgbClr val="F26B43"/>
@@ -39468,7 +40044,7 @@
           <a:blip r:embed="rId11" cstate="print">
             <a:extLst>
               <a:ext uri="{28A0092B-C50C-407E-A947-70E740481C1C}">
-                <a14:useLocalDpi xmlns:a14="http://schemas.microsoft.com/office/drawing/2010/main" xmlns="" val="0"/>
+                <a14:useLocalDpi xmlns="" xmlns:a14="http://schemas.microsoft.com/office/drawing/2010/main" val="0"/>
               </a:ext>
             </a:extLst>
           </a:blip>
@@ -39489,7 +40065,7 @@
     </p:spTree>
     <p:extLst>
       <p:ext uri="{BB962C8B-B14F-4D97-AF65-F5344CB8AC3E}">
-        <p14:creationId xmlns:p14="http://schemas.microsoft.com/office/powerpoint/2010/main" xmlns="" val="4100797268"/>
+        <p14:creationId xmlns="" xmlns:p14="http://schemas.microsoft.com/office/powerpoint/2010/main" val="4100797268"/>
       </p:ext>
     </p:extLst>
   </p:cSld>
@@ -39794,7 +40370,7 @@
   </p:txStyles>
   <p:extLst mod="1">
     <p:ext uri="{27BBF7A9-308A-43DC-89C8-2F10F3537804}">
-      <p15:sldGuideLst xmlns:p15="http://schemas.microsoft.com/office/powerpoint/2012/main" xmlns="">
+      <p15:sldGuideLst xmlns="" xmlns:p15="http://schemas.microsoft.com/office/powerpoint/2012/main">
         <p15:guide id="1" pos="92" userDrawn="1">
           <p15:clr>
             <a:srgbClr val="F26B43"/>
@@ -40960,7 +41536,7 @@
           <a:blip r:embed="rId11" cstate="print">
             <a:extLst>
               <a:ext uri="{28A0092B-C50C-407E-A947-70E740481C1C}">
-                <a14:useLocalDpi xmlns:a14="http://schemas.microsoft.com/office/drawing/2010/main" xmlns="" val="0"/>
+                <a14:useLocalDpi xmlns="" xmlns:a14="http://schemas.microsoft.com/office/drawing/2010/main" val="0"/>
               </a:ext>
             </a:extLst>
           </a:blip>
@@ -40981,7 +41557,7 @@
     </p:spTree>
     <p:extLst>
       <p:ext uri="{BB962C8B-B14F-4D97-AF65-F5344CB8AC3E}">
-        <p14:creationId xmlns:p14="http://schemas.microsoft.com/office/powerpoint/2010/main" xmlns="" val="2656459872"/>
+        <p14:creationId xmlns="" xmlns:p14="http://schemas.microsoft.com/office/powerpoint/2010/main" val="2656459872"/>
       </p:ext>
     </p:extLst>
   </p:cSld>
@@ -41286,7 +41862,7 @@
   </p:txStyles>
   <p:extLst mod="1">
     <p:ext uri="{27BBF7A9-308A-43DC-89C8-2F10F3537804}">
-      <p15:sldGuideLst xmlns:p15="http://schemas.microsoft.com/office/powerpoint/2012/main" xmlns="">
+      <p15:sldGuideLst xmlns="" xmlns:p15="http://schemas.microsoft.com/office/powerpoint/2012/main">
         <p15:guide id="1" pos="92" userDrawn="1">
           <p15:clr>
             <a:srgbClr val="F26B43"/>
@@ -42452,7 +43028,7 @@
           <a:blip r:embed="rId11" cstate="print">
             <a:extLst>
               <a:ext uri="{28A0092B-C50C-407E-A947-70E740481C1C}">
-                <a14:useLocalDpi xmlns:a14="http://schemas.microsoft.com/office/drawing/2010/main" xmlns="" val="0"/>
+                <a14:useLocalDpi xmlns="" xmlns:a14="http://schemas.microsoft.com/office/drawing/2010/main" val="0"/>
               </a:ext>
             </a:extLst>
           </a:blip>
@@ -42473,7 +43049,7 @@
     </p:spTree>
     <p:extLst>
       <p:ext uri="{BB962C8B-B14F-4D97-AF65-F5344CB8AC3E}">
-        <p14:creationId xmlns:p14="http://schemas.microsoft.com/office/powerpoint/2010/main" xmlns="" val="2300507993"/>
+        <p14:creationId xmlns="" xmlns:p14="http://schemas.microsoft.com/office/powerpoint/2010/main" val="2300507993"/>
       </p:ext>
     </p:extLst>
   </p:cSld>
@@ -42778,7 +43354,7 @@
   </p:txStyles>
   <p:extLst mod="1">
     <p:ext uri="{27BBF7A9-308A-43DC-89C8-2F10F3537804}">
-      <p15:sldGuideLst xmlns:p15="http://schemas.microsoft.com/office/powerpoint/2012/main" xmlns="">
+      <p15:sldGuideLst xmlns="" xmlns:p15="http://schemas.microsoft.com/office/powerpoint/2012/main">
         <p15:guide id="1" pos="92" userDrawn="1">
           <p15:clr>
             <a:srgbClr val="F26B43"/>
@@ -42992,7 +43568,7 @@
           <a:blip r:embed="rId3" cstate="print">
             <a:extLst>
               <a:ext uri="{28A0092B-C50C-407E-A947-70E740481C1C}">
-                <a14:useLocalDpi xmlns:a14="http://schemas.microsoft.com/office/drawing/2010/main" xmlns="" val="0"/>
+                <a14:useLocalDpi xmlns="" xmlns:a14="http://schemas.microsoft.com/office/drawing/2010/main" val="0"/>
               </a:ext>
             </a:extLst>
           </a:blip>
@@ -43006,7 +43582,7 @@
     </p:spTree>
     <p:extLst>
       <p:ext uri="{BB962C8B-B14F-4D97-AF65-F5344CB8AC3E}">
-        <p14:creationId xmlns:p14="http://schemas.microsoft.com/office/powerpoint/2010/main" xmlns="" val="4038906334"/>
+        <p14:creationId xmlns="" xmlns:p14="http://schemas.microsoft.com/office/powerpoint/2010/main" val="4038906334"/>
       </p:ext>
     </p:extLst>
   </p:cSld>
@@ -43160,7 +43736,7 @@
     </p:spTree>
     <p:extLst>
       <p:ext uri="{BB962C8B-B14F-4D97-AF65-F5344CB8AC3E}">
-        <p14:creationId xmlns:p14="http://schemas.microsoft.com/office/powerpoint/2010/main" xmlns="" val="221369824"/>
+        <p14:creationId xmlns="" xmlns:p14="http://schemas.microsoft.com/office/powerpoint/2010/main" val="221369824"/>
       </p:ext>
     </p:extLst>
   </p:cSld>
@@ -43491,7 +44067,7 @@
     </p:spTree>
     <p:extLst>
       <p:ext uri="{BB962C8B-B14F-4D97-AF65-F5344CB8AC3E}">
-        <p14:creationId xmlns:p14="http://schemas.microsoft.com/office/powerpoint/2010/main" xmlns="" val="1450472921"/>
+        <p14:creationId xmlns="" xmlns:p14="http://schemas.microsoft.com/office/powerpoint/2010/main" val="1450472921"/>
       </p:ext>
     </p:extLst>
   </p:cSld>
@@ -43639,7 +44215,7 @@
     </p:spTree>
     <p:extLst>
       <p:ext uri="{BB962C8B-B14F-4D97-AF65-F5344CB8AC3E}">
-        <p14:creationId xmlns:p14="http://schemas.microsoft.com/office/powerpoint/2010/main" xmlns="" val="1104005316"/>
+        <p14:creationId xmlns="" xmlns:p14="http://schemas.microsoft.com/office/powerpoint/2010/main" val="1104005316"/>
       </p:ext>
     </p:extLst>
   </p:cSld>
@@ -43787,7 +44363,7 @@
     </p:spTree>
     <p:extLst>
       <p:ext uri="{BB962C8B-B14F-4D97-AF65-F5344CB8AC3E}">
-        <p14:creationId xmlns:p14="http://schemas.microsoft.com/office/powerpoint/2010/main" xmlns="" val="1040186831"/>
+        <p14:creationId xmlns="" xmlns:p14="http://schemas.microsoft.com/office/powerpoint/2010/main" val="1040186831"/>
       </p:ext>
     </p:extLst>
   </p:cSld>
@@ -43936,7 +44512,7 @@
     </p:spTree>
     <p:extLst>
       <p:ext uri="{BB962C8B-B14F-4D97-AF65-F5344CB8AC3E}">
-        <p14:creationId xmlns:p14="http://schemas.microsoft.com/office/powerpoint/2010/main" xmlns="" val="863373104"/>
+        <p14:creationId xmlns="" xmlns:p14="http://schemas.microsoft.com/office/powerpoint/2010/main" val="863373104"/>
       </p:ext>
     </p:extLst>
   </p:cSld>
@@ -44081,7 +44657,7 @@
     </p:spTree>
     <p:extLst>
       <p:ext uri="{BB962C8B-B14F-4D97-AF65-F5344CB8AC3E}">
-        <p14:creationId xmlns:p14="http://schemas.microsoft.com/office/powerpoint/2010/main" xmlns="" val="2345234706"/>
+        <p14:creationId xmlns="" xmlns:p14="http://schemas.microsoft.com/office/powerpoint/2010/main" val="2345234706"/>
       </p:ext>
     </p:extLst>
   </p:cSld>
@@ -44218,7 +44794,7 @@
           <a:blip r:embed="rId3" cstate="print">
             <a:extLst>
               <a:ext uri="{28A0092B-C50C-407E-A947-70E740481C1C}">
-                <a14:useLocalDpi xmlns:a14="http://schemas.microsoft.com/office/drawing/2010/main" xmlns="" val="0"/>
+                <a14:useLocalDpi xmlns="" xmlns:a14="http://schemas.microsoft.com/office/drawing/2010/main" val="0"/>
               </a:ext>
             </a:extLst>
           </a:blip>
@@ -44236,7 +44812,7 @@
     </p:spTree>
     <p:extLst>
       <p:ext uri="{BB962C8B-B14F-4D97-AF65-F5344CB8AC3E}">
-        <p14:creationId xmlns:p14="http://schemas.microsoft.com/office/powerpoint/2010/main" xmlns="" val="2857788226"/>
+        <p14:creationId xmlns="" xmlns:p14="http://schemas.microsoft.com/office/powerpoint/2010/main" val="2857788226"/>
       </p:ext>
     </p:extLst>
   </p:cSld>
@@ -44620,14 +45196,7 @@
                 <a:latin typeface="Cambria Math" pitchFamily="18" charset="0"/>
                 <a:ea typeface="Cambria Math" pitchFamily="18" charset="0"/>
               </a:rPr>
-              <a:t> </a:t>
-            </a:r>
-            <a:r>
-              <a:rPr lang="de-CH" sz="2000" dirty="0" smtClean="0">
-                <a:latin typeface="Cambria Math" pitchFamily="18" charset="0"/>
-                <a:ea typeface="Cambria Math" pitchFamily="18" charset="0"/>
-              </a:rPr>
-              <a:t>(</a:t>
+              <a:t> (</a:t>
             </a:r>
             <a:r>
               <a:rPr lang="de-CH" sz="2000" dirty="0" err="1" smtClean="0">
@@ -44653,14 +45222,7 @@
                 <a:latin typeface="Cambria Math" pitchFamily="18" charset="0"/>
                 <a:ea typeface="Cambria Math" pitchFamily="18" charset="0"/>
               </a:rPr>
-              <a:t>	</a:t>
-            </a:r>
-            <a:r>
-              <a:rPr lang="de-CH" sz="2000" dirty="0" smtClean="0">
-                <a:latin typeface="Cambria Math" pitchFamily="18" charset="0"/>
-                <a:ea typeface="Cambria Math" pitchFamily="18" charset="0"/>
-              </a:rPr>
-              <a:t>	save </a:t>
+              <a:t>		save </a:t>
             </a:r>
             <a:r>
               <a:rPr lang="de-CH" sz="2000" dirty="0" err="1" smtClean="0">
@@ -45053,6 +45615,11 @@
               </a:rPr>
               <a:t>)</a:t>
             </a:r>
+            <a:endParaRPr lang="de-CH" sz="2000" dirty="0" smtClean="0">
+              <a:latin typeface="Cambria Math" pitchFamily="18" charset="0"/>
+              <a:ea typeface="Cambria Math" pitchFamily="18" charset="0"/>
+              <a:cs typeface="Calibri" pitchFamily="34" charset="0"/>
+            </a:endParaRPr>
           </a:p>
           <a:p>
             <a:pPr>
@@ -45359,7 +45926,7 @@
           <p:nvPr/>
         </p:nvPicPr>
         <p:blipFill>
-          <a:blip r:embed="rId2" cstate="print">
+          <a:blip r:embed="rId3" cstate="print">
             <a:clrChange>
               <a:clrFrom>
                 <a:srgbClr val="FFFFFF"/>
@@ -45434,7 +46001,7 @@
           <p:nvPr/>
         </p:nvPicPr>
         <p:blipFill>
-          <a:blip r:embed="rId3" cstate="print">
+          <a:blip r:embed="rId4" cstate="print">
             <a:clrChange>
               <a:clrFrom>
                 <a:srgbClr val="FFFFFF"/>
@@ -45509,7 +46076,7 @@
           <p:nvPr/>
         </p:nvPicPr>
         <p:blipFill>
-          <a:blip r:embed="rId4" cstate="print">
+          <a:blip r:embed="rId5" cstate="print">
             <a:clrChange>
               <a:clrFrom>
                 <a:srgbClr val="FFFFFF"/>
@@ -45546,7 +46113,7 @@
           <p:nvPr/>
         </p:nvPicPr>
         <p:blipFill>
-          <a:blip r:embed="rId5" cstate="print">
+          <a:blip r:embed="rId6" cstate="print">
             <a:clrChange>
               <a:clrFrom>
                 <a:srgbClr val="FFFFFF"/>
@@ -45726,7 +46293,7 @@
     </p:spTree>
     <p:extLst>
       <p:ext uri="{BB962C8B-B14F-4D97-AF65-F5344CB8AC3E}">
-        <p14:creationId xmlns:p14="http://schemas.microsoft.com/office/powerpoint/2010/main" xmlns="" val="2419372346"/>
+        <p14:creationId xmlns="" xmlns:p14="http://schemas.microsoft.com/office/powerpoint/2010/main" val="2419372346"/>
       </p:ext>
     </p:extLst>
   </p:cSld>
@@ -46054,7 +46621,7 @@
     </p:spTree>
     <p:extLst>
       <p:ext uri="{BB962C8B-B14F-4D97-AF65-F5344CB8AC3E}">
-        <p14:creationId xmlns:p14="http://schemas.microsoft.com/office/powerpoint/2010/main" xmlns="" val="3307930596"/>
+        <p14:creationId xmlns="" xmlns:p14="http://schemas.microsoft.com/office/powerpoint/2010/main" val="3307930596"/>
       </p:ext>
     </p:extLst>
   </p:cSld>
@@ -46222,7 +46789,7 @@
     </p:spTree>
     <p:extLst>
       <p:ext uri="{BB962C8B-B14F-4D97-AF65-F5344CB8AC3E}">
-        <p14:creationId xmlns:p14="http://schemas.microsoft.com/office/powerpoint/2010/main" xmlns="" val="2296392827"/>
+        <p14:creationId xmlns="" xmlns:p14="http://schemas.microsoft.com/office/powerpoint/2010/main" val="2296392827"/>
       </p:ext>
     </p:extLst>
   </p:cSld>
@@ -46547,7 +47114,7 @@
     </p:spTree>
     <p:extLst>
       <p:ext uri="{BB962C8B-B14F-4D97-AF65-F5344CB8AC3E}">
-        <p14:creationId xmlns:p14="http://schemas.microsoft.com/office/powerpoint/2010/main" xmlns="" val="4216090291"/>
+        <p14:creationId xmlns="" xmlns:p14="http://schemas.microsoft.com/office/powerpoint/2010/main" val="4216090291"/>
       </p:ext>
     </p:extLst>
   </p:cSld>
@@ -46970,7 +47537,7 @@
   </a:custClrLst>
   <a:extLst>
     <a:ext uri="{05A4C25C-085E-4340-85A3-A5531E510DB2}">
-      <thm15:themeFamily xmlns:thm15="http://schemas.microsoft.com/office/thememl/2012/main" xmlns="" name="eth_praesentation_16zu9_ETH1_d" id="{F9B539DF-8A69-4439-8089-24A40A980317}" vid="{5D9C827C-5BA7-402A-8ABB-C7F0BA4B4DEC}"/>
+      <thm15:themeFamily xmlns="" xmlns:thm15="http://schemas.microsoft.com/office/thememl/2012/main" name="eth_praesentation_16zu9_ETH1_d" id="{F9B539DF-8A69-4439-8089-24A40A980317}" vid="{5D9C827C-5BA7-402A-8ABB-C7F0BA4B4DEC}"/>
     </a:ext>
   </a:extLst>
 </a:theme>
@@ -47991,7 +48558,7 @@
   </a:custClrLst>
   <a:extLst>
     <a:ext uri="{05A4C25C-085E-4340-85A3-A5531E510DB2}">
-      <thm15:themeFamily xmlns:thm15="http://schemas.microsoft.com/office/thememl/2012/main" xmlns="" name="eth_praesentation_16zu9_ETH1_d" id="{F9B539DF-8A69-4439-8089-24A40A980317}" vid="{5D9C827C-5BA7-402A-8ABB-C7F0BA4B4DEC}"/>
+      <thm15:themeFamily xmlns="" xmlns:thm15="http://schemas.microsoft.com/office/thememl/2012/main" name="eth_praesentation_16zu9_ETH1_d" id="{F9B539DF-8A69-4439-8089-24A40A980317}" vid="{5D9C827C-5BA7-402A-8ABB-C7F0BA4B4DEC}"/>
     </a:ext>
   </a:extLst>
 </a:theme>
@@ -48407,7 +48974,7 @@
   </a:custClrLst>
   <a:extLst>
     <a:ext uri="{05A4C25C-085E-4340-85A3-A5531E510DB2}">
-      <thm15:themeFamily xmlns:thm15="http://schemas.microsoft.com/office/thememl/2012/main" xmlns="" name="eth_praesentation_16zu9_ETH1_d" id="{F9B539DF-8A69-4439-8089-24A40A980317}" vid="{5D9C827C-5BA7-402A-8ABB-C7F0BA4B4DEC}"/>
+      <thm15:themeFamily xmlns="" xmlns:thm15="http://schemas.microsoft.com/office/thememl/2012/main" name="eth_praesentation_16zu9_ETH1_d" id="{F9B539DF-8A69-4439-8089-24A40A980317}" vid="{5D9C827C-5BA7-402A-8ABB-C7F0BA4B4DEC}"/>
     </a:ext>
   </a:extLst>
 </a:theme>
@@ -48823,7 +49390,7 @@
   </a:custClrLst>
   <a:extLst>
     <a:ext uri="{05A4C25C-085E-4340-85A3-A5531E510DB2}">
-      <thm15:themeFamily xmlns:thm15="http://schemas.microsoft.com/office/thememl/2012/main" xmlns="" name="eth_praesentation_16zu9_ETH1_d" id="{F9B539DF-8A69-4439-8089-24A40A980317}" vid="{5D9C827C-5BA7-402A-8ABB-C7F0BA4B4DEC}"/>
+      <thm15:themeFamily xmlns="" xmlns:thm15="http://schemas.microsoft.com/office/thememl/2012/main" name="eth_praesentation_16zu9_ETH1_d" id="{F9B539DF-8A69-4439-8089-24A40A980317}" vid="{5D9C827C-5BA7-402A-8ABB-C7F0BA4B4DEC}"/>
     </a:ext>
   </a:extLst>
 </a:theme>
@@ -49239,7 +49806,7 @@
   </a:custClrLst>
   <a:extLst>
     <a:ext uri="{05A4C25C-085E-4340-85A3-A5531E510DB2}">
-      <thm15:themeFamily xmlns:thm15="http://schemas.microsoft.com/office/thememl/2012/main" xmlns="" name="eth_praesentation_16zu9_ETH1_d" id="{F9B539DF-8A69-4439-8089-24A40A980317}" vid="{5D9C827C-5BA7-402A-8ABB-C7F0BA4B4DEC}"/>
+      <thm15:themeFamily xmlns="" xmlns:thm15="http://schemas.microsoft.com/office/thememl/2012/main" name="eth_praesentation_16zu9_ETH1_d" id="{F9B539DF-8A69-4439-8089-24A40A980317}" vid="{5D9C827C-5BA7-402A-8ABB-C7F0BA4B4DEC}"/>
     </a:ext>
   </a:extLst>
 </a:theme>
@@ -49655,7 +50222,7 @@
   </a:custClrLst>
   <a:extLst>
     <a:ext uri="{05A4C25C-085E-4340-85A3-A5531E510DB2}">
-      <thm15:themeFamily xmlns:thm15="http://schemas.microsoft.com/office/thememl/2012/main" xmlns="" name="eth_praesentation_16zu9_ETH1_d" id="{F9B539DF-8A69-4439-8089-24A40A980317}" vid="{5D9C827C-5BA7-402A-8ABB-C7F0BA4B4DEC}"/>
+      <thm15:themeFamily xmlns="" xmlns:thm15="http://schemas.microsoft.com/office/thememl/2012/main" name="eth_praesentation_16zu9_ETH1_d" id="{F9B539DF-8A69-4439-8089-24A40A980317}" vid="{5D9C827C-5BA7-402A-8ABB-C7F0BA4B4DEC}"/>
     </a:ext>
   </a:extLst>
 </a:theme>
@@ -50071,7 +50638,7 @@
   </a:custClrLst>
   <a:extLst>
     <a:ext uri="{05A4C25C-085E-4340-85A3-A5531E510DB2}">
-      <thm15:themeFamily xmlns:thm15="http://schemas.microsoft.com/office/thememl/2012/main" xmlns="" name="eth_praesentation_16zu9_ETH1_d" id="{F9B539DF-8A69-4439-8089-24A40A980317}" vid="{5D9C827C-5BA7-402A-8ABB-C7F0BA4B4DEC}"/>
+      <thm15:themeFamily xmlns="" xmlns:thm15="http://schemas.microsoft.com/office/thememl/2012/main" name="eth_praesentation_16zu9_ETH1_d" id="{F9B539DF-8A69-4439-8089-24A40A980317}" vid="{5D9C827C-5BA7-402A-8ABB-C7F0BA4B4DEC}"/>
     </a:ext>
   </a:extLst>
 </a:theme>
@@ -50487,7 +51054,7 @@
   </a:custClrLst>
   <a:extLst>
     <a:ext uri="{05A4C25C-085E-4340-85A3-A5531E510DB2}">
-      <thm15:themeFamily xmlns:thm15="http://schemas.microsoft.com/office/thememl/2012/main" xmlns="" name="eth_praesentation_16zu9_ETH1_d" id="{F9B539DF-8A69-4439-8089-24A40A980317}" vid="{5D9C827C-5BA7-402A-8ABB-C7F0BA4B4DEC}"/>
+      <thm15:themeFamily xmlns="" xmlns:thm15="http://schemas.microsoft.com/office/thememl/2012/main" name="eth_praesentation_16zu9_ETH1_d" id="{F9B539DF-8A69-4439-8089-24A40A980317}" vid="{5D9C827C-5BA7-402A-8ABB-C7F0BA4B4DEC}"/>
     </a:ext>
   </a:extLst>
 </a:theme>
@@ -50903,7 +51470,7 @@
   </a:custClrLst>
   <a:extLst>
     <a:ext uri="{05A4C25C-085E-4340-85A3-A5531E510DB2}">
-      <thm15:themeFamily xmlns:thm15="http://schemas.microsoft.com/office/thememl/2012/main" xmlns="" name="eth_praesentation_16zu9_ETH1_d" id="{F9B539DF-8A69-4439-8089-24A40A980317}" vid="{5D9C827C-5BA7-402A-8ABB-C7F0BA4B4DEC}"/>
+      <thm15:themeFamily xmlns="" xmlns:thm15="http://schemas.microsoft.com/office/thememl/2012/main" name="eth_praesentation_16zu9_ETH1_d" id="{F9B539DF-8A69-4439-8089-24A40A980317}" vid="{5D9C827C-5BA7-402A-8ABB-C7F0BA4B4DEC}"/>
     </a:ext>
   </a:extLst>
 </a:theme>
